--- a/documentation/Mockups/powerpoint-pdf-mocks/mock-views.pptx
+++ b/documentation/Mockups/powerpoint-pdf-mocks/mock-views.pptx
@@ -272,7 +272,7 @@
           <a:p>
             <a:fld id="{D8CF119D-88CE-43A9-A1CB-35AB162FA1F6}" type="datetimeFigureOut">
               <a:rPr lang="en-US" smtClean="0"/>
-              <a:t>9/12/2019</a:t>
+              <a:t>9/13/2019</a:t>
             </a:fld>
             <a:endParaRPr lang="en-US"/>
           </a:p>
@@ -470,7 +470,7 @@
           <a:p>
             <a:fld id="{D8CF119D-88CE-43A9-A1CB-35AB162FA1F6}" type="datetimeFigureOut">
               <a:rPr lang="en-US" smtClean="0"/>
-              <a:t>9/12/2019</a:t>
+              <a:t>9/13/2019</a:t>
             </a:fld>
             <a:endParaRPr lang="en-US"/>
           </a:p>
@@ -678,7 +678,7 @@
           <a:p>
             <a:fld id="{D8CF119D-88CE-43A9-A1CB-35AB162FA1F6}" type="datetimeFigureOut">
               <a:rPr lang="en-US" smtClean="0"/>
-              <a:t>9/12/2019</a:t>
+              <a:t>9/13/2019</a:t>
             </a:fld>
             <a:endParaRPr lang="en-US"/>
           </a:p>
@@ -876,7 +876,7 @@
           <a:p>
             <a:fld id="{D8CF119D-88CE-43A9-A1CB-35AB162FA1F6}" type="datetimeFigureOut">
               <a:rPr lang="en-US" smtClean="0"/>
-              <a:t>9/12/2019</a:t>
+              <a:t>9/13/2019</a:t>
             </a:fld>
             <a:endParaRPr lang="en-US"/>
           </a:p>
@@ -1151,7 +1151,7 @@
           <a:p>
             <a:fld id="{D8CF119D-88CE-43A9-A1CB-35AB162FA1F6}" type="datetimeFigureOut">
               <a:rPr lang="en-US" smtClean="0"/>
-              <a:t>9/12/2019</a:t>
+              <a:t>9/13/2019</a:t>
             </a:fld>
             <a:endParaRPr lang="en-US"/>
           </a:p>
@@ -1416,7 +1416,7 @@
           <a:p>
             <a:fld id="{D8CF119D-88CE-43A9-A1CB-35AB162FA1F6}" type="datetimeFigureOut">
               <a:rPr lang="en-US" smtClean="0"/>
-              <a:t>9/12/2019</a:t>
+              <a:t>9/13/2019</a:t>
             </a:fld>
             <a:endParaRPr lang="en-US"/>
           </a:p>
@@ -1828,7 +1828,7 @@
           <a:p>
             <a:fld id="{D8CF119D-88CE-43A9-A1CB-35AB162FA1F6}" type="datetimeFigureOut">
               <a:rPr lang="en-US" smtClean="0"/>
-              <a:t>9/12/2019</a:t>
+              <a:t>9/13/2019</a:t>
             </a:fld>
             <a:endParaRPr lang="en-US"/>
           </a:p>
@@ -1969,7 +1969,7 @@
           <a:p>
             <a:fld id="{D8CF119D-88CE-43A9-A1CB-35AB162FA1F6}" type="datetimeFigureOut">
               <a:rPr lang="en-US" smtClean="0"/>
-              <a:t>9/12/2019</a:t>
+              <a:t>9/13/2019</a:t>
             </a:fld>
             <a:endParaRPr lang="en-US"/>
           </a:p>
@@ -2082,7 +2082,7 @@
           <a:p>
             <a:fld id="{D8CF119D-88CE-43A9-A1CB-35AB162FA1F6}" type="datetimeFigureOut">
               <a:rPr lang="en-US" smtClean="0"/>
-              <a:t>9/12/2019</a:t>
+              <a:t>9/13/2019</a:t>
             </a:fld>
             <a:endParaRPr lang="en-US"/>
           </a:p>
@@ -2393,7 +2393,7 @@
           <a:p>
             <a:fld id="{D8CF119D-88CE-43A9-A1CB-35AB162FA1F6}" type="datetimeFigureOut">
               <a:rPr lang="en-US" smtClean="0"/>
-              <a:t>9/12/2019</a:t>
+              <a:t>9/13/2019</a:t>
             </a:fld>
             <a:endParaRPr lang="en-US"/>
           </a:p>
@@ -2681,7 +2681,7 @@
           <a:p>
             <a:fld id="{D8CF119D-88CE-43A9-A1CB-35AB162FA1F6}" type="datetimeFigureOut">
               <a:rPr lang="en-US" smtClean="0"/>
-              <a:t>9/12/2019</a:t>
+              <a:t>9/13/2019</a:t>
             </a:fld>
             <a:endParaRPr lang="en-US"/>
           </a:p>
@@ -2922,7 +2922,7 @@
           <a:p>
             <a:fld id="{D8CF119D-88CE-43A9-A1CB-35AB162FA1F6}" type="datetimeFigureOut">
               <a:rPr lang="en-US" smtClean="0"/>
-              <a:t>9/12/2019</a:t>
+              <a:t>9/13/2019</a:t>
             </a:fld>
             <a:endParaRPr lang="en-US"/>
           </a:p>
@@ -3347,683 +3347,6 @@
           <a:chExt cx="0" cy="0"/>
         </a:xfrm>
       </p:grpSpPr>
-      <p:sp>
-        <p:nvSpPr>
-          <p:cNvPr id="4" name="Rectangle 3">
-            <a:extLst>
-              <a:ext uri="{FF2B5EF4-FFF2-40B4-BE49-F238E27FC236}">
-                <a16:creationId xmlns:a16="http://schemas.microsoft.com/office/drawing/2014/main" id="{BEB1926F-B812-4182-AC39-96C1A336EE5A}"/>
-              </a:ext>
-            </a:extLst>
-          </p:cNvPr>
-          <p:cNvSpPr/>
-          <p:nvPr/>
-        </p:nvSpPr>
-        <p:spPr>
-          <a:xfrm>
-            <a:off x="0" y="-5518"/>
-            <a:ext cx="12192000" cy="638665"/>
-          </a:xfrm>
-          <a:prstGeom prst="rect">
-            <a:avLst/>
-          </a:prstGeom>
-          <a:solidFill>
-            <a:srgbClr val="192857"/>
-          </a:solidFill>
-        </p:spPr>
-        <p:style>
-          <a:lnRef idx="2">
-            <a:schemeClr val="accent1">
-              <a:shade val="50000"/>
-            </a:schemeClr>
-          </a:lnRef>
-          <a:fillRef idx="1">
-            <a:schemeClr val="accent1"/>
-          </a:fillRef>
-          <a:effectRef idx="0">
-            <a:schemeClr val="accent1"/>
-          </a:effectRef>
-          <a:fontRef idx="minor">
-            <a:schemeClr val="lt1"/>
-          </a:fontRef>
-        </p:style>
-        <p:txBody>
-          <a:bodyPr rtlCol="0" anchor="ctr"/>
-          <a:lstStyle/>
-          <a:p>
-            <a:pPr algn="ctr"/>
-            <a:endParaRPr lang="en-US"/>
-          </a:p>
-        </p:txBody>
-      </p:sp>
-      <p:grpSp>
-        <p:nvGrpSpPr>
-          <p:cNvPr id="14" name="Group 13">
-            <a:extLst>
-              <a:ext uri="{FF2B5EF4-FFF2-40B4-BE49-F238E27FC236}">
-                <a16:creationId xmlns:a16="http://schemas.microsoft.com/office/drawing/2014/main" id="{D3EFAE7F-8139-440D-A9CA-B37C6E346EE3}"/>
-              </a:ext>
-            </a:extLst>
-          </p:cNvPr>
-          <p:cNvGrpSpPr/>
-          <p:nvPr/>
-        </p:nvGrpSpPr>
-        <p:grpSpPr>
-          <a:xfrm>
-            <a:off x="2023927" y="97421"/>
-            <a:ext cx="3028757" cy="378073"/>
-            <a:chOff x="3427615" y="123834"/>
-            <a:chExt cx="2668385" cy="378073"/>
-          </a:xfrm>
-        </p:grpSpPr>
-        <p:sp>
-          <p:nvSpPr>
-            <p:cNvPr id="12" name="Rectangle: Rounded Corners 11">
-              <a:extLst>
-                <a:ext uri="{FF2B5EF4-FFF2-40B4-BE49-F238E27FC236}">
-                  <a16:creationId xmlns:a16="http://schemas.microsoft.com/office/drawing/2014/main" id="{AF305521-C515-46EA-9D38-C183EF77F5AF}"/>
-                </a:ext>
-              </a:extLst>
-            </p:cNvPr>
-            <p:cNvSpPr/>
-            <p:nvPr/>
-          </p:nvSpPr>
-          <p:spPr>
-            <a:xfrm>
-              <a:off x="3427615" y="132575"/>
-              <a:ext cx="2668385" cy="369332"/>
-            </a:xfrm>
-            <a:prstGeom prst="roundRect">
-              <a:avLst/>
-            </a:prstGeom>
-            <a:solidFill>
-              <a:srgbClr val="F2F2F2"/>
-            </a:solidFill>
-          </p:spPr>
-          <p:style>
-            <a:lnRef idx="2">
-              <a:schemeClr val="accent1">
-                <a:shade val="50000"/>
-              </a:schemeClr>
-            </a:lnRef>
-            <a:fillRef idx="1">
-              <a:schemeClr val="accent1"/>
-            </a:fillRef>
-            <a:effectRef idx="0">
-              <a:schemeClr val="accent1"/>
-            </a:effectRef>
-            <a:fontRef idx="minor">
-              <a:schemeClr val="lt1"/>
-            </a:fontRef>
-          </p:style>
-          <p:txBody>
-            <a:bodyPr rtlCol="0" anchor="ctr"/>
-            <a:lstStyle/>
-            <a:p>
-              <a:pPr algn="ctr"/>
-              <a:endParaRPr lang="en-US"/>
-            </a:p>
-          </p:txBody>
-        </p:sp>
-        <p:sp>
-          <p:nvSpPr>
-            <p:cNvPr id="13" name="TextBox 12">
-              <a:extLst>
-                <a:ext uri="{FF2B5EF4-FFF2-40B4-BE49-F238E27FC236}">
-                  <a16:creationId xmlns:a16="http://schemas.microsoft.com/office/drawing/2014/main" id="{B3E0795B-80DE-4C4D-B46F-C72B3A55C35E}"/>
-                </a:ext>
-              </a:extLst>
-            </p:cNvPr>
-            <p:cNvSpPr txBox="1"/>
-            <p:nvPr/>
-          </p:nvSpPr>
-          <p:spPr>
-            <a:xfrm>
-              <a:off x="3427615" y="123834"/>
-              <a:ext cx="2402378" cy="369332"/>
-            </a:xfrm>
-            <a:prstGeom prst="rect">
-              <a:avLst/>
-            </a:prstGeom>
-            <a:noFill/>
-          </p:spPr>
-          <p:txBody>
-            <a:bodyPr wrap="square" rtlCol="0">
-              <a:spAutoFit/>
-            </a:bodyPr>
-            <a:lstStyle/>
-            <a:p>
-              <a:r>
-                <a:rPr lang="en-US" dirty="0">
-                  <a:solidFill>
-                    <a:schemeClr val="bg2">
-                      <a:lumMod val="50000"/>
-                    </a:schemeClr>
-                  </a:solidFill>
-                </a:rPr>
-                <a:t>Quick Search…</a:t>
-              </a:r>
-            </a:p>
-          </p:txBody>
-        </p:sp>
-      </p:grpSp>
-      <p:grpSp>
-        <p:nvGrpSpPr>
-          <p:cNvPr id="24" name="Group 23">
-            <a:extLst>
-              <a:ext uri="{FF2B5EF4-FFF2-40B4-BE49-F238E27FC236}">
-                <a16:creationId xmlns:a16="http://schemas.microsoft.com/office/drawing/2014/main" id="{A866E011-8CFD-4529-9067-9AE9A954C117}"/>
-              </a:ext>
-            </a:extLst>
-          </p:cNvPr>
-          <p:cNvGrpSpPr/>
-          <p:nvPr/>
-        </p:nvGrpSpPr>
-        <p:grpSpPr>
-          <a:xfrm>
-            <a:off x="5204451" y="125253"/>
-            <a:ext cx="365760" cy="299258"/>
-            <a:chOff x="623455" y="856211"/>
-            <a:chExt cx="498763" cy="415636"/>
-          </a:xfrm>
-        </p:grpSpPr>
-        <p:sp>
-          <p:nvSpPr>
-            <p:cNvPr id="15" name="Rectangle: Rounded Corners 14">
-              <a:extLst>
-                <a:ext uri="{FF2B5EF4-FFF2-40B4-BE49-F238E27FC236}">
-                  <a16:creationId xmlns:a16="http://schemas.microsoft.com/office/drawing/2014/main" id="{E3CE49D6-69C2-415F-871F-03C79060A46C}"/>
-                </a:ext>
-              </a:extLst>
-            </p:cNvPr>
-            <p:cNvSpPr/>
-            <p:nvPr/>
-          </p:nvSpPr>
-          <p:spPr>
-            <a:xfrm>
-              <a:off x="623455" y="856211"/>
-              <a:ext cx="498763" cy="415636"/>
-            </a:xfrm>
-            <a:prstGeom prst="roundRect">
-              <a:avLst/>
-            </a:prstGeom>
-            <a:solidFill>
-              <a:srgbClr val="BFA458"/>
-            </a:solidFill>
-          </p:spPr>
-          <p:style>
-            <a:lnRef idx="2">
-              <a:schemeClr val="accent1">
-                <a:shade val="50000"/>
-              </a:schemeClr>
-            </a:lnRef>
-            <a:fillRef idx="1">
-              <a:schemeClr val="accent1"/>
-            </a:fillRef>
-            <a:effectRef idx="0">
-              <a:schemeClr val="accent1"/>
-            </a:effectRef>
-            <a:fontRef idx="minor">
-              <a:schemeClr val="lt1"/>
-            </a:fontRef>
-          </p:style>
-          <p:txBody>
-            <a:bodyPr rtlCol="0" anchor="ctr"/>
-            <a:lstStyle/>
-            <a:p>
-              <a:pPr algn="ctr"/>
-              <a:endParaRPr lang="en-US"/>
-            </a:p>
-          </p:txBody>
-        </p:sp>
-        <p:grpSp>
-          <p:nvGrpSpPr>
-            <p:cNvPr id="23" name="Group 22">
-              <a:extLst>
-                <a:ext uri="{FF2B5EF4-FFF2-40B4-BE49-F238E27FC236}">
-                  <a16:creationId xmlns:a16="http://schemas.microsoft.com/office/drawing/2014/main" id="{D29B8480-3034-4BEC-BD52-2E8E428D7E2A}"/>
-                </a:ext>
-              </a:extLst>
-            </p:cNvPr>
-            <p:cNvGrpSpPr/>
-            <p:nvPr/>
-          </p:nvGrpSpPr>
-          <p:grpSpPr>
-            <a:xfrm>
-              <a:off x="724038" y="950768"/>
-              <a:ext cx="297595" cy="226521"/>
-              <a:chOff x="999190" y="1753985"/>
-              <a:chExt cx="297595" cy="226521"/>
-            </a:xfrm>
-          </p:grpSpPr>
-          <p:sp>
-            <p:nvSpPr>
-              <p:cNvPr id="16" name="Oval 15">
-                <a:extLst>
-                  <a:ext uri="{FF2B5EF4-FFF2-40B4-BE49-F238E27FC236}">
-                    <a16:creationId xmlns:a16="http://schemas.microsoft.com/office/drawing/2014/main" id="{26AA5EC4-DB01-411B-BEB0-7A1DC3DE4D52}"/>
-                  </a:ext>
-                </a:extLst>
-              </p:cNvPr>
-              <p:cNvSpPr/>
-              <p:nvPr/>
-            </p:nvSpPr>
-            <p:spPr>
-              <a:xfrm>
-                <a:off x="1122218" y="1753985"/>
-                <a:ext cx="174567" cy="166255"/>
-              </a:xfrm>
-              <a:prstGeom prst="ellipse">
-                <a:avLst/>
-              </a:prstGeom>
-              <a:solidFill>
-                <a:schemeClr val="bg1"/>
-              </a:solidFill>
-              <a:ln>
-                <a:solidFill>
-                  <a:srgbClr val="192857"/>
-                </a:solidFill>
-              </a:ln>
-            </p:spPr>
-            <p:style>
-              <a:lnRef idx="2">
-                <a:schemeClr val="accent1">
-                  <a:shade val="50000"/>
-                </a:schemeClr>
-              </a:lnRef>
-              <a:fillRef idx="1">
-                <a:schemeClr val="accent1"/>
-              </a:fillRef>
-              <a:effectRef idx="0">
-                <a:schemeClr val="accent1"/>
-              </a:effectRef>
-              <a:fontRef idx="minor">
-                <a:schemeClr val="lt1"/>
-              </a:fontRef>
-            </p:style>
-            <p:txBody>
-              <a:bodyPr rtlCol="0" anchor="ctr"/>
-              <a:lstStyle/>
-              <a:p>
-                <a:pPr algn="ctr"/>
-                <a:endParaRPr lang="en-US" dirty="0"/>
-              </a:p>
-            </p:txBody>
-          </p:sp>
-          <p:sp>
-            <p:nvSpPr>
-              <p:cNvPr id="22" name="Rectangle 21">
-                <a:extLst>
-                  <a:ext uri="{FF2B5EF4-FFF2-40B4-BE49-F238E27FC236}">
-                    <a16:creationId xmlns:a16="http://schemas.microsoft.com/office/drawing/2014/main" id="{488E4FD0-E27B-4AC8-85D0-A56358F1DD34}"/>
-                  </a:ext>
-                </a:extLst>
-              </p:cNvPr>
-              <p:cNvSpPr/>
-              <p:nvPr/>
-            </p:nvSpPr>
-            <p:spPr>
-              <a:xfrm rot="2802451">
-                <a:off x="1063614" y="1870363"/>
-                <a:ext cx="45719" cy="174567"/>
-              </a:xfrm>
-              <a:prstGeom prst="rect">
-                <a:avLst/>
-              </a:prstGeom>
-              <a:solidFill>
-                <a:srgbClr val="192857"/>
-              </a:solidFill>
-              <a:ln>
-                <a:solidFill>
-                  <a:srgbClr val="192857"/>
-                </a:solidFill>
-              </a:ln>
-            </p:spPr>
-            <p:style>
-              <a:lnRef idx="2">
-                <a:schemeClr val="accent1">
-                  <a:shade val="50000"/>
-                </a:schemeClr>
-              </a:lnRef>
-              <a:fillRef idx="1">
-                <a:schemeClr val="accent1"/>
-              </a:fillRef>
-              <a:effectRef idx="0">
-                <a:schemeClr val="accent1"/>
-              </a:effectRef>
-              <a:fontRef idx="minor">
-                <a:schemeClr val="lt1"/>
-              </a:fontRef>
-            </p:style>
-            <p:txBody>
-              <a:bodyPr rtlCol="0" anchor="ctr"/>
-              <a:lstStyle/>
-              <a:p>
-                <a:pPr algn="ctr"/>
-                <a:endParaRPr lang="en-US"/>
-              </a:p>
-            </p:txBody>
-          </p:sp>
-        </p:grpSp>
-      </p:grpSp>
-      <p:grpSp>
-        <p:nvGrpSpPr>
-          <p:cNvPr id="32" name="Group 31">
-            <a:extLst>
-              <a:ext uri="{FF2B5EF4-FFF2-40B4-BE49-F238E27FC236}">
-                <a16:creationId xmlns:a16="http://schemas.microsoft.com/office/drawing/2014/main" id="{4D69882B-07B6-4927-9C6A-038E3187DE76}"/>
-              </a:ext>
-            </a:extLst>
-          </p:cNvPr>
-          <p:cNvGrpSpPr/>
-          <p:nvPr/>
-        </p:nvGrpSpPr>
-        <p:grpSpPr>
-          <a:xfrm>
-            <a:off x="9350027" y="0"/>
-            <a:ext cx="2163816" cy="799674"/>
-            <a:chOff x="9040573" y="-17327"/>
-            <a:chExt cx="2163816" cy="799674"/>
-          </a:xfrm>
-        </p:grpSpPr>
-        <p:sp>
-          <p:nvSpPr>
-            <p:cNvPr id="26" name="Rectangle: Rounded Corners 25">
-              <a:extLst>
-                <a:ext uri="{FF2B5EF4-FFF2-40B4-BE49-F238E27FC236}">
-                  <a16:creationId xmlns:a16="http://schemas.microsoft.com/office/drawing/2014/main" id="{65C0007B-02C5-4659-8284-301AD03D2620}"/>
-                </a:ext>
-              </a:extLst>
-            </p:cNvPr>
-            <p:cNvSpPr/>
-            <p:nvPr/>
-          </p:nvSpPr>
-          <p:spPr>
-            <a:xfrm>
-              <a:off x="9445569" y="-17327"/>
-              <a:ext cx="1758820" cy="633147"/>
-            </a:xfrm>
-            <a:prstGeom prst="roundRect">
-              <a:avLst/>
-            </a:prstGeom>
-            <a:solidFill>
-              <a:srgbClr val="192857"/>
-            </a:solidFill>
-            <a:ln w="25400">
-              <a:solidFill>
-                <a:srgbClr val="BFA458"/>
-              </a:solidFill>
-            </a:ln>
-          </p:spPr>
-          <p:style>
-            <a:lnRef idx="2">
-              <a:schemeClr val="accent1">
-                <a:shade val="50000"/>
-              </a:schemeClr>
-            </a:lnRef>
-            <a:fillRef idx="1">
-              <a:schemeClr val="accent1"/>
-            </a:fillRef>
-            <a:effectRef idx="0">
-              <a:schemeClr val="accent1"/>
-            </a:effectRef>
-            <a:fontRef idx="minor">
-              <a:schemeClr val="lt1"/>
-            </a:fontRef>
-          </p:style>
-          <p:txBody>
-            <a:bodyPr rtlCol="0" anchor="ctr"/>
-            <a:lstStyle/>
-            <a:p>
-              <a:pPr algn="ctr"/>
-              <a:endParaRPr lang="en-US" sz="1400" dirty="0">
-                <a:solidFill>
-                  <a:srgbClr val="BFA458"/>
-                </a:solidFill>
-                <a:latin typeface="Arial Black" panose="020B0A04020102020204" pitchFamily="34" charset="0"/>
-                <a:cs typeface="Aharoni" panose="02010803020104030203" pitchFamily="2" charset="-79"/>
-              </a:endParaRPr>
-            </a:p>
-          </p:txBody>
-        </p:sp>
-        <p:sp>
-          <p:nvSpPr>
-            <p:cNvPr id="28" name="TextBox 27">
-              <a:extLst>
-                <a:ext uri="{FF2B5EF4-FFF2-40B4-BE49-F238E27FC236}">
-                  <a16:creationId xmlns:a16="http://schemas.microsoft.com/office/drawing/2014/main" id="{73C1C642-37DD-4A5A-AEE1-3BB8CDC3450F}"/>
-                </a:ext>
-              </a:extLst>
-            </p:cNvPr>
-            <p:cNvSpPr txBox="1"/>
-            <p:nvPr/>
-          </p:nvSpPr>
-          <p:spPr>
-            <a:xfrm>
-              <a:off x="9040573" y="43683"/>
-              <a:ext cx="1998300" cy="738664"/>
-            </a:xfrm>
-            <a:prstGeom prst="rect">
-              <a:avLst/>
-            </a:prstGeom>
-            <a:noFill/>
-          </p:spPr>
-          <p:txBody>
-            <a:bodyPr wrap="square" rtlCol="0">
-              <a:spAutoFit/>
-            </a:bodyPr>
-            <a:lstStyle/>
-            <a:p>
-              <a:pPr algn="ctr"/>
-              <a:r>
-                <a:rPr lang="en-US" sz="1400" dirty="0">
-                  <a:solidFill>
-                    <a:srgbClr val="BFA458"/>
-                  </a:solidFill>
-                  <a:latin typeface="Arial Black" panose="020B0A04020102020204" pitchFamily="34" charset="0"/>
-                  <a:cs typeface="Aharoni" panose="02010803020104030203" pitchFamily="2" charset="-79"/>
-                </a:rPr>
-                <a:t>User1234</a:t>
-              </a:r>
-            </a:p>
-            <a:p>
-              <a:pPr algn="ctr"/>
-              <a:r>
-                <a:rPr lang="en-US" sz="1400" dirty="0">
-                  <a:solidFill>
-                    <a:srgbClr val="BFA458"/>
-                  </a:solidFill>
-                  <a:latin typeface="Arial Black" panose="020B0A04020102020204" pitchFamily="34" charset="0"/>
-                  <a:cs typeface="Aharoni" panose="02010803020104030203" pitchFamily="2" charset="-79"/>
-                </a:rPr>
-                <a:t>Profile</a:t>
-              </a:r>
-            </a:p>
-            <a:p>
-              <a:endParaRPr lang="en-US" sz="1400" dirty="0"/>
-            </a:p>
-          </p:txBody>
-        </p:sp>
-        <p:sp>
-          <p:nvSpPr>
-            <p:cNvPr id="29" name="Isosceles Triangle 28">
-              <a:extLst>
-                <a:ext uri="{FF2B5EF4-FFF2-40B4-BE49-F238E27FC236}">
-                  <a16:creationId xmlns:a16="http://schemas.microsoft.com/office/drawing/2014/main" id="{9CE344C2-A5FE-4F70-9A3D-364BCFCA1D71}"/>
-                </a:ext>
-              </a:extLst>
-            </p:cNvPr>
-            <p:cNvSpPr/>
-            <p:nvPr/>
-          </p:nvSpPr>
-          <p:spPr>
-            <a:xfrm rot="10800000">
-              <a:off x="10674980" y="173952"/>
-              <a:ext cx="363893" cy="251926"/>
-            </a:xfrm>
-            <a:prstGeom prst="triangle">
-              <a:avLst/>
-            </a:prstGeom>
-            <a:solidFill>
-              <a:srgbClr val="BFA458"/>
-            </a:solidFill>
-            <a:ln w="12700">
-              <a:solidFill>
-                <a:schemeClr val="bg1"/>
-              </a:solidFill>
-            </a:ln>
-          </p:spPr>
-          <p:style>
-            <a:lnRef idx="2">
-              <a:schemeClr val="accent1">
-                <a:shade val="50000"/>
-              </a:schemeClr>
-            </a:lnRef>
-            <a:fillRef idx="1">
-              <a:schemeClr val="accent1"/>
-            </a:fillRef>
-            <a:effectRef idx="0">
-              <a:schemeClr val="accent1"/>
-            </a:effectRef>
-            <a:fontRef idx="minor">
-              <a:schemeClr val="lt1"/>
-            </a:fontRef>
-          </p:style>
-          <p:txBody>
-            <a:bodyPr rtlCol="0" anchor="ctr"/>
-            <a:lstStyle/>
-            <a:p>
-              <a:pPr algn="ctr"/>
-              <a:endParaRPr lang="en-US"/>
-            </a:p>
-          </p:txBody>
-        </p:sp>
-      </p:grpSp>
-      <p:sp>
-        <p:nvSpPr>
-          <p:cNvPr id="35" name="Rectangle: Rounded Corners 34">
-            <a:extLst>
-              <a:ext uri="{FF2B5EF4-FFF2-40B4-BE49-F238E27FC236}">
-                <a16:creationId xmlns:a16="http://schemas.microsoft.com/office/drawing/2014/main" id="{0E4E93C0-9487-4BC8-9A6A-1D6F8291A21C}"/>
-              </a:ext>
-            </a:extLst>
-          </p:cNvPr>
-          <p:cNvSpPr/>
-          <p:nvPr/>
-        </p:nvSpPr>
-        <p:spPr>
-          <a:xfrm>
-            <a:off x="5846450" y="-9699"/>
-            <a:ext cx="1758820" cy="633147"/>
-          </a:xfrm>
-          <a:prstGeom prst="roundRect">
-            <a:avLst/>
-          </a:prstGeom>
-          <a:solidFill>
-            <a:srgbClr val="192857"/>
-          </a:solidFill>
-          <a:ln w="25400">
-            <a:solidFill>
-              <a:srgbClr val="BFA458"/>
-            </a:solidFill>
-          </a:ln>
-        </p:spPr>
-        <p:style>
-          <a:lnRef idx="2">
-            <a:schemeClr val="accent1">
-              <a:shade val="50000"/>
-            </a:schemeClr>
-          </a:lnRef>
-          <a:fillRef idx="1">
-            <a:schemeClr val="accent1"/>
-          </a:fillRef>
-          <a:effectRef idx="0">
-            <a:schemeClr val="accent1"/>
-          </a:effectRef>
-          <a:fontRef idx="minor">
-            <a:schemeClr val="lt1"/>
-          </a:fontRef>
-        </p:style>
-        <p:txBody>
-          <a:bodyPr rtlCol="0" anchor="ctr"/>
-          <a:lstStyle/>
-          <a:p>
-            <a:pPr algn="ctr"/>
-            <a:r>
-              <a:rPr lang="en-US" sz="1400" dirty="0">
-                <a:solidFill>
-                  <a:srgbClr val="BFA458"/>
-                </a:solidFill>
-                <a:latin typeface="Arial Black" panose="020B0A04020102020204" pitchFamily="34" charset="0"/>
-                <a:cs typeface="Aharoni" panose="02010803020104030203" pitchFamily="2" charset="-79"/>
-              </a:rPr>
-              <a:t>Filter Your Search!</a:t>
-            </a:r>
-          </a:p>
-        </p:txBody>
-      </p:sp>
-      <p:sp>
-        <p:nvSpPr>
-          <p:cNvPr id="36" name="Rectangle: Rounded Corners 35">
-            <a:extLst>
-              <a:ext uri="{FF2B5EF4-FFF2-40B4-BE49-F238E27FC236}">
-                <a16:creationId xmlns:a16="http://schemas.microsoft.com/office/drawing/2014/main" id="{9340412D-FD2B-47FA-BC1D-C8E575A02665}"/>
-              </a:ext>
-            </a:extLst>
-          </p:cNvPr>
-          <p:cNvSpPr/>
-          <p:nvPr/>
-        </p:nvSpPr>
-        <p:spPr>
-          <a:xfrm>
-            <a:off x="7830687" y="0"/>
-            <a:ext cx="1758820" cy="633147"/>
-          </a:xfrm>
-          <a:prstGeom prst="roundRect">
-            <a:avLst/>
-          </a:prstGeom>
-          <a:solidFill>
-            <a:srgbClr val="192857"/>
-          </a:solidFill>
-          <a:ln w="25400">
-            <a:solidFill>
-              <a:srgbClr val="BFA458"/>
-            </a:solidFill>
-          </a:ln>
-        </p:spPr>
-        <p:style>
-          <a:lnRef idx="2">
-            <a:schemeClr val="accent1">
-              <a:shade val="50000"/>
-            </a:schemeClr>
-          </a:lnRef>
-          <a:fillRef idx="1">
-            <a:schemeClr val="accent1"/>
-          </a:fillRef>
-          <a:effectRef idx="0">
-            <a:schemeClr val="accent1"/>
-          </a:effectRef>
-          <a:fontRef idx="minor">
-            <a:schemeClr val="lt1"/>
-          </a:fontRef>
-        </p:style>
-        <p:txBody>
-          <a:bodyPr rtlCol="0" anchor="ctr"/>
-          <a:lstStyle/>
-          <a:p>
-            <a:pPr algn="ctr"/>
-            <a:r>
-              <a:rPr lang="en-US" sz="1400" dirty="0">
-                <a:solidFill>
-                  <a:srgbClr val="BFA458"/>
-                </a:solidFill>
-                <a:latin typeface="Arial Black" panose="020B0A04020102020204" pitchFamily="34" charset="0"/>
-              </a:rPr>
-              <a:t>Create a Posting!</a:t>
-            </a:r>
-          </a:p>
-        </p:txBody>
-      </p:sp>
       <p:grpSp>
         <p:nvGrpSpPr>
           <p:cNvPr id="94" name="Group 93">
@@ -4802,7 +4125,7 @@
         </p:nvGrpSpPr>
         <p:grpSpPr>
           <a:xfrm>
-            <a:off x="4372427" y="1077481"/>
+            <a:off x="4101836" y="1077481"/>
             <a:ext cx="3429415" cy="3802343"/>
             <a:chOff x="186550" y="1012244"/>
             <a:chExt cx="3429415" cy="3802343"/>
@@ -5566,7 +4889,7 @@
         </p:nvGrpSpPr>
         <p:grpSpPr>
           <a:xfrm>
-            <a:off x="8576037" y="1077482"/>
+            <a:off x="7941559" y="1077482"/>
             <a:ext cx="3429415" cy="3802343"/>
             <a:chOff x="186550" y="1012244"/>
             <a:chExt cx="3429415" cy="3802343"/>
@@ -6368,7 +5691,7 @@
         </p:blipFill>
         <p:spPr>
           <a:xfrm>
-            <a:off x="4372427" y="5201938"/>
+            <a:off x="4101836" y="5201938"/>
             <a:ext cx="3629025" cy="1666875"/>
           </a:xfrm>
           <a:prstGeom prst="rect">
@@ -6398,7 +5721,7 @@
         </p:blipFill>
         <p:spPr>
           <a:xfrm>
-            <a:off x="8564240" y="5201938"/>
+            <a:off x="7929762" y="5201938"/>
             <a:ext cx="3629025" cy="1666875"/>
           </a:xfrm>
           <a:prstGeom prst="rect">
@@ -6406,12 +5729,53 @@
           </a:prstGeom>
         </p:spPr>
       </p:pic>
+      <p:sp>
+        <p:nvSpPr>
+          <p:cNvPr id="2" name="TextBox 1">
+            <a:extLst>
+              <a:ext uri="{FF2B5EF4-FFF2-40B4-BE49-F238E27FC236}">
+                <a16:creationId xmlns:a16="http://schemas.microsoft.com/office/drawing/2014/main" id="{1291F3B4-3B52-4D14-B58E-E1A90E7F1BCF}"/>
+              </a:ext>
+            </a:extLst>
+          </p:cNvPr>
+          <p:cNvSpPr txBox="1"/>
+          <p:nvPr/>
+        </p:nvSpPr>
+        <p:spPr>
+          <a:xfrm>
+            <a:off x="8509545" y="5761628"/>
+            <a:ext cx="1081748" cy="954107"/>
+          </a:xfrm>
+          <a:prstGeom prst="rect">
+            <a:avLst/>
+          </a:prstGeom>
+          <a:solidFill>
+            <a:srgbClr val="FFFF00"/>
+          </a:solidFill>
+        </p:spPr>
+        <p:txBody>
+          <a:bodyPr wrap="square" rtlCol="0">
+            <a:spAutoFit/>
+          </a:bodyPr>
+          <a:lstStyle/>
+          <a:p>
+            <a:r>
+              <a:rPr lang="en-US" sz="2800" b="1" dirty="0">
+                <a:highlight>
+                  <a:srgbClr val="FFFF00"/>
+                </a:highlight>
+              </a:rPr>
+              <a:t>USER VIEW</a:t>
+            </a:r>
+          </a:p>
+        </p:txBody>
+      </p:sp>
       <p:grpSp>
         <p:nvGrpSpPr>
-          <p:cNvPr id="5" name="Group 4">
-            <a:extLst>
-              <a:ext uri="{FF2B5EF4-FFF2-40B4-BE49-F238E27FC236}">
-                <a16:creationId xmlns:a16="http://schemas.microsoft.com/office/drawing/2014/main" id="{3E6D053F-E439-4652-839D-841A75879F60}"/>
+          <p:cNvPr id="9" name="Group 8">
+            <a:extLst>
+              <a:ext uri="{FF2B5EF4-FFF2-40B4-BE49-F238E27FC236}">
+                <a16:creationId xmlns:a16="http://schemas.microsoft.com/office/drawing/2014/main" id="{FDFA6C1E-F0A8-42F9-B5A7-82C690899FFC}"/>
               </a:ext>
             </a:extLst>
           </p:cNvPr>
@@ -6420,12 +5784,412 @@
         </p:nvGrpSpPr>
         <p:grpSpPr>
           <a:xfrm>
-            <a:off x="355499" y="0"/>
-            <a:ext cx="1498313" cy="633147"/>
-            <a:chOff x="843672" y="540620"/>
-            <a:chExt cx="1498313" cy="633147"/>
+            <a:off x="0" y="-5519"/>
+            <a:ext cx="12192000" cy="644184"/>
+            <a:chOff x="0" y="-5519"/>
+            <a:chExt cx="12192000" cy="644184"/>
           </a:xfrm>
         </p:grpSpPr>
+        <p:sp>
+          <p:nvSpPr>
+            <p:cNvPr id="4" name="Rectangle 3">
+              <a:extLst>
+                <a:ext uri="{FF2B5EF4-FFF2-40B4-BE49-F238E27FC236}">
+                  <a16:creationId xmlns:a16="http://schemas.microsoft.com/office/drawing/2014/main" id="{BEB1926F-B812-4182-AC39-96C1A336EE5A}"/>
+                </a:ext>
+              </a:extLst>
+            </p:cNvPr>
+            <p:cNvSpPr/>
+            <p:nvPr/>
+          </p:nvSpPr>
+          <p:spPr>
+            <a:xfrm>
+              <a:off x="0" y="-5518"/>
+              <a:ext cx="12192000" cy="638665"/>
+            </a:xfrm>
+            <a:prstGeom prst="rect">
+              <a:avLst/>
+            </a:prstGeom>
+            <a:solidFill>
+              <a:srgbClr val="192857"/>
+            </a:solidFill>
+          </p:spPr>
+          <p:style>
+            <a:lnRef idx="2">
+              <a:schemeClr val="accent1">
+                <a:shade val="50000"/>
+              </a:schemeClr>
+            </a:lnRef>
+            <a:fillRef idx="1">
+              <a:schemeClr val="accent1"/>
+            </a:fillRef>
+            <a:effectRef idx="0">
+              <a:schemeClr val="accent1"/>
+            </a:effectRef>
+            <a:fontRef idx="minor">
+              <a:schemeClr val="lt1"/>
+            </a:fontRef>
+          </p:style>
+          <p:txBody>
+            <a:bodyPr rtlCol="0" anchor="ctr"/>
+            <a:lstStyle/>
+            <a:p>
+              <a:pPr algn="ctr"/>
+              <a:endParaRPr lang="en-US" dirty="0"/>
+            </a:p>
+          </p:txBody>
+        </p:sp>
+        <p:grpSp>
+          <p:nvGrpSpPr>
+            <p:cNvPr id="14" name="Group 13">
+              <a:extLst>
+                <a:ext uri="{FF2B5EF4-FFF2-40B4-BE49-F238E27FC236}">
+                  <a16:creationId xmlns:a16="http://schemas.microsoft.com/office/drawing/2014/main" id="{D3EFAE7F-8139-440D-A9CA-B37C6E346EE3}"/>
+                </a:ext>
+              </a:extLst>
+            </p:cNvPr>
+            <p:cNvGrpSpPr/>
+            <p:nvPr/>
+          </p:nvGrpSpPr>
+          <p:grpSpPr>
+            <a:xfrm>
+              <a:off x="2023927" y="97421"/>
+              <a:ext cx="3028757" cy="378073"/>
+              <a:chOff x="3427615" y="123834"/>
+              <a:chExt cx="2668385" cy="378073"/>
+            </a:xfrm>
+          </p:grpSpPr>
+          <p:sp>
+            <p:nvSpPr>
+              <p:cNvPr id="12" name="Rectangle: Rounded Corners 11">
+                <a:extLst>
+                  <a:ext uri="{FF2B5EF4-FFF2-40B4-BE49-F238E27FC236}">
+                    <a16:creationId xmlns:a16="http://schemas.microsoft.com/office/drawing/2014/main" id="{AF305521-C515-46EA-9D38-C183EF77F5AF}"/>
+                  </a:ext>
+                </a:extLst>
+              </p:cNvPr>
+              <p:cNvSpPr/>
+              <p:nvPr/>
+            </p:nvSpPr>
+            <p:spPr>
+              <a:xfrm>
+                <a:off x="3427615" y="132575"/>
+                <a:ext cx="2668385" cy="369332"/>
+              </a:xfrm>
+              <a:prstGeom prst="roundRect">
+                <a:avLst/>
+              </a:prstGeom>
+              <a:solidFill>
+                <a:srgbClr val="F2F2F2"/>
+              </a:solidFill>
+            </p:spPr>
+            <p:style>
+              <a:lnRef idx="2">
+                <a:schemeClr val="accent1">
+                  <a:shade val="50000"/>
+                </a:schemeClr>
+              </a:lnRef>
+              <a:fillRef idx="1">
+                <a:schemeClr val="accent1"/>
+              </a:fillRef>
+              <a:effectRef idx="0">
+                <a:schemeClr val="accent1"/>
+              </a:effectRef>
+              <a:fontRef idx="minor">
+                <a:schemeClr val="lt1"/>
+              </a:fontRef>
+            </p:style>
+            <p:txBody>
+              <a:bodyPr rtlCol="0" anchor="ctr"/>
+              <a:lstStyle/>
+              <a:p>
+                <a:pPr algn="ctr"/>
+                <a:endParaRPr lang="en-US"/>
+              </a:p>
+            </p:txBody>
+          </p:sp>
+          <p:sp>
+            <p:nvSpPr>
+              <p:cNvPr id="13" name="TextBox 12">
+                <a:extLst>
+                  <a:ext uri="{FF2B5EF4-FFF2-40B4-BE49-F238E27FC236}">
+                    <a16:creationId xmlns:a16="http://schemas.microsoft.com/office/drawing/2014/main" id="{B3E0795B-80DE-4C4D-B46F-C72B3A55C35E}"/>
+                  </a:ext>
+                </a:extLst>
+              </p:cNvPr>
+              <p:cNvSpPr txBox="1"/>
+              <p:nvPr/>
+            </p:nvSpPr>
+            <p:spPr>
+              <a:xfrm>
+                <a:off x="3427615" y="123834"/>
+                <a:ext cx="2402378" cy="369332"/>
+              </a:xfrm>
+              <a:prstGeom prst="rect">
+                <a:avLst/>
+              </a:prstGeom>
+              <a:noFill/>
+            </p:spPr>
+            <p:txBody>
+              <a:bodyPr wrap="square" rtlCol="0">
+                <a:spAutoFit/>
+              </a:bodyPr>
+              <a:lstStyle/>
+              <a:p>
+                <a:r>
+                  <a:rPr lang="en-US" dirty="0">
+                    <a:solidFill>
+                      <a:schemeClr val="bg2">
+                        <a:lumMod val="50000"/>
+                      </a:schemeClr>
+                    </a:solidFill>
+                  </a:rPr>
+                  <a:t>Quick Search…</a:t>
+                </a:r>
+              </a:p>
+            </p:txBody>
+          </p:sp>
+        </p:grpSp>
+        <p:grpSp>
+          <p:nvGrpSpPr>
+            <p:cNvPr id="24" name="Group 23">
+              <a:extLst>
+                <a:ext uri="{FF2B5EF4-FFF2-40B4-BE49-F238E27FC236}">
+                  <a16:creationId xmlns:a16="http://schemas.microsoft.com/office/drawing/2014/main" id="{A866E011-8CFD-4529-9067-9AE9A954C117}"/>
+                </a:ext>
+              </a:extLst>
+            </p:cNvPr>
+            <p:cNvGrpSpPr/>
+            <p:nvPr/>
+          </p:nvGrpSpPr>
+          <p:grpSpPr>
+            <a:xfrm>
+              <a:off x="5204451" y="125253"/>
+              <a:ext cx="365760" cy="299258"/>
+              <a:chOff x="623455" y="856211"/>
+              <a:chExt cx="498763" cy="415636"/>
+            </a:xfrm>
+          </p:grpSpPr>
+          <p:sp>
+            <p:nvSpPr>
+              <p:cNvPr id="15" name="Rectangle: Rounded Corners 14">
+                <a:extLst>
+                  <a:ext uri="{FF2B5EF4-FFF2-40B4-BE49-F238E27FC236}">
+                    <a16:creationId xmlns:a16="http://schemas.microsoft.com/office/drawing/2014/main" id="{E3CE49D6-69C2-415F-871F-03C79060A46C}"/>
+                  </a:ext>
+                </a:extLst>
+              </p:cNvPr>
+              <p:cNvSpPr/>
+              <p:nvPr/>
+            </p:nvSpPr>
+            <p:spPr>
+              <a:xfrm>
+                <a:off x="623455" y="856211"/>
+                <a:ext cx="498763" cy="415636"/>
+              </a:xfrm>
+              <a:prstGeom prst="roundRect">
+                <a:avLst/>
+              </a:prstGeom>
+              <a:solidFill>
+                <a:srgbClr val="BFA458"/>
+              </a:solidFill>
+            </p:spPr>
+            <p:style>
+              <a:lnRef idx="2">
+                <a:schemeClr val="accent1">
+                  <a:shade val="50000"/>
+                </a:schemeClr>
+              </a:lnRef>
+              <a:fillRef idx="1">
+                <a:schemeClr val="accent1"/>
+              </a:fillRef>
+              <a:effectRef idx="0">
+                <a:schemeClr val="accent1"/>
+              </a:effectRef>
+              <a:fontRef idx="minor">
+                <a:schemeClr val="lt1"/>
+              </a:fontRef>
+            </p:style>
+            <p:txBody>
+              <a:bodyPr rtlCol="0" anchor="ctr"/>
+              <a:lstStyle/>
+              <a:p>
+                <a:pPr algn="ctr"/>
+                <a:endParaRPr lang="en-US"/>
+              </a:p>
+            </p:txBody>
+          </p:sp>
+          <p:grpSp>
+            <p:nvGrpSpPr>
+              <p:cNvPr id="23" name="Group 22">
+                <a:extLst>
+                  <a:ext uri="{FF2B5EF4-FFF2-40B4-BE49-F238E27FC236}">
+                    <a16:creationId xmlns:a16="http://schemas.microsoft.com/office/drawing/2014/main" id="{D29B8480-3034-4BEC-BD52-2E8E428D7E2A}"/>
+                  </a:ext>
+                </a:extLst>
+              </p:cNvPr>
+              <p:cNvGrpSpPr/>
+              <p:nvPr/>
+            </p:nvGrpSpPr>
+            <p:grpSpPr>
+              <a:xfrm>
+                <a:off x="724038" y="950768"/>
+                <a:ext cx="297595" cy="226521"/>
+                <a:chOff x="999190" y="1753985"/>
+                <a:chExt cx="297595" cy="226521"/>
+              </a:xfrm>
+            </p:grpSpPr>
+            <p:sp>
+              <p:nvSpPr>
+                <p:cNvPr id="16" name="Oval 15">
+                  <a:extLst>
+                    <a:ext uri="{FF2B5EF4-FFF2-40B4-BE49-F238E27FC236}">
+                      <a16:creationId xmlns:a16="http://schemas.microsoft.com/office/drawing/2014/main" id="{26AA5EC4-DB01-411B-BEB0-7A1DC3DE4D52}"/>
+                    </a:ext>
+                  </a:extLst>
+                </p:cNvPr>
+                <p:cNvSpPr/>
+                <p:nvPr/>
+              </p:nvSpPr>
+              <p:spPr>
+                <a:xfrm>
+                  <a:off x="1122218" y="1753985"/>
+                  <a:ext cx="174567" cy="166255"/>
+                </a:xfrm>
+                <a:prstGeom prst="ellipse">
+                  <a:avLst/>
+                </a:prstGeom>
+                <a:solidFill>
+                  <a:schemeClr val="bg1"/>
+                </a:solidFill>
+                <a:ln>
+                  <a:solidFill>
+                    <a:srgbClr val="192857"/>
+                  </a:solidFill>
+                </a:ln>
+              </p:spPr>
+              <p:style>
+                <a:lnRef idx="2">
+                  <a:schemeClr val="accent1">
+                    <a:shade val="50000"/>
+                  </a:schemeClr>
+                </a:lnRef>
+                <a:fillRef idx="1">
+                  <a:schemeClr val="accent1"/>
+                </a:fillRef>
+                <a:effectRef idx="0">
+                  <a:schemeClr val="accent1"/>
+                </a:effectRef>
+                <a:fontRef idx="minor">
+                  <a:schemeClr val="lt1"/>
+                </a:fontRef>
+              </p:style>
+              <p:txBody>
+                <a:bodyPr rtlCol="0" anchor="ctr"/>
+                <a:lstStyle/>
+                <a:p>
+                  <a:pPr algn="ctr"/>
+                  <a:endParaRPr lang="en-US" dirty="0"/>
+                </a:p>
+              </p:txBody>
+            </p:sp>
+            <p:sp>
+              <p:nvSpPr>
+                <p:cNvPr id="22" name="Rectangle 21">
+                  <a:extLst>
+                    <a:ext uri="{FF2B5EF4-FFF2-40B4-BE49-F238E27FC236}">
+                      <a16:creationId xmlns:a16="http://schemas.microsoft.com/office/drawing/2014/main" id="{488E4FD0-E27B-4AC8-85D0-A56358F1DD34}"/>
+                    </a:ext>
+                  </a:extLst>
+                </p:cNvPr>
+                <p:cNvSpPr/>
+                <p:nvPr/>
+              </p:nvSpPr>
+              <p:spPr>
+                <a:xfrm rot="2802451">
+                  <a:off x="1063614" y="1870363"/>
+                  <a:ext cx="45719" cy="174567"/>
+                </a:xfrm>
+                <a:prstGeom prst="rect">
+                  <a:avLst/>
+                </a:prstGeom>
+                <a:solidFill>
+                  <a:srgbClr val="192857"/>
+                </a:solidFill>
+                <a:ln>
+                  <a:solidFill>
+                    <a:srgbClr val="192857"/>
+                  </a:solidFill>
+                </a:ln>
+              </p:spPr>
+              <p:style>
+                <a:lnRef idx="2">
+                  <a:schemeClr val="accent1">
+                    <a:shade val="50000"/>
+                  </a:schemeClr>
+                </a:lnRef>
+                <a:fillRef idx="1">
+                  <a:schemeClr val="accent1"/>
+                </a:fillRef>
+                <a:effectRef idx="0">
+                  <a:schemeClr val="accent1"/>
+                </a:effectRef>
+                <a:fontRef idx="minor">
+                  <a:schemeClr val="lt1"/>
+                </a:fontRef>
+              </p:style>
+              <p:txBody>
+                <a:bodyPr rtlCol="0" anchor="ctr"/>
+                <a:lstStyle/>
+                <a:p>
+                  <a:pPr algn="ctr"/>
+                  <a:endParaRPr lang="en-US"/>
+                </a:p>
+              </p:txBody>
+            </p:sp>
+          </p:grpSp>
+        </p:grpSp>
+        <p:sp>
+          <p:nvSpPr>
+            <p:cNvPr id="28" name="TextBox 27">
+              <a:extLst>
+                <a:ext uri="{FF2B5EF4-FFF2-40B4-BE49-F238E27FC236}">
+                  <a16:creationId xmlns:a16="http://schemas.microsoft.com/office/drawing/2014/main" id="{73C1C642-37DD-4A5A-AEE1-3BB8CDC3450F}"/>
+                </a:ext>
+              </a:extLst>
+            </p:cNvPr>
+            <p:cNvSpPr txBox="1"/>
+            <p:nvPr/>
+          </p:nvSpPr>
+          <p:spPr>
+            <a:xfrm>
+              <a:off x="9205371" y="142265"/>
+              <a:ext cx="1676367" cy="307777"/>
+            </a:xfrm>
+            <a:prstGeom prst="rect">
+              <a:avLst/>
+            </a:prstGeom>
+            <a:noFill/>
+          </p:spPr>
+          <p:txBody>
+            <a:bodyPr wrap="square" rtlCol="0">
+              <a:spAutoFit/>
+            </a:bodyPr>
+            <a:lstStyle/>
+            <a:p>
+              <a:r>
+                <a:rPr lang="en-US" sz="1400" dirty="0">
+                  <a:solidFill>
+                    <a:srgbClr val="BFA458"/>
+                  </a:solidFill>
+                  <a:latin typeface="Arial Black" panose="020B0A04020102020204" pitchFamily="34" charset="0"/>
+                  <a:cs typeface="Aharoni" panose="02010803020104030203" pitchFamily="2" charset="-79"/>
+                </a:rPr>
+                <a:t>Username1234</a:t>
+              </a:r>
+            </a:p>
+          </p:txBody>
+        </p:sp>
         <p:sp>
           <p:nvSpPr>
             <p:cNvPr id="6" name="TextBox 5">
@@ -6440,7 +6204,7 @@
           </p:nvSpPr>
           <p:spPr>
             <a:xfrm>
-              <a:off x="1257373" y="662767"/>
+              <a:off x="832857" y="119877"/>
               <a:ext cx="1004299" cy="369332"/>
             </a:xfrm>
             <a:prstGeom prst="rect">
@@ -6498,7 +6262,7 @@
           </p:blipFill>
           <p:spPr>
             <a:xfrm>
-              <a:off x="904863" y="650049"/>
+              <a:off x="444176" y="92087"/>
               <a:ext cx="369332" cy="369332"/>
             </a:xfrm>
             <a:prstGeom prst="rect">
@@ -6508,10 +6272,10 @@
         </p:pic>
         <p:sp>
           <p:nvSpPr>
-            <p:cNvPr id="72" name="Rectangle: Rounded Corners 71">
+            <p:cNvPr id="7" name="Rectangle 6">
               <a:extLst>
                 <a:ext uri="{FF2B5EF4-FFF2-40B4-BE49-F238E27FC236}">
-                  <a16:creationId xmlns:a16="http://schemas.microsoft.com/office/drawing/2014/main" id="{B10CC6DC-7FAD-4DE0-8757-5FEBB7DB618D}"/>
+                  <a16:creationId xmlns:a16="http://schemas.microsoft.com/office/drawing/2014/main" id="{692D25E1-B712-43D9-ADFB-F3C45FE86BE7}"/>
                 </a:ext>
               </a:extLst>
             </p:cNvPr>
@@ -6520,10 +6284,10 @@
           </p:nvSpPr>
           <p:spPr>
             <a:xfrm>
-              <a:off x="843672" y="540620"/>
-              <a:ext cx="1498313" cy="633147"/>
+              <a:off x="340039" y="-5519"/>
+              <a:ext cx="1571179" cy="638665"/>
             </a:xfrm>
-            <a:prstGeom prst="roundRect">
+            <a:prstGeom prst="rect">
               <a:avLst/>
             </a:prstGeom>
             <a:noFill/>
@@ -6554,56 +6318,447 @@
             <a:lstStyle/>
             <a:p>
               <a:pPr algn="ctr"/>
-              <a:endParaRPr lang="en-US" sz="1400" dirty="0">
-                <a:solidFill>
-                  <a:srgbClr val="BFA458"/>
-                </a:solidFill>
-                <a:latin typeface="Arial Black" panose="020B0A04020102020204" pitchFamily="34" charset="0"/>
-                <a:cs typeface="Aharoni" panose="02010803020104030203" pitchFamily="2" charset="-79"/>
-              </a:endParaRPr>
+              <a:endParaRPr lang="en-US"/>
+            </a:p>
+          </p:txBody>
+        </p:sp>
+        <p:sp>
+          <p:nvSpPr>
+            <p:cNvPr id="73" name="Rectangle 72">
+              <a:extLst>
+                <a:ext uri="{FF2B5EF4-FFF2-40B4-BE49-F238E27FC236}">
+                  <a16:creationId xmlns:a16="http://schemas.microsoft.com/office/drawing/2014/main" id="{46D642D7-4CB3-428A-A377-A86816E60251}"/>
+                </a:ext>
+              </a:extLst>
+            </p:cNvPr>
+            <p:cNvSpPr/>
+            <p:nvPr/>
+          </p:nvSpPr>
+          <p:spPr>
+            <a:xfrm>
+              <a:off x="6006810" y="0"/>
+              <a:ext cx="1571179" cy="638665"/>
+            </a:xfrm>
+            <a:prstGeom prst="rect">
+              <a:avLst/>
+            </a:prstGeom>
+            <a:noFill/>
+            <a:ln w="25400">
+              <a:solidFill>
+                <a:srgbClr val="BFA458"/>
+              </a:solidFill>
+            </a:ln>
+          </p:spPr>
+          <p:style>
+            <a:lnRef idx="2">
+              <a:schemeClr val="accent1">
+                <a:shade val="50000"/>
+              </a:schemeClr>
+            </a:lnRef>
+            <a:fillRef idx="1">
+              <a:schemeClr val="accent1"/>
+            </a:fillRef>
+            <a:effectRef idx="0">
+              <a:schemeClr val="accent1"/>
+            </a:effectRef>
+            <a:fontRef idx="minor">
+              <a:schemeClr val="lt1"/>
+            </a:fontRef>
+          </p:style>
+          <p:txBody>
+            <a:bodyPr rtlCol="0" anchor="ctr"/>
+            <a:lstStyle/>
+            <a:p>
+              <a:pPr algn="ctr"/>
+              <a:endParaRPr lang="en-US"/>
+            </a:p>
+          </p:txBody>
+        </p:sp>
+        <p:sp>
+          <p:nvSpPr>
+            <p:cNvPr id="74" name="Rectangle 73">
+              <a:extLst>
+                <a:ext uri="{FF2B5EF4-FFF2-40B4-BE49-F238E27FC236}">
+                  <a16:creationId xmlns:a16="http://schemas.microsoft.com/office/drawing/2014/main" id="{0F4EADE8-688B-4FC8-AC3D-5068DE527A89}"/>
+                </a:ext>
+              </a:extLst>
+            </p:cNvPr>
+            <p:cNvSpPr/>
+            <p:nvPr/>
+          </p:nvSpPr>
+          <p:spPr>
+            <a:xfrm>
+              <a:off x="7584945" y="-3621"/>
+              <a:ext cx="1571179" cy="638665"/>
+            </a:xfrm>
+            <a:prstGeom prst="rect">
+              <a:avLst/>
+            </a:prstGeom>
+            <a:noFill/>
+            <a:ln w="25400">
+              <a:solidFill>
+                <a:srgbClr val="BFA458"/>
+              </a:solidFill>
+            </a:ln>
+          </p:spPr>
+          <p:style>
+            <a:lnRef idx="2">
+              <a:schemeClr val="accent1">
+                <a:shade val="50000"/>
+              </a:schemeClr>
+            </a:lnRef>
+            <a:fillRef idx="1">
+              <a:schemeClr val="accent1"/>
+            </a:fillRef>
+            <a:effectRef idx="0">
+              <a:schemeClr val="accent1"/>
+            </a:effectRef>
+            <a:fontRef idx="minor">
+              <a:schemeClr val="lt1"/>
+            </a:fontRef>
+          </p:style>
+          <p:txBody>
+            <a:bodyPr rtlCol="0" anchor="ctr"/>
+            <a:lstStyle/>
+            <a:p>
+              <a:pPr algn="ctr"/>
+              <a:endParaRPr lang="en-US"/>
+            </a:p>
+          </p:txBody>
+        </p:sp>
+        <p:sp>
+          <p:nvSpPr>
+            <p:cNvPr id="75" name="Rectangle 74">
+              <a:extLst>
+                <a:ext uri="{FF2B5EF4-FFF2-40B4-BE49-F238E27FC236}">
+                  <a16:creationId xmlns:a16="http://schemas.microsoft.com/office/drawing/2014/main" id="{3F9D04D2-EE8B-4A0C-A3CB-BD8E0D32A66D}"/>
+                </a:ext>
+              </a:extLst>
+            </p:cNvPr>
+            <p:cNvSpPr/>
+            <p:nvPr/>
+          </p:nvSpPr>
+          <p:spPr>
+            <a:xfrm>
+              <a:off x="9163081" y="-694"/>
+              <a:ext cx="2155614" cy="638665"/>
+            </a:xfrm>
+            <a:prstGeom prst="rect">
+              <a:avLst/>
+            </a:prstGeom>
+            <a:noFill/>
+            <a:ln w="25400">
+              <a:solidFill>
+                <a:srgbClr val="BFA458"/>
+              </a:solidFill>
+            </a:ln>
+          </p:spPr>
+          <p:style>
+            <a:lnRef idx="2">
+              <a:schemeClr val="accent1">
+                <a:shade val="50000"/>
+              </a:schemeClr>
+            </a:lnRef>
+            <a:fillRef idx="1">
+              <a:schemeClr val="accent1"/>
+            </a:fillRef>
+            <a:effectRef idx="0">
+              <a:schemeClr val="accent1"/>
+            </a:effectRef>
+            <a:fontRef idx="minor">
+              <a:schemeClr val="lt1"/>
+            </a:fontRef>
+          </p:style>
+          <p:txBody>
+            <a:bodyPr rtlCol="0" anchor="ctr"/>
+            <a:lstStyle/>
+            <a:p>
+              <a:pPr algn="ctr"/>
+              <a:endParaRPr lang="en-US"/>
+            </a:p>
+          </p:txBody>
+        </p:sp>
+        <p:sp>
+          <p:nvSpPr>
+            <p:cNvPr id="8" name="Isosceles Triangle 7">
+              <a:extLst>
+                <a:ext uri="{FF2B5EF4-FFF2-40B4-BE49-F238E27FC236}">
+                  <a16:creationId xmlns:a16="http://schemas.microsoft.com/office/drawing/2014/main" id="{99C48DE2-64E8-41EB-B45D-3122F45AEC9E}"/>
+                </a:ext>
+              </a:extLst>
+            </p:cNvPr>
+            <p:cNvSpPr/>
+            <p:nvPr/>
+          </p:nvSpPr>
+          <p:spPr>
+            <a:xfrm rot="10800000">
+              <a:off x="10926506" y="201708"/>
+              <a:ext cx="261256" cy="211142"/>
+            </a:xfrm>
+            <a:prstGeom prst="triangle">
+              <a:avLst/>
+            </a:prstGeom>
+            <a:solidFill>
+              <a:srgbClr val="BFA458"/>
+            </a:solidFill>
+            <a:ln>
+              <a:solidFill>
+                <a:srgbClr val="192857"/>
+              </a:solidFill>
+            </a:ln>
+          </p:spPr>
+          <p:style>
+            <a:lnRef idx="2">
+              <a:schemeClr val="accent1">
+                <a:shade val="50000"/>
+              </a:schemeClr>
+            </a:lnRef>
+            <a:fillRef idx="1">
+              <a:schemeClr val="accent1"/>
+            </a:fillRef>
+            <a:effectRef idx="0">
+              <a:schemeClr val="accent1"/>
+            </a:effectRef>
+            <a:fontRef idx="minor">
+              <a:schemeClr val="lt1"/>
+            </a:fontRef>
+          </p:style>
+          <p:txBody>
+            <a:bodyPr rtlCol="0" anchor="ctr"/>
+            <a:lstStyle/>
+            <a:p>
+              <a:pPr algn="ctr"/>
+              <a:endParaRPr lang="en-US"/>
+            </a:p>
+          </p:txBody>
+        </p:sp>
+        <p:sp>
+          <p:nvSpPr>
+            <p:cNvPr id="76" name="TextBox 75">
+              <a:extLst>
+                <a:ext uri="{FF2B5EF4-FFF2-40B4-BE49-F238E27FC236}">
+                  <a16:creationId xmlns:a16="http://schemas.microsoft.com/office/drawing/2014/main" id="{AE94C231-C17E-4131-867E-9022F9EF938D}"/>
+                </a:ext>
+              </a:extLst>
+            </p:cNvPr>
+            <p:cNvSpPr txBox="1"/>
+            <p:nvPr/>
+          </p:nvSpPr>
+          <p:spPr>
+            <a:xfrm>
+              <a:off x="6107843" y="39139"/>
+              <a:ext cx="1298402" cy="584775"/>
+            </a:xfrm>
+            <a:prstGeom prst="rect">
+              <a:avLst/>
+            </a:prstGeom>
+            <a:noFill/>
+          </p:spPr>
+          <p:txBody>
+            <a:bodyPr wrap="square" rtlCol="0">
+              <a:spAutoFit/>
+            </a:bodyPr>
+            <a:lstStyle/>
+            <a:p>
+              <a:pPr algn="ctr"/>
+              <a:r>
+                <a:rPr lang="en-US" sz="1600" dirty="0">
+                  <a:solidFill>
+                    <a:srgbClr val="BFA458"/>
+                  </a:solidFill>
+                  <a:latin typeface="Arial Black" panose="020B0A04020102020204" pitchFamily="34" charset="0"/>
+                  <a:cs typeface="Aharoni" panose="02010803020104030203" pitchFamily="2" charset="-79"/>
+                </a:rPr>
+                <a:t>Filter </a:t>
+              </a:r>
+            </a:p>
+            <a:p>
+              <a:pPr algn="ctr"/>
+              <a:r>
+                <a:rPr lang="en-US" sz="1600" dirty="0">
+                  <a:solidFill>
+                    <a:srgbClr val="BFA458"/>
+                  </a:solidFill>
+                  <a:latin typeface="Arial Black" panose="020B0A04020102020204" pitchFamily="34" charset="0"/>
+                  <a:cs typeface="Aharoni" panose="02010803020104030203" pitchFamily="2" charset="-79"/>
+                </a:rPr>
+                <a:t>Search</a:t>
+              </a:r>
+            </a:p>
+          </p:txBody>
+        </p:sp>
+        <p:sp>
+          <p:nvSpPr>
+            <p:cNvPr id="78" name="TextBox 77">
+              <a:extLst>
+                <a:ext uri="{FF2B5EF4-FFF2-40B4-BE49-F238E27FC236}">
+                  <a16:creationId xmlns:a16="http://schemas.microsoft.com/office/drawing/2014/main" id="{15B0FF04-2161-4A39-B564-86E3AF7EDD89}"/>
+                </a:ext>
+              </a:extLst>
+            </p:cNvPr>
+            <p:cNvSpPr txBox="1"/>
+            <p:nvPr/>
+          </p:nvSpPr>
+          <p:spPr>
+            <a:xfrm>
+              <a:off x="7546460" y="45024"/>
+              <a:ext cx="1508289" cy="584775"/>
+            </a:xfrm>
+            <a:prstGeom prst="rect">
+              <a:avLst/>
+            </a:prstGeom>
+            <a:noFill/>
+          </p:spPr>
+          <p:txBody>
+            <a:bodyPr wrap="square" rtlCol="0">
+              <a:spAutoFit/>
+            </a:bodyPr>
+            <a:lstStyle/>
+            <a:p>
+              <a:pPr algn="ctr"/>
+              <a:r>
+                <a:rPr lang="en-US" sz="1600" dirty="0">
+                  <a:solidFill>
+                    <a:srgbClr val="BFA458"/>
+                  </a:solidFill>
+                  <a:latin typeface="Arial Black" panose="020B0A04020102020204" pitchFamily="34" charset="0"/>
+                  <a:cs typeface="Aharoni" panose="02010803020104030203" pitchFamily="2" charset="-79"/>
+                </a:rPr>
+                <a:t>Create Posting</a:t>
+              </a:r>
             </a:p>
           </p:txBody>
         </p:sp>
       </p:grpSp>
-      <p:sp>
-        <p:nvSpPr>
-          <p:cNvPr id="2" name="TextBox 1">
-            <a:extLst>
-              <a:ext uri="{FF2B5EF4-FFF2-40B4-BE49-F238E27FC236}">
-                <a16:creationId xmlns:a16="http://schemas.microsoft.com/office/drawing/2014/main" id="{1291F3B4-3B52-4D14-B58E-E1A90E7F1BCF}"/>
-              </a:ext>
-            </a:extLst>
-          </p:cNvPr>
-          <p:cNvSpPr txBox="1"/>
+      <p:grpSp>
+        <p:nvGrpSpPr>
+          <p:cNvPr id="81" name="Group 80">
+            <a:extLst>
+              <a:ext uri="{FF2B5EF4-FFF2-40B4-BE49-F238E27FC236}">
+                <a16:creationId xmlns:a16="http://schemas.microsoft.com/office/drawing/2014/main" id="{9DE94436-9F3D-472C-9E7B-4FCF2512669E}"/>
+              </a:ext>
+            </a:extLst>
+          </p:cNvPr>
+          <p:cNvGrpSpPr/>
           <p:nvPr/>
-        </p:nvSpPr>
-        <p:spPr>
+        </p:nvGrpSpPr>
+        <p:grpSpPr>
           <a:xfrm>
-            <a:off x="9634176" y="4950390"/>
-            <a:ext cx="1081748" cy="954107"/>
+            <a:off x="11986372" y="633146"/>
+            <a:ext cx="200961" cy="6217920"/>
+            <a:chOff x="11808505" y="886406"/>
+            <a:chExt cx="182879" cy="5943600"/>
           </a:xfrm>
-          <a:prstGeom prst="rect">
-            <a:avLst/>
-          </a:prstGeom>
-          <a:noFill/>
-        </p:spPr>
-        <p:txBody>
-          <a:bodyPr wrap="square" rtlCol="0">
-            <a:spAutoFit/>
-          </a:bodyPr>
-          <a:lstStyle/>
-          <a:p>
-            <a:r>
-              <a:rPr lang="en-US" sz="2800" b="1" dirty="0">
-                <a:highlight>
-                  <a:srgbClr val="FFFF00"/>
-                </a:highlight>
-              </a:rPr>
-              <a:t>USER VIEW</a:t>
-            </a:r>
-          </a:p>
-        </p:txBody>
-      </p:sp>
+        </p:grpSpPr>
+        <p:sp>
+          <p:nvSpPr>
+            <p:cNvPr id="82" name="Rectangle 81">
+              <a:extLst>
+                <a:ext uri="{FF2B5EF4-FFF2-40B4-BE49-F238E27FC236}">
+                  <a16:creationId xmlns:a16="http://schemas.microsoft.com/office/drawing/2014/main" id="{152844C7-0366-4004-B118-EC98E092660D}"/>
+                </a:ext>
+              </a:extLst>
+            </p:cNvPr>
+            <p:cNvSpPr/>
+            <p:nvPr/>
+          </p:nvSpPr>
+          <p:spPr>
+            <a:xfrm>
+              <a:off x="11808505" y="886406"/>
+              <a:ext cx="182879" cy="5943600"/>
+            </a:xfrm>
+            <a:prstGeom prst="rect">
+              <a:avLst/>
+            </a:prstGeom>
+            <a:solidFill>
+              <a:srgbClr val="E7E6E6"/>
+            </a:solidFill>
+            <a:ln w="25400">
+              <a:solidFill>
+                <a:srgbClr val="192857"/>
+              </a:solidFill>
+            </a:ln>
+          </p:spPr>
+          <p:style>
+            <a:lnRef idx="2">
+              <a:schemeClr val="accent1">
+                <a:shade val="50000"/>
+              </a:schemeClr>
+            </a:lnRef>
+            <a:fillRef idx="1">
+              <a:schemeClr val="accent1"/>
+            </a:fillRef>
+            <a:effectRef idx="0">
+              <a:schemeClr val="accent1"/>
+            </a:effectRef>
+            <a:fontRef idx="minor">
+              <a:schemeClr val="lt1"/>
+            </a:fontRef>
+          </p:style>
+          <p:txBody>
+            <a:bodyPr rtlCol="0" anchor="ctr"/>
+            <a:lstStyle/>
+            <a:p>
+              <a:pPr algn="ctr"/>
+              <a:endParaRPr lang="en-US"/>
+            </a:p>
+          </p:txBody>
+        </p:sp>
+        <p:sp>
+          <p:nvSpPr>
+            <p:cNvPr id="83" name="Rectangle 82">
+              <a:extLst>
+                <a:ext uri="{FF2B5EF4-FFF2-40B4-BE49-F238E27FC236}">
+                  <a16:creationId xmlns:a16="http://schemas.microsoft.com/office/drawing/2014/main" id="{C51AFCFC-9F90-43FF-9A1F-81442D69F588}"/>
+                </a:ext>
+              </a:extLst>
+            </p:cNvPr>
+            <p:cNvSpPr/>
+            <p:nvPr/>
+          </p:nvSpPr>
+          <p:spPr>
+            <a:xfrm>
+              <a:off x="11827171" y="905070"/>
+              <a:ext cx="146304" cy="3402727"/>
+            </a:xfrm>
+            <a:prstGeom prst="rect">
+              <a:avLst/>
+            </a:prstGeom>
+            <a:solidFill>
+              <a:srgbClr val="BFA458"/>
+            </a:solidFill>
+            <a:ln>
+              <a:solidFill>
+                <a:srgbClr val="BFA458"/>
+              </a:solidFill>
+            </a:ln>
+          </p:spPr>
+          <p:style>
+            <a:lnRef idx="2">
+              <a:schemeClr val="accent1">
+                <a:shade val="50000"/>
+              </a:schemeClr>
+            </a:lnRef>
+            <a:fillRef idx="1">
+              <a:schemeClr val="accent1"/>
+            </a:fillRef>
+            <a:effectRef idx="0">
+              <a:schemeClr val="accent1"/>
+            </a:effectRef>
+            <a:fontRef idx="minor">
+              <a:schemeClr val="lt1"/>
+            </a:fontRef>
+          </p:style>
+          <p:txBody>
+            <a:bodyPr rtlCol="0" anchor="ctr"/>
+            <a:lstStyle/>
+            <a:p>
+              <a:pPr algn="ctr"/>
+              <a:endParaRPr lang="en-US"/>
+            </a:p>
+          </p:txBody>
+        </p:sp>
+      </p:grpSp>
     </p:spTree>
     <p:extLst>
       <p:ext uri="{BB962C8B-B14F-4D97-AF65-F5344CB8AC3E}">
@@ -6644,10 +6799,10 @@
       </p:grpSpPr>
       <p:sp>
         <p:nvSpPr>
-          <p:cNvPr id="19" name="Rectangle 18">
-            <a:extLst>
-              <a:ext uri="{FF2B5EF4-FFF2-40B4-BE49-F238E27FC236}">
-                <a16:creationId xmlns:a16="http://schemas.microsoft.com/office/drawing/2014/main" id="{8DD4FEDB-CFCD-4C4A-9F15-CA9293D85673}"/>
+          <p:cNvPr id="39" name="Rectangle 38">
+            <a:extLst>
+              <a:ext uri="{FF2B5EF4-FFF2-40B4-BE49-F238E27FC236}">
+                <a16:creationId xmlns:a16="http://schemas.microsoft.com/office/drawing/2014/main" id="{5ED8E4AF-EA0E-4482-A7F5-E8E190A83288}"/>
               </a:ext>
             </a:extLst>
           </p:cNvPr>
@@ -6656,844 +6811,8 @@
         </p:nvSpPr>
         <p:spPr>
           <a:xfrm>
-            <a:off x="0" y="-5518"/>
-            <a:ext cx="12192000" cy="638665"/>
-          </a:xfrm>
-          <a:prstGeom prst="rect">
-            <a:avLst/>
-          </a:prstGeom>
-          <a:solidFill>
-            <a:srgbClr val="192857"/>
-          </a:solidFill>
-        </p:spPr>
-        <p:style>
-          <a:lnRef idx="2">
-            <a:schemeClr val="accent1">
-              <a:shade val="50000"/>
-            </a:schemeClr>
-          </a:lnRef>
-          <a:fillRef idx="1">
-            <a:schemeClr val="accent1"/>
-          </a:fillRef>
-          <a:effectRef idx="0">
-            <a:schemeClr val="accent1"/>
-          </a:effectRef>
-          <a:fontRef idx="minor">
-            <a:schemeClr val="lt1"/>
-          </a:fontRef>
-        </p:style>
-        <p:txBody>
-          <a:bodyPr rtlCol="0" anchor="ctr"/>
-          <a:lstStyle/>
-          <a:p>
-            <a:pPr algn="ctr"/>
-            <a:endParaRPr lang="en-US"/>
-          </a:p>
-        </p:txBody>
-      </p:sp>
-      <p:grpSp>
-        <p:nvGrpSpPr>
-          <p:cNvPr id="20" name="Group 19">
-            <a:extLst>
-              <a:ext uri="{FF2B5EF4-FFF2-40B4-BE49-F238E27FC236}">
-                <a16:creationId xmlns:a16="http://schemas.microsoft.com/office/drawing/2014/main" id="{0D4FBA0E-B4A0-406D-9333-29B40875CED4}"/>
-              </a:ext>
-            </a:extLst>
-          </p:cNvPr>
-          <p:cNvGrpSpPr/>
-          <p:nvPr/>
-        </p:nvGrpSpPr>
-        <p:grpSpPr>
-          <a:xfrm>
-            <a:off x="2023927" y="97421"/>
-            <a:ext cx="3028757" cy="378073"/>
-            <a:chOff x="3427615" y="123834"/>
-            <a:chExt cx="2668385" cy="378073"/>
-          </a:xfrm>
-        </p:grpSpPr>
-        <p:sp>
-          <p:nvSpPr>
-            <p:cNvPr id="21" name="Rectangle: Rounded Corners 20">
-              <a:extLst>
-                <a:ext uri="{FF2B5EF4-FFF2-40B4-BE49-F238E27FC236}">
-                  <a16:creationId xmlns:a16="http://schemas.microsoft.com/office/drawing/2014/main" id="{6715BECB-9583-4D0E-BAC9-0A2805AEF5C7}"/>
-                </a:ext>
-              </a:extLst>
-            </p:cNvPr>
-            <p:cNvSpPr/>
-            <p:nvPr/>
-          </p:nvSpPr>
-          <p:spPr>
-            <a:xfrm>
-              <a:off x="3427615" y="132575"/>
-              <a:ext cx="2668385" cy="369332"/>
-            </a:xfrm>
-            <a:prstGeom prst="roundRect">
-              <a:avLst/>
-            </a:prstGeom>
-            <a:solidFill>
-              <a:srgbClr val="F2F2F2"/>
-            </a:solidFill>
-          </p:spPr>
-          <p:style>
-            <a:lnRef idx="2">
-              <a:schemeClr val="accent1">
-                <a:shade val="50000"/>
-              </a:schemeClr>
-            </a:lnRef>
-            <a:fillRef idx="1">
-              <a:schemeClr val="accent1"/>
-            </a:fillRef>
-            <a:effectRef idx="0">
-              <a:schemeClr val="accent1"/>
-            </a:effectRef>
-            <a:fontRef idx="minor">
-              <a:schemeClr val="lt1"/>
-            </a:fontRef>
-          </p:style>
-          <p:txBody>
-            <a:bodyPr rtlCol="0" anchor="ctr"/>
-            <a:lstStyle/>
-            <a:p>
-              <a:pPr algn="ctr"/>
-              <a:endParaRPr lang="en-US"/>
-            </a:p>
-          </p:txBody>
-        </p:sp>
-        <p:sp>
-          <p:nvSpPr>
-            <p:cNvPr id="22" name="TextBox 21">
-              <a:extLst>
-                <a:ext uri="{FF2B5EF4-FFF2-40B4-BE49-F238E27FC236}">
-                  <a16:creationId xmlns:a16="http://schemas.microsoft.com/office/drawing/2014/main" id="{7236CA87-080B-4085-A6B5-5F4F3494337C}"/>
-                </a:ext>
-              </a:extLst>
-            </p:cNvPr>
-            <p:cNvSpPr txBox="1"/>
-            <p:nvPr/>
-          </p:nvSpPr>
-          <p:spPr>
-            <a:xfrm>
-              <a:off x="3427615" y="123834"/>
-              <a:ext cx="2402378" cy="369332"/>
-            </a:xfrm>
-            <a:prstGeom prst="rect">
-              <a:avLst/>
-            </a:prstGeom>
-            <a:noFill/>
-          </p:spPr>
-          <p:txBody>
-            <a:bodyPr wrap="square" rtlCol="0">
-              <a:spAutoFit/>
-            </a:bodyPr>
-            <a:lstStyle/>
-            <a:p>
-              <a:r>
-                <a:rPr lang="en-US" dirty="0">
-                  <a:solidFill>
-                    <a:schemeClr val="bg2">
-                      <a:lumMod val="50000"/>
-                    </a:schemeClr>
-                  </a:solidFill>
-                </a:rPr>
-                <a:t>Quick Search…</a:t>
-              </a:r>
-            </a:p>
-          </p:txBody>
-        </p:sp>
-      </p:grpSp>
-      <p:grpSp>
-        <p:nvGrpSpPr>
-          <p:cNvPr id="23" name="Group 22">
-            <a:extLst>
-              <a:ext uri="{FF2B5EF4-FFF2-40B4-BE49-F238E27FC236}">
-                <a16:creationId xmlns:a16="http://schemas.microsoft.com/office/drawing/2014/main" id="{A189806E-C0B8-417E-A125-E4FE62AF7DF3}"/>
-              </a:ext>
-            </a:extLst>
-          </p:cNvPr>
-          <p:cNvGrpSpPr/>
-          <p:nvPr/>
-        </p:nvGrpSpPr>
-        <p:grpSpPr>
-          <a:xfrm>
-            <a:off x="5204451" y="125253"/>
-            <a:ext cx="365760" cy="299258"/>
-            <a:chOff x="623455" y="856211"/>
-            <a:chExt cx="498763" cy="415636"/>
-          </a:xfrm>
-        </p:grpSpPr>
-        <p:sp>
-          <p:nvSpPr>
-            <p:cNvPr id="24" name="Rectangle: Rounded Corners 23">
-              <a:extLst>
-                <a:ext uri="{FF2B5EF4-FFF2-40B4-BE49-F238E27FC236}">
-                  <a16:creationId xmlns:a16="http://schemas.microsoft.com/office/drawing/2014/main" id="{55FC36AA-050D-4EE6-8348-6FEA7060C5E1}"/>
-                </a:ext>
-              </a:extLst>
-            </p:cNvPr>
-            <p:cNvSpPr/>
-            <p:nvPr/>
-          </p:nvSpPr>
-          <p:spPr>
-            <a:xfrm>
-              <a:off x="623455" y="856211"/>
-              <a:ext cx="498763" cy="415636"/>
-            </a:xfrm>
-            <a:prstGeom prst="roundRect">
-              <a:avLst/>
-            </a:prstGeom>
-            <a:solidFill>
-              <a:srgbClr val="BFA458"/>
-            </a:solidFill>
-          </p:spPr>
-          <p:style>
-            <a:lnRef idx="2">
-              <a:schemeClr val="accent1">
-                <a:shade val="50000"/>
-              </a:schemeClr>
-            </a:lnRef>
-            <a:fillRef idx="1">
-              <a:schemeClr val="accent1"/>
-            </a:fillRef>
-            <a:effectRef idx="0">
-              <a:schemeClr val="accent1"/>
-            </a:effectRef>
-            <a:fontRef idx="minor">
-              <a:schemeClr val="lt1"/>
-            </a:fontRef>
-          </p:style>
-          <p:txBody>
-            <a:bodyPr rtlCol="0" anchor="ctr"/>
-            <a:lstStyle/>
-            <a:p>
-              <a:pPr algn="ctr"/>
-              <a:endParaRPr lang="en-US"/>
-            </a:p>
-          </p:txBody>
-        </p:sp>
-        <p:grpSp>
-          <p:nvGrpSpPr>
-            <p:cNvPr id="25" name="Group 24">
-              <a:extLst>
-                <a:ext uri="{FF2B5EF4-FFF2-40B4-BE49-F238E27FC236}">
-                  <a16:creationId xmlns:a16="http://schemas.microsoft.com/office/drawing/2014/main" id="{CD755284-1956-4AC0-8517-29383F83D2FA}"/>
-                </a:ext>
-              </a:extLst>
-            </p:cNvPr>
-            <p:cNvGrpSpPr/>
-            <p:nvPr/>
-          </p:nvGrpSpPr>
-          <p:grpSpPr>
-            <a:xfrm>
-              <a:off x="724038" y="950768"/>
-              <a:ext cx="297595" cy="226521"/>
-              <a:chOff x="999190" y="1753985"/>
-              <a:chExt cx="297595" cy="226521"/>
-            </a:xfrm>
-          </p:grpSpPr>
-          <p:sp>
-            <p:nvSpPr>
-              <p:cNvPr id="26" name="Oval 25">
-                <a:extLst>
-                  <a:ext uri="{FF2B5EF4-FFF2-40B4-BE49-F238E27FC236}">
-                    <a16:creationId xmlns:a16="http://schemas.microsoft.com/office/drawing/2014/main" id="{85CA5F95-1177-42A2-BADF-532D8085875F}"/>
-                  </a:ext>
-                </a:extLst>
-              </p:cNvPr>
-              <p:cNvSpPr/>
-              <p:nvPr/>
-            </p:nvSpPr>
-            <p:spPr>
-              <a:xfrm>
-                <a:off x="1122218" y="1753985"/>
-                <a:ext cx="174567" cy="166255"/>
-              </a:xfrm>
-              <a:prstGeom prst="ellipse">
-                <a:avLst/>
-              </a:prstGeom>
-              <a:solidFill>
-                <a:schemeClr val="bg1"/>
-              </a:solidFill>
-              <a:ln>
-                <a:solidFill>
-                  <a:srgbClr val="192857"/>
-                </a:solidFill>
-              </a:ln>
-            </p:spPr>
-            <p:style>
-              <a:lnRef idx="2">
-                <a:schemeClr val="accent1">
-                  <a:shade val="50000"/>
-                </a:schemeClr>
-              </a:lnRef>
-              <a:fillRef idx="1">
-                <a:schemeClr val="accent1"/>
-              </a:fillRef>
-              <a:effectRef idx="0">
-                <a:schemeClr val="accent1"/>
-              </a:effectRef>
-              <a:fontRef idx="minor">
-                <a:schemeClr val="lt1"/>
-              </a:fontRef>
-            </p:style>
-            <p:txBody>
-              <a:bodyPr rtlCol="0" anchor="ctr"/>
-              <a:lstStyle/>
-              <a:p>
-                <a:pPr algn="ctr"/>
-                <a:endParaRPr lang="en-US" dirty="0"/>
-              </a:p>
-            </p:txBody>
-          </p:sp>
-          <p:sp>
-            <p:nvSpPr>
-              <p:cNvPr id="27" name="Rectangle 26">
-                <a:extLst>
-                  <a:ext uri="{FF2B5EF4-FFF2-40B4-BE49-F238E27FC236}">
-                    <a16:creationId xmlns:a16="http://schemas.microsoft.com/office/drawing/2014/main" id="{DAA30100-0158-4B87-AD65-D43A1D146843}"/>
-                  </a:ext>
-                </a:extLst>
-              </p:cNvPr>
-              <p:cNvSpPr/>
-              <p:nvPr/>
-            </p:nvSpPr>
-            <p:spPr>
-              <a:xfrm rot="2802451">
-                <a:off x="1063614" y="1870363"/>
-                <a:ext cx="45719" cy="174567"/>
-              </a:xfrm>
-              <a:prstGeom prst="rect">
-                <a:avLst/>
-              </a:prstGeom>
-              <a:solidFill>
-                <a:srgbClr val="192857"/>
-              </a:solidFill>
-              <a:ln>
-                <a:solidFill>
-                  <a:srgbClr val="192857"/>
-                </a:solidFill>
-              </a:ln>
-            </p:spPr>
-            <p:style>
-              <a:lnRef idx="2">
-                <a:schemeClr val="accent1">
-                  <a:shade val="50000"/>
-                </a:schemeClr>
-              </a:lnRef>
-              <a:fillRef idx="1">
-                <a:schemeClr val="accent1"/>
-              </a:fillRef>
-              <a:effectRef idx="0">
-                <a:schemeClr val="accent1"/>
-              </a:effectRef>
-              <a:fontRef idx="minor">
-                <a:schemeClr val="lt1"/>
-              </a:fontRef>
-            </p:style>
-            <p:txBody>
-              <a:bodyPr rtlCol="0" anchor="ctr"/>
-              <a:lstStyle/>
-              <a:p>
-                <a:pPr algn="ctr"/>
-                <a:endParaRPr lang="en-US"/>
-              </a:p>
-            </p:txBody>
-          </p:sp>
-        </p:grpSp>
-      </p:grpSp>
-      <p:grpSp>
-        <p:nvGrpSpPr>
-          <p:cNvPr id="28" name="Group 27">
-            <a:extLst>
-              <a:ext uri="{FF2B5EF4-FFF2-40B4-BE49-F238E27FC236}">
-                <a16:creationId xmlns:a16="http://schemas.microsoft.com/office/drawing/2014/main" id="{2D919CE0-4280-4820-8931-B100820F6F11}"/>
-              </a:ext>
-            </a:extLst>
-          </p:cNvPr>
-          <p:cNvGrpSpPr/>
-          <p:nvPr/>
-        </p:nvGrpSpPr>
-        <p:grpSpPr>
-          <a:xfrm>
-            <a:off x="9350027" y="0"/>
-            <a:ext cx="2163816" cy="799674"/>
-            <a:chOff x="9040573" y="-17327"/>
-            <a:chExt cx="2163816" cy="799674"/>
-          </a:xfrm>
-        </p:grpSpPr>
-        <p:sp>
-          <p:nvSpPr>
-            <p:cNvPr id="29" name="Rectangle: Rounded Corners 28">
-              <a:extLst>
-                <a:ext uri="{FF2B5EF4-FFF2-40B4-BE49-F238E27FC236}">
-                  <a16:creationId xmlns:a16="http://schemas.microsoft.com/office/drawing/2014/main" id="{5170EB4E-77A9-479C-A249-753F9BE836BE}"/>
-                </a:ext>
-              </a:extLst>
-            </p:cNvPr>
-            <p:cNvSpPr/>
-            <p:nvPr/>
-          </p:nvSpPr>
-          <p:spPr>
-            <a:xfrm>
-              <a:off x="9445569" y="-17327"/>
-              <a:ext cx="1758820" cy="633147"/>
-            </a:xfrm>
-            <a:prstGeom prst="roundRect">
-              <a:avLst/>
-            </a:prstGeom>
-            <a:solidFill>
-              <a:srgbClr val="192857"/>
-            </a:solidFill>
-            <a:ln w="25400">
-              <a:solidFill>
-                <a:srgbClr val="BFA458"/>
-              </a:solidFill>
-            </a:ln>
-          </p:spPr>
-          <p:style>
-            <a:lnRef idx="2">
-              <a:schemeClr val="accent1">
-                <a:shade val="50000"/>
-              </a:schemeClr>
-            </a:lnRef>
-            <a:fillRef idx="1">
-              <a:schemeClr val="accent1"/>
-            </a:fillRef>
-            <a:effectRef idx="0">
-              <a:schemeClr val="accent1"/>
-            </a:effectRef>
-            <a:fontRef idx="minor">
-              <a:schemeClr val="lt1"/>
-            </a:fontRef>
-          </p:style>
-          <p:txBody>
-            <a:bodyPr rtlCol="0" anchor="ctr"/>
-            <a:lstStyle/>
-            <a:p>
-              <a:pPr algn="ctr"/>
-              <a:endParaRPr lang="en-US" sz="1400" dirty="0">
-                <a:solidFill>
-                  <a:srgbClr val="BFA458"/>
-                </a:solidFill>
-                <a:latin typeface="Arial Black" panose="020B0A04020102020204" pitchFamily="34" charset="0"/>
-                <a:cs typeface="Aharoni" panose="02010803020104030203" pitchFamily="2" charset="-79"/>
-              </a:endParaRPr>
-            </a:p>
-          </p:txBody>
-        </p:sp>
-        <p:sp>
-          <p:nvSpPr>
-            <p:cNvPr id="30" name="TextBox 29">
-              <a:extLst>
-                <a:ext uri="{FF2B5EF4-FFF2-40B4-BE49-F238E27FC236}">
-                  <a16:creationId xmlns:a16="http://schemas.microsoft.com/office/drawing/2014/main" id="{AD82761D-99B2-474D-B14C-1A6DD64D6D2C}"/>
-                </a:ext>
-              </a:extLst>
-            </p:cNvPr>
-            <p:cNvSpPr txBox="1"/>
-            <p:nvPr/>
-          </p:nvSpPr>
-          <p:spPr>
-            <a:xfrm>
-              <a:off x="9040573" y="43683"/>
-              <a:ext cx="1998300" cy="738664"/>
-            </a:xfrm>
-            <a:prstGeom prst="rect">
-              <a:avLst/>
-            </a:prstGeom>
-            <a:noFill/>
-          </p:spPr>
-          <p:txBody>
-            <a:bodyPr wrap="square" rtlCol="0">
-              <a:spAutoFit/>
-            </a:bodyPr>
-            <a:lstStyle/>
-            <a:p>
-              <a:pPr algn="ctr"/>
-              <a:r>
-                <a:rPr lang="en-US" sz="1400" dirty="0">
-                  <a:solidFill>
-                    <a:srgbClr val="BFA458"/>
-                  </a:solidFill>
-                  <a:latin typeface="Arial Black" panose="020B0A04020102020204" pitchFamily="34" charset="0"/>
-                  <a:cs typeface="Aharoni" panose="02010803020104030203" pitchFamily="2" charset="-79"/>
-                </a:rPr>
-                <a:t>User1234</a:t>
-              </a:r>
-            </a:p>
-            <a:p>
-              <a:pPr algn="ctr"/>
-              <a:r>
-                <a:rPr lang="en-US" sz="1400" dirty="0">
-                  <a:solidFill>
-                    <a:srgbClr val="BFA458"/>
-                  </a:solidFill>
-                  <a:latin typeface="Arial Black" panose="020B0A04020102020204" pitchFamily="34" charset="0"/>
-                  <a:cs typeface="Aharoni" panose="02010803020104030203" pitchFamily="2" charset="-79"/>
-                </a:rPr>
-                <a:t>Profile</a:t>
-              </a:r>
-            </a:p>
-            <a:p>
-              <a:endParaRPr lang="en-US" sz="1400" dirty="0"/>
-            </a:p>
-          </p:txBody>
-        </p:sp>
-        <p:sp>
-          <p:nvSpPr>
-            <p:cNvPr id="31" name="Isosceles Triangle 30">
-              <a:extLst>
-                <a:ext uri="{FF2B5EF4-FFF2-40B4-BE49-F238E27FC236}">
-                  <a16:creationId xmlns:a16="http://schemas.microsoft.com/office/drawing/2014/main" id="{B4F8DF81-4539-4E9D-ABE3-5494D253C703}"/>
-                </a:ext>
-              </a:extLst>
-            </p:cNvPr>
-            <p:cNvSpPr/>
-            <p:nvPr/>
-          </p:nvSpPr>
-          <p:spPr>
-            <a:xfrm rot="10800000">
-              <a:off x="10674980" y="173952"/>
-              <a:ext cx="363893" cy="251926"/>
-            </a:xfrm>
-            <a:prstGeom prst="triangle">
-              <a:avLst/>
-            </a:prstGeom>
-            <a:solidFill>
-              <a:srgbClr val="BFA458"/>
-            </a:solidFill>
-            <a:ln w="12700">
-              <a:solidFill>
-                <a:schemeClr val="bg1"/>
-              </a:solidFill>
-            </a:ln>
-          </p:spPr>
-          <p:style>
-            <a:lnRef idx="2">
-              <a:schemeClr val="accent1">
-                <a:shade val="50000"/>
-              </a:schemeClr>
-            </a:lnRef>
-            <a:fillRef idx="1">
-              <a:schemeClr val="accent1"/>
-            </a:fillRef>
-            <a:effectRef idx="0">
-              <a:schemeClr val="accent1"/>
-            </a:effectRef>
-            <a:fontRef idx="minor">
-              <a:schemeClr val="lt1"/>
-            </a:fontRef>
-          </p:style>
-          <p:txBody>
-            <a:bodyPr rtlCol="0" anchor="ctr"/>
-            <a:lstStyle/>
-            <a:p>
-              <a:pPr algn="ctr"/>
-              <a:endParaRPr lang="en-US"/>
-            </a:p>
-          </p:txBody>
-        </p:sp>
-      </p:grpSp>
-      <p:sp>
-        <p:nvSpPr>
-          <p:cNvPr id="32" name="Rectangle: Rounded Corners 31">
-            <a:extLst>
-              <a:ext uri="{FF2B5EF4-FFF2-40B4-BE49-F238E27FC236}">
-                <a16:creationId xmlns:a16="http://schemas.microsoft.com/office/drawing/2014/main" id="{3145EB56-BEC0-4EBA-A15B-517AB8D59176}"/>
-              </a:ext>
-            </a:extLst>
-          </p:cNvPr>
-          <p:cNvSpPr/>
-          <p:nvPr/>
-        </p:nvSpPr>
-        <p:spPr>
-          <a:xfrm>
-            <a:off x="5846450" y="-9699"/>
-            <a:ext cx="1758820" cy="633147"/>
-          </a:xfrm>
-          <a:prstGeom prst="roundRect">
-            <a:avLst/>
-          </a:prstGeom>
-          <a:solidFill>
-            <a:srgbClr val="192857"/>
-          </a:solidFill>
-          <a:ln w="25400">
-            <a:solidFill>
-              <a:srgbClr val="BFA458"/>
-            </a:solidFill>
-          </a:ln>
-        </p:spPr>
-        <p:style>
-          <a:lnRef idx="2">
-            <a:schemeClr val="accent1">
-              <a:shade val="50000"/>
-            </a:schemeClr>
-          </a:lnRef>
-          <a:fillRef idx="1">
-            <a:schemeClr val="accent1"/>
-          </a:fillRef>
-          <a:effectRef idx="0">
-            <a:schemeClr val="accent1"/>
-          </a:effectRef>
-          <a:fontRef idx="minor">
-            <a:schemeClr val="lt1"/>
-          </a:fontRef>
-        </p:style>
-        <p:txBody>
-          <a:bodyPr rtlCol="0" anchor="ctr"/>
-          <a:lstStyle/>
-          <a:p>
-            <a:pPr algn="ctr"/>
-            <a:r>
-              <a:rPr lang="en-US" sz="1400" dirty="0">
-                <a:solidFill>
-                  <a:srgbClr val="BFA458"/>
-                </a:solidFill>
-                <a:latin typeface="Arial Black" panose="020B0A04020102020204" pitchFamily="34" charset="0"/>
-                <a:cs typeface="Aharoni" panose="02010803020104030203" pitchFamily="2" charset="-79"/>
-              </a:rPr>
-              <a:t>Filter Your Search!</a:t>
-            </a:r>
-          </a:p>
-        </p:txBody>
-      </p:sp>
-      <p:sp>
-        <p:nvSpPr>
-          <p:cNvPr id="33" name="Rectangle: Rounded Corners 32">
-            <a:extLst>
-              <a:ext uri="{FF2B5EF4-FFF2-40B4-BE49-F238E27FC236}">
-                <a16:creationId xmlns:a16="http://schemas.microsoft.com/office/drawing/2014/main" id="{C36757AB-B7AF-4781-B8C0-841E1EA3ACD8}"/>
-              </a:ext>
-            </a:extLst>
-          </p:cNvPr>
-          <p:cNvSpPr/>
-          <p:nvPr/>
-        </p:nvSpPr>
-        <p:spPr>
-          <a:xfrm>
-            <a:off x="7830687" y="0"/>
-            <a:ext cx="1758820" cy="633147"/>
-          </a:xfrm>
-          <a:prstGeom prst="roundRect">
-            <a:avLst/>
-          </a:prstGeom>
-          <a:solidFill>
-            <a:srgbClr val="192857"/>
-          </a:solidFill>
-          <a:ln w="25400">
-            <a:solidFill>
-              <a:srgbClr val="BFA458"/>
-            </a:solidFill>
-          </a:ln>
-        </p:spPr>
-        <p:style>
-          <a:lnRef idx="2">
-            <a:schemeClr val="accent1">
-              <a:shade val="50000"/>
-            </a:schemeClr>
-          </a:lnRef>
-          <a:fillRef idx="1">
-            <a:schemeClr val="accent1"/>
-          </a:fillRef>
-          <a:effectRef idx="0">
-            <a:schemeClr val="accent1"/>
-          </a:effectRef>
-          <a:fontRef idx="minor">
-            <a:schemeClr val="lt1"/>
-          </a:fontRef>
-        </p:style>
-        <p:txBody>
-          <a:bodyPr rtlCol="0" anchor="ctr"/>
-          <a:lstStyle/>
-          <a:p>
-            <a:pPr algn="ctr"/>
-            <a:r>
-              <a:rPr lang="en-US" sz="1400" dirty="0">
-                <a:solidFill>
-                  <a:srgbClr val="BFA458"/>
-                </a:solidFill>
-                <a:latin typeface="Arial Black" panose="020B0A04020102020204" pitchFamily="34" charset="0"/>
-              </a:rPr>
-              <a:t>Create a Posting!</a:t>
-            </a:r>
-          </a:p>
-        </p:txBody>
-      </p:sp>
-      <p:grpSp>
-        <p:nvGrpSpPr>
-          <p:cNvPr id="34" name="Group 33">
-            <a:extLst>
-              <a:ext uri="{FF2B5EF4-FFF2-40B4-BE49-F238E27FC236}">
-                <a16:creationId xmlns:a16="http://schemas.microsoft.com/office/drawing/2014/main" id="{12DF5CAD-F261-41BD-8AA4-1FC114FC24D3}"/>
-              </a:ext>
-            </a:extLst>
-          </p:cNvPr>
-          <p:cNvGrpSpPr/>
-          <p:nvPr/>
-        </p:nvGrpSpPr>
-        <p:grpSpPr>
-          <a:xfrm>
-            <a:off x="355499" y="0"/>
-            <a:ext cx="1498313" cy="633147"/>
-            <a:chOff x="843672" y="540620"/>
-            <a:chExt cx="1498313" cy="633147"/>
-          </a:xfrm>
-        </p:grpSpPr>
-        <p:sp>
-          <p:nvSpPr>
-            <p:cNvPr id="35" name="TextBox 34">
-              <a:extLst>
-                <a:ext uri="{FF2B5EF4-FFF2-40B4-BE49-F238E27FC236}">
-                  <a16:creationId xmlns:a16="http://schemas.microsoft.com/office/drawing/2014/main" id="{A4907329-A7FC-4419-983B-67679B45FA3F}"/>
-                </a:ext>
-              </a:extLst>
-            </p:cNvPr>
-            <p:cNvSpPr txBox="1"/>
-            <p:nvPr/>
-          </p:nvSpPr>
-          <p:spPr>
-            <a:xfrm>
-              <a:off x="1257373" y="662767"/>
-              <a:ext cx="1004299" cy="369332"/>
-            </a:xfrm>
-            <a:prstGeom prst="rect">
-              <a:avLst/>
-            </a:prstGeom>
-            <a:noFill/>
-          </p:spPr>
-          <p:txBody>
-            <a:bodyPr wrap="square" rtlCol="0">
-              <a:spAutoFit/>
-            </a:bodyPr>
-            <a:lstStyle/>
-            <a:p>
-              <a:r>
-                <a:rPr lang="en-US" dirty="0">
-                  <a:solidFill>
-                    <a:srgbClr val="BFA458"/>
-                  </a:solidFill>
-                  <a:latin typeface="Arial Black" panose="020B0A04020102020204" pitchFamily="34" charset="0"/>
-                  <a:cs typeface="Aharoni" panose="02010803020104030203" pitchFamily="2" charset="-79"/>
-                </a:rPr>
-                <a:t>HOME</a:t>
-              </a:r>
-            </a:p>
-          </p:txBody>
-        </p:sp>
-        <p:pic>
-          <p:nvPicPr>
-            <p:cNvPr id="36" name="Graphic 35" descr="House">
-              <a:extLst>
-                <a:ext uri="{FF2B5EF4-FFF2-40B4-BE49-F238E27FC236}">
-                  <a16:creationId xmlns:a16="http://schemas.microsoft.com/office/drawing/2014/main" id="{F2E195F9-2930-44A7-8C65-82D9C65370AE}"/>
-                </a:ext>
-              </a:extLst>
-            </p:cNvPr>
-            <p:cNvPicPr>
-              <a:picLocks noChangeAspect="1"/>
-            </p:cNvPicPr>
-            <p:nvPr/>
-          </p:nvPicPr>
-          <p:blipFill>
-            <a:blip r:embed="rId2">
-              <a:extLst>
-                <a:ext uri="{28A0092B-C50C-407E-A947-70E740481C1C}">
-                  <a14:useLocalDpi xmlns:a14="http://schemas.microsoft.com/office/drawing/2010/main" val="0"/>
-                </a:ext>
-                <a:ext uri="{96DAC541-7B7A-43D3-8B79-37D633B846F1}">
-                  <asvg:svgBlip xmlns:asvg="http://schemas.microsoft.com/office/drawing/2016/SVG/main" r:embed="rId3"/>
-                </a:ext>
-              </a:extLst>
-            </a:blip>
-            <a:stretch>
-              <a:fillRect/>
-            </a:stretch>
-          </p:blipFill>
-          <p:spPr>
-            <a:xfrm>
-              <a:off x="904863" y="650049"/>
-              <a:ext cx="369332" cy="369332"/>
-            </a:xfrm>
-            <a:prstGeom prst="rect">
-              <a:avLst/>
-            </a:prstGeom>
-          </p:spPr>
-        </p:pic>
-        <p:sp>
-          <p:nvSpPr>
-            <p:cNvPr id="37" name="Rectangle: Rounded Corners 36">
-              <a:extLst>
-                <a:ext uri="{FF2B5EF4-FFF2-40B4-BE49-F238E27FC236}">
-                  <a16:creationId xmlns:a16="http://schemas.microsoft.com/office/drawing/2014/main" id="{71B8BDF9-1C03-4D0D-AAB8-F9E59ED4CB28}"/>
-                </a:ext>
-              </a:extLst>
-            </p:cNvPr>
-            <p:cNvSpPr/>
-            <p:nvPr/>
-          </p:nvSpPr>
-          <p:spPr>
-            <a:xfrm>
-              <a:off x="843672" y="540620"/>
-              <a:ext cx="1498313" cy="633147"/>
-            </a:xfrm>
-            <a:prstGeom prst="roundRect">
-              <a:avLst/>
-            </a:prstGeom>
-            <a:noFill/>
-            <a:ln w="25400">
-              <a:solidFill>
-                <a:srgbClr val="BFA458"/>
-              </a:solidFill>
-            </a:ln>
-          </p:spPr>
-          <p:style>
-            <a:lnRef idx="2">
-              <a:schemeClr val="accent1">
-                <a:shade val="50000"/>
-              </a:schemeClr>
-            </a:lnRef>
-            <a:fillRef idx="1">
-              <a:schemeClr val="accent1"/>
-            </a:fillRef>
-            <a:effectRef idx="0">
-              <a:schemeClr val="accent1"/>
-            </a:effectRef>
-            <a:fontRef idx="minor">
-              <a:schemeClr val="lt1"/>
-            </a:fontRef>
-          </p:style>
-          <p:txBody>
-            <a:bodyPr rtlCol="0" anchor="ctr"/>
-            <a:lstStyle/>
-            <a:p>
-              <a:pPr algn="ctr"/>
-              <a:endParaRPr lang="en-US" sz="1400" dirty="0">
-                <a:solidFill>
-                  <a:srgbClr val="BFA458"/>
-                </a:solidFill>
-                <a:latin typeface="Arial Black" panose="020B0A04020102020204" pitchFamily="34" charset="0"/>
-                <a:cs typeface="Aharoni" panose="02010803020104030203" pitchFamily="2" charset="-79"/>
-              </a:endParaRPr>
-            </a:p>
-          </p:txBody>
-        </p:sp>
-      </p:grpSp>
-      <p:sp>
-        <p:nvSpPr>
-          <p:cNvPr id="39" name="Rectangle 38">
-            <a:extLst>
-              <a:ext uri="{FF2B5EF4-FFF2-40B4-BE49-F238E27FC236}">
-                <a16:creationId xmlns:a16="http://schemas.microsoft.com/office/drawing/2014/main" id="{5ED8E4AF-EA0E-4482-A7F5-E8E190A83288}"/>
-              </a:ext>
-            </a:extLst>
-          </p:cNvPr>
-          <p:cNvSpPr/>
-          <p:nvPr/>
-        </p:nvSpPr>
-        <p:spPr>
-          <a:xfrm>
-            <a:off x="355499" y="905069"/>
-            <a:ext cx="11541032" cy="5952931"/>
+            <a:off x="355498" y="868681"/>
+            <a:ext cx="11658600" cy="5989319"/>
           </a:xfrm>
           <a:prstGeom prst="rect">
             <a:avLst/>
@@ -7505,7 +6824,105 @@
             <a:solidFill>
               <a:srgbClr val="192857"/>
             </a:solidFill>
+            <a:extLst>
+              <a:ext uri="{C807C97D-BFC1-408E-A445-0C87EB9F89A2}">
+                <ask:lineSketchStyleProps xmlns:ask="http://schemas.microsoft.com/office/drawing/2018/sketchyshapes" sd="1219033472">
+                  <a:custGeom>
+                    <a:avLst/>
+                    <a:gdLst>
+                      <a:gd name="connsiteX0" fmla="*/ 0 w 11541032"/>
+                      <a:gd name="connsiteY0" fmla="*/ 0 h 5952931"/>
+                      <a:gd name="connsiteX1" fmla="*/ 11541032 w 11541032"/>
+                      <a:gd name="connsiteY1" fmla="*/ 0 h 5952931"/>
+                      <a:gd name="connsiteX2" fmla="*/ 11541032 w 11541032"/>
+                      <a:gd name="connsiteY2" fmla="*/ 5952931 h 5952931"/>
+                      <a:gd name="connsiteX3" fmla="*/ 0 w 11541032"/>
+                      <a:gd name="connsiteY3" fmla="*/ 5952931 h 5952931"/>
+                      <a:gd name="connsiteX4" fmla="*/ 0 w 11541032"/>
+                      <a:gd name="connsiteY4" fmla="*/ 0 h 5952931"/>
+                    </a:gdLst>
+                    <a:ahLst/>
+                    <a:cxnLst>
+                      <a:cxn ang="0">
+                        <a:pos x="connsiteX0" y="connsiteY0"/>
+                      </a:cxn>
+                      <a:cxn ang="0">
+                        <a:pos x="connsiteX1" y="connsiteY1"/>
+                      </a:cxn>
+                      <a:cxn ang="0">
+                        <a:pos x="connsiteX2" y="connsiteY2"/>
+                      </a:cxn>
+                      <a:cxn ang="0">
+                        <a:pos x="connsiteX3" y="connsiteY3"/>
+                      </a:cxn>
+                      <a:cxn ang="0">
+                        <a:pos x="connsiteX4" y="connsiteY4"/>
+                      </a:cxn>
+                    </a:cxnLst>
+                    <a:rect l="l" t="t" r="r" b="b"/>
+                    <a:pathLst>
+                      <a:path w="11541032" h="5952931" fill="none" extrusionOk="0">
+                        <a:moveTo>
+                          <a:pt x="0" y="0"/>
+                        </a:moveTo>
+                        <a:cubicBezTo>
+                          <a:pt x="1549575" y="-49533"/>
+                          <a:pt x="6641909" y="-14809"/>
+                          <a:pt x="11541032" y="0"/>
+                        </a:cubicBezTo>
+                        <a:cubicBezTo>
+                          <a:pt x="11628671" y="1655164"/>
+                          <a:pt x="11468353" y="4293766"/>
+                          <a:pt x="11541032" y="5952931"/>
+                        </a:cubicBezTo>
+                        <a:cubicBezTo>
+                          <a:pt x="5873019" y="5904700"/>
+                          <a:pt x="5333643" y="6037386"/>
+                          <a:pt x="0" y="5952931"/>
+                        </a:cubicBezTo>
+                        <a:cubicBezTo>
+                          <a:pt x="-38581" y="3544248"/>
+                          <a:pt x="63341" y="1302582"/>
+                          <a:pt x="0" y="0"/>
+                        </a:cubicBezTo>
+                        <a:close/>
+                      </a:path>
+                      <a:path w="11541032" h="5952931" stroke="0" extrusionOk="0">
+                        <a:moveTo>
+                          <a:pt x="0" y="0"/>
+                        </a:moveTo>
+                        <a:cubicBezTo>
+                          <a:pt x="1892056" y="118645"/>
+                          <a:pt x="7387287" y="116012"/>
+                          <a:pt x="11541032" y="0"/>
+                        </a:cubicBezTo>
+                        <a:cubicBezTo>
+                          <a:pt x="11408150" y="2935766"/>
+                          <a:pt x="11625983" y="3542959"/>
+                          <a:pt x="11541032" y="5952931"/>
+                        </a:cubicBezTo>
+                        <a:cubicBezTo>
+                          <a:pt x="8071700" y="6087531"/>
+                          <a:pt x="3874238" y="5795735"/>
+                          <a:pt x="0" y="5952931"/>
+                        </a:cubicBezTo>
+                        <a:cubicBezTo>
+                          <a:pt x="-20187" y="3141024"/>
+                          <a:pt x="-152480" y="602658"/>
+                          <a:pt x="0" y="0"/>
+                        </a:cubicBezTo>
+                        <a:close/>
+                      </a:path>
+                    </a:pathLst>
+                  </a:custGeom>
+                  <ask:type>
+                    <ask:lineSketchNone/>
+                  </ask:type>
+                </ask:lineSketchStyleProps>
+              </a:ext>
+            </a:extLst>
           </a:ln>
+          <a:effectLst/>
         </p:spPr>
         <p:style>
           <a:lnRef idx="2">
@@ -7766,8 +7183,7 @@
           <a:bodyPr rtlCol="0" anchor="ctr"/>
           <a:lstStyle/>
           <a:p>
-            <a:pPr algn="ctr"/>
-            <a:endParaRPr lang="en-US"/>
+            <a:endParaRPr lang="en-US" dirty="0"/>
           </a:p>
         </p:txBody>
       </p:sp>
@@ -8409,7 +7825,7 @@
             <a:avLst/>
           </a:prstGeom>
           <a:solidFill>
-            <a:srgbClr val="192857"/>
+            <a:srgbClr val="BFA458"/>
           </a:solidFill>
           <a:ln w="25400">
             <a:solidFill>
@@ -8549,13 +7965,13 @@
           <p:nvPr/>
         </p:nvPicPr>
         <p:blipFill>
-          <a:blip r:embed="rId4">
+          <a:blip r:embed="rId2">
             <a:extLst>
               <a:ext uri="{28A0092B-C50C-407E-A947-70E740481C1C}">
                 <a14:useLocalDpi xmlns:a14="http://schemas.microsoft.com/office/drawing/2010/main" val="0"/>
               </a:ext>
               <a:ext uri="{96DAC541-7B7A-43D3-8B79-37D633B846F1}">
-                <asvg:svgBlip xmlns:asvg="http://schemas.microsoft.com/office/drawing/2016/SVG/main" r:embed="rId5"/>
+                <asvg:svgBlip xmlns:asvg="http://schemas.microsoft.com/office/drawing/2016/SVG/main" r:embed="rId3"/>
               </a:ext>
             </a:extLst>
           </a:blip>
@@ -8565,8 +7981,8 @@
         </p:blipFill>
         <p:spPr>
           <a:xfrm>
-            <a:off x="772317" y="6128928"/>
-            <a:ext cx="213012" cy="213012"/>
+            <a:off x="788319" y="6139022"/>
+            <a:ext cx="195739" cy="195739"/>
           </a:xfrm>
           <a:prstGeom prst="rect">
             <a:avLst/>
@@ -8716,13 +8132,15 @@
         </p:nvSpPr>
         <p:spPr>
           <a:xfrm>
-            <a:off x="9834825" y="4564210"/>
+            <a:off x="9652760" y="4243757"/>
             <a:ext cx="1553113" cy="954107"/>
           </a:xfrm>
           <a:prstGeom prst="rect">
             <a:avLst/>
           </a:prstGeom>
-          <a:noFill/>
+          <a:solidFill>
+            <a:srgbClr val="FFFF00"/>
+          </a:solidFill>
         </p:spPr>
         <p:txBody>
           <a:bodyPr wrap="square" rtlCol="0">
@@ -8741,6 +8159,995 @@
           </a:p>
         </p:txBody>
       </p:sp>
+      <p:grpSp>
+        <p:nvGrpSpPr>
+          <p:cNvPr id="52" name="Group 51">
+            <a:extLst>
+              <a:ext uri="{FF2B5EF4-FFF2-40B4-BE49-F238E27FC236}">
+                <a16:creationId xmlns:a16="http://schemas.microsoft.com/office/drawing/2014/main" id="{D368AB9E-02AE-4078-B214-42B942506F68}"/>
+              </a:ext>
+            </a:extLst>
+          </p:cNvPr>
+          <p:cNvGrpSpPr/>
+          <p:nvPr/>
+        </p:nvGrpSpPr>
+        <p:grpSpPr>
+          <a:xfrm>
+            <a:off x="0" y="-5519"/>
+            <a:ext cx="12192000" cy="644184"/>
+            <a:chOff x="0" y="-5519"/>
+            <a:chExt cx="12192000" cy="644184"/>
+          </a:xfrm>
+        </p:grpSpPr>
+        <p:sp>
+          <p:nvSpPr>
+            <p:cNvPr id="54" name="Rectangle 53">
+              <a:extLst>
+                <a:ext uri="{FF2B5EF4-FFF2-40B4-BE49-F238E27FC236}">
+                  <a16:creationId xmlns:a16="http://schemas.microsoft.com/office/drawing/2014/main" id="{BA4F1519-5E19-4D3E-8AC7-B9F940282442}"/>
+                </a:ext>
+              </a:extLst>
+            </p:cNvPr>
+            <p:cNvSpPr/>
+            <p:nvPr/>
+          </p:nvSpPr>
+          <p:spPr>
+            <a:xfrm>
+              <a:off x="0" y="-5518"/>
+              <a:ext cx="12192000" cy="638665"/>
+            </a:xfrm>
+            <a:prstGeom prst="rect">
+              <a:avLst/>
+            </a:prstGeom>
+            <a:solidFill>
+              <a:srgbClr val="192857"/>
+            </a:solidFill>
+          </p:spPr>
+          <p:style>
+            <a:lnRef idx="2">
+              <a:schemeClr val="accent1">
+                <a:shade val="50000"/>
+              </a:schemeClr>
+            </a:lnRef>
+            <a:fillRef idx="1">
+              <a:schemeClr val="accent1"/>
+            </a:fillRef>
+            <a:effectRef idx="0">
+              <a:schemeClr val="accent1"/>
+            </a:effectRef>
+            <a:fontRef idx="minor">
+              <a:schemeClr val="lt1"/>
+            </a:fontRef>
+          </p:style>
+          <p:txBody>
+            <a:bodyPr rtlCol="0" anchor="ctr"/>
+            <a:lstStyle/>
+            <a:p>
+              <a:pPr algn="ctr"/>
+              <a:endParaRPr lang="en-US" dirty="0"/>
+            </a:p>
+          </p:txBody>
+        </p:sp>
+        <p:grpSp>
+          <p:nvGrpSpPr>
+            <p:cNvPr id="56" name="Group 55">
+              <a:extLst>
+                <a:ext uri="{FF2B5EF4-FFF2-40B4-BE49-F238E27FC236}">
+                  <a16:creationId xmlns:a16="http://schemas.microsoft.com/office/drawing/2014/main" id="{263A828D-92C2-45ED-B152-4E1658D1C1DB}"/>
+                </a:ext>
+              </a:extLst>
+            </p:cNvPr>
+            <p:cNvGrpSpPr/>
+            <p:nvPr/>
+          </p:nvGrpSpPr>
+          <p:grpSpPr>
+            <a:xfrm>
+              <a:off x="2023927" y="97421"/>
+              <a:ext cx="3028757" cy="378073"/>
+              <a:chOff x="3427615" y="123834"/>
+              <a:chExt cx="2668385" cy="378073"/>
+            </a:xfrm>
+          </p:grpSpPr>
+          <p:sp>
+            <p:nvSpPr>
+              <p:cNvPr id="86" name="Rectangle: Rounded Corners 85">
+                <a:extLst>
+                  <a:ext uri="{FF2B5EF4-FFF2-40B4-BE49-F238E27FC236}">
+                    <a16:creationId xmlns:a16="http://schemas.microsoft.com/office/drawing/2014/main" id="{2BAA49D3-B94A-4E42-9A6C-C3C9DFB5F099}"/>
+                  </a:ext>
+                </a:extLst>
+              </p:cNvPr>
+              <p:cNvSpPr/>
+              <p:nvPr/>
+            </p:nvSpPr>
+            <p:spPr>
+              <a:xfrm>
+                <a:off x="3427615" y="132575"/>
+                <a:ext cx="2668385" cy="369332"/>
+              </a:xfrm>
+              <a:prstGeom prst="roundRect">
+                <a:avLst/>
+              </a:prstGeom>
+              <a:solidFill>
+                <a:srgbClr val="F2F2F2"/>
+              </a:solidFill>
+            </p:spPr>
+            <p:style>
+              <a:lnRef idx="2">
+                <a:schemeClr val="accent1">
+                  <a:shade val="50000"/>
+                </a:schemeClr>
+              </a:lnRef>
+              <a:fillRef idx="1">
+                <a:schemeClr val="accent1"/>
+              </a:fillRef>
+              <a:effectRef idx="0">
+                <a:schemeClr val="accent1"/>
+              </a:effectRef>
+              <a:fontRef idx="minor">
+                <a:schemeClr val="lt1"/>
+              </a:fontRef>
+            </p:style>
+            <p:txBody>
+              <a:bodyPr rtlCol="0" anchor="ctr"/>
+              <a:lstStyle/>
+              <a:p>
+                <a:pPr algn="ctr"/>
+                <a:endParaRPr lang="en-US"/>
+              </a:p>
+            </p:txBody>
+          </p:sp>
+          <p:sp>
+            <p:nvSpPr>
+              <p:cNvPr id="87" name="TextBox 86">
+                <a:extLst>
+                  <a:ext uri="{FF2B5EF4-FFF2-40B4-BE49-F238E27FC236}">
+                    <a16:creationId xmlns:a16="http://schemas.microsoft.com/office/drawing/2014/main" id="{5E7FAC00-DA42-465B-B4D2-7F496A12DE90}"/>
+                  </a:ext>
+                </a:extLst>
+              </p:cNvPr>
+              <p:cNvSpPr txBox="1"/>
+              <p:nvPr/>
+            </p:nvSpPr>
+            <p:spPr>
+              <a:xfrm>
+                <a:off x="3427615" y="123834"/>
+                <a:ext cx="2402378" cy="369332"/>
+              </a:xfrm>
+              <a:prstGeom prst="rect">
+                <a:avLst/>
+              </a:prstGeom>
+              <a:noFill/>
+            </p:spPr>
+            <p:txBody>
+              <a:bodyPr wrap="square" rtlCol="0">
+                <a:spAutoFit/>
+              </a:bodyPr>
+              <a:lstStyle/>
+              <a:p>
+                <a:r>
+                  <a:rPr lang="en-US" dirty="0">
+                    <a:solidFill>
+                      <a:schemeClr val="bg2">
+                        <a:lumMod val="50000"/>
+                      </a:schemeClr>
+                    </a:solidFill>
+                  </a:rPr>
+                  <a:t>Quick Search…</a:t>
+                </a:r>
+              </a:p>
+            </p:txBody>
+          </p:sp>
+        </p:grpSp>
+        <p:grpSp>
+          <p:nvGrpSpPr>
+            <p:cNvPr id="65" name="Group 64">
+              <a:extLst>
+                <a:ext uri="{FF2B5EF4-FFF2-40B4-BE49-F238E27FC236}">
+                  <a16:creationId xmlns:a16="http://schemas.microsoft.com/office/drawing/2014/main" id="{F5F298DA-F36E-4AA2-8928-779A325D6657}"/>
+                </a:ext>
+              </a:extLst>
+            </p:cNvPr>
+            <p:cNvGrpSpPr/>
+            <p:nvPr/>
+          </p:nvGrpSpPr>
+          <p:grpSpPr>
+            <a:xfrm>
+              <a:off x="5204451" y="125253"/>
+              <a:ext cx="365760" cy="299258"/>
+              <a:chOff x="623455" y="856211"/>
+              <a:chExt cx="498763" cy="415636"/>
+            </a:xfrm>
+          </p:grpSpPr>
+          <p:sp>
+            <p:nvSpPr>
+              <p:cNvPr id="82" name="Rectangle: Rounded Corners 81">
+                <a:extLst>
+                  <a:ext uri="{FF2B5EF4-FFF2-40B4-BE49-F238E27FC236}">
+                    <a16:creationId xmlns:a16="http://schemas.microsoft.com/office/drawing/2014/main" id="{328BE1DC-2ABB-4F82-BF81-3E468CEABB61}"/>
+                  </a:ext>
+                </a:extLst>
+              </p:cNvPr>
+              <p:cNvSpPr/>
+              <p:nvPr/>
+            </p:nvSpPr>
+            <p:spPr>
+              <a:xfrm>
+                <a:off x="623455" y="856211"/>
+                <a:ext cx="498763" cy="415636"/>
+              </a:xfrm>
+              <a:prstGeom prst="roundRect">
+                <a:avLst/>
+              </a:prstGeom>
+              <a:solidFill>
+                <a:srgbClr val="BFA458"/>
+              </a:solidFill>
+            </p:spPr>
+            <p:style>
+              <a:lnRef idx="2">
+                <a:schemeClr val="accent1">
+                  <a:shade val="50000"/>
+                </a:schemeClr>
+              </a:lnRef>
+              <a:fillRef idx="1">
+                <a:schemeClr val="accent1"/>
+              </a:fillRef>
+              <a:effectRef idx="0">
+                <a:schemeClr val="accent1"/>
+              </a:effectRef>
+              <a:fontRef idx="minor">
+                <a:schemeClr val="lt1"/>
+              </a:fontRef>
+            </p:style>
+            <p:txBody>
+              <a:bodyPr rtlCol="0" anchor="ctr"/>
+              <a:lstStyle/>
+              <a:p>
+                <a:pPr algn="ctr"/>
+                <a:endParaRPr lang="en-US"/>
+              </a:p>
+            </p:txBody>
+          </p:sp>
+          <p:grpSp>
+            <p:nvGrpSpPr>
+              <p:cNvPr id="83" name="Group 82">
+                <a:extLst>
+                  <a:ext uri="{FF2B5EF4-FFF2-40B4-BE49-F238E27FC236}">
+                    <a16:creationId xmlns:a16="http://schemas.microsoft.com/office/drawing/2014/main" id="{550DA8E9-CF99-44DF-B6FD-5CEECA0AE8C0}"/>
+                  </a:ext>
+                </a:extLst>
+              </p:cNvPr>
+              <p:cNvGrpSpPr/>
+              <p:nvPr/>
+            </p:nvGrpSpPr>
+            <p:grpSpPr>
+              <a:xfrm>
+                <a:off x="724038" y="950768"/>
+                <a:ext cx="297595" cy="226521"/>
+                <a:chOff x="999190" y="1753985"/>
+                <a:chExt cx="297595" cy="226521"/>
+              </a:xfrm>
+            </p:grpSpPr>
+            <p:sp>
+              <p:nvSpPr>
+                <p:cNvPr id="84" name="Oval 83">
+                  <a:extLst>
+                    <a:ext uri="{FF2B5EF4-FFF2-40B4-BE49-F238E27FC236}">
+                      <a16:creationId xmlns:a16="http://schemas.microsoft.com/office/drawing/2014/main" id="{37E40F5D-2FA5-4F28-9C5F-3E7261630111}"/>
+                    </a:ext>
+                  </a:extLst>
+                </p:cNvPr>
+                <p:cNvSpPr/>
+                <p:nvPr/>
+              </p:nvSpPr>
+              <p:spPr>
+                <a:xfrm>
+                  <a:off x="1122218" y="1753985"/>
+                  <a:ext cx="174567" cy="166255"/>
+                </a:xfrm>
+                <a:prstGeom prst="ellipse">
+                  <a:avLst/>
+                </a:prstGeom>
+                <a:solidFill>
+                  <a:schemeClr val="bg1"/>
+                </a:solidFill>
+                <a:ln>
+                  <a:solidFill>
+                    <a:srgbClr val="192857"/>
+                  </a:solidFill>
+                </a:ln>
+              </p:spPr>
+              <p:style>
+                <a:lnRef idx="2">
+                  <a:schemeClr val="accent1">
+                    <a:shade val="50000"/>
+                  </a:schemeClr>
+                </a:lnRef>
+                <a:fillRef idx="1">
+                  <a:schemeClr val="accent1"/>
+                </a:fillRef>
+                <a:effectRef idx="0">
+                  <a:schemeClr val="accent1"/>
+                </a:effectRef>
+                <a:fontRef idx="minor">
+                  <a:schemeClr val="lt1"/>
+                </a:fontRef>
+              </p:style>
+              <p:txBody>
+                <a:bodyPr rtlCol="0" anchor="ctr"/>
+                <a:lstStyle/>
+                <a:p>
+                  <a:pPr algn="ctr"/>
+                  <a:endParaRPr lang="en-US" dirty="0"/>
+                </a:p>
+              </p:txBody>
+            </p:sp>
+            <p:sp>
+              <p:nvSpPr>
+                <p:cNvPr id="85" name="Rectangle 84">
+                  <a:extLst>
+                    <a:ext uri="{FF2B5EF4-FFF2-40B4-BE49-F238E27FC236}">
+                      <a16:creationId xmlns:a16="http://schemas.microsoft.com/office/drawing/2014/main" id="{C2B0B61A-5C24-455B-A2F0-CE3E6E69EB01}"/>
+                    </a:ext>
+                  </a:extLst>
+                </p:cNvPr>
+                <p:cNvSpPr/>
+                <p:nvPr/>
+              </p:nvSpPr>
+              <p:spPr>
+                <a:xfrm rot="2802451">
+                  <a:off x="1063614" y="1870363"/>
+                  <a:ext cx="45719" cy="174567"/>
+                </a:xfrm>
+                <a:prstGeom prst="rect">
+                  <a:avLst/>
+                </a:prstGeom>
+                <a:solidFill>
+                  <a:srgbClr val="192857"/>
+                </a:solidFill>
+                <a:ln>
+                  <a:solidFill>
+                    <a:srgbClr val="192857"/>
+                  </a:solidFill>
+                </a:ln>
+              </p:spPr>
+              <p:style>
+                <a:lnRef idx="2">
+                  <a:schemeClr val="accent1">
+                    <a:shade val="50000"/>
+                  </a:schemeClr>
+                </a:lnRef>
+                <a:fillRef idx="1">
+                  <a:schemeClr val="accent1"/>
+                </a:fillRef>
+                <a:effectRef idx="0">
+                  <a:schemeClr val="accent1"/>
+                </a:effectRef>
+                <a:fontRef idx="minor">
+                  <a:schemeClr val="lt1"/>
+                </a:fontRef>
+              </p:style>
+              <p:txBody>
+                <a:bodyPr rtlCol="0" anchor="ctr"/>
+                <a:lstStyle/>
+                <a:p>
+                  <a:pPr algn="ctr"/>
+                  <a:endParaRPr lang="en-US"/>
+                </a:p>
+              </p:txBody>
+            </p:sp>
+          </p:grpSp>
+        </p:grpSp>
+        <p:sp>
+          <p:nvSpPr>
+            <p:cNvPr id="67" name="TextBox 66">
+              <a:extLst>
+                <a:ext uri="{FF2B5EF4-FFF2-40B4-BE49-F238E27FC236}">
+                  <a16:creationId xmlns:a16="http://schemas.microsoft.com/office/drawing/2014/main" id="{97E087FA-B28F-4C3E-AFE1-9E87E8970199}"/>
+                </a:ext>
+              </a:extLst>
+            </p:cNvPr>
+            <p:cNvSpPr txBox="1"/>
+            <p:nvPr/>
+          </p:nvSpPr>
+          <p:spPr>
+            <a:xfrm>
+              <a:off x="9205371" y="142265"/>
+              <a:ext cx="1676367" cy="307777"/>
+            </a:xfrm>
+            <a:prstGeom prst="rect">
+              <a:avLst/>
+            </a:prstGeom>
+            <a:noFill/>
+          </p:spPr>
+          <p:txBody>
+            <a:bodyPr wrap="square" rtlCol="0">
+              <a:spAutoFit/>
+            </a:bodyPr>
+            <a:lstStyle/>
+            <a:p>
+              <a:r>
+                <a:rPr lang="en-US" sz="1400" dirty="0">
+                  <a:solidFill>
+                    <a:srgbClr val="BFA458"/>
+                  </a:solidFill>
+                  <a:latin typeface="Arial Black" panose="020B0A04020102020204" pitchFamily="34" charset="0"/>
+                  <a:cs typeface="Aharoni" panose="02010803020104030203" pitchFamily="2" charset="-79"/>
+                </a:rPr>
+                <a:t>Username1234</a:t>
+              </a:r>
+            </a:p>
+          </p:txBody>
+        </p:sp>
+        <p:sp>
+          <p:nvSpPr>
+            <p:cNvPr id="68" name="TextBox 67">
+              <a:extLst>
+                <a:ext uri="{FF2B5EF4-FFF2-40B4-BE49-F238E27FC236}">
+                  <a16:creationId xmlns:a16="http://schemas.microsoft.com/office/drawing/2014/main" id="{E002804B-0779-4A3F-8F79-C5491D398772}"/>
+                </a:ext>
+              </a:extLst>
+            </p:cNvPr>
+            <p:cNvSpPr txBox="1"/>
+            <p:nvPr/>
+          </p:nvSpPr>
+          <p:spPr>
+            <a:xfrm>
+              <a:off x="832857" y="119877"/>
+              <a:ext cx="1004299" cy="369332"/>
+            </a:xfrm>
+            <a:prstGeom prst="rect">
+              <a:avLst/>
+            </a:prstGeom>
+            <a:noFill/>
+          </p:spPr>
+          <p:txBody>
+            <a:bodyPr wrap="square" rtlCol="0">
+              <a:spAutoFit/>
+            </a:bodyPr>
+            <a:lstStyle/>
+            <a:p>
+              <a:r>
+                <a:rPr lang="en-US" dirty="0">
+                  <a:solidFill>
+                    <a:srgbClr val="BFA458"/>
+                  </a:solidFill>
+                  <a:latin typeface="Arial Black" panose="020B0A04020102020204" pitchFamily="34" charset="0"/>
+                  <a:cs typeface="Aharoni" panose="02010803020104030203" pitchFamily="2" charset="-79"/>
+                </a:rPr>
+                <a:t>HOME</a:t>
+              </a:r>
+            </a:p>
+          </p:txBody>
+        </p:sp>
+        <p:pic>
+          <p:nvPicPr>
+            <p:cNvPr id="73" name="Graphic 72" descr="House">
+              <a:extLst>
+                <a:ext uri="{FF2B5EF4-FFF2-40B4-BE49-F238E27FC236}">
+                  <a16:creationId xmlns:a16="http://schemas.microsoft.com/office/drawing/2014/main" id="{6DD9A4A8-D881-4003-91D1-7D01E6EACE55}"/>
+                </a:ext>
+              </a:extLst>
+            </p:cNvPr>
+            <p:cNvPicPr>
+              <a:picLocks noChangeAspect="1"/>
+            </p:cNvPicPr>
+            <p:nvPr/>
+          </p:nvPicPr>
+          <p:blipFill>
+            <a:blip r:embed="rId4">
+              <a:extLst>
+                <a:ext uri="{28A0092B-C50C-407E-A947-70E740481C1C}">
+                  <a14:useLocalDpi xmlns:a14="http://schemas.microsoft.com/office/drawing/2010/main" val="0"/>
+                </a:ext>
+                <a:ext uri="{96DAC541-7B7A-43D3-8B79-37D633B846F1}">
+                  <asvg:svgBlip xmlns:asvg="http://schemas.microsoft.com/office/drawing/2016/SVG/main" r:embed="rId5"/>
+                </a:ext>
+              </a:extLst>
+            </a:blip>
+            <a:stretch>
+              <a:fillRect/>
+            </a:stretch>
+          </p:blipFill>
+          <p:spPr>
+            <a:xfrm>
+              <a:off x="444176" y="92087"/>
+              <a:ext cx="369332" cy="369332"/>
+            </a:xfrm>
+            <a:prstGeom prst="rect">
+              <a:avLst/>
+            </a:prstGeom>
+          </p:spPr>
+        </p:pic>
+        <p:sp>
+          <p:nvSpPr>
+            <p:cNvPr id="75" name="Rectangle 74">
+              <a:extLst>
+                <a:ext uri="{FF2B5EF4-FFF2-40B4-BE49-F238E27FC236}">
+                  <a16:creationId xmlns:a16="http://schemas.microsoft.com/office/drawing/2014/main" id="{AD9C01FE-14B5-4699-B987-077AF3EBAA88}"/>
+                </a:ext>
+              </a:extLst>
+            </p:cNvPr>
+            <p:cNvSpPr/>
+            <p:nvPr/>
+          </p:nvSpPr>
+          <p:spPr>
+            <a:xfrm>
+              <a:off x="340039" y="-5519"/>
+              <a:ext cx="1571179" cy="638665"/>
+            </a:xfrm>
+            <a:prstGeom prst="rect">
+              <a:avLst/>
+            </a:prstGeom>
+            <a:noFill/>
+            <a:ln w="25400">
+              <a:solidFill>
+                <a:srgbClr val="BFA458"/>
+              </a:solidFill>
+            </a:ln>
+          </p:spPr>
+          <p:style>
+            <a:lnRef idx="2">
+              <a:schemeClr val="accent1">
+                <a:shade val="50000"/>
+              </a:schemeClr>
+            </a:lnRef>
+            <a:fillRef idx="1">
+              <a:schemeClr val="accent1"/>
+            </a:fillRef>
+            <a:effectRef idx="0">
+              <a:schemeClr val="accent1"/>
+            </a:effectRef>
+            <a:fontRef idx="minor">
+              <a:schemeClr val="lt1"/>
+            </a:fontRef>
+          </p:style>
+          <p:txBody>
+            <a:bodyPr rtlCol="0" anchor="ctr"/>
+            <a:lstStyle/>
+            <a:p>
+              <a:pPr algn="ctr"/>
+              <a:endParaRPr lang="en-US"/>
+            </a:p>
+          </p:txBody>
+        </p:sp>
+        <p:sp>
+          <p:nvSpPr>
+            <p:cNvPr id="76" name="Rectangle 75">
+              <a:extLst>
+                <a:ext uri="{FF2B5EF4-FFF2-40B4-BE49-F238E27FC236}">
+                  <a16:creationId xmlns:a16="http://schemas.microsoft.com/office/drawing/2014/main" id="{C5E1A583-6431-4F83-BE8D-80D2DE36F26A}"/>
+                </a:ext>
+              </a:extLst>
+            </p:cNvPr>
+            <p:cNvSpPr/>
+            <p:nvPr/>
+          </p:nvSpPr>
+          <p:spPr>
+            <a:xfrm>
+              <a:off x="6006810" y="0"/>
+              <a:ext cx="1571179" cy="638665"/>
+            </a:xfrm>
+            <a:prstGeom prst="rect">
+              <a:avLst/>
+            </a:prstGeom>
+            <a:noFill/>
+            <a:ln w="25400">
+              <a:solidFill>
+                <a:srgbClr val="BFA458"/>
+              </a:solidFill>
+            </a:ln>
+          </p:spPr>
+          <p:style>
+            <a:lnRef idx="2">
+              <a:schemeClr val="accent1">
+                <a:shade val="50000"/>
+              </a:schemeClr>
+            </a:lnRef>
+            <a:fillRef idx="1">
+              <a:schemeClr val="accent1"/>
+            </a:fillRef>
+            <a:effectRef idx="0">
+              <a:schemeClr val="accent1"/>
+            </a:effectRef>
+            <a:fontRef idx="minor">
+              <a:schemeClr val="lt1"/>
+            </a:fontRef>
+          </p:style>
+          <p:txBody>
+            <a:bodyPr rtlCol="0" anchor="ctr"/>
+            <a:lstStyle/>
+            <a:p>
+              <a:pPr algn="ctr"/>
+              <a:endParaRPr lang="en-US"/>
+            </a:p>
+          </p:txBody>
+        </p:sp>
+        <p:sp>
+          <p:nvSpPr>
+            <p:cNvPr id="77" name="Rectangle 76">
+              <a:extLst>
+                <a:ext uri="{FF2B5EF4-FFF2-40B4-BE49-F238E27FC236}">
+                  <a16:creationId xmlns:a16="http://schemas.microsoft.com/office/drawing/2014/main" id="{3A6893FC-6897-4F16-B2F9-F252F69662DC}"/>
+                </a:ext>
+              </a:extLst>
+            </p:cNvPr>
+            <p:cNvSpPr/>
+            <p:nvPr/>
+          </p:nvSpPr>
+          <p:spPr>
+            <a:xfrm>
+              <a:off x="7584945" y="-3621"/>
+              <a:ext cx="1571179" cy="638665"/>
+            </a:xfrm>
+            <a:prstGeom prst="rect">
+              <a:avLst/>
+            </a:prstGeom>
+            <a:noFill/>
+            <a:ln w="25400">
+              <a:solidFill>
+                <a:srgbClr val="BFA458"/>
+              </a:solidFill>
+            </a:ln>
+          </p:spPr>
+          <p:style>
+            <a:lnRef idx="2">
+              <a:schemeClr val="accent1">
+                <a:shade val="50000"/>
+              </a:schemeClr>
+            </a:lnRef>
+            <a:fillRef idx="1">
+              <a:schemeClr val="accent1"/>
+            </a:fillRef>
+            <a:effectRef idx="0">
+              <a:schemeClr val="accent1"/>
+            </a:effectRef>
+            <a:fontRef idx="minor">
+              <a:schemeClr val="lt1"/>
+            </a:fontRef>
+          </p:style>
+          <p:txBody>
+            <a:bodyPr rtlCol="0" anchor="ctr"/>
+            <a:lstStyle/>
+            <a:p>
+              <a:pPr algn="ctr"/>
+              <a:endParaRPr lang="en-US"/>
+            </a:p>
+          </p:txBody>
+        </p:sp>
+        <p:sp>
+          <p:nvSpPr>
+            <p:cNvPr id="78" name="Rectangle 77">
+              <a:extLst>
+                <a:ext uri="{FF2B5EF4-FFF2-40B4-BE49-F238E27FC236}">
+                  <a16:creationId xmlns:a16="http://schemas.microsoft.com/office/drawing/2014/main" id="{20A021B9-1A4F-4449-B31F-4B3028DF1286}"/>
+                </a:ext>
+              </a:extLst>
+            </p:cNvPr>
+            <p:cNvSpPr/>
+            <p:nvPr/>
+          </p:nvSpPr>
+          <p:spPr>
+            <a:xfrm>
+              <a:off x="9163081" y="-694"/>
+              <a:ext cx="2155614" cy="638665"/>
+            </a:xfrm>
+            <a:prstGeom prst="rect">
+              <a:avLst/>
+            </a:prstGeom>
+            <a:noFill/>
+            <a:ln w="25400">
+              <a:solidFill>
+                <a:srgbClr val="BFA458"/>
+              </a:solidFill>
+            </a:ln>
+          </p:spPr>
+          <p:style>
+            <a:lnRef idx="2">
+              <a:schemeClr val="accent1">
+                <a:shade val="50000"/>
+              </a:schemeClr>
+            </a:lnRef>
+            <a:fillRef idx="1">
+              <a:schemeClr val="accent1"/>
+            </a:fillRef>
+            <a:effectRef idx="0">
+              <a:schemeClr val="accent1"/>
+            </a:effectRef>
+            <a:fontRef idx="minor">
+              <a:schemeClr val="lt1"/>
+            </a:fontRef>
+          </p:style>
+          <p:txBody>
+            <a:bodyPr rtlCol="0" anchor="ctr"/>
+            <a:lstStyle/>
+            <a:p>
+              <a:pPr algn="ctr"/>
+              <a:endParaRPr lang="en-US"/>
+            </a:p>
+          </p:txBody>
+        </p:sp>
+        <p:sp>
+          <p:nvSpPr>
+            <p:cNvPr id="79" name="Isosceles Triangle 78">
+              <a:extLst>
+                <a:ext uri="{FF2B5EF4-FFF2-40B4-BE49-F238E27FC236}">
+                  <a16:creationId xmlns:a16="http://schemas.microsoft.com/office/drawing/2014/main" id="{A5B3C150-CC5E-45CC-AA5B-5D84893A246F}"/>
+                </a:ext>
+              </a:extLst>
+            </p:cNvPr>
+            <p:cNvSpPr/>
+            <p:nvPr/>
+          </p:nvSpPr>
+          <p:spPr>
+            <a:xfrm rot="10800000">
+              <a:off x="10926506" y="201708"/>
+              <a:ext cx="261256" cy="211142"/>
+            </a:xfrm>
+            <a:prstGeom prst="triangle">
+              <a:avLst/>
+            </a:prstGeom>
+            <a:solidFill>
+              <a:srgbClr val="BFA458"/>
+            </a:solidFill>
+            <a:ln>
+              <a:solidFill>
+                <a:srgbClr val="192857"/>
+              </a:solidFill>
+            </a:ln>
+          </p:spPr>
+          <p:style>
+            <a:lnRef idx="2">
+              <a:schemeClr val="accent1">
+                <a:shade val="50000"/>
+              </a:schemeClr>
+            </a:lnRef>
+            <a:fillRef idx="1">
+              <a:schemeClr val="accent1"/>
+            </a:fillRef>
+            <a:effectRef idx="0">
+              <a:schemeClr val="accent1"/>
+            </a:effectRef>
+            <a:fontRef idx="minor">
+              <a:schemeClr val="lt1"/>
+            </a:fontRef>
+          </p:style>
+          <p:txBody>
+            <a:bodyPr rtlCol="0" anchor="ctr"/>
+            <a:lstStyle/>
+            <a:p>
+              <a:pPr algn="ctr"/>
+              <a:endParaRPr lang="en-US"/>
+            </a:p>
+          </p:txBody>
+        </p:sp>
+        <p:sp>
+          <p:nvSpPr>
+            <p:cNvPr id="80" name="TextBox 79">
+              <a:extLst>
+                <a:ext uri="{FF2B5EF4-FFF2-40B4-BE49-F238E27FC236}">
+                  <a16:creationId xmlns:a16="http://schemas.microsoft.com/office/drawing/2014/main" id="{37D6B31F-0509-4274-B546-DAD964052312}"/>
+                </a:ext>
+              </a:extLst>
+            </p:cNvPr>
+            <p:cNvSpPr txBox="1"/>
+            <p:nvPr/>
+          </p:nvSpPr>
+          <p:spPr>
+            <a:xfrm>
+              <a:off x="6107843" y="39139"/>
+              <a:ext cx="1298402" cy="584775"/>
+            </a:xfrm>
+            <a:prstGeom prst="rect">
+              <a:avLst/>
+            </a:prstGeom>
+            <a:noFill/>
+          </p:spPr>
+          <p:txBody>
+            <a:bodyPr wrap="square" rtlCol="0">
+              <a:spAutoFit/>
+            </a:bodyPr>
+            <a:lstStyle/>
+            <a:p>
+              <a:pPr algn="ctr"/>
+              <a:r>
+                <a:rPr lang="en-US" sz="1600" dirty="0">
+                  <a:solidFill>
+                    <a:srgbClr val="BFA458"/>
+                  </a:solidFill>
+                  <a:latin typeface="Arial Black" panose="020B0A04020102020204" pitchFamily="34" charset="0"/>
+                  <a:cs typeface="Aharoni" panose="02010803020104030203" pitchFamily="2" charset="-79"/>
+                </a:rPr>
+                <a:t>Filter </a:t>
+              </a:r>
+            </a:p>
+            <a:p>
+              <a:pPr algn="ctr"/>
+              <a:r>
+                <a:rPr lang="en-US" sz="1600" dirty="0">
+                  <a:solidFill>
+                    <a:srgbClr val="BFA458"/>
+                  </a:solidFill>
+                  <a:latin typeface="Arial Black" panose="020B0A04020102020204" pitchFamily="34" charset="0"/>
+                  <a:cs typeface="Aharoni" panose="02010803020104030203" pitchFamily="2" charset="-79"/>
+                </a:rPr>
+                <a:t>Search</a:t>
+              </a:r>
+            </a:p>
+          </p:txBody>
+        </p:sp>
+        <p:sp>
+          <p:nvSpPr>
+            <p:cNvPr id="81" name="TextBox 80">
+              <a:extLst>
+                <a:ext uri="{FF2B5EF4-FFF2-40B4-BE49-F238E27FC236}">
+                  <a16:creationId xmlns:a16="http://schemas.microsoft.com/office/drawing/2014/main" id="{FDFE39D3-4C81-4F99-A5DB-4EC383E1DDD1}"/>
+                </a:ext>
+              </a:extLst>
+            </p:cNvPr>
+            <p:cNvSpPr txBox="1"/>
+            <p:nvPr/>
+          </p:nvSpPr>
+          <p:spPr>
+            <a:xfrm>
+              <a:off x="7546460" y="45024"/>
+              <a:ext cx="1508289" cy="584775"/>
+            </a:xfrm>
+            <a:prstGeom prst="rect">
+              <a:avLst/>
+            </a:prstGeom>
+            <a:noFill/>
+          </p:spPr>
+          <p:txBody>
+            <a:bodyPr wrap="square" rtlCol="0">
+              <a:spAutoFit/>
+            </a:bodyPr>
+            <a:lstStyle/>
+            <a:p>
+              <a:pPr algn="ctr"/>
+              <a:r>
+                <a:rPr lang="en-US" sz="1600" dirty="0">
+                  <a:solidFill>
+                    <a:srgbClr val="BFA458"/>
+                  </a:solidFill>
+                  <a:latin typeface="Arial Black" panose="020B0A04020102020204" pitchFamily="34" charset="0"/>
+                  <a:cs typeface="Aharoni" panose="02010803020104030203" pitchFamily="2" charset="-79"/>
+                </a:rPr>
+                <a:t>Create Posting</a:t>
+              </a:r>
+            </a:p>
+          </p:txBody>
+        </p:sp>
+      </p:grpSp>
+      <p:grpSp>
+        <p:nvGrpSpPr>
+          <p:cNvPr id="4" name="Group 3">
+            <a:extLst>
+              <a:ext uri="{FF2B5EF4-FFF2-40B4-BE49-F238E27FC236}">
+                <a16:creationId xmlns:a16="http://schemas.microsoft.com/office/drawing/2014/main" id="{98A2F0E2-6B23-4631-906D-7E30C4385CAC}"/>
+              </a:ext>
+            </a:extLst>
+          </p:cNvPr>
+          <p:cNvGrpSpPr/>
+          <p:nvPr/>
+        </p:nvGrpSpPr>
+        <p:grpSpPr>
+          <a:xfrm>
+            <a:off x="11808505" y="886406"/>
+            <a:ext cx="182879" cy="5943600"/>
+            <a:chOff x="11808505" y="886406"/>
+            <a:chExt cx="182879" cy="5943600"/>
+          </a:xfrm>
+        </p:grpSpPr>
+        <p:sp>
+          <p:nvSpPr>
+            <p:cNvPr id="2" name="Rectangle 1">
+              <a:extLst>
+                <a:ext uri="{FF2B5EF4-FFF2-40B4-BE49-F238E27FC236}">
+                  <a16:creationId xmlns:a16="http://schemas.microsoft.com/office/drawing/2014/main" id="{59A09653-F030-4AAC-BCDA-5310CE1208C1}"/>
+                </a:ext>
+              </a:extLst>
+            </p:cNvPr>
+            <p:cNvSpPr/>
+            <p:nvPr/>
+          </p:nvSpPr>
+          <p:spPr>
+            <a:xfrm>
+              <a:off x="11808505" y="886406"/>
+              <a:ext cx="182879" cy="5943600"/>
+            </a:xfrm>
+            <a:prstGeom prst="rect">
+              <a:avLst/>
+            </a:prstGeom>
+            <a:solidFill>
+              <a:srgbClr val="E7E6E6"/>
+            </a:solidFill>
+            <a:ln w="25400">
+              <a:solidFill>
+                <a:srgbClr val="192857"/>
+              </a:solidFill>
+            </a:ln>
+          </p:spPr>
+          <p:style>
+            <a:lnRef idx="2">
+              <a:schemeClr val="accent1">
+                <a:shade val="50000"/>
+              </a:schemeClr>
+            </a:lnRef>
+            <a:fillRef idx="1">
+              <a:schemeClr val="accent1"/>
+            </a:fillRef>
+            <a:effectRef idx="0">
+              <a:schemeClr val="accent1"/>
+            </a:effectRef>
+            <a:fontRef idx="minor">
+              <a:schemeClr val="lt1"/>
+            </a:fontRef>
+          </p:style>
+          <p:txBody>
+            <a:bodyPr rtlCol="0" anchor="ctr"/>
+            <a:lstStyle/>
+            <a:p>
+              <a:pPr algn="ctr"/>
+              <a:endParaRPr lang="en-US"/>
+            </a:p>
+          </p:txBody>
+        </p:sp>
+        <p:sp>
+          <p:nvSpPr>
+            <p:cNvPr id="3" name="Rectangle 2">
+              <a:extLst>
+                <a:ext uri="{FF2B5EF4-FFF2-40B4-BE49-F238E27FC236}">
+                  <a16:creationId xmlns:a16="http://schemas.microsoft.com/office/drawing/2014/main" id="{8C8BA173-9149-42B2-8326-1C10ACC9CC6C}"/>
+                </a:ext>
+              </a:extLst>
+            </p:cNvPr>
+            <p:cNvSpPr/>
+            <p:nvPr/>
+          </p:nvSpPr>
+          <p:spPr>
+            <a:xfrm>
+              <a:off x="11827171" y="905070"/>
+              <a:ext cx="146304" cy="3402727"/>
+            </a:xfrm>
+            <a:prstGeom prst="rect">
+              <a:avLst/>
+            </a:prstGeom>
+            <a:solidFill>
+              <a:srgbClr val="BFA458"/>
+            </a:solidFill>
+            <a:ln>
+              <a:solidFill>
+                <a:srgbClr val="BFA458"/>
+              </a:solidFill>
+            </a:ln>
+          </p:spPr>
+          <p:style>
+            <a:lnRef idx="2">
+              <a:schemeClr val="accent1">
+                <a:shade val="50000"/>
+              </a:schemeClr>
+            </a:lnRef>
+            <a:fillRef idx="1">
+              <a:schemeClr val="accent1"/>
+            </a:fillRef>
+            <a:effectRef idx="0">
+              <a:schemeClr val="accent1"/>
+            </a:effectRef>
+            <a:fontRef idx="minor">
+              <a:schemeClr val="lt1"/>
+            </a:fontRef>
+          </p:style>
+          <p:txBody>
+            <a:bodyPr rtlCol="0" anchor="ctr"/>
+            <a:lstStyle/>
+            <a:p>
+              <a:pPr algn="ctr"/>
+              <a:endParaRPr lang="en-US"/>
+            </a:p>
+          </p:txBody>
+        </p:sp>
+      </p:grpSp>
     </p:spTree>
     <p:extLst>
       <p:ext uri="{BB962C8B-B14F-4D97-AF65-F5344CB8AC3E}">

--- a/documentation/Mockups/powerpoint-pdf-mocks/mock-views.pptx
+++ b/documentation/Mockups/powerpoint-pdf-mocks/mock-views.pptx
@@ -6811,7 +6811,7 @@
         </p:nvSpPr>
         <p:spPr>
           <a:xfrm>
-            <a:off x="355498" y="868681"/>
+            <a:off x="288994" y="868681"/>
             <a:ext cx="11658600" cy="5989319"/>
           </a:xfrm>
           <a:prstGeom prst="rect">
@@ -6963,7 +6963,7 @@
         </p:nvSpPr>
         <p:spPr>
           <a:xfrm>
-            <a:off x="3103250" y="1054444"/>
+            <a:off x="3036746" y="1054444"/>
             <a:ext cx="5486400" cy="461665"/>
           </a:xfrm>
           <a:prstGeom prst="rect">
@@ -7000,7 +7000,7 @@
         </p:nvSpPr>
         <p:spPr>
           <a:xfrm>
-            <a:off x="543982" y="2635166"/>
+            <a:off x="477478" y="2635166"/>
             <a:ext cx="4740362" cy="338554"/>
           </a:xfrm>
           <a:prstGeom prst="rect">
@@ -7037,7 +7037,7 @@
         </p:nvSpPr>
         <p:spPr>
           <a:xfrm>
-            <a:off x="543982" y="3592064"/>
+            <a:off x="477478" y="3592064"/>
             <a:ext cx="4740362" cy="338554"/>
           </a:xfrm>
           <a:prstGeom prst="rect">
@@ -7074,7 +7074,7 @@
         </p:nvSpPr>
         <p:spPr>
           <a:xfrm>
-            <a:off x="6096000" y="1679133"/>
+            <a:off x="6029496" y="1679133"/>
             <a:ext cx="4740362" cy="338554"/>
           </a:xfrm>
           <a:prstGeom prst="rect">
@@ -7111,7 +7111,7 @@
         </p:nvSpPr>
         <p:spPr>
           <a:xfrm>
-            <a:off x="543983" y="5160151"/>
+            <a:off x="477479" y="5160151"/>
             <a:ext cx="2241788" cy="338554"/>
           </a:xfrm>
           <a:prstGeom prst="rect">
@@ -7148,7 +7148,7 @@
         </p:nvSpPr>
         <p:spPr>
           <a:xfrm>
-            <a:off x="6204856" y="2180712"/>
+            <a:off x="6138352" y="2180712"/>
             <a:ext cx="5385787" cy="3317994"/>
           </a:xfrm>
           <a:prstGeom prst="rect">
@@ -7201,7 +7201,7 @@
         </p:nvSpPr>
         <p:spPr>
           <a:xfrm>
-            <a:off x="543982" y="5720679"/>
+            <a:off x="477478" y="5720679"/>
             <a:ext cx="5354986" cy="338554"/>
           </a:xfrm>
           <a:prstGeom prst="rect">
@@ -7238,7 +7238,7 @@
         </p:nvGrpSpPr>
         <p:grpSpPr>
           <a:xfrm>
-            <a:off x="601357" y="3071226"/>
+            <a:off x="534853" y="3071226"/>
             <a:ext cx="4007966" cy="338554"/>
             <a:chOff x="601356" y="2035795"/>
             <a:chExt cx="4007966" cy="338554"/>
@@ -7379,7 +7379,7 @@
         </p:nvSpPr>
         <p:spPr>
           <a:xfrm>
-            <a:off x="543982" y="1671155"/>
+            <a:off x="477478" y="1671155"/>
             <a:ext cx="4740362" cy="338554"/>
           </a:xfrm>
           <a:prstGeom prst="rect">
@@ -7416,7 +7416,7 @@
         </p:nvSpPr>
         <p:spPr>
           <a:xfrm>
-            <a:off x="601356" y="2096676"/>
+            <a:off x="534852" y="2096676"/>
             <a:ext cx="4007966" cy="338554"/>
           </a:xfrm>
           <a:prstGeom prst="rect">
@@ -7481,7 +7481,7 @@
         </p:nvSpPr>
         <p:spPr>
           <a:xfrm>
-            <a:off x="702100" y="3958874"/>
+            <a:off x="635596" y="3958874"/>
             <a:ext cx="145580" cy="123409"/>
           </a:xfrm>
           <a:prstGeom prst="ellipse">
@@ -7535,7 +7535,7 @@
         </p:nvSpPr>
         <p:spPr>
           <a:xfrm>
-            <a:off x="702100" y="4307798"/>
+            <a:off x="635596" y="4307798"/>
             <a:ext cx="156316" cy="142526"/>
           </a:xfrm>
           <a:prstGeom prst="ellipse">
@@ -7589,7 +7589,7 @@
         </p:nvSpPr>
         <p:spPr>
           <a:xfrm>
-            <a:off x="711431" y="4677551"/>
+            <a:off x="644927" y="4677551"/>
             <a:ext cx="156316" cy="142526"/>
           </a:xfrm>
           <a:prstGeom prst="ellipse">
@@ -7643,7 +7643,7 @@
         </p:nvSpPr>
         <p:spPr>
           <a:xfrm>
-            <a:off x="905859" y="3867220"/>
+            <a:off x="839355" y="3867220"/>
             <a:ext cx="2724539" cy="307777"/>
           </a:xfrm>
           <a:prstGeom prst="rect">
@@ -7681,7 +7681,7 @@
         </p:nvSpPr>
         <p:spPr>
           <a:xfrm>
-            <a:off x="905859" y="4230719"/>
+            <a:off x="839355" y="4230719"/>
             <a:ext cx="2724539" cy="307777"/>
           </a:xfrm>
           <a:prstGeom prst="rect">
@@ -7719,7 +7719,7 @@
         </p:nvSpPr>
         <p:spPr>
           <a:xfrm>
-            <a:off x="905858" y="4587039"/>
+            <a:off x="839354" y="4587039"/>
             <a:ext cx="2724539" cy="307777"/>
           </a:xfrm>
           <a:prstGeom prst="rect">
@@ -7757,7 +7757,7 @@
         </p:nvSpPr>
         <p:spPr>
           <a:xfrm>
-            <a:off x="3321698" y="5141807"/>
+            <a:off x="3255194" y="5141807"/>
             <a:ext cx="1287624" cy="391479"/>
           </a:xfrm>
           <a:prstGeom prst="rect">
@@ -7818,7 +7818,7 @@
         </p:nvSpPr>
         <p:spPr>
           <a:xfrm>
-            <a:off x="780258" y="6128928"/>
+            <a:off x="713754" y="6128928"/>
             <a:ext cx="188468" cy="195739"/>
           </a:xfrm>
           <a:prstGeom prst="rect">
@@ -7872,7 +7872,7 @@
         </p:nvSpPr>
         <p:spPr>
           <a:xfrm>
-            <a:off x="780258" y="6522299"/>
+            <a:off x="713754" y="6522299"/>
             <a:ext cx="188468" cy="195739"/>
           </a:xfrm>
           <a:prstGeom prst="rect">
@@ -7926,7 +7926,7 @@
         </p:nvSpPr>
         <p:spPr>
           <a:xfrm>
-            <a:off x="1271349" y="6059233"/>
+            <a:off x="1204845" y="6059233"/>
             <a:ext cx="2724539" cy="307777"/>
           </a:xfrm>
           <a:prstGeom prst="rect">
@@ -7981,7 +7981,7 @@
         </p:blipFill>
         <p:spPr>
           <a:xfrm>
-            <a:off x="788319" y="6139022"/>
+            <a:off x="721815" y="6139022"/>
             <a:ext cx="195739" cy="195739"/>
           </a:xfrm>
           <a:prstGeom prst="rect">
@@ -8003,7 +8003,7 @@
         </p:nvSpPr>
         <p:spPr>
           <a:xfrm>
-            <a:off x="1271349" y="6436698"/>
+            <a:off x="1204845" y="6436698"/>
             <a:ext cx="2724539" cy="307777"/>
           </a:xfrm>
           <a:prstGeom prst="rect">
@@ -8041,7 +8041,7 @@
         </p:nvSpPr>
         <p:spPr>
           <a:xfrm>
-            <a:off x="6096000" y="5816914"/>
+            <a:off x="6029496" y="5816914"/>
             <a:ext cx="4740362" cy="338554"/>
           </a:xfrm>
           <a:prstGeom prst="rect">
@@ -8078,7 +8078,7 @@
         </p:nvSpPr>
         <p:spPr>
           <a:xfrm>
-            <a:off x="6204856" y="6318493"/>
+            <a:off x="6138352" y="6318493"/>
             <a:ext cx="5385787" cy="539507"/>
           </a:xfrm>
           <a:prstGeom prst="rect">
@@ -8132,7 +8132,7 @@
         </p:nvSpPr>
         <p:spPr>
           <a:xfrm>
-            <a:off x="9652760" y="4243757"/>
+            <a:off x="9586256" y="4243757"/>
             <a:ext cx="1553113" cy="954107"/>
           </a:xfrm>
           <a:prstGeom prst="rect">
@@ -9033,7 +9033,7 @@
         </p:nvGrpSpPr>
         <p:grpSpPr>
           <a:xfrm>
-            <a:off x="11808505" y="886406"/>
+            <a:off x="11742001" y="886406"/>
             <a:ext cx="182879" cy="5943600"/>
             <a:chOff x="11808505" y="886406"/>
             <a:chExt cx="182879" cy="5943600"/>

--- a/documentation/Mockups/powerpoint-pdf-mocks/mock-views.pptx
+++ b/documentation/Mockups/powerpoint-pdf-mocks/mock-views.pptx
@@ -5785,9 +5785,9 @@
         <p:grpSpPr>
           <a:xfrm>
             <a:off x="0" y="-5519"/>
-            <a:ext cx="12192000" cy="644184"/>
+            <a:ext cx="12192000" cy="640905"/>
             <a:chOff x="0" y="-5519"/>
-            <a:chExt cx="12192000" cy="644184"/>
+            <a:chExt cx="12192000" cy="640905"/>
           </a:xfrm>
         </p:grpSpPr>
         <p:sp>
@@ -6163,7 +6163,7 @@
           </p:nvSpPr>
           <p:spPr>
             <a:xfrm>
-              <a:off x="9205371" y="142265"/>
+              <a:off x="9148276" y="138954"/>
               <a:ext cx="1676367" cy="307777"/>
             </a:xfrm>
             <a:prstGeom prst="rect">
@@ -6291,9 +6291,9 @@
               <a:avLst/>
             </a:prstGeom>
             <a:noFill/>
-            <a:ln w="25400">
+            <a:ln w="3175">
               <a:solidFill>
-                <a:srgbClr val="BFA458"/>
+                <a:srgbClr val="192857"/>
               </a:solidFill>
             </a:ln>
           </p:spPr>
@@ -6337,12 +6337,14 @@
           <p:spPr>
             <a:xfrm>
               <a:off x="6006810" y="0"/>
-              <a:ext cx="1571179" cy="638665"/>
+              <a:ext cx="1571179" cy="630936"/>
             </a:xfrm>
             <a:prstGeom prst="rect">
               <a:avLst/>
             </a:prstGeom>
-            <a:noFill/>
+            <a:solidFill>
+              <a:srgbClr val="BFA458"/>
+            </a:solidFill>
             <a:ln w="25400">
               <a:solidFill>
                 <a:srgbClr val="BFA458"/>
@@ -6395,9 +6397,9 @@
               <a:avLst/>
             </a:prstGeom>
             <a:noFill/>
-            <a:ln w="25400">
+            <a:ln w="12700">
               <a:solidFill>
-                <a:srgbClr val="BFA458"/>
+                <a:srgbClr val="192857"/>
               </a:solidFill>
             </a:ln>
           </p:spPr>
@@ -6440,8 +6442,8 @@
           </p:nvSpPr>
           <p:spPr>
             <a:xfrm>
-              <a:off x="9163081" y="-694"/>
-              <a:ext cx="2155614" cy="638665"/>
+              <a:off x="9163081" y="13594"/>
+              <a:ext cx="2155614" cy="621792"/>
             </a:xfrm>
             <a:prstGeom prst="rect">
               <a:avLst/>
@@ -6449,7 +6451,7 @@
             <a:noFill/>
             <a:ln w="25400">
               <a:solidFill>
-                <a:srgbClr val="BFA458"/>
+                <a:srgbClr val="192857"/>
               </a:solidFill>
             </a:ln>
           </p:spPr>
@@ -6562,9 +6564,9 @@
             <a:p>
               <a:pPr algn="ctr"/>
               <a:r>
-                <a:rPr lang="en-US" sz="1600" dirty="0">
+                <a:rPr lang="en-US" sz="1600" u="sng" dirty="0">
                   <a:solidFill>
-                    <a:srgbClr val="BFA458"/>
+                    <a:srgbClr val="192857"/>
                   </a:solidFill>
                   <a:latin typeface="Arial Black" panose="020B0A04020102020204" pitchFamily="34" charset="0"/>
                   <a:cs typeface="Aharoni" panose="02010803020104030203" pitchFamily="2" charset="-79"/>
@@ -6575,9 +6577,9 @@
             <a:p>
               <a:pPr algn="ctr"/>
               <a:r>
-                <a:rPr lang="en-US" sz="1600" dirty="0">
+                <a:rPr lang="en-US" sz="1600" u="sng" dirty="0">
                   <a:solidFill>
-                    <a:srgbClr val="BFA458"/>
+                    <a:srgbClr val="192857"/>
                   </a:solidFill>
                   <a:latin typeface="Arial Black" panose="020B0A04020102020204" pitchFamily="34" charset="0"/>
                   <a:cs typeface="Aharoni" panose="02010803020104030203" pitchFamily="2" charset="-79"/>
@@ -6601,8 +6603,8 @@
           </p:nvSpPr>
           <p:spPr>
             <a:xfrm>
-              <a:off x="7546460" y="45024"/>
-              <a:ext cx="1508289" cy="584775"/>
+              <a:off x="7620279" y="45024"/>
+              <a:ext cx="1434470" cy="584775"/>
             </a:xfrm>
             <a:prstGeom prst="rect">
               <a:avLst/>
@@ -6718,7 +6720,7 @@
           </p:nvSpPr>
           <p:spPr>
             <a:xfrm>
-              <a:off x="11827171" y="905070"/>
+              <a:off x="11827171" y="891412"/>
               <a:ext cx="146304" cy="3402727"/>
             </a:xfrm>
             <a:prstGeom prst="rect">
@@ -6759,6 +6761,45 @@
           </p:txBody>
         </p:sp>
       </p:grpSp>
+      <p:pic>
+        <p:nvPicPr>
+          <p:cNvPr id="10" name="Graphic 9" descr="Cursor">
+            <a:extLst>
+              <a:ext uri="{FF2B5EF4-FFF2-40B4-BE49-F238E27FC236}">
+                <a16:creationId xmlns:a16="http://schemas.microsoft.com/office/drawing/2014/main" id="{BF9E896A-3BEE-4547-8DD4-2CF151209CF9}"/>
+              </a:ext>
+            </a:extLst>
+          </p:cNvPr>
+          <p:cNvPicPr>
+            <a:picLocks noChangeAspect="1"/>
+          </p:cNvPicPr>
+          <p:nvPr/>
+        </p:nvPicPr>
+        <p:blipFill>
+          <a:blip r:embed="rId6">
+            <a:extLst>
+              <a:ext uri="{28A0092B-C50C-407E-A947-70E740481C1C}">
+                <a14:useLocalDpi xmlns:a14="http://schemas.microsoft.com/office/drawing/2010/main" val="0"/>
+              </a:ext>
+              <a:ext uri="{96DAC541-7B7A-43D3-8B79-37D633B846F1}">
+                <asvg:svgBlip xmlns:asvg="http://schemas.microsoft.com/office/drawing/2016/SVG/main" r:embed="rId7"/>
+              </a:ext>
+            </a:extLst>
+          </a:blip>
+          <a:stretch>
+            <a:fillRect/>
+          </a:stretch>
+        </p:blipFill>
+        <p:spPr>
+          <a:xfrm>
+            <a:off x="7209380" y="286849"/>
+            <a:ext cx="342583" cy="342583"/>
+          </a:xfrm>
+          <a:prstGeom prst="rect">
+            <a:avLst/>
+          </a:prstGeom>
+        </p:spPr>
+      </p:pic>
     </p:spTree>
     <p:extLst>
       <p:ext uri="{BB962C8B-B14F-4D97-AF65-F5344CB8AC3E}">
@@ -6826,7 +6867,7 @@
             </a:solidFill>
             <a:extLst>
               <a:ext uri="{C807C97D-BFC1-408E-A445-0C87EB9F89A2}">
-                <ask:lineSketchStyleProps xmlns:ask="http://schemas.microsoft.com/office/drawing/2018/sketchyshapes" sd="1219033472">
+                <ask:lineSketchStyleProps xmlns:ask="http://schemas.microsoft.com/office/drawing/2018/sketchyshapes" xmlns="" sd="1219033472">
                   <a:custGeom>
                     <a:avLst/>
                     <a:gdLst>
@@ -8161,866 +8202,6 @@
       </p:sp>
       <p:grpSp>
         <p:nvGrpSpPr>
-          <p:cNvPr id="52" name="Group 51">
-            <a:extLst>
-              <a:ext uri="{FF2B5EF4-FFF2-40B4-BE49-F238E27FC236}">
-                <a16:creationId xmlns:a16="http://schemas.microsoft.com/office/drawing/2014/main" id="{D368AB9E-02AE-4078-B214-42B942506F68}"/>
-              </a:ext>
-            </a:extLst>
-          </p:cNvPr>
-          <p:cNvGrpSpPr/>
-          <p:nvPr/>
-        </p:nvGrpSpPr>
-        <p:grpSpPr>
-          <a:xfrm>
-            <a:off x="0" y="-5519"/>
-            <a:ext cx="12192000" cy="644184"/>
-            <a:chOff x="0" y="-5519"/>
-            <a:chExt cx="12192000" cy="644184"/>
-          </a:xfrm>
-        </p:grpSpPr>
-        <p:sp>
-          <p:nvSpPr>
-            <p:cNvPr id="54" name="Rectangle 53">
-              <a:extLst>
-                <a:ext uri="{FF2B5EF4-FFF2-40B4-BE49-F238E27FC236}">
-                  <a16:creationId xmlns:a16="http://schemas.microsoft.com/office/drawing/2014/main" id="{BA4F1519-5E19-4D3E-8AC7-B9F940282442}"/>
-                </a:ext>
-              </a:extLst>
-            </p:cNvPr>
-            <p:cNvSpPr/>
-            <p:nvPr/>
-          </p:nvSpPr>
-          <p:spPr>
-            <a:xfrm>
-              <a:off x="0" y="-5518"/>
-              <a:ext cx="12192000" cy="638665"/>
-            </a:xfrm>
-            <a:prstGeom prst="rect">
-              <a:avLst/>
-            </a:prstGeom>
-            <a:solidFill>
-              <a:srgbClr val="192857"/>
-            </a:solidFill>
-          </p:spPr>
-          <p:style>
-            <a:lnRef idx="2">
-              <a:schemeClr val="accent1">
-                <a:shade val="50000"/>
-              </a:schemeClr>
-            </a:lnRef>
-            <a:fillRef idx="1">
-              <a:schemeClr val="accent1"/>
-            </a:fillRef>
-            <a:effectRef idx="0">
-              <a:schemeClr val="accent1"/>
-            </a:effectRef>
-            <a:fontRef idx="minor">
-              <a:schemeClr val="lt1"/>
-            </a:fontRef>
-          </p:style>
-          <p:txBody>
-            <a:bodyPr rtlCol="0" anchor="ctr"/>
-            <a:lstStyle/>
-            <a:p>
-              <a:pPr algn="ctr"/>
-              <a:endParaRPr lang="en-US" dirty="0"/>
-            </a:p>
-          </p:txBody>
-        </p:sp>
-        <p:grpSp>
-          <p:nvGrpSpPr>
-            <p:cNvPr id="56" name="Group 55">
-              <a:extLst>
-                <a:ext uri="{FF2B5EF4-FFF2-40B4-BE49-F238E27FC236}">
-                  <a16:creationId xmlns:a16="http://schemas.microsoft.com/office/drawing/2014/main" id="{263A828D-92C2-45ED-B152-4E1658D1C1DB}"/>
-                </a:ext>
-              </a:extLst>
-            </p:cNvPr>
-            <p:cNvGrpSpPr/>
-            <p:nvPr/>
-          </p:nvGrpSpPr>
-          <p:grpSpPr>
-            <a:xfrm>
-              <a:off x="2023927" y="97421"/>
-              <a:ext cx="3028757" cy="378073"/>
-              <a:chOff x="3427615" y="123834"/>
-              <a:chExt cx="2668385" cy="378073"/>
-            </a:xfrm>
-          </p:grpSpPr>
-          <p:sp>
-            <p:nvSpPr>
-              <p:cNvPr id="86" name="Rectangle: Rounded Corners 85">
-                <a:extLst>
-                  <a:ext uri="{FF2B5EF4-FFF2-40B4-BE49-F238E27FC236}">
-                    <a16:creationId xmlns:a16="http://schemas.microsoft.com/office/drawing/2014/main" id="{2BAA49D3-B94A-4E42-9A6C-C3C9DFB5F099}"/>
-                  </a:ext>
-                </a:extLst>
-              </p:cNvPr>
-              <p:cNvSpPr/>
-              <p:nvPr/>
-            </p:nvSpPr>
-            <p:spPr>
-              <a:xfrm>
-                <a:off x="3427615" y="132575"/>
-                <a:ext cx="2668385" cy="369332"/>
-              </a:xfrm>
-              <a:prstGeom prst="roundRect">
-                <a:avLst/>
-              </a:prstGeom>
-              <a:solidFill>
-                <a:srgbClr val="F2F2F2"/>
-              </a:solidFill>
-            </p:spPr>
-            <p:style>
-              <a:lnRef idx="2">
-                <a:schemeClr val="accent1">
-                  <a:shade val="50000"/>
-                </a:schemeClr>
-              </a:lnRef>
-              <a:fillRef idx="1">
-                <a:schemeClr val="accent1"/>
-              </a:fillRef>
-              <a:effectRef idx="0">
-                <a:schemeClr val="accent1"/>
-              </a:effectRef>
-              <a:fontRef idx="minor">
-                <a:schemeClr val="lt1"/>
-              </a:fontRef>
-            </p:style>
-            <p:txBody>
-              <a:bodyPr rtlCol="0" anchor="ctr"/>
-              <a:lstStyle/>
-              <a:p>
-                <a:pPr algn="ctr"/>
-                <a:endParaRPr lang="en-US"/>
-              </a:p>
-            </p:txBody>
-          </p:sp>
-          <p:sp>
-            <p:nvSpPr>
-              <p:cNvPr id="87" name="TextBox 86">
-                <a:extLst>
-                  <a:ext uri="{FF2B5EF4-FFF2-40B4-BE49-F238E27FC236}">
-                    <a16:creationId xmlns:a16="http://schemas.microsoft.com/office/drawing/2014/main" id="{5E7FAC00-DA42-465B-B4D2-7F496A12DE90}"/>
-                  </a:ext>
-                </a:extLst>
-              </p:cNvPr>
-              <p:cNvSpPr txBox="1"/>
-              <p:nvPr/>
-            </p:nvSpPr>
-            <p:spPr>
-              <a:xfrm>
-                <a:off x="3427615" y="123834"/>
-                <a:ext cx="2402378" cy="369332"/>
-              </a:xfrm>
-              <a:prstGeom prst="rect">
-                <a:avLst/>
-              </a:prstGeom>
-              <a:noFill/>
-            </p:spPr>
-            <p:txBody>
-              <a:bodyPr wrap="square" rtlCol="0">
-                <a:spAutoFit/>
-              </a:bodyPr>
-              <a:lstStyle/>
-              <a:p>
-                <a:r>
-                  <a:rPr lang="en-US" dirty="0">
-                    <a:solidFill>
-                      <a:schemeClr val="bg2">
-                        <a:lumMod val="50000"/>
-                      </a:schemeClr>
-                    </a:solidFill>
-                  </a:rPr>
-                  <a:t>Quick Search…</a:t>
-                </a:r>
-              </a:p>
-            </p:txBody>
-          </p:sp>
-        </p:grpSp>
-        <p:grpSp>
-          <p:nvGrpSpPr>
-            <p:cNvPr id="65" name="Group 64">
-              <a:extLst>
-                <a:ext uri="{FF2B5EF4-FFF2-40B4-BE49-F238E27FC236}">
-                  <a16:creationId xmlns:a16="http://schemas.microsoft.com/office/drawing/2014/main" id="{F5F298DA-F36E-4AA2-8928-779A325D6657}"/>
-                </a:ext>
-              </a:extLst>
-            </p:cNvPr>
-            <p:cNvGrpSpPr/>
-            <p:nvPr/>
-          </p:nvGrpSpPr>
-          <p:grpSpPr>
-            <a:xfrm>
-              <a:off x="5204451" y="125253"/>
-              <a:ext cx="365760" cy="299258"/>
-              <a:chOff x="623455" y="856211"/>
-              <a:chExt cx="498763" cy="415636"/>
-            </a:xfrm>
-          </p:grpSpPr>
-          <p:sp>
-            <p:nvSpPr>
-              <p:cNvPr id="82" name="Rectangle: Rounded Corners 81">
-                <a:extLst>
-                  <a:ext uri="{FF2B5EF4-FFF2-40B4-BE49-F238E27FC236}">
-                    <a16:creationId xmlns:a16="http://schemas.microsoft.com/office/drawing/2014/main" id="{328BE1DC-2ABB-4F82-BF81-3E468CEABB61}"/>
-                  </a:ext>
-                </a:extLst>
-              </p:cNvPr>
-              <p:cNvSpPr/>
-              <p:nvPr/>
-            </p:nvSpPr>
-            <p:spPr>
-              <a:xfrm>
-                <a:off x="623455" y="856211"/>
-                <a:ext cx="498763" cy="415636"/>
-              </a:xfrm>
-              <a:prstGeom prst="roundRect">
-                <a:avLst/>
-              </a:prstGeom>
-              <a:solidFill>
-                <a:srgbClr val="BFA458"/>
-              </a:solidFill>
-            </p:spPr>
-            <p:style>
-              <a:lnRef idx="2">
-                <a:schemeClr val="accent1">
-                  <a:shade val="50000"/>
-                </a:schemeClr>
-              </a:lnRef>
-              <a:fillRef idx="1">
-                <a:schemeClr val="accent1"/>
-              </a:fillRef>
-              <a:effectRef idx="0">
-                <a:schemeClr val="accent1"/>
-              </a:effectRef>
-              <a:fontRef idx="minor">
-                <a:schemeClr val="lt1"/>
-              </a:fontRef>
-            </p:style>
-            <p:txBody>
-              <a:bodyPr rtlCol="0" anchor="ctr"/>
-              <a:lstStyle/>
-              <a:p>
-                <a:pPr algn="ctr"/>
-                <a:endParaRPr lang="en-US"/>
-              </a:p>
-            </p:txBody>
-          </p:sp>
-          <p:grpSp>
-            <p:nvGrpSpPr>
-              <p:cNvPr id="83" name="Group 82">
-                <a:extLst>
-                  <a:ext uri="{FF2B5EF4-FFF2-40B4-BE49-F238E27FC236}">
-                    <a16:creationId xmlns:a16="http://schemas.microsoft.com/office/drawing/2014/main" id="{550DA8E9-CF99-44DF-B6FD-5CEECA0AE8C0}"/>
-                  </a:ext>
-                </a:extLst>
-              </p:cNvPr>
-              <p:cNvGrpSpPr/>
-              <p:nvPr/>
-            </p:nvGrpSpPr>
-            <p:grpSpPr>
-              <a:xfrm>
-                <a:off x="724038" y="950768"/>
-                <a:ext cx="297595" cy="226521"/>
-                <a:chOff x="999190" y="1753985"/>
-                <a:chExt cx="297595" cy="226521"/>
-              </a:xfrm>
-            </p:grpSpPr>
-            <p:sp>
-              <p:nvSpPr>
-                <p:cNvPr id="84" name="Oval 83">
-                  <a:extLst>
-                    <a:ext uri="{FF2B5EF4-FFF2-40B4-BE49-F238E27FC236}">
-                      <a16:creationId xmlns:a16="http://schemas.microsoft.com/office/drawing/2014/main" id="{37E40F5D-2FA5-4F28-9C5F-3E7261630111}"/>
-                    </a:ext>
-                  </a:extLst>
-                </p:cNvPr>
-                <p:cNvSpPr/>
-                <p:nvPr/>
-              </p:nvSpPr>
-              <p:spPr>
-                <a:xfrm>
-                  <a:off x="1122218" y="1753985"/>
-                  <a:ext cx="174567" cy="166255"/>
-                </a:xfrm>
-                <a:prstGeom prst="ellipse">
-                  <a:avLst/>
-                </a:prstGeom>
-                <a:solidFill>
-                  <a:schemeClr val="bg1"/>
-                </a:solidFill>
-                <a:ln>
-                  <a:solidFill>
-                    <a:srgbClr val="192857"/>
-                  </a:solidFill>
-                </a:ln>
-              </p:spPr>
-              <p:style>
-                <a:lnRef idx="2">
-                  <a:schemeClr val="accent1">
-                    <a:shade val="50000"/>
-                  </a:schemeClr>
-                </a:lnRef>
-                <a:fillRef idx="1">
-                  <a:schemeClr val="accent1"/>
-                </a:fillRef>
-                <a:effectRef idx="0">
-                  <a:schemeClr val="accent1"/>
-                </a:effectRef>
-                <a:fontRef idx="minor">
-                  <a:schemeClr val="lt1"/>
-                </a:fontRef>
-              </p:style>
-              <p:txBody>
-                <a:bodyPr rtlCol="0" anchor="ctr"/>
-                <a:lstStyle/>
-                <a:p>
-                  <a:pPr algn="ctr"/>
-                  <a:endParaRPr lang="en-US" dirty="0"/>
-                </a:p>
-              </p:txBody>
-            </p:sp>
-            <p:sp>
-              <p:nvSpPr>
-                <p:cNvPr id="85" name="Rectangle 84">
-                  <a:extLst>
-                    <a:ext uri="{FF2B5EF4-FFF2-40B4-BE49-F238E27FC236}">
-                      <a16:creationId xmlns:a16="http://schemas.microsoft.com/office/drawing/2014/main" id="{C2B0B61A-5C24-455B-A2F0-CE3E6E69EB01}"/>
-                    </a:ext>
-                  </a:extLst>
-                </p:cNvPr>
-                <p:cNvSpPr/>
-                <p:nvPr/>
-              </p:nvSpPr>
-              <p:spPr>
-                <a:xfrm rot="2802451">
-                  <a:off x="1063614" y="1870363"/>
-                  <a:ext cx="45719" cy="174567"/>
-                </a:xfrm>
-                <a:prstGeom prst="rect">
-                  <a:avLst/>
-                </a:prstGeom>
-                <a:solidFill>
-                  <a:srgbClr val="192857"/>
-                </a:solidFill>
-                <a:ln>
-                  <a:solidFill>
-                    <a:srgbClr val="192857"/>
-                  </a:solidFill>
-                </a:ln>
-              </p:spPr>
-              <p:style>
-                <a:lnRef idx="2">
-                  <a:schemeClr val="accent1">
-                    <a:shade val="50000"/>
-                  </a:schemeClr>
-                </a:lnRef>
-                <a:fillRef idx="1">
-                  <a:schemeClr val="accent1"/>
-                </a:fillRef>
-                <a:effectRef idx="0">
-                  <a:schemeClr val="accent1"/>
-                </a:effectRef>
-                <a:fontRef idx="minor">
-                  <a:schemeClr val="lt1"/>
-                </a:fontRef>
-              </p:style>
-              <p:txBody>
-                <a:bodyPr rtlCol="0" anchor="ctr"/>
-                <a:lstStyle/>
-                <a:p>
-                  <a:pPr algn="ctr"/>
-                  <a:endParaRPr lang="en-US"/>
-                </a:p>
-              </p:txBody>
-            </p:sp>
-          </p:grpSp>
-        </p:grpSp>
-        <p:sp>
-          <p:nvSpPr>
-            <p:cNvPr id="67" name="TextBox 66">
-              <a:extLst>
-                <a:ext uri="{FF2B5EF4-FFF2-40B4-BE49-F238E27FC236}">
-                  <a16:creationId xmlns:a16="http://schemas.microsoft.com/office/drawing/2014/main" id="{97E087FA-B28F-4C3E-AFE1-9E87E8970199}"/>
-                </a:ext>
-              </a:extLst>
-            </p:cNvPr>
-            <p:cNvSpPr txBox="1"/>
-            <p:nvPr/>
-          </p:nvSpPr>
-          <p:spPr>
-            <a:xfrm>
-              <a:off x="9205371" y="142265"/>
-              <a:ext cx="1676367" cy="307777"/>
-            </a:xfrm>
-            <a:prstGeom prst="rect">
-              <a:avLst/>
-            </a:prstGeom>
-            <a:noFill/>
-          </p:spPr>
-          <p:txBody>
-            <a:bodyPr wrap="square" rtlCol="0">
-              <a:spAutoFit/>
-            </a:bodyPr>
-            <a:lstStyle/>
-            <a:p>
-              <a:r>
-                <a:rPr lang="en-US" sz="1400" dirty="0">
-                  <a:solidFill>
-                    <a:srgbClr val="BFA458"/>
-                  </a:solidFill>
-                  <a:latin typeface="Arial Black" panose="020B0A04020102020204" pitchFamily="34" charset="0"/>
-                  <a:cs typeface="Aharoni" panose="02010803020104030203" pitchFamily="2" charset="-79"/>
-                </a:rPr>
-                <a:t>Username1234</a:t>
-              </a:r>
-            </a:p>
-          </p:txBody>
-        </p:sp>
-        <p:sp>
-          <p:nvSpPr>
-            <p:cNvPr id="68" name="TextBox 67">
-              <a:extLst>
-                <a:ext uri="{FF2B5EF4-FFF2-40B4-BE49-F238E27FC236}">
-                  <a16:creationId xmlns:a16="http://schemas.microsoft.com/office/drawing/2014/main" id="{E002804B-0779-4A3F-8F79-C5491D398772}"/>
-                </a:ext>
-              </a:extLst>
-            </p:cNvPr>
-            <p:cNvSpPr txBox="1"/>
-            <p:nvPr/>
-          </p:nvSpPr>
-          <p:spPr>
-            <a:xfrm>
-              <a:off x="832857" y="119877"/>
-              <a:ext cx="1004299" cy="369332"/>
-            </a:xfrm>
-            <a:prstGeom prst="rect">
-              <a:avLst/>
-            </a:prstGeom>
-            <a:noFill/>
-          </p:spPr>
-          <p:txBody>
-            <a:bodyPr wrap="square" rtlCol="0">
-              <a:spAutoFit/>
-            </a:bodyPr>
-            <a:lstStyle/>
-            <a:p>
-              <a:r>
-                <a:rPr lang="en-US" dirty="0">
-                  <a:solidFill>
-                    <a:srgbClr val="BFA458"/>
-                  </a:solidFill>
-                  <a:latin typeface="Arial Black" panose="020B0A04020102020204" pitchFamily="34" charset="0"/>
-                  <a:cs typeface="Aharoni" panose="02010803020104030203" pitchFamily="2" charset="-79"/>
-                </a:rPr>
-                <a:t>HOME</a:t>
-              </a:r>
-            </a:p>
-          </p:txBody>
-        </p:sp>
-        <p:pic>
-          <p:nvPicPr>
-            <p:cNvPr id="73" name="Graphic 72" descr="House">
-              <a:extLst>
-                <a:ext uri="{FF2B5EF4-FFF2-40B4-BE49-F238E27FC236}">
-                  <a16:creationId xmlns:a16="http://schemas.microsoft.com/office/drawing/2014/main" id="{6DD9A4A8-D881-4003-91D1-7D01E6EACE55}"/>
-                </a:ext>
-              </a:extLst>
-            </p:cNvPr>
-            <p:cNvPicPr>
-              <a:picLocks noChangeAspect="1"/>
-            </p:cNvPicPr>
-            <p:nvPr/>
-          </p:nvPicPr>
-          <p:blipFill>
-            <a:blip r:embed="rId4">
-              <a:extLst>
-                <a:ext uri="{28A0092B-C50C-407E-A947-70E740481C1C}">
-                  <a14:useLocalDpi xmlns:a14="http://schemas.microsoft.com/office/drawing/2010/main" val="0"/>
-                </a:ext>
-                <a:ext uri="{96DAC541-7B7A-43D3-8B79-37D633B846F1}">
-                  <asvg:svgBlip xmlns:asvg="http://schemas.microsoft.com/office/drawing/2016/SVG/main" r:embed="rId5"/>
-                </a:ext>
-              </a:extLst>
-            </a:blip>
-            <a:stretch>
-              <a:fillRect/>
-            </a:stretch>
-          </p:blipFill>
-          <p:spPr>
-            <a:xfrm>
-              <a:off x="444176" y="92087"/>
-              <a:ext cx="369332" cy="369332"/>
-            </a:xfrm>
-            <a:prstGeom prst="rect">
-              <a:avLst/>
-            </a:prstGeom>
-          </p:spPr>
-        </p:pic>
-        <p:sp>
-          <p:nvSpPr>
-            <p:cNvPr id="75" name="Rectangle 74">
-              <a:extLst>
-                <a:ext uri="{FF2B5EF4-FFF2-40B4-BE49-F238E27FC236}">
-                  <a16:creationId xmlns:a16="http://schemas.microsoft.com/office/drawing/2014/main" id="{AD9C01FE-14B5-4699-B987-077AF3EBAA88}"/>
-                </a:ext>
-              </a:extLst>
-            </p:cNvPr>
-            <p:cNvSpPr/>
-            <p:nvPr/>
-          </p:nvSpPr>
-          <p:spPr>
-            <a:xfrm>
-              <a:off x="340039" y="-5519"/>
-              <a:ext cx="1571179" cy="638665"/>
-            </a:xfrm>
-            <a:prstGeom prst="rect">
-              <a:avLst/>
-            </a:prstGeom>
-            <a:noFill/>
-            <a:ln w="25400">
-              <a:solidFill>
-                <a:srgbClr val="BFA458"/>
-              </a:solidFill>
-            </a:ln>
-          </p:spPr>
-          <p:style>
-            <a:lnRef idx="2">
-              <a:schemeClr val="accent1">
-                <a:shade val="50000"/>
-              </a:schemeClr>
-            </a:lnRef>
-            <a:fillRef idx="1">
-              <a:schemeClr val="accent1"/>
-            </a:fillRef>
-            <a:effectRef idx="0">
-              <a:schemeClr val="accent1"/>
-            </a:effectRef>
-            <a:fontRef idx="minor">
-              <a:schemeClr val="lt1"/>
-            </a:fontRef>
-          </p:style>
-          <p:txBody>
-            <a:bodyPr rtlCol="0" anchor="ctr"/>
-            <a:lstStyle/>
-            <a:p>
-              <a:pPr algn="ctr"/>
-              <a:endParaRPr lang="en-US"/>
-            </a:p>
-          </p:txBody>
-        </p:sp>
-        <p:sp>
-          <p:nvSpPr>
-            <p:cNvPr id="76" name="Rectangle 75">
-              <a:extLst>
-                <a:ext uri="{FF2B5EF4-FFF2-40B4-BE49-F238E27FC236}">
-                  <a16:creationId xmlns:a16="http://schemas.microsoft.com/office/drawing/2014/main" id="{C5E1A583-6431-4F83-BE8D-80D2DE36F26A}"/>
-                </a:ext>
-              </a:extLst>
-            </p:cNvPr>
-            <p:cNvSpPr/>
-            <p:nvPr/>
-          </p:nvSpPr>
-          <p:spPr>
-            <a:xfrm>
-              <a:off x="6006810" y="0"/>
-              <a:ext cx="1571179" cy="638665"/>
-            </a:xfrm>
-            <a:prstGeom prst="rect">
-              <a:avLst/>
-            </a:prstGeom>
-            <a:noFill/>
-            <a:ln w="25400">
-              <a:solidFill>
-                <a:srgbClr val="BFA458"/>
-              </a:solidFill>
-            </a:ln>
-          </p:spPr>
-          <p:style>
-            <a:lnRef idx="2">
-              <a:schemeClr val="accent1">
-                <a:shade val="50000"/>
-              </a:schemeClr>
-            </a:lnRef>
-            <a:fillRef idx="1">
-              <a:schemeClr val="accent1"/>
-            </a:fillRef>
-            <a:effectRef idx="0">
-              <a:schemeClr val="accent1"/>
-            </a:effectRef>
-            <a:fontRef idx="minor">
-              <a:schemeClr val="lt1"/>
-            </a:fontRef>
-          </p:style>
-          <p:txBody>
-            <a:bodyPr rtlCol="0" anchor="ctr"/>
-            <a:lstStyle/>
-            <a:p>
-              <a:pPr algn="ctr"/>
-              <a:endParaRPr lang="en-US"/>
-            </a:p>
-          </p:txBody>
-        </p:sp>
-        <p:sp>
-          <p:nvSpPr>
-            <p:cNvPr id="77" name="Rectangle 76">
-              <a:extLst>
-                <a:ext uri="{FF2B5EF4-FFF2-40B4-BE49-F238E27FC236}">
-                  <a16:creationId xmlns:a16="http://schemas.microsoft.com/office/drawing/2014/main" id="{3A6893FC-6897-4F16-B2F9-F252F69662DC}"/>
-                </a:ext>
-              </a:extLst>
-            </p:cNvPr>
-            <p:cNvSpPr/>
-            <p:nvPr/>
-          </p:nvSpPr>
-          <p:spPr>
-            <a:xfrm>
-              <a:off x="7584945" y="-3621"/>
-              <a:ext cx="1571179" cy="638665"/>
-            </a:xfrm>
-            <a:prstGeom prst="rect">
-              <a:avLst/>
-            </a:prstGeom>
-            <a:noFill/>
-            <a:ln w="25400">
-              <a:solidFill>
-                <a:srgbClr val="BFA458"/>
-              </a:solidFill>
-            </a:ln>
-          </p:spPr>
-          <p:style>
-            <a:lnRef idx="2">
-              <a:schemeClr val="accent1">
-                <a:shade val="50000"/>
-              </a:schemeClr>
-            </a:lnRef>
-            <a:fillRef idx="1">
-              <a:schemeClr val="accent1"/>
-            </a:fillRef>
-            <a:effectRef idx="0">
-              <a:schemeClr val="accent1"/>
-            </a:effectRef>
-            <a:fontRef idx="minor">
-              <a:schemeClr val="lt1"/>
-            </a:fontRef>
-          </p:style>
-          <p:txBody>
-            <a:bodyPr rtlCol="0" anchor="ctr"/>
-            <a:lstStyle/>
-            <a:p>
-              <a:pPr algn="ctr"/>
-              <a:endParaRPr lang="en-US"/>
-            </a:p>
-          </p:txBody>
-        </p:sp>
-        <p:sp>
-          <p:nvSpPr>
-            <p:cNvPr id="78" name="Rectangle 77">
-              <a:extLst>
-                <a:ext uri="{FF2B5EF4-FFF2-40B4-BE49-F238E27FC236}">
-                  <a16:creationId xmlns:a16="http://schemas.microsoft.com/office/drawing/2014/main" id="{20A021B9-1A4F-4449-B31F-4B3028DF1286}"/>
-                </a:ext>
-              </a:extLst>
-            </p:cNvPr>
-            <p:cNvSpPr/>
-            <p:nvPr/>
-          </p:nvSpPr>
-          <p:spPr>
-            <a:xfrm>
-              <a:off x="9163081" y="-694"/>
-              <a:ext cx="2155614" cy="638665"/>
-            </a:xfrm>
-            <a:prstGeom prst="rect">
-              <a:avLst/>
-            </a:prstGeom>
-            <a:noFill/>
-            <a:ln w="25400">
-              <a:solidFill>
-                <a:srgbClr val="BFA458"/>
-              </a:solidFill>
-            </a:ln>
-          </p:spPr>
-          <p:style>
-            <a:lnRef idx="2">
-              <a:schemeClr val="accent1">
-                <a:shade val="50000"/>
-              </a:schemeClr>
-            </a:lnRef>
-            <a:fillRef idx="1">
-              <a:schemeClr val="accent1"/>
-            </a:fillRef>
-            <a:effectRef idx="0">
-              <a:schemeClr val="accent1"/>
-            </a:effectRef>
-            <a:fontRef idx="minor">
-              <a:schemeClr val="lt1"/>
-            </a:fontRef>
-          </p:style>
-          <p:txBody>
-            <a:bodyPr rtlCol="0" anchor="ctr"/>
-            <a:lstStyle/>
-            <a:p>
-              <a:pPr algn="ctr"/>
-              <a:endParaRPr lang="en-US"/>
-            </a:p>
-          </p:txBody>
-        </p:sp>
-        <p:sp>
-          <p:nvSpPr>
-            <p:cNvPr id="79" name="Isosceles Triangle 78">
-              <a:extLst>
-                <a:ext uri="{FF2B5EF4-FFF2-40B4-BE49-F238E27FC236}">
-                  <a16:creationId xmlns:a16="http://schemas.microsoft.com/office/drawing/2014/main" id="{A5B3C150-CC5E-45CC-AA5B-5D84893A246F}"/>
-                </a:ext>
-              </a:extLst>
-            </p:cNvPr>
-            <p:cNvSpPr/>
-            <p:nvPr/>
-          </p:nvSpPr>
-          <p:spPr>
-            <a:xfrm rot="10800000">
-              <a:off x="10926506" y="201708"/>
-              <a:ext cx="261256" cy="211142"/>
-            </a:xfrm>
-            <a:prstGeom prst="triangle">
-              <a:avLst/>
-            </a:prstGeom>
-            <a:solidFill>
-              <a:srgbClr val="BFA458"/>
-            </a:solidFill>
-            <a:ln>
-              <a:solidFill>
-                <a:srgbClr val="192857"/>
-              </a:solidFill>
-            </a:ln>
-          </p:spPr>
-          <p:style>
-            <a:lnRef idx="2">
-              <a:schemeClr val="accent1">
-                <a:shade val="50000"/>
-              </a:schemeClr>
-            </a:lnRef>
-            <a:fillRef idx="1">
-              <a:schemeClr val="accent1"/>
-            </a:fillRef>
-            <a:effectRef idx="0">
-              <a:schemeClr val="accent1"/>
-            </a:effectRef>
-            <a:fontRef idx="minor">
-              <a:schemeClr val="lt1"/>
-            </a:fontRef>
-          </p:style>
-          <p:txBody>
-            <a:bodyPr rtlCol="0" anchor="ctr"/>
-            <a:lstStyle/>
-            <a:p>
-              <a:pPr algn="ctr"/>
-              <a:endParaRPr lang="en-US"/>
-            </a:p>
-          </p:txBody>
-        </p:sp>
-        <p:sp>
-          <p:nvSpPr>
-            <p:cNvPr id="80" name="TextBox 79">
-              <a:extLst>
-                <a:ext uri="{FF2B5EF4-FFF2-40B4-BE49-F238E27FC236}">
-                  <a16:creationId xmlns:a16="http://schemas.microsoft.com/office/drawing/2014/main" id="{37D6B31F-0509-4274-B546-DAD964052312}"/>
-                </a:ext>
-              </a:extLst>
-            </p:cNvPr>
-            <p:cNvSpPr txBox="1"/>
-            <p:nvPr/>
-          </p:nvSpPr>
-          <p:spPr>
-            <a:xfrm>
-              <a:off x="6107843" y="39139"/>
-              <a:ext cx="1298402" cy="584775"/>
-            </a:xfrm>
-            <a:prstGeom prst="rect">
-              <a:avLst/>
-            </a:prstGeom>
-            <a:noFill/>
-          </p:spPr>
-          <p:txBody>
-            <a:bodyPr wrap="square" rtlCol="0">
-              <a:spAutoFit/>
-            </a:bodyPr>
-            <a:lstStyle/>
-            <a:p>
-              <a:pPr algn="ctr"/>
-              <a:r>
-                <a:rPr lang="en-US" sz="1600" dirty="0">
-                  <a:solidFill>
-                    <a:srgbClr val="BFA458"/>
-                  </a:solidFill>
-                  <a:latin typeface="Arial Black" panose="020B0A04020102020204" pitchFamily="34" charset="0"/>
-                  <a:cs typeface="Aharoni" panose="02010803020104030203" pitchFamily="2" charset="-79"/>
-                </a:rPr>
-                <a:t>Filter </a:t>
-              </a:r>
-            </a:p>
-            <a:p>
-              <a:pPr algn="ctr"/>
-              <a:r>
-                <a:rPr lang="en-US" sz="1600" dirty="0">
-                  <a:solidFill>
-                    <a:srgbClr val="BFA458"/>
-                  </a:solidFill>
-                  <a:latin typeface="Arial Black" panose="020B0A04020102020204" pitchFamily="34" charset="0"/>
-                  <a:cs typeface="Aharoni" panose="02010803020104030203" pitchFamily="2" charset="-79"/>
-                </a:rPr>
-                <a:t>Search</a:t>
-              </a:r>
-            </a:p>
-          </p:txBody>
-        </p:sp>
-        <p:sp>
-          <p:nvSpPr>
-            <p:cNvPr id="81" name="TextBox 80">
-              <a:extLst>
-                <a:ext uri="{FF2B5EF4-FFF2-40B4-BE49-F238E27FC236}">
-                  <a16:creationId xmlns:a16="http://schemas.microsoft.com/office/drawing/2014/main" id="{FDFE39D3-4C81-4F99-A5DB-4EC383E1DDD1}"/>
-                </a:ext>
-              </a:extLst>
-            </p:cNvPr>
-            <p:cNvSpPr txBox="1"/>
-            <p:nvPr/>
-          </p:nvSpPr>
-          <p:spPr>
-            <a:xfrm>
-              <a:off x="7546460" y="45024"/>
-              <a:ext cx="1508289" cy="584775"/>
-            </a:xfrm>
-            <a:prstGeom prst="rect">
-              <a:avLst/>
-            </a:prstGeom>
-            <a:noFill/>
-          </p:spPr>
-          <p:txBody>
-            <a:bodyPr wrap="square" rtlCol="0">
-              <a:spAutoFit/>
-            </a:bodyPr>
-            <a:lstStyle/>
-            <a:p>
-              <a:pPr algn="ctr"/>
-              <a:r>
-                <a:rPr lang="en-US" sz="1600" dirty="0">
-                  <a:solidFill>
-                    <a:srgbClr val="BFA458"/>
-                  </a:solidFill>
-                  <a:latin typeface="Arial Black" panose="020B0A04020102020204" pitchFamily="34" charset="0"/>
-                  <a:cs typeface="Aharoni" panose="02010803020104030203" pitchFamily="2" charset="-79"/>
-                </a:rPr>
-                <a:t>Create Posting</a:t>
-              </a:r>
-            </a:p>
-          </p:txBody>
-        </p:sp>
-      </p:grpSp>
-      <p:grpSp>
-        <p:nvGrpSpPr>
           <p:cNvPr id="4" name="Group 3">
             <a:extLst>
               <a:ext uri="{FF2B5EF4-FFF2-40B4-BE49-F238E27FC236}">
@@ -9144,6 +8325,868 @@
             <a:p>
               <a:pPr algn="ctr"/>
               <a:endParaRPr lang="en-US"/>
+            </a:p>
+          </p:txBody>
+        </p:sp>
+      </p:grpSp>
+      <p:grpSp>
+        <p:nvGrpSpPr>
+          <p:cNvPr id="88" name="Group 87">
+            <a:extLst>
+              <a:ext uri="{FF2B5EF4-FFF2-40B4-BE49-F238E27FC236}">
+                <a16:creationId xmlns:a16="http://schemas.microsoft.com/office/drawing/2014/main" id="{6E702047-879D-44ED-91F1-AB278B453856}"/>
+              </a:ext>
+            </a:extLst>
+          </p:cNvPr>
+          <p:cNvGrpSpPr/>
+          <p:nvPr/>
+        </p:nvGrpSpPr>
+        <p:grpSpPr>
+          <a:xfrm>
+            <a:off x="0" y="-5519"/>
+            <a:ext cx="12192000" cy="640905"/>
+            <a:chOff x="0" y="-5519"/>
+            <a:chExt cx="12192000" cy="640905"/>
+          </a:xfrm>
+        </p:grpSpPr>
+        <p:sp>
+          <p:nvSpPr>
+            <p:cNvPr id="89" name="Rectangle 88">
+              <a:extLst>
+                <a:ext uri="{FF2B5EF4-FFF2-40B4-BE49-F238E27FC236}">
+                  <a16:creationId xmlns:a16="http://schemas.microsoft.com/office/drawing/2014/main" id="{6D905111-842D-4AE8-8773-9147F77222E4}"/>
+                </a:ext>
+              </a:extLst>
+            </p:cNvPr>
+            <p:cNvSpPr/>
+            <p:nvPr/>
+          </p:nvSpPr>
+          <p:spPr>
+            <a:xfrm>
+              <a:off x="0" y="-5518"/>
+              <a:ext cx="12192000" cy="638665"/>
+            </a:xfrm>
+            <a:prstGeom prst="rect">
+              <a:avLst/>
+            </a:prstGeom>
+            <a:solidFill>
+              <a:srgbClr val="192857"/>
+            </a:solidFill>
+          </p:spPr>
+          <p:style>
+            <a:lnRef idx="2">
+              <a:schemeClr val="accent1">
+                <a:shade val="50000"/>
+              </a:schemeClr>
+            </a:lnRef>
+            <a:fillRef idx="1">
+              <a:schemeClr val="accent1"/>
+            </a:fillRef>
+            <a:effectRef idx="0">
+              <a:schemeClr val="accent1"/>
+            </a:effectRef>
+            <a:fontRef idx="minor">
+              <a:schemeClr val="lt1"/>
+            </a:fontRef>
+          </p:style>
+          <p:txBody>
+            <a:bodyPr rtlCol="0" anchor="ctr"/>
+            <a:lstStyle/>
+            <a:p>
+              <a:pPr algn="ctr"/>
+              <a:endParaRPr lang="en-US" dirty="0"/>
+            </a:p>
+          </p:txBody>
+        </p:sp>
+        <p:grpSp>
+          <p:nvGrpSpPr>
+            <p:cNvPr id="90" name="Group 89">
+              <a:extLst>
+                <a:ext uri="{FF2B5EF4-FFF2-40B4-BE49-F238E27FC236}">
+                  <a16:creationId xmlns:a16="http://schemas.microsoft.com/office/drawing/2014/main" id="{BF63620C-AD6C-4355-AC29-882F2C0E3014}"/>
+                </a:ext>
+              </a:extLst>
+            </p:cNvPr>
+            <p:cNvGrpSpPr/>
+            <p:nvPr/>
+          </p:nvGrpSpPr>
+          <p:grpSpPr>
+            <a:xfrm>
+              <a:off x="2023927" y="97421"/>
+              <a:ext cx="3028757" cy="378073"/>
+              <a:chOff x="3427615" y="123834"/>
+              <a:chExt cx="2668385" cy="378073"/>
+            </a:xfrm>
+          </p:grpSpPr>
+          <p:sp>
+            <p:nvSpPr>
+              <p:cNvPr id="106" name="Rectangle: Rounded Corners 105">
+                <a:extLst>
+                  <a:ext uri="{FF2B5EF4-FFF2-40B4-BE49-F238E27FC236}">
+                    <a16:creationId xmlns:a16="http://schemas.microsoft.com/office/drawing/2014/main" id="{91F5D217-2EC1-4582-9E3E-8B29FB28CCF4}"/>
+                  </a:ext>
+                </a:extLst>
+              </p:cNvPr>
+              <p:cNvSpPr/>
+              <p:nvPr/>
+            </p:nvSpPr>
+            <p:spPr>
+              <a:xfrm>
+                <a:off x="3427615" y="132575"/>
+                <a:ext cx="2668385" cy="369332"/>
+              </a:xfrm>
+              <a:prstGeom prst="roundRect">
+                <a:avLst/>
+              </a:prstGeom>
+              <a:solidFill>
+                <a:srgbClr val="F2F2F2"/>
+              </a:solidFill>
+            </p:spPr>
+            <p:style>
+              <a:lnRef idx="2">
+                <a:schemeClr val="accent1">
+                  <a:shade val="50000"/>
+                </a:schemeClr>
+              </a:lnRef>
+              <a:fillRef idx="1">
+                <a:schemeClr val="accent1"/>
+              </a:fillRef>
+              <a:effectRef idx="0">
+                <a:schemeClr val="accent1"/>
+              </a:effectRef>
+              <a:fontRef idx="minor">
+                <a:schemeClr val="lt1"/>
+              </a:fontRef>
+            </p:style>
+            <p:txBody>
+              <a:bodyPr rtlCol="0" anchor="ctr"/>
+              <a:lstStyle/>
+              <a:p>
+                <a:pPr algn="ctr"/>
+                <a:endParaRPr lang="en-US"/>
+              </a:p>
+            </p:txBody>
+          </p:sp>
+          <p:sp>
+            <p:nvSpPr>
+              <p:cNvPr id="107" name="TextBox 106">
+                <a:extLst>
+                  <a:ext uri="{FF2B5EF4-FFF2-40B4-BE49-F238E27FC236}">
+                    <a16:creationId xmlns:a16="http://schemas.microsoft.com/office/drawing/2014/main" id="{78B9CF2D-92B4-4E86-B84B-873E5523311D}"/>
+                  </a:ext>
+                </a:extLst>
+              </p:cNvPr>
+              <p:cNvSpPr txBox="1"/>
+              <p:nvPr/>
+            </p:nvSpPr>
+            <p:spPr>
+              <a:xfrm>
+                <a:off x="3427615" y="123834"/>
+                <a:ext cx="2402378" cy="369332"/>
+              </a:xfrm>
+              <a:prstGeom prst="rect">
+                <a:avLst/>
+              </a:prstGeom>
+              <a:noFill/>
+            </p:spPr>
+            <p:txBody>
+              <a:bodyPr wrap="square" rtlCol="0">
+                <a:spAutoFit/>
+              </a:bodyPr>
+              <a:lstStyle/>
+              <a:p>
+                <a:r>
+                  <a:rPr lang="en-US" dirty="0">
+                    <a:solidFill>
+                      <a:schemeClr val="bg2">
+                        <a:lumMod val="50000"/>
+                      </a:schemeClr>
+                    </a:solidFill>
+                  </a:rPr>
+                  <a:t>Quick Search…</a:t>
+                </a:r>
+              </a:p>
+            </p:txBody>
+          </p:sp>
+        </p:grpSp>
+        <p:grpSp>
+          <p:nvGrpSpPr>
+            <p:cNvPr id="91" name="Group 90">
+              <a:extLst>
+                <a:ext uri="{FF2B5EF4-FFF2-40B4-BE49-F238E27FC236}">
+                  <a16:creationId xmlns:a16="http://schemas.microsoft.com/office/drawing/2014/main" id="{D44A2EEB-E8D1-41D9-B7E7-82CA8FBF3E65}"/>
+                </a:ext>
+              </a:extLst>
+            </p:cNvPr>
+            <p:cNvGrpSpPr/>
+            <p:nvPr/>
+          </p:nvGrpSpPr>
+          <p:grpSpPr>
+            <a:xfrm>
+              <a:off x="5204451" y="125253"/>
+              <a:ext cx="365760" cy="299258"/>
+              <a:chOff x="623455" y="856211"/>
+              <a:chExt cx="498763" cy="415636"/>
+            </a:xfrm>
+          </p:grpSpPr>
+          <p:sp>
+            <p:nvSpPr>
+              <p:cNvPr id="102" name="Rectangle: Rounded Corners 101">
+                <a:extLst>
+                  <a:ext uri="{FF2B5EF4-FFF2-40B4-BE49-F238E27FC236}">
+                    <a16:creationId xmlns:a16="http://schemas.microsoft.com/office/drawing/2014/main" id="{39394246-4C41-430A-A1BC-ADC0810E6A21}"/>
+                  </a:ext>
+                </a:extLst>
+              </p:cNvPr>
+              <p:cNvSpPr/>
+              <p:nvPr/>
+            </p:nvSpPr>
+            <p:spPr>
+              <a:xfrm>
+                <a:off x="623455" y="856211"/>
+                <a:ext cx="498763" cy="415636"/>
+              </a:xfrm>
+              <a:prstGeom prst="roundRect">
+                <a:avLst/>
+              </a:prstGeom>
+              <a:solidFill>
+                <a:srgbClr val="BFA458"/>
+              </a:solidFill>
+            </p:spPr>
+            <p:style>
+              <a:lnRef idx="2">
+                <a:schemeClr val="accent1">
+                  <a:shade val="50000"/>
+                </a:schemeClr>
+              </a:lnRef>
+              <a:fillRef idx="1">
+                <a:schemeClr val="accent1"/>
+              </a:fillRef>
+              <a:effectRef idx="0">
+                <a:schemeClr val="accent1"/>
+              </a:effectRef>
+              <a:fontRef idx="minor">
+                <a:schemeClr val="lt1"/>
+              </a:fontRef>
+            </p:style>
+            <p:txBody>
+              <a:bodyPr rtlCol="0" anchor="ctr"/>
+              <a:lstStyle/>
+              <a:p>
+                <a:pPr algn="ctr"/>
+                <a:endParaRPr lang="en-US"/>
+              </a:p>
+            </p:txBody>
+          </p:sp>
+          <p:grpSp>
+            <p:nvGrpSpPr>
+              <p:cNvPr id="103" name="Group 102">
+                <a:extLst>
+                  <a:ext uri="{FF2B5EF4-FFF2-40B4-BE49-F238E27FC236}">
+                    <a16:creationId xmlns:a16="http://schemas.microsoft.com/office/drawing/2014/main" id="{E7FE29A5-DE51-427D-A304-425BFF426A81}"/>
+                  </a:ext>
+                </a:extLst>
+              </p:cNvPr>
+              <p:cNvGrpSpPr/>
+              <p:nvPr/>
+            </p:nvGrpSpPr>
+            <p:grpSpPr>
+              <a:xfrm>
+                <a:off x="724038" y="950768"/>
+                <a:ext cx="297595" cy="226521"/>
+                <a:chOff x="999190" y="1753985"/>
+                <a:chExt cx="297595" cy="226521"/>
+              </a:xfrm>
+            </p:grpSpPr>
+            <p:sp>
+              <p:nvSpPr>
+                <p:cNvPr id="104" name="Oval 103">
+                  <a:extLst>
+                    <a:ext uri="{FF2B5EF4-FFF2-40B4-BE49-F238E27FC236}">
+                      <a16:creationId xmlns:a16="http://schemas.microsoft.com/office/drawing/2014/main" id="{F93E4213-F408-4273-8084-DCAAF07CD97B}"/>
+                    </a:ext>
+                  </a:extLst>
+                </p:cNvPr>
+                <p:cNvSpPr/>
+                <p:nvPr/>
+              </p:nvSpPr>
+              <p:spPr>
+                <a:xfrm>
+                  <a:off x="1122218" y="1753985"/>
+                  <a:ext cx="174567" cy="166255"/>
+                </a:xfrm>
+                <a:prstGeom prst="ellipse">
+                  <a:avLst/>
+                </a:prstGeom>
+                <a:solidFill>
+                  <a:schemeClr val="bg1"/>
+                </a:solidFill>
+                <a:ln>
+                  <a:solidFill>
+                    <a:srgbClr val="192857"/>
+                  </a:solidFill>
+                </a:ln>
+              </p:spPr>
+              <p:style>
+                <a:lnRef idx="2">
+                  <a:schemeClr val="accent1">
+                    <a:shade val="50000"/>
+                  </a:schemeClr>
+                </a:lnRef>
+                <a:fillRef idx="1">
+                  <a:schemeClr val="accent1"/>
+                </a:fillRef>
+                <a:effectRef idx="0">
+                  <a:schemeClr val="accent1"/>
+                </a:effectRef>
+                <a:fontRef idx="minor">
+                  <a:schemeClr val="lt1"/>
+                </a:fontRef>
+              </p:style>
+              <p:txBody>
+                <a:bodyPr rtlCol="0" anchor="ctr"/>
+                <a:lstStyle/>
+                <a:p>
+                  <a:pPr algn="ctr"/>
+                  <a:endParaRPr lang="en-US" dirty="0"/>
+                </a:p>
+              </p:txBody>
+            </p:sp>
+            <p:sp>
+              <p:nvSpPr>
+                <p:cNvPr id="105" name="Rectangle 104">
+                  <a:extLst>
+                    <a:ext uri="{FF2B5EF4-FFF2-40B4-BE49-F238E27FC236}">
+                      <a16:creationId xmlns:a16="http://schemas.microsoft.com/office/drawing/2014/main" id="{F60F2410-0BD4-4A79-9C48-7BA75DFFA0BA}"/>
+                    </a:ext>
+                  </a:extLst>
+                </p:cNvPr>
+                <p:cNvSpPr/>
+                <p:nvPr/>
+              </p:nvSpPr>
+              <p:spPr>
+                <a:xfrm rot="2802451">
+                  <a:off x="1063614" y="1870363"/>
+                  <a:ext cx="45719" cy="174567"/>
+                </a:xfrm>
+                <a:prstGeom prst="rect">
+                  <a:avLst/>
+                </a:prstGeom>
+                <a:solidFill>
+                  <a:srgbClr val="192857"/>
+                </a:solidFill>
+                <a:ln>
+                  <a:solidFill>
+                    <a:srgbClr val="192857"/>
+                  </a:solidFill>
+                </a:ln>
+              </p:spPr>
+              <p:style>
+                <a:lnRef idx="2">
+                  <a:schemeClr val="accent1">
+                    <a:shade val="50000"/>
+                  </a:schemeClr>
+                </a:lnRef>
+                <a:fillRef idx="1">
+                  <a:schemeClr val="accent1"/>
+                </a:fillRef>
+                <a:effectRef idx="0">
+                  <a:schemeClr val="accent1"/>
+                </a:effectRef>
+                <a:fontRef idx="minor">
+                  <a:schemeClr val="lt1"/>
+                </a:fontRef>
+              </p:style>
+              <p:txBody>
+                <a:bodyPr rtlCol="0" anchor="ctr"/>
+                <a:lstStyle/>
+                <a:p>
+                  <a:pPr algn="ctr"/>
+                  <a:endParaRPr lang="en-US"/>
+                </a:p>
+              </p:txBody>
+            </p:sp>
+          </p:grpSp>
+        </p:grpSp>
+        <p:sp>
+          <p:nvSpPr>
+            <p:cNvPr id="92" name="TextBox 91">
+              <a:extLst>
+                <a:ext uri="{FF2B5EF4-FFF2-40B4-BE49-F238E27FC236}">
+                  <a16:creationId xmlns:a16="http://schemas.microsoft.com/office/drawing/2014/main" id="{1363379D-6AD6-42E5-8AFB-A6F8FFC5F72C}"/>
+                </a:ext>
+              </a:extLst>
+            </p:cNvPr>
+            <p:cNvSpPr txBox="1"/>
+            <p:nvPr/>
+          </p:nvSpPr>
+          <p:spPr>
+            <a:xfrm>
+              <a:off x="9148276" y="138954"/>
+              <a:ext cx="1676367" cy="307777"/>
+            </a:xfrm>
+            <a:prstGeom prst="rect">
+              <a:avLst/>
+            </a:prstGeom>
+            <a:noFill/>
+          </p:spPr>
+          <p:txBody>
+            <a:bodyPr wrap="square" rtlCol="0">
+              <a:spAutoFit/>
+            </a:bodyPr>
+            <a:lstStyle/>
+            <a:p>
+              <a:r>
+                <a:rPr lang="en-US" sz="1400" dirty="0">
+                  <a:solidFill>
+                    <a:srgbClr val="BFA458"/>
+                  </a:solidFill>
+                  <a:latin typeface="Arial Black" panose="020B0A04020102020204" pitchFamily="34" charset="0"/>
+                  <a:cs typeface="Aharoni" panose="02010803020104030203" pitchFamily="2" charset="-79"/>
+                </a:rPr>
+                <a:t>Username1234</a:t>
+              </a:r>
+            </a:p>
+          </p:txBody>
+        </p:sp>
+        <p:sp>
+          <p:nvSpPr>
+            <p:cNvPr id="93" name="TextBox 92">
+              <a:extLst>
+                <a:ext uri="{FF2B5EF4-FFF2-40B4-BE49-F238E27FC236}">
+                  <a16:creationId xmlns:a16="http://schemas.microsoft.com/office/drawing/2014/main" id="{C1708EC3-6A10-4EB2-9272-6BF25919219A}"/>
+                </a:ext>
+              </a:extLst>
+            </p:cNvPr>
+            <p:cNvSpPr txBox="1"/>
+            <p:nvPr/>
+          </p:nvSpPr>
+          <p:spPr>
+            <a:xfrm>
+              <a:off x="832857" y="119877"/>
+              <a:ext cx="1004299" cy="369332"/>
+            </a:xfrm>
+            <a:prstGeom prst="rect">
+              <a:avLst/>
+            </a:prstGeom>
+            <a:noFill/>
+          </p:spPr>
+          <p:txBody>
+            <a:bodyPr wrap="square" rtlCol="0">
+              <a:spAutoFit/>
+            </a:bodyPr>
+            <a:lstStyle/>
+            <a:p>
+              <a:r>
+                <a:rPr lang="en-US" dirty="0">
+                  <a:solidFill>
+                    <a:srgbClr val="BFA458"/>
+                  </a:solidFill>
+                  <a:latin typeface="Arial Black" panose="020B0A04020102020204" pitchFamily="34" charset="0"/>
+                  <a:cs typeface="Aharoni" panose="02010803020104030203" pitchFamily="2" charset="-79"/>
+                </a:rPr>
+                <a:t>HOME</a:t>
+              </a:r>
+            </a:p>
+          </p:txBody>
+        </p:sp>
+        <p:pic>
+          <p:nvPicPr>
+            <p:cNvPr id="94" name="Graphic 93" descr="House">
+              <a:extLst>
+                <a:ext uri="{FF2B5EF4-FFF2-40B4-BE49-F238E27FC236}">
+                  <a16:creationId xmlns:a16="http://schemas.microsoft.com/office/drawing/2014/main" id="{35241C7C-07E5-4905-91AF-07B29A508B1B}"/>
+                </a:ext>
+              </a:extLst>
+            </p:cNvPr>
+            <p:cNvPicPr>
+              <a:picLocks noChangeAspect="1"/>
+            </p:cNvPicPr>
+            <p:nvPr/>
+          </p:nvPicPr>
+          <p:blipFill>
+            <a:blip r:embed="rId4">
+              <a:extLst>
+                <a:ext uri="{28A0092B-C50C-407E-A947-70E740481C1C}">
+                  <a14:useLocalDpi xmlns:a14="http://schemas.microsoft.com/office/drawing/2010/main" val="0"/>
+                </a:ext>
+                <a:ext uri="{96DAC541-7B7A-43D3-8B79-37D633B846F1}">
+                  <asvg:svgBlip xmlns:asvg="http://schemas.microsoft.com/office/drawing/2016/SVG/main" r:embed="rId5"/>
+                </a:ext>
+              </a:extLst>
+            </a:blip>
+            <a:stretch>
+              <a:fillRect/>
+            </a:stretch>
+          </p:blipFill>
+          <p:spPr>
+            <a:xfrm>
+              <a:off x="444176" y="92087"/>
+              <a:ext cx="369332" cy="369332"/>
+            </a:xfrm>
+            <a:prstGeom prst="rect">
+              <a:avLst/>
+            </a:prstGeom>
+          </p:spPr>
+        </p:pic>
+        <p:sp>
+          <p:nvSpPr>
+            <p:cNvPr id="95" name="Rectangle 94">
+              <a:extLst>
+                <a:ext uri="{FF2B5EF4-FFF2-40B4-BE49-F238E27FC236}">
+                  <a16:creationId xmlns:a16="http://schemas.microsoft.com/office/drawing/2014/main" id="{9CDA670F-6BA1-47E3-B63E-8528EBECBC46}"/>
+                </a:ext>
+              </a:extLst>
+            </p:cNvPr>
+            <p:cNvSpPr/>
+            <p:nvPr/>
+          </p:nvSpPr>
+          <p:spPr>
+            <a:xfrm>
+              <a:off x="340039" y="-5519"/>
+              <a:ext cx="1571179" cy="638665"/>
+            </a:xfrm>
+            <a:prstGeom prst="rect">
+              <a:avLst/>
+            </a:prstGeom>
+            <a:noFill/>
+            <a:ln w="3175">
+              <a:solidFill>
+                <a:srgbClr val="192857"/>
+              </a:solidFill>
+            </a:ln>
+          </p:spPr>
+          <p:style>
+            <a:lnRef idx="2">
+              <a:schemeClr val="accent1">
+                <a:shade val="50000"/>
+              </a:schemeClr>
+            </a:lnRef>
+            <a:fillRef idx="1">
+              <a:schemeClr val="accent1"/>
+            </a:fillRef>
+            <a:effectRef idx="0">
+              <a:schemeClr val="accent1"/>
+            </a:effectRef>
+            <a:fontRef idx="minor">
+              <a:schemeClr val="lt1"/>
+            </a:fontRef>
+          </p:style>
+          <p:txBody>
+            <a:bodyPr rtlCol="0" anchor="ctr"/>
+            <a:lstStyle/>
+            <a:p>
+              <a:pPr algn="ctr"/>
+              <a:endParaRPr lang="en-US"/>
+            </a:p>
+          </p:txBody>
+        </p:sp>
+        <p:sp>
+          <p:nvSpPr>
+            <p:cNvPr id="96" name="Rectangle 95">
+              <a:extLst>
+                <a:ext uri="{FF2B5EF4-FFF2-40B4-BE49-F238E27FC236}">
+                  <a16:creationId xmlns:a16="http://schemas.microsoft.com/office/drawing/2014/main" id="{27FDB040-30CA-47E3-9001-E93E17CE2EA6}"/>
+                </a:ext>
+              </a:extLst>
+            </p:cNvPr>
+            <p:cNvSpPr/>
+            <p:nvPr/>
+          </p:nvSpPr>
+          <p:spPr>
+            <a:xfrm>
+              <a:off x="6006810" y="0"/>
+              <a:ext cx="1571179" cy="630936"/>
+            </a:xfrm>
+            <a:prstGeom prst="rect">
+              <a:avLst/>
+            </a:prstGeom>
+            <a:solidFill>
+              <a:srgbClr val="192857"/>
+            </a:solidFill>
+            <a:ln w="6350">
+              <a:solidFill>
+                <a:srgbClr val="192857"/>
+              </a:solidFill>
+            </a:ln>
+          </p:spPr>
+          <p:style>
+            <a:lnRef idx="2">
+              <a:schemeClr val="accent1">
+                <a:shade val="50000"/>
+              </a:schemeClr>
+            </a:lnRef>
+            <a:fillRef idx="1">
+              <a:schemeClr val="accent1"/>
+            </a:fillRef>
+            <a:effectRef idx="0">
+              <a:schemeClr val="accent1"/>
+            </a:effectRef>
+            <a:fontRef idx="minor">
+              <a:schemeClr val="lt1"/>
+            </a:fontRef>
+          </p:style>
+          <p:txBody>
+            <a:bodyPr rtlCol="0" anchor="ctr"/>
+            <a:lstStyle/>
+            <a:p>
+              <a:pPr algn="ctr"/>
+              <a:endParaRPr lang="en-US"/>
+            </a:p>
+          </p:txBody>
+        </p:sp>
+        <p:sp>
+          <p:nvSpPr>
+            <p:cNvPr id="97" name="Rectangle 96">
+              <a:extLst>
+                <a:ext uri="{FF2B5EF4-FFF2-40B4-BE49-F238E27FC236}">
+                  <a16:creationId xmlns:a16="http://schemas.microsoft.com/office/drawing/2014/main" id="{5B3649F6-2BC4-48FD-AD86-65867043AAA1}"/>
+                </a:ext>
+              </a:extLst>
+            </p:cNvPr>
+            <p:cNvSpPr/>
+            <p:nvPr/>
+          </p:nvSpPr>
+          <p:spPr>
+            <a:xfrm>
+              <a:off x="7584945" y="-3621"/>
+              <a:ext cx="1571179" cy="638665"/>
+            </a:xfrm>
+            <a:prstGeom prst="rect">
+              <a:avLst/>
+            </a:prstGeom>
+            <a:noFill/>
+            <a:ln w="12700">
+              <a:solidFill>
+                <a:srgbClr val="192857"/>
+              </a:solidFill>
+            </a:ln>
+          </p:spPr>
+          <p:style>
+            <a:lnRef idx="2">
+              <a:schemeClr val="accent1">
+                <a:shade val="50000"/>
+              </a:schemeClr>
+            </a:lnRef>
+            <a:fillRef idx="1">
+              <a:schemeClr val="accent1"/>
+            </a:fillRef>
+            <a:effectRef idx="0">
+              <a:schemeClr val="accent1"/>
+            </a:effectRef>
+            <a:fontRef idx="minor">
+              <a:schemeClr val="lt1"/>
+            </a:fontRef>
+          </p:style>
+          <p:txBody>
+            <a:bodyPr rtlCol="0" anchor="ctr"/>
+            <a:lstStyle/>
+            <a:p>
+              <a:pPr algn="ctr"/>
+              <a:endParaRPr lang="en-US"/>
+            </a:p>
+          </p:txBody>
+        </p:sp>
+        <p:sp>
+          <p:nvSpPr>
+            <p:cNvPr id="98" name="Rectangle 97">
+              <a:extLst>
+                <a:ext uri="{FF2B5EF4-FFF2-40B4-BE49-F238E27FC236}">
+                  <a16:creationId xmlns:a16="http://schemas.microsoft.com/office/drawing/2014/main" id="{EBC2FEAB-805F-44FD-943F-1CB6EC21F769}"/>
+                </a:ext>
+              </a:extLst>
+            </p:cNvPr>
+            <p:cNvSpPr/>
+            <p:nvPr/>
+          </p:nvSpPr>
+          <p:spPr>
+            <a:xfrm>
+              <a:off x="9163081" y="13594"/>
+              <a:ext cx="2155614" cy="621792"/>
+            </a:xfrm>
+            <a:prstGeom prst="rect">
+              <a:avLst/>
+            </a:prstGeom>
+            <a:noFill/>
+            <a:ln w="25400">
+              <a:solidFill>
+                <a:srgbClr val="192857"/>
+              </a:solidFill>
+            </a:ln>
+          </p:spPr>
+          <p:style>
+            <a:lnRef idx="2">
+              <a:schemeClr val="accent1">
+                <a:shade val="50000"/>
+              </a:schemeClr>
+            </a:lnRef>
+            <a:fillRef idx="1">
+              <a:schemeClr val="accent1"/>
+            </a:fillRef>
+            <a:effectRef idx="0">
+              <a:schemeClr val="accent1"/>
+            </a:effectRef>
+            <a:fontRef idx="minor">
+              <a:schemeClr val="lt1"/>
+            </a:fontRef>
+          </p:style>
+          <p:txBody>
+            <a:bodyPr rtlCol="0" anchor="ctr"/>
+            <a:lstStyle/>
+            <a:p>
+              <a:pPr algn="ctr"/>
+              <a:endParaRPr lang="en-US"/>
+            </a:p>
+          </p:txBody>
+        </p:sp>
+        <p:sp>
+          <p:nvSpPr>
+            <p:cNvPr id="99" name="Isosceles Triangle 98">
+              <a:extLst>
+                <a:ext uri="{FF2B5EF4-FFF2-40B4-BE49-F238E27FC236}">
+                  <a16:creationId xmlns:a16="http://schemas.microsoft.com/office/drawing/2014/main" id="{3ACFD2E9-910B-4AD7-8E6D-771B98505892}"/>
+                </a:ext>
+              </a:extLst>
+            </p:cNvPr>
+            <p:cNvSpPr/>
+            <p:nvPr/>
+          </p:nvSpPr>
+          <p:spPr>
+            <a:xfrm rot="10800000">
+              <a:off x="10926506" y="201708"/>
+              <a:ext cx="261256" cy="211142"/>
+            </a:xfrm>
+            <a:prstGeom prst="triangle">
+              <a:avLst/>
+            </a:prstGeom>
+            <a:solidFill>
+              <a:srgbClr val="BFA458"/>
+            </a:solidFill>
+            <a:ln>
+              <a:solidFill>
+                <a:srgbClr val="192857"/>
+              </a:solidFill>
+            </a:ln>
+          </p:spPr>
+          <p:style>
+            <a:lnRef idx="2">
+              <a:schemeClr val="accent1">
+                <a:shade val="50000"/>
+              </a:schemeClr>
+            </a:lnRef>
+            <a:fillRef idx="1">
+              <a:schemeClr val="accent1"/>
+            </a:fillRef>
+            <a:effectRef idx="0">
+              <a:schemeClr val="accent1"/>
+            </a:effectRef>
+            <a:fontRef idx="minor">
+              <a:schemeClr val="lt1"/>
+            </a:fontRef>
+          </p:style>
+          <p:txBody>
+            <a:bodyPr rtlCol="0" anchor="ctr"/>
+            <a:lstStyle/>
+            <a:p>
+              <a:pPr algn="ctr"/>
+              <a:endParaRPr lang="en-US"/>
+            </a:p>
+          </p:txBody>
+        </p:sp>
+        <p:sp>
+          <p:nvSpPr>
+            <p:cNvPr id="100" name="TextBox 99">
+              <a:extLst>
+                <a:ext uri="{FF2B5EF4-FFF2-40B4-BE49-F238E27FC236}">
+                  <a16:creationId xmlns:a16="http://schemas.microsoft.com/office/drawing/2014/main" id="{982A72DD-E6C4-48A6-BAE5-AB84604DE2AB}"/>
+                </a:ext>
+              </a:extLst>
+            </p:cNvPr>
+            <p:cNvSpPr txBox="1"/>
+            <p:nvPr/>
+          </p:nvSpPr>
+          <p:spPr>
+            <a:xfrm>
+              <a:off x="6107843" y="39139"/>
+              <a:ext cx="1298402" cy="584775"/>
+            </a:xfrm>
+            <a:prstGeom prst="rect">
+              <a:avLst/>
+            </a:prstGeom>
+            <a:noFill/>
+          </p:spPr>
+          <p:txBody>
+            <a:bodyPr wrap="square" rtlCol="0">
+              <a:spAutoFit/>
+            </a:bodyPr>
+            <a:lstStyle/>
+            <a:p>
+              <a:pPr algn="ctr"/>
+              <a:r>
+                <a:rPr lang="en-US" sz="1600" dirty="0">
+                  <a:solidFill>
+                    <a:srgbClr val="BFA458"/>
+                  </a:solidFill>
+                  <a:latin typeface="Arial Black" panose="020B0A04020102020204" pitchFamily="34" charset="0"/>
+                  <a:cs typeface="Aharoni" panose="02010803020104030203" pitchFamily="2" charset="-79"/>
+                </a:rPr>
+                <a:t>Filter </a:t>
+              </a:r>
+            </a:p>
+            <a:p>
+              <a:pPr algn="ctr"/>
+              <a:r>
+                <a:rPr lang="en-US" sz="1600" dirty="0">
+                  <a:solidFill>
+                    <a:srgbClr val="BFA458"/>
+                  </a:solidFill>
+                  <a:latin typeface="Arial Black" panose="020B0A04020102020204" pitchFamily="34" charset="0"/>
+                  <a:cs typeface="Aharoni" panose="02010803020104030203" pitchFamily="2" charset="-79"/>
+                </a:rPr>
+                <a:t>Search</a:t>
+              </a:r>
+            </a:p>
+          </p:txBody>
+        </p:sp>
+        <p:sp>
+          <p:nvSpPr>
+            <p:cNvPr id="101" name="TextBox 100">
+              <a:extLst>
+                <a:ext uri="{FF2B5EF4-FFF2-40B4-BE49-F238E27FC236}">
+                  <a16:creationId xmlns:a16="http://schemas.microsoft.com/office/drawing/2014/main" id="{FFC6BD40-44A2-436C-A047-0FCFE8F413A6}"/>
+                </a:ext>
+              </a:extLst>
+            </p:cNvPr>
+            <p:cNvSpPr txBox="1"/>
+            <p:nvPr/>
+          </p:nvSpPr>
+          <p:spPr>
+            <a:xfrm>
+              <a:off x="7620279" y="45024"/>
+              <a:ext cx="1434470" cy="584775"/>
+            </a:xfrm>
+            <a:prstGeom prst="rect">
+              <a:avLst/>
+            </a:prstGeom>
+            <a:noFill/>
+          </p:spPr>
+          <p:txBody>
+            <a:bodyPr wrap="square" rtlCol="0">
+              <a:spAutoFit/>
+            </a:bodyPr>
+            <a:lstStyle/>
+            <a:p>
+              <a:pPr algn="ctr"/>
+              <a:r>
+                <a:rPr lang="en-US" sz="1600" dirty="0">
+                  <a:solidFill>
+                    <a:srgbClr val="BFA458"/>
+                  </a:solidFill>
+                  <a:latin typeface="Arial Black" panose="020B0A04020102020204" pitchFamily="34" charset="0"/>
+                  <a:cs typeface="Aharoni" panose="02010803020104030203" pitchFamily="2" charset="-79"/>
+                </a:rPr>
+                <a:t>Create Posting</a:t>
+              </a:r>
             </a:p>
           </p:txBody>
         </p:sp>

--- a/documentation/Mockups/powerpoint-pdf-mocks/mock-views.pptx
+++ b/documentation/Mockups/powerpoint-pdf-mocks/mock-views.pptx
@@ -6867,7 +6867,7 @@
             </a:solidFill>
             <a:extLst>
               <a:ext uri="{C807C97D-BFC1-408E-A445-0C87EB9F89A2}">
-                <ask:lineSketchStyleProps xmlns:ask="http://schemas.microsoft.com/office/drawing/2018/sketchyshapes" xmlns="" sd="1219033472">
+                <ask:lineSketchStyleProps xmlns="" xmlns:ask="http://schemas.microsoft.com/office/drawing/2018/sketchyshapes" sd="1219033472">
                   <a:custGeom>
                     <a:avLst/>
                     <a:gdLst>

--- a/documentation/Mockups/powerpoint-pdf-mocks/mock-views.pptx
+++ b/documentation/Mockups/powerpoint-pdf-mocks/mock-views.pptx
@@ -272,7 +272,7 @@
           <a:p>
             <a:fld id="{D8CF119D-88CE-43A9-A1CB-35AB162FA1F6}" type="datetimeFigureOut">
               <a:rPr lang="en-US" smtClean="0"/>
-              <a:t>9/13/2019</a:t>
+              <a:t>9/15/2019</a:t>
             </a:fld>
             <a:endParaRPr lang="en-US"/>
           </a:p>
@@ -470,7 +470,7 @@
           <a:p>
             <a:fld id="{D8CF119D-88CE-43A9-A1CB-35AB162FA1F6}" type="datetimeFigureOut">
               <a:rPr lang="en-US" smtClean="0"/>
-              <a:t>9/13/2019</a:t>
+              <a:t>9/15/2019</a:t>
             </a:fld>
             <a:endParaRPr lang="en-US"/>
           </a:p>
@@ -678,7 +678,7 @@
           <a:p>
             <a:fld id="{D8CF119D-88CE-43A9-A1CB-35AB162FA1F6}" type="datetimeFigureOut">
               <a:rPr lang="en-US" smtClean="0"/>
-              <a:t>9/13/2019</a:t>
+              <a:t>9/15/2019</a:t>
             </a:fld>
             <a:endParaRPr lang="en-US"/>
           </a:p>
@@ -876,7 +876,7 @@
           <a:p>
             <a:fld id="{D8CF119D-88CE-43A9-A1CB-35AB162FA1F6}" type="datetimeFigureOut">
               <a:rPr lang="en-US" smtClean="0"/>
-              <a:t>9/13/2019</a:t>
+              <a:t>9/15/2019</a:t>
             </a:fld>
             <a:endParaRPr lang="en-US"/>
           </a:p>
@@ -1151,7 +1151,7 @@
           <a:p>
             <a:fld id="{D8CF119D-88CE-43A9-A1CB-35AB162FA1F6}" type="datetimeFigureOut">
               <a:rPr lang="en-US" smtClean="0"/>
-              <a:t>9/13/2019</a:t>
+              <a:t>9/15/2019</a:t>
             </a:fld>
             <a:endParaRPr lang="en-US"/>
           </a:p>
@@ -1416,7 +1416,7 @@
           <a:p>
             <a:fld id="{D8CF119D-88CE-43A9-A1CB-35AB162FA1F6}" type="datetimeFigureOut">
               <a:rPr lang="en-US" smtClean="0"/>
-              <a:t>9/13/2019</a:t>
+              <a:t>9/15/2019</a:t>
             </a:fld>
             <a:endParaRPr lang="en-US"/>
           </a:p>
@@ -1828,7 +1828,7 @@
           <a:p>
             <a:fld id="{D8CF119D-88CE-43A9-A1CB-35AB162FA1F6}" type="datetimeFigureOut">
               <a:rPr lang="en-US" smtClean="0"/>
-              <a:t>9/13/2019</a:t>
+              <a:t>9/15/2019</a:t>
             </a:fld>
             <a:endParaRPr lang="en-US"/>
           </a:p>
@@ -1969,7 +1969,7 @@
           <a:p>
             <a:fld id="{D8CF119D-88CE-43A9-A1CB-35AB162FA1F6}" type="datetimeFigureOut">
               <a:rPr lang="en-US" smtClean="0"/>
-              <a:t>9/13/2019</a:t>
+              <a:t>9/15/2019</a:t>
             </a:fld>
             <a:endParaRPr lang="en-US"/>
           </a:p>
@@ -2082,7 +2082,7 @@
           <a:p>
             <a:fld id="{D8CF119D-88CE-43A9-A1CB-35AB162FA1F6}" type="datetimeFigureOut">
               <a:rPr lang="en-US" smtClean="0"/>
-              <a:t>9/13/2019</a:t>
+              <a:t>9/15/2019</a:t>
             </a:fld>
             <a:endParaRPr lang="en-US"/>
           </a:p>
@@ -2393,7 +2393,7 @@
           <a:p>
             <a:fld id="{D8CF119D-88CE-43A9-A1CB-35AB162FA1F6}" type="datetimeFigureOut">
               <a:rPr lang="en-US" smtClean="0"/>
-              <a:t>9/13/2019</a:t>
+              <a:t>9/15/2019</a:t>
             </a:fld>
             <a:endParaRPr lang="en-US"/>
           </a:p>
@@ -2681,7 +2681,7 @@
           <a:p>
             <a:fld id="{D8CF119D-88CE-43A9-A1CB-35AB162FA1F6}" type="datetimeFigureOut">
               <a:rPr lang="en-US" smtClean="0"/>
-              <a:t>9/13/2019</a:t>
+              <a:t>9/15/2019</a:t>
             </a:fld>
             <a:endParaRPr lang="en-US"/>
           </a:p>
@@ -2922,7 +2922,7 @@
           <a:p>
             <a:fld id="{D8CF119D-88CE-43A9-A1CB-35AB162FA1F6}" type="datetimeFigureOut">
               <a:rPr lang="en-US" smtClean="0"/>
-              <a:t>9/13/2019</a:t>
+              <a:t>9/15/2019</a:t>
             </a:fld>
             <a:endParaRPr lang="en-US"/>
           </a:p>
@@ -3349,10 +3349,10 @@
       </p:grpSpPr>
       <p:grpSp>
         <p:nvGrpSpPr>
-          <p:cNvPr id="94" name="Group 93">
-            <a:extLst>
-              <a:ext uri="{FF2B5EF4-FFF2-40B4-BE49-F238E27FC236}">
-                <a16:creationId xmlns:a16="http://schemas.microsoft.com/office/drawing/2014/main" id="{DDC9B182-D620-44D1-921E-2950125E181E}"/>
+          <p:cNvPr id="123" name="Group 122">
+            <a:extLst>
+              <a:ext uri="{FF2B5EF4-FFF2-40B4-BE49-F238E27FC236}">
+                <a16:creationId xmlns:a16="http://schemas.microsoft.com/office/drawing/2014/main" id="{B02D5EF2-8F8C-4BF8-9847-2A254CCA94BC}"/>
               </a:ext>
             </a:extLst>
           </p:cNvPr>
@@ -3361,18 +3361,18 @@
         </p:nvGrpSpPr>
         <p:grpSpPr>
           <a:xfrm>
-            <a:off x="186550" y="1077561"/>
-            <a:ext cx="3429415" cy="3802343"/>
-            <a:chOff x="186550" y="1012244"/>
-            <a:chExt cx="3429415" cy="3802343"/>
+            <a:off x="0" y="-5519"/>
+            <a:ext cx="12192000" cy="640905"/>
+            <a:chOff x="0" y="-5519"/>
+            <a:chExt cx="12192000" cy="640905"/>
           </a:xfrm>
         </p:grpSpPr>
         <p:sp>
           <p:nvSpPr>
-            <p:cNvPr id="50" name="Rectangle: Rounded Corners 49">
+            <p:cNvPr id="124" name="Rectangle 123">
               <a:extLst>
                 <a:ext uri="{FF2B5EF4-FFF2-40B4-BE49-F238E27FC236}">
-                  <a16:creationId xmlns:a16="http://schemas.microsoft.com/office/drawing/2014/main" id="{578C6593-8849-4824-AE64-6FED55CEBB2B}"/>
+                  <a16:creationId xmlns:a16="http://schemas.microsoft.com/office/drawing/2014/main" id="{F19ED730-8BA7-47DC-B7B3-EAC21F513A1D}"/>
                 </a:ext>
               </a:extLst>
             </p:cNvPr>
@@ -3381,7 +3381,1037 @@
           </p:nvSpPr>
           <p:spPr>
             <a:xfrm>
-              <a:off x="186550" y="1012244"/>
+              <a:off x="0" y="-5518"/>
+              <a:ext cx="12192000" cy="638665"/>
+            </a:xfrm>
+            <a:prstGeom prst="rect">
+              <a:avLst/>
+            </a:prstGeom>
+            <a:solidFill>
+              <a:srgbClr val="192857"/>
+            </a:solidFill>
+          </p:spPr>
+          <p:style>
+            <a:lnRef idx="2">
+              <a:schemeClr val="accent1">
+                <a:shade val="50000"/>
+              </a:schemeClr>
+            </a:lnRef>
+            <a:fillRef idx="1">
+              <a:schemeClr val="accent1"/>
+            </a:fillRef>
+            <a:effectRef idx="0">
+              <a:schemeClr val="accent1"/>
+            </a:effectRef>
+            <a:fontRef idx="minor">
+              <a:schemeClr val="lt1"/>
+            </a:fontRef>
+          </p:style>
+          <p:txBody>
+            <a:bodyPr rtlCol="0" anchor="ctr"/>
+            <a:lstStyle/>
+            <a:p>
+              <a:pPr algn="ctr"/>
+              <a:endParaRPr lang="en-US" dirty="0"/>
+            </a:p>
+          </p:txBody>
+        </p:sp>
+        <p:grpSp>
+          <p:nvGrpSpPr>
+            <p:cNvPr id="125" name="Group 124">
+              <a:extLst>
+                <a:ext uri="{FF2B5EF4-FFF2-40B4-BE49-F238E27FC236}">
+                  <a16:creationId xmlns:a16="http://schemas.microsoft.com/office/drawing/2014/main" id="{28BE6CC8-B9AE-4372-854F-858B39BD2DD8}"/>
+                </a:ext>
+              </a:extLst>
+            </p:cNvPr>
+            <p:cNvGrpSpPr/>
+            <p:nvPr/>
+          </p:nvGrpSpPr>
+          <p:grpSpPr>
+            <a:xfrm>
+              <a:off x="2023927" y="97421"/>
+              <a:ext cx="3028757" cy="378073"/>
+              <a:chOff x="3427615" y="123834"/>
+              <a:chExt cx="2668385" cy="378073"/>
+            </a:xfrm>
+          </p:grpSpPr>
+          <p:sp>
+            <p:nvSpPr>
+              <p:cNvPr id="171" name="Rectangle: Rounded Corners 170">
+                <a:extLst>
+                  <a:ext uri="{FF2B5EF4-FFF2-40B4-BE49-F238E27FC236}">
+                    <a16:creationId xmlns:a16="http://schemas.microsoft.com/office/drawing/2014/main" id="{3FEE4F3D-0DB5-4601-BE58-63E71B1C015A}"/>
+                  </a:ext>
+                </a:extLst>
+              </p:cNvPr>
+              <p:cNvSpPr/>
+              <p:nvPr/>
+            </p:nvSpPr>
+            <p:spPr>
+              <a:xfrm>
+                <a:off x="3427615" y="132575"/>
+                <a:ext cx="2668385" cy="369332"/>
+              </a:xfrm>
+              <a:prstGeom prst="roundRect">
+                <a:avLst/>
+              </a:prstGeom>
+              <a:solidFill>
+                <a:srgbClr val="F2F2F2"/>
+              </a:solidFill>
+            </p:spPr>
+            <p:style>
+              <a:lnRef idx="2">
+                <a:schemeClr val="accent1">
+                  <a:shade val="50000"/>
+                </a:schemeClr>
+              </a:lnRef>
+              <a:fillRef idx="1">
+                <a:schemeClr val="accent1"/>
+              </a:fillRef>
+              <a:effectRef idx="0">
+                <a:schemeClr val="accent1"/>
+              </a:effectRef>
+              <a:fontRef idx="minor">
+                <a:schemeClr val="lt1"/>
+              </a:fontRef>
+            </p:style>
+            <p:txBody>
+              <a:bodyPr rtlCol="0" anchor="ctr"/>
+              <a:lstStyle/>
+              <a:p>
+                <a:pPr algn="ctr"/>
+                <a:endParaRPr lang="en-US"/>
+              </a:p>
+            </p:txBody>
+          </p:sp>
+          <p:sp>
+            <p:nvSpPr>
+              <p:cNvPr id="172" name="TextBox 171">
+                <a:extLst>
+                  <a:ext uri="{FF2B5EF4-FFF2-40B4-BE49-F238E27FC236}">
+                    <a16:creationId xmlns:a16="http://schemas.microsoft.com/office/drawing/2014/main" id="{CA55C605-9902-4AD2-BAD3-463E03B2F1C8}"/>
+                  </a:ext>
+                </a:extLst>
+              </p:cNvPr>
+              <p:cNvSpPr txBox="1"/>
+              <p:nvPr/>
+            </p:nvSpPr>
+            <p:spPr>
+              <a:xfrm>
+                <a:off x="3427615" y="123834"/>
+                <a:ext cx="2402378" cy="369332"/>
+              </a:xfrm>
+              <a:prstGeom prst="rect">
+                <a:avLst/>
+              </a:prstGeom>
+              <a:noFill/>
+            </p:spPr>
+            <p:txBody>
+              <a:bodyPr wrap="square" rtlCol="0">
+                <a:spAutoFit/>
+              </a:bodyPr>
+              <a:lstStyle/>
+              <a:p>
+                <a:r>
+                  <a:rPr lang="en-US" dirty="0">
+                    <a:solidFill>
+                      <a:schemeClr val="bg2">
+                        <a:lumMod val="50000"/>
+                      </a:schemeClr>
+                    </a:solidFill>
+                  </a:rPr>
+                  <a:t>Quick Search…</a:t>
+                </a:r>
+              </a:p>
+            </p:txBody>
+          </p:sp>
+        </p:grpSp>
+        <p:grpSp>
+          <p:nvGrpSpPr>
+            <p:cNvPr id="126" name="Group 125">
+              <a:extLst>
+                <a:ext uri="{FF2B5EF4-FFF2-40B4-BE49-F238E27FC236}">
+                  <a16:creationId xmlns:a16="http://schemas.microsoft.com/office/drawing/2014/main" id="{E6F23CB9-4D05-4F62-989E-5C7A2B5B1A0A}"/>
+                </a:ext>
+              </a:extLst>
+            </p:cNvPr>
+            <p:cNvGrpSpPr/>
+            <p:nvPr/>
+          </p:nvGrpSpPr>
+          <p:grpSpPr>
+            <a:xfrm>
+              <a:off x="5204451" y="125253"/>
+              <a:ext cx="365760" cy="299258"/>
+              <a:chOff x="623455" y="856211"/>
+              <a:chExt cx="498763" cy="415636"/>
+            </a:xfrm>
+          </p:grpSpPr>
+          <p:sp>
+            <p:nvSpPr>
+              <p:cNvPr id="137" name="Rectangle: Rounded Corners 136">
+                <a:extLst>
+                  <a:ext uri="{FF2B5EF4-FFF2-40B4-BE49-F238E27FC236}">
+                    <a16:creationId xmlns:a16="http://schemas.microsoft.com/office/drawing/2014/main" id="{3AB10A27-36EA-46E1-851F-8376BF9BFBF5}"/>
+                  </a:ext>
+                </a:extLst>
+              </p:cNvPr>
+              <p:cNvSpPr/>
+              <p:nvPr/>
+            </p:nvSpPr>
+            <p:spPr>
+              <a:xfrm>
+                <a:off x="623455" y="856211"/>
+                <a:ext cx="498763" cy="415636"/>
+              </a:xfrm>
+              <a:prstGeom prst="roundRect">
+                <a:avLst/>
+              </a:prstGeom>
+              <a:solidFill>
+                <a:srgbClr val="BFA458"/>
+              </a:solidFill>
+            </p:spPr>
+            <p:style>
+              <a:lnRef idx="2">
+                <a:schemeClr val="accent1">
+                  <a:shade val="50000"/>
+                </a:schemeClr>
+              </a:lnRef>
+              <a:fillRef idx="1">
+                <a:schemeClr val="accent1"/>
+              </a:fillRef>
+              <a:effectRef idx="0">
+                <a:schemeClr val="accent1"/>
+              </a:effectRef>
+              <a:fontRef idx="minor">
+                <a:schemeClr val="lt1"/>
+              </a:fontRef>
+            </p:style>
+            <p:txBody>
+              <a:bodyPr rtlCol="0" anchor="ctr"/>
+              <a:lstStyle/>
+              <a:p>
+                <a:pPr algn="ctr"/>
+                <a:endParaRPr lang="en-US"/>
+              </a:p>
+            </p:txBody>
+          </p:sp>
+          <p:grpSp>
+            <p:nvGrpSpPr>
+              <p:cNvPr id="138" name="Group 137">
+                <a:extLst>
+                  <a:ext uri="{FF2B5EF4-FFF2-40B4-BE49-F238E27FC236}">
+                    <a16:creationId xmlns:a16="http://schemas.microsoft.com/office/drawing/2014/main" id="{DA721715-0A52-4E6A-9609-A251A713AD8B}"/>
+                  </a:ext>
+                </a:extLst>
+              </p:cNvPr>
+              <p:cNvGrpSpPr/>
+              <p:nvPr/>
+            </p:nvGrpSpPr>
+            <p:grpSpPr>
+              <a:xfrm>
+                <a:off x="724038" y="950768"/>
+                <a:ext cx="297595" cy="226521"/>
+                <a:chOff x="999190" y="1753985"/>
+                <a:chExt cx="297595" cy="226521"/>
+              </a:xfrm>
+            </p:grpSpPr>
+            <p:sp>
+              <p:nvSpPr>
+                <p:cNvPr id="139" name="Oval 138">
+                  <a:extLst>
+                    <a:ext uri="{FF2B5EF4-FFF2-40B4-BE49-F238E27FC236}">
+                      <a16:creationId xmlns:a16="http://schemas.microsoft.com/office/drawing/2014/main" id="{26BB976B-D871-4A47-8EA7-7091AD5CFA24}"/>
+                    </a:ext>
+                  </a:extLst>
+                </p:cNvPr>
+                <p:cNvSpPr/>
+                <p:nvPr/>
+              </p:nvSpPr>
+              <p:spPr>
+                <a:xfrm>
+                  <a:off x="1122218" y="1753985"/>
+                  <a:ext cx="174567" cy="166255"/>
+                </a:xfrm>
+                <a:prstGeom prst="ellipse">
+                  <a:avLst/>
+                </a:prstGeom>
+                <a:solidFill>
+                  <a:schemeClr val="bg1"/>
+                </a:solidFill>
+                <a:ln>
+                  <a:solidFill>
+                    <a:srgbClr val="192857"/>
+                  </a:solidFill>
+                </a:ln>
+              </p:spPr>
+              <p:style>
+                <a:lnRef idx="2">
+                  <a:schemeClr val="accent1">
+                    <a:shade val="50000"/>
+                  </a:schemeClr>
+                </a:lnRef>
+                <a:fillRef idx="1">
+                  <a:schemeClr val="accent1"/>
+                </a:fillRef>
+                <a:effectRef idx="0">
+                  <a:schemeClr val="accent1"/>
+                </a:effectRef>
+                <a:fontRef idx="minor">
+                  <a:schemeClr val="lt1"/>
+                </a:fontRef>
+              </p:style>
+              <p:txBody>
+                <a:bodyPr rtlCol="0" anchor="ctr"/>
+                <a:lstStyle/>
+                <a:p>
+                  <a:pPr algn="ctr"/>
+                  <a:endParaRPr lang="en-US" dirty="0"/>
+                </a:p>
+              </p:txBody>
+            </p:sp>
+            <p:sp>
+              <p:nvSpPr>
+                <p:cNvPr id="170" name="Rectangle 169">
+                  <a:extLst>
+                    <a:ext uri="{FF2B5EF4-FFF2-40B4-BE49-F238E27FC236}">
+                      <a16:creationId xmlns:a16="http://schemas.microsoft.com/office/drawing/2014/main" id="{5DD26C02-A070-4BE0-9CD4-5BEDE67EB64C}"/>
+                    </a:ext>
+                  </a:extLst>
+                </p:cNvPr>
+                <p:cNvSpPr/>
+                <p:nvPr/>
+              </p:nvSpPr>
+              <p:spPr>
+                <a:xfrm rot="2802451">
+                  <a:off x="1063614" y="1870363"/>
+                  <a:ext cx="45719" cy="174567"/>
+                </a:xfrm>
+                <a:prstGeom prst="rect">
+                  <a:avLst/>
+                </a:prstGeom>
+                <a:solidFill>
+                  <a:srgbClr val="192857"/>
+                </a:solidFill>
+                <a:ln>
+                  <a:solidFill>
+                    <a:srgbClr val="192857"/>
+                  </a:solidFill>
+                </a:ln>
+              </p:spPr>
+              <p:style>
+                <a:lnRef idx="2">
+                  <a:schemeClr val="accent1">
+                    <a:shade val="50000"/>
+                  </a:schemeClr>
+                </a:lnRef>
+                <a:fillRef idx="1">
+                  <a:schemeClr val="accent1"/>
+                </a:fillRef>
+                <a:effectRef idx="0">
+                  <a:schemeClr val="accent1"/>
+                </a:effectRef>
+                <a:fontRef idx="minor">
+                  <a:schemeClr val="lt1"/>
+                </a:fontRef>
+              </p:style>
+              <p:txBody>
+                <a:bodyPr rtlCol="0" anchor="ctr"/>
+                <a:lstStyle/>
+                <a:p>
+                  <a:pPr algn="ctr"/>
+                  <a:endParaRPr lang="en-US"/>
+                </a:p>
+              </p:txBody>
+            </p:sp>
+          </p:grpSp>
+        </p:grpSp>
+        <p:sp>
+          <p:nvSpPr>
+            <p:cNvPr id="127" name="TextBox 126">
+              <a:extLst>
+                <a:ext uri="{FF2B5EF4-FFF2-40B4-BE49-F238E27FC236}">
+                  <a16:creationId xmlns:a16="http://schemas.microsoft.com/office/drawing/2014/main" id="{8728287C-8EA3-4898-BEDF-8452EA52D8EC}"/>
+                </a:ext>
+              </a:extLst>
+            </p:cNvPr>
+            <p:cNvSpPr txBox="1"/>
+            <p:nvPr/>
+          </p:nvSpPr>
+          <p:spPr>
+            <a:xfrm>
+              <a:off x="9148276" y="138954"/>
+              <a:ext cx="1676367" cy="307777"/>
+            </a:xfrm>
+            <a:prstGeom prst="rect">
+              <a:avLst/>
+            </a:prstGeom>
+            <a:noFill/>
+          </p:spPr>
+          <p:txBody>
+            <a:bodyPr wrap="square" rtlCol="0">
+              <a:spAutoFit/>
+            </a:bodyPr>
+            <a:lstStyle/>
+            <a:p>
+              <a:r>
+                <a:rPr lang="en-US" sz="1400" dirty="0">
+                  <a:solidFill>
+                    <a:srgbClr val="BFA458"/>
+                  </a:solidFill>
+                  <a:latin typeface="Arial Black" panose="020B0A04020102020204" pitchFamily="34" charset="0"/>
+                  <a:cs typeface="Aharoni" panose="02010803020104030203" pitchFamily="2" charset="-79"/>
+                </a:rPr>
+                <a:t>Username1234</a:t>
+              </a:r>
+            </a:p>
+          </p:txBody>
+        </p:sp>
+        <p:sp>
+          <p:nvSpPr>
+            <p:cNvPr id="128" name="TextBox 127">
+              <a:extLst>
+                <a:ext uri="{FF2B5EF4-FFF2-40B4-BE49-F238E27FC236}">
+                  <a16:creationId xmlns:a16="http://schemas.microsoft.com/office/drawing/2014/main" id="{C56407DD-399F-47F1-9DDD-5C9F4D73269A}"/>
+                </a:ext>
+              </a:extLst>
+            </p:cNvPr>
+            <p:cNvSpPr txBox="1"/>
+            <p:nvPr/>
+          </p:nvSpPr>
+          <p:spPr>
+            <a:xfrm>
+              <a:off x="832857" y="119877"/>
+              <a:ext cx="1004299" cy="369332"/>
+            </a:xfrm>
+            <a:prstGeom prst="rect">
+              <a:avLst/>
+            </a:prstGeom>
+            <a:noFill/>
+          </p:spPr>
+          <p:txBody>
+            <a:bodyPr wrap="square" rtlCol="0">
+              <a:spAutoFit/>
+            </a:bodyPr>
+            <a:lstStyle/>
+            <a:p>
+              <a:r>
+                <a:rPr lang="en-US" dirty="0">
+                  <a:solidFill>
+                    <a:srgbClr val="BFA458"/>
+                  </a:solidFill>
+                  <a:latin typeface="Arial Black" panose="020B0A04020102020204" pitchFamily="34" charset="0"/>
+                  <a:cs typeface="Aharoni" panose="02010803020104030203" pitchFamily="2" charset="-79"/>
+                </a:rPr>
+                <a:t>HOME</a:t>
+              </a:r>
+            </a:p>
+          </p:txBody>
+        </p:sp>
+        <p:pic>
+          <p:nvPicPr>
+            <p:cNvPr id="129" name="Graphic 128" descr="House">
+              <a:extLst>
+                <a:ext uri="{FF2B5EF4-FFF2-40B4-BE49-F238E27FC236}">
+                  <a16:creationId xmlns:a16="http://schemas.microsoft.com/office/drawing/2014/main" id="{9B22318D-FA91-4B81-9CEC-9C6DDEF9DBEB}"/>
+                </a:ext>
+              </a:extLst>
+            </p:cNvPr>
+            <p:cNvPicPr>
+              <a:picLocks noChangeAspect="1"/>
+            </p:cNvPicPr>
+            <p:nvPr/>
+          </p:nvPicPr>
+          <p:blipFill>
+            <a:blip r:embed="rId2">
+              <a:extLst>
+                <a:ext uri="{28A0092B-C50C-407E-A947-70E740481C1C}">
+                  <a14:useLocalDpi xmlns:a14="http://schemas.microsoft.com/office/drawing/2010/main" val="0"/>
+                </a:ext>
+                <a:ext uri="{96DAC541-7B7A-43D3-8B79-37D633B846F1}">
+                  <asvg:svgBlip xmlns:asvg="http://schemas.microsoft.com/office/drawing/2016/SVG/main" r:embed="rId3"/>
+                </a:ext>
+              </a:extLst>
+            </a:blip>
+            <a:stretch>
+              <a:fillRect/>
+            </a:stretch>
+          </p:blipFill>
+          <p:spPr>
+            <a:xfrm>
+              <a:off x="444176" y="92087"/>
+              <a:ext cx="369332" cy="369332"/>
+            </a:xfrm>
+            <a:prstGeom prst="rect">
+              <a:avLst/>
+            </a:prstGeom>
+          </p:spPr>
+        </p:pic>
+        <p:sp>
+          <p:nvSpPr>
+            <p:cNvPr id="130" name="Rectangle 129">
+              <a:extLst>
+                <a:ext uri="{FF2B5EF4-FFF2-40B4-BE49-F238E27FC236}">
+                  <a16:creationId xmlns:a16="http://schemas.microsoft.com/office/drawing/2014/main" id="{EAD28FCB-BDAC-4B9A-9938-228291D412F1}"/>
+                </a:ext>
+              </a:extLst>
+            </p:cNvPr>
+            <p:cNvSpPr/>
+            <p:nvPr/>
+          </p:nvSpPr>
+          <p:spPr>
+            <a:xfrm>
+              <a:off x="340039" y="-5519"/>
+              <a:ext cx="1571179" cy="638665"/>
+            </a:xfrm>
+            <a:prstGeom prst="rect">
+              <a:avLst/>
+            </a:prstGeom>
+            <a:noFill/>
+            <a:ln w="3175">
+              <a:solidFill>
+                <a:srgbClr val="192857"/>
+              </a:solidFill>
+            </a:ln>
+          </p:spPr>
+          <p:style>
+            <a:lnRef idx="2">
+              <a:schemeClr val="accent1">
+                <a:shade val="50000"/>
+              </a:schemeClr>
+            </a:lnRef>
+            <a:fillRef idx="1">
+              <a:schemeClr val="accent1"/>
+            </a:fillRef>
+            <a:effectRef idx="0">
+              <a:schemeClr val="accent1"/>
+            </a:effectRef>
+            <a:fontRef idx="minor">
+              <a:schemeClr val="lt1"/>
+            </a:fontRef>
+          </p:style>
+          <p:txBody>
+            <a:bodyPr rtlCol="0" anchor="ctr"/>
+            <a:lstStyle/>
+            <a:p>
+              <a:pPr algn="ctr"/>
+              <a:endParaRPr lang="en-US"/>
+            </a:p>
+          </p:txBody>
+        </p:sp>
+        <p:sp>
+          <p:nvSpPr>
+            <p:cNvPr id="131" name="Rectangle 130">
+              <a:extLst>
+                <a:ext uri="{FF2B5EF4-FFF2-40B4-BE49-F238E27FC236}">
+                  <a16:creationId xmlns:a16="http://schemas.microsoft.com/office/drawing/2014/main" id="{A54C90FD-D4EF-4244-8AE3-68F4442C5345}"/>
+                </a:ext>
+              </a:extLst>
+            </p:cNvPr>
+            <p:cNvSpPr/>
+            <p:nvPr/>
+          </p:nvSpPr>
+          <p:spPr>
+            <a:xfrm>
+              <a:off x="6006810" y="0"/>
+              <a:ext cx="1571179" cy="630936"/>
+            </a:xfrm>
+            <a:prstGeom prst="rect">
+              <a:avLst/>
+            </a:prstGeom>
+            <a:solidFill>
+              <a:srgbClr val="BFA458"/>
+            </a:solidFill>
+            <a:ln w="25400">
+              <a:solidFill>
+                <a:srgbClr val="BFA458"/>
+              </a:solidFill>
+            </a:ln>
+          </p:spPr>
+          <p:style>
+            <a:lnRef idx="2">
+              <a:schemeClr val="accent1">
+                <a:shade val="50000"/>
+              </a:schemeClr>
+            </a:lnRef>
+            <a:fillRef idx="1">
+              <a:schemeClr val="accent1"/>
+            </a:fillRef>
+            <a:effectRef idx="0">
+              <a:schemeClr val="accent1"/>
+            </a:effectRef>
+            <a:fontRef idx="minor">
+              <a:schemeClr val="lt1"/>
+            </a:fontRef>
+          </p:style>
+          <p:txBody>
+            <a:bodyPr rtlCol="0" anchor="ctr"/>
+            <a:lstStyle/>
+            <a:p>
+              <a:pPr algn="ctr"/>
+              <a:endParaRPr lang="en-US"/>
+            </a:p>
+          </p:txBody>
+        </p:sp>
+        <p:sp>
+          <p:nvSpPr>
+            <p:cNvPr id="132" name="Rectangle 131">
+              <a:extLst>
+                <a:ext uri="{FF2B5EF4-FFF2-40B4-BE49-F238E27FC236}">
+                  <a16:creationId xmlns:a16="http://schemas.microsoft.com/office/drawing/2014/main" id="{17477A83-6878-443B-8D53-75630384CF58}"/>
+                </a:ext>
+              </a:extLst>
+            </p:cNvPr>
+            <p:cNvSpPr/>
+            <p:nvPr/>
+          </p:nvSpPr>
+          <p:spPr>
+            <a:xfrm>
+              <a:off x="7584945" y="-3621"/>
+              <a:ext cx="1571179" cy="638665"/>
+            </a:xfrm>
+            <a:prstGeom prst="rect">
+              <a:avLst/>
+            </a:prstGeom>
+            <a:noFill/>
+            <a:ln w="12700">
+              <a:solidFill>
+                <a:srgbClr val="192857"/>
+              </a:solidFill>
+            </a:ln>
+          </p:spPr>
+          <p:style>
+            <a:lnRef idx="2">
+              <a:schemeClr val="accent1">
+                <a:shade val="50000"/>
+              </a:schemeClr>
+            </a:lnRef>
+            <a:fillRef idx="1">
+              <a:schemeClr val="accent1"/>
+            </a:fillRef>
+            <a:effectRef idx="0">
+              <a:schemeClr val="accent1"/>
+            </a:effectRef>
+            <a:fontRef idx="minor">
+              <a:schemeClr val="lt1"/>
+            </a:fontRef>
+          </p:style>
+          <p:txBody>
+            <a:bodyPr rtlCol="0" anchor="ctr"/>
+            <a:lstStyle/>
+            <a:p>
+              <a:pPr algn="ctr"/>
+              <a:endParaRPr lang="en-US"/>
+            </a:p>
+          </p:txBody>
+        </p:sp>
+        <p:sp>
+          <p:nvSpPr>
+            <p:cNvPr id="133" name="Rectangle 132">
+              <a:extLst>
+                <a:ext uri="{FF2B5EF4-FFF2-40B4-BE49-F238E27FC236}">
+                  <a16:creationId xmlns:a16="http://schemas.microsoft.com/office/drawing/2014/main" id="{F900D8B2-3123-4680-9F7F-0BA8A142A57C}"/>
+                </a:ext>
+              </a:extLst>
+            </p:cNvPr>
+            <p:cNvSpPr/>
+            <p:nvPr/>
+          </p:nvSpPr>
+          <p:spPr>
+            <a:xfrm>
+              <a:off x="9163081" y="13594"/>
+              <a:ext cx="2155614" cy="621792"/>
+            </a:xfrm>
+            <a:prstGeom prst="rect">
+              <a:avLst/>
+            </a:prstGeom>
+            <a:noFill/>
+            <a:ln w="25400">
+              <a:solidFill>
+                <a:srgbClr val="192857"/>
+              </a:solidFill>
+            </a:ln>
+          </p:spPr>
+          <p:style>
+            <a:lnRef idx="2">
+              <a:schemeClr val="accent1">
+                <a:shade val="50000"/>
+              </a:schemeClr>
+            </a:lnRef>
+            <a:fillRef idx="1">
+              <a:schemeClr val="accent1"/>
+            </a:fillRef>
+            <a:effectRef idx="0">
+              <a:schemeClr val="accent1"/>
+            </a:effectRef>
+            <a:fontRef idx="minor">
+              <a:schemeClr val="lt1"/>
+            </a:fontRef>
+          </p:style>
+          <p:txBody>
+            <a:bodyPr rtlCol="0" anchor="ctr"/>
+            <a:lstStyle/>
+            <a:p>
+              <a:pPr algn="ctr"/>
+              <a:endParaRPr lang="en-US"/>
+            </a:p>
+          </p:txBody>
+        </p:sp>
+        <p:sp>
+          <p:nvSpPr>
+            <p:cNvPr id="134" name="Isosceles Triangle 133">
+              <a:extLst>
+                <a:ext uri="{FF2B5EF4-FFF2-40B4-BE49-F238E27FC236}">
+                  <a16:creationId xmlns:a16="http://schemas.microsoft.com/office/drawing/2014/main" id="{71C9C1C2-BFED-49CC-AC5E-0347E62169F8}"/>
+                </a:ext>
+              </a:extLst>
+            </p:cNvPr>
+            <p:cNvSpPr/>
+            <p:nvPr/>
+          </p:nvSpPr>
+          <p:spPr>
+            <a:xfrm rot="10800000">
+              <a:off x="10926506" y="201708"/>
+              <a:ext cx="261256" cy="211142"/>
+            </a:xfrm>
+            <a:prstGeom prst="triangle">
+              <a:avLst/>
+            </a:prstGeom>
+            <a:solidFill>
+              <a:srgbClr val="BFA458"/>
+            </a:solidFill>
+            <a:ln>
+              <a:solidFill>
+                <a:srgbClr val="192857"/>
+              </a:solidFill>
+            </a:ln>
+          </p:spPr>
+          <p:style>
+            <a:lnRef idx="2">
+              <a:schemeClr val="accent1">
+                <a:shade val="50000"/>
+              </a:schemeClr>
+            </a:lnRef>
+            <a:fillRef idx="1">
+              <a:schemeClr val="accent1"/>
+            </a:fillRef>
+            <a:effectRef idx="0">
+              <a:schemeClr val="accent1"/>
+            </a:effectRef>
+            <a:fontRef idx="minor">
+              <a:schemeClr val="lt1"/>
+            </a:fontRef>
+          </p:style>
+          <p:txBody>
+            <a:bodyPr rtlCol="0" anchor="ctr"/>
+            <a:lstStyle/>
+            <a:p>
+              <a:pPr algn="ctr"/>
+              <a:endParaRPr lang="en-US"/>
+            </a:p>
+          </p:txBody>
+        </p:sp>
+        <p:sp>
+          <p:nvSpPr>
+            <p:cNvPr id="135" name="TextBox 134">
+              <a:extLst>
+                <a:ext uri="{FF2B5EF4-FFF2-40B4-BE49-F238E27FC236}">
+                  <a16:creationId xmlns:a16="http://schemas.microsoft.com/office/drawing/2014/main" id="{E5D3217A-6F03-4195-B798-D57827FBC231}"/>
+                </a:ext>
+              </a:extLst>
+            </p:cNvPr>
+            <p:cNvSpPr txBox="1"/>
+            <p:nvPr/>
+          </p:nvSpPr>
+          <p:spPr>
+            <a:xfrm>
+              <a:off x="6107843" y="39139"/>
+              <a:ext cx="1298402" cy="584775"/>
+            </a:xfrm>
+            <a:prstGeom prst="rect">
+              <a:avLst/>
+            </a:prstGeom>
+            <a:noFill/>
+          </p:spPr>
+          <p:txBody>
+            <a:bodyPr wrap="square" rtlCol="0">
+              <a:spAutoFit/>
+            </a:bodyPr>
+            <a:lstStyle/>
+            <a:p>
+              <a:pPr algn="ctr"/>
+              <a:r>
+                <a:rPr lang="en-US" sz="1600" u="sng" dirty="0">
+                  <a:solidFill>
+                    <a:srgbClr val="192857"/>
+                  </a:solidFill>
+                  <a:latin typeface="Arial Black" panose="020B0A04020102020204" pitchFamily="34" charset="0"/>
+                  <a:cs typeface="Aharoni" panose="02010803020104030203" pitchFamily="2" charset="-79"/>
+                </a:rPr>
+                <a:t>Filter </a:t>
+              </a:r>
+            </a:p>
+            <a:p>
+              <a:pPr algn="ctr"/>
+              <a:r>
+                <a:rPr lang="en-US" sz="1600" u="sng" dirty="0">
+                  <a:solidFill>
+                    <a:srgbClr val="192857"/>
+                  </a:solidFill>
+                  <a:latin typeface="Arial Black" panose="020B0A04020102020204" pitchFamily="34" charset="0"/>
+                  <a:cs typeface="Aharoni" panose="02010803020104030203" pitchFamily="2" charset="-79"/>
+                </a:rPr>
+                <a:t>Search</a:t>
+              </a:r>
+            </a:p>
+          </p:txBody>
+        </p:sp>
+        <p:sp>
+          <p:nvSpPr>
+            <p:cNvPr id="136" name="TextBox 135">
+              <a:extLst>
+                <a:ext uri="{FF2B5EF4-FFF2-40B4-BE49-F238E27FC236}">
+                  <a16:creationId xmlns:a16="http://schemas.microsoft.com/office/drawing/2014/main" id="{9E4B5B8E-5298-4FBB-9ED9-D80E822E57B7}"/>
+                </a:ext>
+              </a:extLst>
+            </p:cNvPr>
+            <p:cNvSpPr txBox="1"/>
+            <p:nvPr/>
+          </p:nvSpPr>
+          <p:spPr>
+            <a:xfrm>
+              <a:off x="7620279" y="45024"/>
+              <a:ext cx="1434470" cy="584775"/>
+            </a:xfrm>
+            <a:prstGeom prst="rect">
+              <a:avLst/>
+            </a:prstGeom>
+            <a:noFill/>
+          </p:spPr>
+          <p:txBody>
+            <a:bodyPr wrap="square" rtlCol="0">
+              <a:spAutoFit/>
+            </a:bodyPr>
+            <a:lstStyle/>
+            <a:p>
+              <a:pPr algn="ctr"/>
+              <a:r>
+                <a:rPr lang="en-US" sz="1600" dirty="0">
+                  <a:solidFill>
+                    <a:srgbClr val="BFA458"/>
+                  </a:solidFill>
+                  <a:latin typeface="Arial Black" panose="020B0A04020102020204" pitchFamily="34" charset="0"/>
+                  <a:cs typeface="Aharoni" panose="02010803020104030203" pitchFamily="2" charset="-79"/>
+                </a:rPr>
+                <a:t>Create Posting</a:t>
+              </a:r>
+            </a:p>
+          </p:txBody>
+        </p:sp>
+      </p:grpSp>
+      <p:grpSp>
+        <p:nvGrpSpPr>
+          <p:cNvPr id="173" name="Group 172">
+            <a:extLst>
+              <a:ext uri="{FF2B5EF4-FFF2-40B4-BE49-F238E27FC236}">
+                <a16:creationId xmlns:a16="http://schemas.microsoft.com/office/drawing/2014/main" id="{72AD5F05-E8AE-4956-BEC4-F5D1499AB78E}"/>
+              </a:ext>
+            </a:extLst>
+          </p:cNvPr>
+          <p:cNvGrpSpPr/>
+          <p:nvPr/>
+        </p:nvGrpSpPr>
+        <p:grpSpPr>
+          <a:xfrm>
+            <a:off x="11986372" y="633146"/>
+            <a:ext cx="200961" cy="6217920"/>
+            <a:chOff x="11808505" y="886406"/>
+            <a:chExt cx="182879" cy="5943600"/>
+          </a:xfrm>
+        </p:grpSpPr>
+        <p:sp>
+          <p:nvSpPr>
+            <p:cNvPr id="174" name="Rectangle 173">
+              <a:extLst>
+                <a:ext uri="{FF2B5EF4-FFF2-40B4-BE49-F238E27FC236}">
+                  <a16:creationId xmlns:a16="http://schemas.microsoft.com/office/drawing/2014/main" id="{F3D42499-44CA-4CBA-9738-1EFC71A2270C}"/>
+                </a:ext>
+              </a:extLst>
+            </p:cNvPr>
+            <p:cNvSpPr/>
+            <p:nvPr/>
+          </p:nvSpPr>
+          <p:spPr>
+            <a:xfrm>
+              <a:off x="11808505" y="886406"/>
+              <a:ext cx="182879" cy="5943600"/>
+            </a:xfrm>
+            <a:prstGeom prst="rect">
+              <a:avLst/>
+            </a:prstGeom>
+            <a:solidFill>
+              <a:srgbClr val="E7E6E6"/>
+            </a:solidFill>
+            <a:ln w="25400">
+              <a:solidFill>
+                <a:srgbClr val="192857"/>
+              </a:solidFill>
+            </a:ln>
+          </p:spPr>
+          <p:style>
+            <a:lnRef idx="2">
+              <a:schemeClr val="accent1">
+                <a:shade val="50000"/>
+              </a:schemeClr>
+            </a:lnRef>
+            <a:fillRef idx="1">
+              <a:schemeClr val="accent1"/>
+            </a:fillRef>
+            <a:effectRef idx="0">
+              <a:schemeClr val="accent1"/>
+            </a:effectRef>
+            <a:fontRef idx="minor">
+              <a:schemeClr val="lt1"/>
+            </a:fontRef>
+          </p:style>
+          <p:txBody>
+            <a:bodyPr rtlCol="0" anchor="ctr"/>
+            <a:lstStyle/>
+            <a:p>
+              <a:pPr algn="ctr"/>
+              <a:endParaRPr lang="en-US"/>
+            </a:p>
+          </p:txBody>
+        </p:sp>
+        <p:sp>
+          <p:nvSpPr>
+            <p:cNvPr id="175" name="Rectangle 174">
+              <a:extLst>
+                <a:ext uri="{FF2B5EF4-FFF2-40B4-BE49-F238E27FC236}">
+                  <a16:creationId xmlns:a16="http://schemas.microsoft.com/office/drawing/2014/main" id="{B41F9571-C2B1-4257-BBCC-38146720502D}"/>
+                </a:ext>
+              </a:extLst>
+            </p:cNvPr>
+            <p:cNvSpPr/>
+            <p:nvPr/>
+          </p:nvSpPr>
+          <p:spPr>
+            <a:xfrm>
+              <a:off x="11827171" y="891412"/>
+              <a:ext cx="146304" cy="3402727"/>
+            </a:xfrm>
+            <a:prstGeom prst="rect">
+              <a:avLst/>
+            </a:prstGeom>
+            <a:solidFill>
+              <a:srgbClr val="BFA458"/>
+            </a:solidFill>
+            <a:ln>
+              <a:solidFill>
+                <a:srgbClr val="BFA458"/>
+              </a:solidFill>
+            </a:ln>
+          </p:spPr>
+          <p:style>
+            <a:lnRef idx="2">
+              <a:schemeClr val="accent1">
+                <a:shade val="50000"/>
+              </a:schemeClr>
+            </a:lnRef>
+            <a:fillRef idx="1">
+              <a:schemeClr val="accent1"/>
+            </a:fillRef>
+            <a:effectRef idx="0">
+              <a:schemeClr val="accent1"/>
+            </a:effectRef>
+            <a:fontRef idx="minor">
+              <a:schemeClr val="lt1"/>
+            </a:fontRef>
+          </p:style>
+          <p:txBody>
+            <a:bodyPr rtlCol="0" anchor="ctr"/>
+            <a:lstStyle/>
+            <a:p>
+              <a:pPr algn="ctr"/>
+              <a:endParaRPr lang="en-US"/>
+            </a:p>
+          </p:txBody>
+        </p:sp>
+      </p:grpSp>
+      <p:pic>
+        <p:nvPicPr>
+          <p:cNvPr id="176" name="Graphic 175" descr="Cursor">
+            <a:extLst>
+              <a:ext uri="{FF2B5EF4-FFF2-40B4-BE49-F238E27FC236}">
+                <a16:creationId xmlns:a16="http://schemas.microsoft.com/office/drawing/2014/main" id="{44086236-2933-438B-9145-CA0DFDD1A2FF}"/>
+              </a:ext>
+            </a:extLst>
+          </p:cNvPr>
+          <p:cNvPicPr>
+            <a:picLocks noChangeAspect="1"/>
+          </p:cNvPicPr>
+          <p:nvPr/>
+        </p:nvPicPr>
+        <p:blipFill>
+          <a:blip r:embed="rId4">
+            <a:extLst>
+              <a:ext uri="{28A0092B-C50C-407E-A947-70E740481C1C}">
+                <a14:useLocalDpi xmlns:a14="http://schemas.microsoft.com/office/drawing/2010/main" val="0"/>
+              </a:ext>
+              <a:ext uri="{96DAC541-7B7A-43D3-8B79-37D633B846F1}">
+                <asvg:svgBlip xmlns:asvg="http://schemas.microsoft.com/office/drawing/2016/SVG/main" r:embed="rId5"/>
+              </a:ext>
+            </a:extLst>
+          </a:blip>
+          <a:stretch>
+            <a:fillRect/>
+          </a:stretch>
+        </p:blipFill>
+        <p:spPr>
+          <a:xfrm>
+            <a:off x="7209380" y="286849"/>
+            <a:ext cx="342583" cy="342583"/>
+          </a:xfrm>
+          <a:prstGeom prst="rect">
+            <a:avLst/>
+          </a:prstGeom>
+        </p:spPr>
+      </p:pic>
+      <p:grpSp>
+        <p:nvGrpSpPr>
+          <p:cNvPr id="177" name="Group 176">
+            <a:extLst>
+              <a:ext uri="{FF2B5EF4-FFF2-40B4-BE49-F238E27FC236}">
+                <a16:creationId xmlns:a16="http://schemas.microsoft.com/office/drawing/2014/main" id="{5A974E96-3909-47A7-8E9F-03249D7F96D8}"/>
+              </a:ext>
+            </a:extLst>
+          </p:cNvPr>
+          <p:cNvGrpSpPr/>
+          <p:nvPr/>
+        </p:nvGrpSpPr>
+        <p:grpSpPr>
+          <a:xfrm>
+            <a:off x="238066" y="1077561"/>
+            <a:ext cx="3429415" cy="3802343"/>
+            <a:chOff x="186550" y="1077561"/>
+            <a:chExt cx="3429415" cy="3802343"/>
+          </a:xfrm>
+        </p:grpSpPr>
+        <p:sp>
+          <p:nvSpPr>
+            <p:cNvPr id="178" name="Rectangle: Rounded Corners 177">
+              <a:extLst>
+                <a:ext uri="{FF2B5EF4-FFF2-40B4-BE49-F238E27FC236}">
+                  <a16:creationId xmlns:a16="http://schemas.microsoft.com/office/drawing/2014/main" id="{E855FDAA-AA4D-4926-B161-B05C6C8664CE}"/>
+                </a:ext>
+              </a:extLst>
+            </p:cNvPr>
+            <p:cNvSpPr/>
+            <p:nvPr/>
+          </p:nvSpPr>
+          <p:spPr>
+            <a:xfrm>
+              <a:off x="186550" y="1077561"/>
               <a:ext cx="3429415" cy="3802343"/>
             </a:xfrm>
             <a:prstGeom prst="roundRect">
@@ -3440,74 +4470,10 @@
         </p:sp>
         <p:sp>
           <p:nvSpPr>
-            <p:cNvPr id="60" name="Rectangle 59">
+            <p:cNvPr id="179" name="TextBox 178">
               <a:extLst>
                 <a:ext uri="{FF2B5EF4-FFF2-40B4-BE49-F238E27FC236}">
-                  <a16:creationId xmlns:a16="http://schemas.microsoft.com/office/drawing/2014/main" id="{289550EA-8D99-4E1C-AAF5-79AD9B0B46AD}"/>
-                </a:ext>
-              </a:extLst>
-            </p:cNvPr>
-            <p:cNvSpPr/>
-            <p:nvPr/>
-          </p:nvSpPr>
-          <p:spPr>
-            <a:xfrm>
-              <a:off x="425513" y="1334278"/>
-              <a:ext cx="1701865" cy="1455575"/>
-            </a:xfrm>
-            <a:prstGeom prst="rect">
-              <a:avLst/>
-            </a:prstGeom>
-            <a:blipFill dpi="0" rotWithShape="1">
-              <a:blip r:embed="rId2">
-                <a:extLst>
-                  <a:ext uri="{28A0092B-C50C-407E-A947-70E740481C1C}">
-                    <a14:useLocalDpi xmlns:a14="http://schemas.microsoft.com/office/drawing/2010/main" val="0"/>
-                  </a:ext>
-                </a:extLst>
-              </a:blip>
-              <a:srcRect/>
-              <a:stretch>
-                <a:fillRect/>
-              </a:stretch>
-            </a:blipFill>
-            <a:ln w="25400">
-              <a:solidFill>
-                <a:srgbClr val="BFA458"/>
-              </a:solidFill>
-            </a:ln>
-          </p:spPr>
-          <p:style>
-            <a:lnRef idx="2">
-              <a:schemeClr val="accent1">
-                <a:shade val="50000"/>
-              </a:schemeClr>
-            </a:lnRef>
-            <a:fillRef idx="1">
-              <a:schemeClr val="accent1"/>
-            </a:fillRef>
-            <a:effectRef idx="0">
-              <a:schemeClr val="accent1"/>
-            </a:effectRef>
-            <a:fontRef idx="minor">
-              <a:schemeClr val="lt1"/>
-            </a:fontRef>
-          </p:style>
-          <p:txBody>
-            <a:bodyPr rtlCol="0" anchor="ctr"/>
-            <a:lstStyle/>
-            <a:p>
-              <a:pPr algn="ctr"/>
-              <a:endParaRPr lang="en-US"/>
-            </a:p>
-          </p:txBody>
-        </p:sp>
-        <p:sp>
-          <p:nvSpPr>
-            <p:cNvPr id="61" name="TextBox 60">
-              <a:extLst>
-                <a:ext uri="{FF2B5EF4-FFF2-40B4-BE49-F238E27FC236}">
-                  <a16:creationId xmlns:a16="http://schemas.microsoft.com/office/drawing/2014/main" id="{09E77861-6081-4AB9-B188-396F45C53B35}"/>
+                  <a16:creationId xmlns:a16="http://schemas.microsoft.com/office/drawing/2014/main" id="{51E3D636-37E7-4C77-957E-4005785A5918}"/>
                 </a:ext>
               </a:extLst>
             </p:cNvPr>
@@ -3516,7 +4482,7 @@
           </p:nvSpPr>
           <p:spPr>
             <a:xfrm>
-              <a:off x="444176" y="2920355"/>
+              <a:off x="444176" y="2985672"/>
               <a:ext cx="2784216" cy="1384995"/>
             </a:xfrm>
             <a:prstGeom prst="rect">
@@ -3557,10 +4523,10 @@
         </p:sp>
         <p:sp>
           <p:nvSpPr>
-            <p:cNvPr id="62" name="Rectangle 61">
+            <p:cNvPr id="180" name="Rectangle 179">
               <a:extLst>
                 <a:ext uri="{FF2B5EF4-FFF2-40B4-BE49-F238E27FC236}">
-                  <a16:creationId xmlns:a16="http://schemas.microsoft.com/office/drawing/2014/main" id="{E483F5A7-57CE-4B05-947A-D690C0844C61}"/>
+                  <a16:creationId xmlns:a16="http://schemas.microsoft.com/office/drawing/2014/main" id="{EAECEAF6-A811-413E-B36D-590E6DBE7F02}"/>
                 </a:ext>
               </a:extLst>
             </p:cNvPr>
@@ -3569,8 +4535,8 @@
           </p:nvSpPr>
           <p:spPr>
             <a:xfrm>
-              <a:off x="2202026" y="1334278"/>
-              <a:ext cx="1138333" cy="1455575"/>
+              <a:off x="505537" y="1475358"/>
+              <a:ext cx="2784216" cy="1279091"/>
             </a:xfrm>
             <a:prstGeom prst="rect">
               <a:avLst/>
@@ -3609,65 +4575,12 @@
             </a:p>
           </p:txBody>
         </p:sp>
-        <p:sp>
-          <p:nvSpPr>
-            <p:cNvPr id="63" name="TextBox 62">
+        <p:grpSp>
+          <p:nvGrpSpPr>
+            <p:cNvPr id="181" name="Group 180">
               <a:extLst>
                 <a:ext uri="{FF2B5EF4-FFF2-40B4-BE49-F238E27FC236}">
-                  <a16:creationId xmlns:a16="http://schemas.microsoft.com/office/drawing/2014/main" id="{97D6E716-2C4B-4FC6-868C-8BF117F4F102}"/>
-                </a:ext>
-              </a:extLst>
-            </p:cNvPr>
-            <p:cNvSpPr txBox="1"/>
-            <p:nvPr/>
-          </p:nvSpPr>
-          <p:spPr>
-            <a:xfrm>
-              <a:off x="2220689" y="1365318"/>
-              <a:ext cx="1222308" cy="582019"/>
-            </a:xfrm>
-            <a:prstGeom prst="rect">
-              <a:avLst/>
-            </a:prstGeom>
-            <a:noFill/>
-          </p:spPr>
-          <p:txBody>
-            <a:bodyPr wrap="square" rtlCol="0">
-              <a:spAutoFit/>
-            </a:bodyPr>
-            <a:lstStyle/>
-            <a:p>
-              <a:pPr>
-                <a:lnSpc>
-                  <a:spcPts val="2000"/>
-                </a:lnSpc>
-                <a:spcAft>
-                  <a:spcPts val="600"/>
-                </a:spcAft>
-              </a:pPr>
-              <a:r>
-                <a:rPr lang="en-US" sz="1200" dirty="0">
-                  <a:latin typeface="Arial" panose="020B0604020202020204" pitchFamily="34" charset="0"/>
-                  <a:cs typeface="Arial" panose="020B0604020202020204" pitchFamily="34" charset="0"/>
-                </a:rPr>
-                <a:t>Posted by: </a:t>
-              </a:r>
-              <a:r>
-                <a:rPr lang="en-US" sz="1400" i="1" dirty="0">
-                  <a:latin typeface="Arial" panose="020B0604020202020204" pitchFamily="34" charset="0"/>
-                  <a:cs typeface="Arial" panose="020B0604020202020204" pitchFamily="34" charset="0"/>
-                </a:rPr>
-                <a:t>Sellar1</a:t>
-              </a:r>
-            </a:p>
-          </p:txBody>
-        </p:sp>
-        <p:grpSp>
-          <p:nvGrpSpPr>
-            <p:cNvPr id="70" name="Group 69">
-              <a:extLst>
-                <a:ext uri="{FF2B5EF4-FFF2-40B4-BE49-F238E27FC236}">
-                  <a16:creationId xmlns:a16="http://schemas.microsoft.com/office/drawing/2014/main" id="{2E5FD73F-6B81-4D44-941A-4B1EF66B6C9F}"/>
+                  <a16:creationId xmlns:a16="http://schemas.microsoft.com/office/drawing/2014/main" id="{708FBAE1-BF04-464E-9B86-C14CA497D001}"/>
                 </a:ext>
               </a:extLst>
             </p:cNvPr>
@@ -3676,18 +4589,18 @@
           </p:nvGrpSpPr>
           <p:grpSpPr>
             <a:xfrm>
-              <a:off x="2295331" y="2015415"/>
-              <a:ext cx="897449" cy="168750"/>
+              <a:off x="635619" y="2246346"/>
+              <a:ext cx="1201538" cy="250049"/>
               <a:chOff x="444175" y="5196931"/>
               <a:chExt cx="759191" cy="123535"/>
             </a:xfrm>
           </p:grpSpPr>
           <p:sp>
             <p:nvSpPr>
-              <p:cNvPr id="65" name="Star: 5 Points 64">
+              <p:cNvPr id="192" name="Star: 5 Points 191">
                 <a:extLst>
                   <a:ext uri="{FF2B5EF4-FFF2-40B4-BE49-F238E27FC236}">
-                    <a16:creationId xmlns:a16="http://schemas.microsoft.com/office/drawing/2014/main" id="{839F9E46-0854-4B99-B428-E7049BAB4178}"/>
+                    <a16:creationId xmlns:a16="http://schemas.microsoft.com/office/drawing/2014/main" id="{98FA07E2-72D7-450F-A3CA-F29DF417EB5B}"/>
                   </a:ext>
                 </a:extLst>
               </p:cNvPr>
@@ -3738,10 +4651,10 @@
           </p:sp>
           <p:sp>
             <p:nvSpPr>
-              <p:cNvPr id="66" name="Star: 5 Points 65">
+              <p:cNvPr id="193" name="Star: 5 Points 192">
                 <a:extLst>
                   <a:ext uri="{FF2B5EF4-FFF2-40B4-BE49-F238E27FC236}">
-                    <a16:creationId xmlns:a16="http://schemas.microsoft.com/office/drawing/2014/main" id="{4C029EC4-A411-4FBA-AF77-A83FE440E4D1}"/>
+                    <a16:creationId xmlns:a16="http://schemas.microsoft.com/office/drawing/2014/main" id="{C3C3A20A-8CC9-44BA-BDDA-4203EC115B5E}"/>
                   </a:ext>
                 </a:extLst>
               </p:cNvPr>
@@ -3792,10 +4705,10 @@
           </p:sp>
           <p:sp>
             <p:nvSpPr>
-              <p:cNvPr id="67" name="Star: 5 Points 66">
+              <p:cNvPr id="194" name="Star: 5 Points 193">
                 <a:extLst>
                   <a:ext uri="{FF2B5EF4-FFF2-40B4-BE49-F238E27FC236}">
-                    <a16:creationId xmlns:a16="http://schemas.microsoft.com/office/drawing/2014/main" id="{A3AE7F92-74E3-46DB-8D51-B4AC5F4B0EB3}"/>
+                    <a16:creationId xmlns:a16="http://schemas.microsoft.com/office/drawing/2014/main" id="{B66A2650-39A0-4CA5-B742-802DAE692A86}"/>
                   </a:ext>
                 </a:extLst>
               </p:cNvPr>
@@ -3846,10 +4759,10 @@
           </p:sp>
           <p:sp>
             <p:nvSpPr>
-              <p:cNvPr id="68" name="Star: 5 Points 67">
+              <p:cNvPr id="195" name="Star: 5 Points 194">
                 <a:extLst>
                   <a:ext uri="{FF2B5EF4-FFF2-40B4-BE49-F238E27FC236}">
-                    <a16:creationId xmlns:a16="http://schemas.microsoft.com/office/drawing/2014/main" id="{BD84DCEF-0F68-462D-A86E-ABC73BFF00B6}"/>
+                    <a16:creationId xmlns:a16="http://schemas.microsoft.com/office/drawing/2014/main" id="{8036BF9C-C16D-43C0-B2B7-42B1E0FAD71E}"/>
                   </a:ext>
                 </a:extLst>
               </p:cNvPr>
@@ -3900,10 +4813,10 @@
           </p:sp>
           <p:sp>
             <p:nvSpPr>
-              <p:cNvPr id="69" name="Star: 5 Points 68">
+              <p:cNvPr id="196" name="Star: 5 Points 195">
                 <a:extLst>
                   <a:ext uri="{FF2B5EF4-FFF2-40B4-BE49-F238E27FC236}">
-                    <a16:creationId xmlns:a16="http://schemas.microsoft.com/office/drawing/2014/main" id="{7011B6FC-7890-4A21-9DE2-BC17ACA55340}"/>
+                    <a16:creationId xmlns:a16="http://schemas.microsoft.com/office/drawing/2014/main" id="{49587A5E-8B89-40E9-B290-A0622898E867}"/>
                   </a:ext>
                 </a:extLst>
               </p:cNvPr>
@@ -3955,10 +4868,10 @@
         </p:grpSp>
         <p:sp>
           <p:nvSpPr>
-            <p:cNvPr id="71" name="Rectangle: Rounded Corners 70">
+            <p:cNvPr id="182" name="Rectangle: Rounded Corners 181">
               <a:extLst>
                 <a:ext uri="{FF2B5EF4-FFF2-40B4-BE49-F238E27FC236}">
-                  <a16:creationId xmlns:a16="http://schemas.microsoft.com/office/drawing/2014/main" id="{DF929BEB-D2BE-461D-A44C-B79CB203B54D}"/>
+                  <a16:creationId xmlns:a16="http://schemas.microsoft.com/office/drawing/2014/main" id="{B24F6C77-995C-42C4-BEA3-059D31D6189A}"/>
                 </a:ext>
               </a:extLst>
             </p:cNvPr>
@@ -3967,8 +4880,8 @@
           </p:nvSpPr>
           <p:spPr>
             <a:xfrm>
-              <a:off x="2341986" y="2255126"/>
-              <a:ext cx="832132" cy="506613"/>
+              <a:off x="576421" y="1547109"/>
+              <a:ext cx="2651971" cy="506613"/>
             </a:xfrm>
             <a:prstGeom prst="roundRect">
               <a:avLst/>
@@ -3999,24 +4912,24 @@
             <a:p>
               <a:pPr algn="ctr"/>
               <a:r>
-                <a:rPr lang="en-US" sz="1200" u="sng" dirty="0">
+                <a:rPr lang="en-US" u="sng" dirty="0">
                   <a:solidFill>
                     <a:srgbClr val="BFA458"/>
                   </a:solidFill>
                   <a:latin typeface="Arial Black" panose="020B0A04020102020204" pitchFamily="34" charset="0"/>
                   <a:cs typeface="Arial" panose="020B0604020202020204" pitchFamily="34" charset="0"/>
                 </a:rPr>
-                <a:t>View Profile</a:t>
+                <a:t>SELLER123</a:t>
               </a:r>
             </a:p>
           </p:txBody>
         </p:sp>
         <p:sp>
           <p:nvSpPr>
-            <p:cNvPr id="90" name="Arrow: Chevron 89">
+            <p:cNvPr id="183" name="Arrow: Chevron 182">
               <a:extLst>
                 <a:ext uri="{FF2B5EF4-FFF2-40B4-BE49-F238E27FC236}">
-                  <a16:creationId xmlns:a16="http://schemas.microsoft.com/office/drawing/2014/main" id="{A71DB2EE-99BE-41C4-A078-BAB6AA2731F9}"/>
+                  <a16:creationId xmlns:a16="http://schemas.microsoft.com/office/drawing/2014/main" id="{FAFB811D-BE83-4E7C-9328-98E2677FC459}"/>
                 </a:ext>
               </a:extLst>
             </p:cNvPr>
@@ -4025,7 +4938,7 @@
           </p:nvSpPr>
           <p:spPr>
             <a:xfrm rot="5400000">
-              <a:off x="2594487" y="4405268"/>
+              <a:off x="2594487" y="4470585"/>
               <a:ext cx="158608" cy="363078"/>
             </a:xfrm>
             <a:prstGeom prst="chevron">
@@ -4071,10 +4984,10 @@
         </p:sp>
         <p:sp>
           <p:nvSpPr>
-            <p:cNvPr id="92" name="TextBox 91">
+            <p:cNvPr id="184" name="TextBox 183">
               <a:extLst>
                 <a:ext uri="{FF2B5EF4-FFF2-40B4-BE49-F238E27FC236}">
-                  <a16:creationId xmlns:a16="http://schemas.microsoft.com/office/drawing/2014/main" id="{63928994-BA73-4385-9C81-8C58022B2C36}"/>
+                  <a16:creationId xmlns:a16="http://schemas.microsoft.com/office/drawing/2014/main" id="{99C6FA21-406A-4F5A-BA43-CC65D70CB6EB}"/>
                 </a:ext>
               </a:extLst>
             </p:cNvPr>
@@ -4083,7 +4996,7 @@
           </p:nvSpPr>
           <p:spPr>
             <a:xfrm>
-              <a:off x="980637" y="4428986"/>
+              <a:off x="980637" y="4494303"/>
               <a:ext cx="1643056" cy="307777"/>
             </a:xfrm>
             <a:prstGeom prst="rect">
@@ -4110,33 +5023,53 @@
             </a:p>
           </p:txBody>
         </p:sp>
-      </p:grpSp>
-      <p:grpSp>
-        <p:nvGrpSpPr>
-          <p:cNvPr id="140" name="Group 139">
-            <a:extLst>
-              <a:ext uri="{FF2B5EF4-FFF2-40B4-BE49-F238E27FC236}">
-                <a16:creationId xmlns:a16="http://schemas.microsoft.com/office/drawing/2014/main" id="{DC6D0AF9-C44E-4B3C-BB50-242CE60146F4}"/>
-              </a:ext>
-            </a:extLst>
-          </p:cNvPr>
-          <p:cNvGrpSpPr/>
-          <p:nvPr/>
-        </p:nvGrpSpPr>
-        <p:grpSpPr>
-          <a:xfrm>
-            <a:off x="4101836" y="1077481"/>
-            <a:ext cx="3429415" cy="3802343"/>
-            <a:chOff x="186550" y="1012244"/>
-            <a:chExt cx="3429415" cy="3802343"/>
-          </a:xfrm>
-        </p:grpSpPr>
         <p:sp>
           <p:nvSpPr>
-            <p:cNvPr id="141" name="Rectangle: Rounded Corners 140">
+            <p:cNvPr id="185" name="TextBox 184">
               <a:extLst>
                 <a:ext uri="{FF2B5EF4-FFF2-40B4-BE49-F238E27FC236}">
-                  <a16:creationId xmlns:a16="http://schemas.microsoft.com/office/drawing/2014/main" id="{E936C4B6-8968-4BEC-993C-E072DF85235A}"/>
+                  <a16:creationId xmlns:a16="http://schemas.microsoft.com/office/drawing/2014/main" id="{48D50057-2112-4A2A-9656-07567D2D565F}"/>
+                </a:ext>
+              </a:extLst>
+            </p:cNvPr>
+            <p:cNvSpPr txBox="1"/>
+            <p:nvPr/>
+          </p:nvSpPr>
+          <p:spPr>
+            <a:xfrm>
+              <a:off x="976331" y="2978732"/>
+              <a:ext cx="1081748" cy="954107"/>
+            </a:xfrm>
+            <a:prstGeom prst="rect">
+              <a:avLst/>
+            </a:prstGeom>
+            <a:solidFill>
+              <a:srgbClr val="FFFF00"/>
+            </a:solidFill>
+          </p:spPr>
+          <p:txBody>
+            <a:bodyPr wrap="square" rtlCol="0">
+              <a:spAutoFit/>
+            </a:bodyPr>
+            <a:lstStyle/>
+            <a:p>
+              <a:r>
+                <a:rPr lang="en-US" sz="2800" b="1" dirty="0">
+                  <a:highlight>
+                    <a:srgbClr val="FFFF00"/>
+                  </a:highlight>
+                </a:rPr>
+                <a:t>USER VIEW</a:t>
+              </a:r>
+            </a:p>
+          </p:txBody>
+        </p:sp>
+        <p:sp>
+          <p:nvSpPr>
+            <p:cNvPr id="189" name="Rectangle 188">
+              <a:extLst>
+                <a:ext uri="{FF2B5EF4-FFF2-40B4-BE49-F238E27FC236}">
+                  <a16:creationId xmlns:a16="http://schemas.microsoft.com/office/drawing/2014/main" id="{DDC75B80-B0F3-4C08-AF53-59CD4762882A}"/>
                 </a:ext>
               </a:extLst>
             </p:cNvPr>
@@ -4145,7 +5078,151 @@
           </p:nvSpPr>
           <p:spPr>
             <a:xfrm>
-              <a:off x="186550" y="1012244"/>
+              <a:off x="2004517" y="2194830"/>
+              <a:ext cx="1223875" cy="417292"/>
+            </a:xfrm>
+            <a:prstGeom prst="rect">
+              <a:avLst/>
+            </a:prstGeom>
+            <a:noFill/>
+          </p:spPr>
+          <p:style>
+            <a:lnRef idx="2">
+              <a:schemeClr val="accent1">
+                <a:shade val="50000"/>
+              </a:schemeClr>
+            </a:lnRef>
+            <a:fillRef idx="1">
+              <a:schemeClr val="accent1"/>
+            </a:fillRef>
+            <a:effectRef idx="0">
+              <a:schemeClr val="accent1"/>
+            </a:effectRef>
+            <a:fontRef idx="minor">
+              <a:schemeClr val="lt1"/>
+            </a:fontRef>
+          </p:style>
+          <p:txBody>
+            <a:bodyPr rtlCol="0" anchor="ctr"/>
+            <a:lstStyle/>
+            <a:p>
+              <a:pPr algn="ctr"/>
+              <a:endParaRPr lang="en-US"/>
+            </a:p>
+          </p:txBody>
+        </p:sp>
+        <p:pic>
+          <p:nvPicPr>
+            <p:cNvPr id="190" name="Graphic 189" descr="Dollar">
+              <a:extLst>
+                <a:ext uri="{FF2B5EF4-FFF2-40B4-BE49-F238E27FC236}">
+                  <a16:creationId xmlns:a16="http://schemas.microsoft.com/office/drawing/2014/main" id="{AEAFB1B2-3388-4756-A7AD-AE3B82CD03AC}"/>
+                </a:ext>
+              </a:extLst>
+            </p:cNvPr>
+            <p:cNvPicPr>
+              <a:picLocks noChangeAspect="1"/>
+            </p:cNvPicPr>
+            <p:nvPr/>
+          </p:nvPicPr>
+          <p:blipFill>
+            <a:blip r:embed="rId6">
+              <a:extLst>
+                <a:ext uri="{28A0092B-C50C-407E-A947-70E740481C1C}">
+                  <a14:useLocalDpi xmlns:a14="http://schemas.microsoft.com/office/drawing/2010/main" val="0"/>
+                </a:ext>
+                <a:ext uri="{96DAC541-7B7A-43D3-8B79-37D633B846F1}">
+                  <asvg:svgBlip xmlns:asvg="http://schemas.microsoft.com/office/drawing/2016/SVG/main" r:embed="rId7"/>
+                </a:ext>
+              </a:extLst>
+            </a:blip>
+            <a:stretch>
+              <a:fillRect/>
+            </a:stretch>
+          </p:blipFill>
+          <p:spPr>
+            <a:xfrm>
+              <a:off x="1967898" y="2228229"/>
+              <a:ext cx="406087" cy="345440"/>
+            </a:xfrm>
+            <a:prstGeom prst="rect">
+              <a:avLst/>
+            </a:prstGeom>
+          </p:spPr>
+        </p:pic>
+        <p:sp>
+          <p:nvSpPr>
+            <p:cNvPr id="191" name="TextBox 190">
+              <a:extLst>
+                <a:ext uri="{FF2B5EF4-FFF2-40B4-BE49-F238E27FC236}">
+                  <a16:creationId xmlns:a16="http://schemas.microsoft.com/office/drawing/2014/main" id="{625B127F-9435-4F7E-B9E4-292C68DD98EE}"/>
+                </a:ext>
+              </a:extLst>
+            </p:cNvPr>
+            <p:cNvSpPr txBox="1"/>
+            <p:nvPr/>
+          </p:nvSpPr>
+          <p:spPr>
+            <a:xfrm>
+              <a:off x="2209042" y="2220588"/>
+              <a:ext cx="1039862" cy="369332"/>
+            </a:xfrm>
+            <a:prstGeom prst="rect">
+              <a:avLst/>
+            </a:prstGeom>
+            <a:noFill/>
+          </p:spPr>
+          <p:txBody>
+            <a:bodyPr wrap="square" rtlCol="0">
+              <a:spAutoFit/>
+            </a:bodyPr>
+            <a:lstStyle/>
+            <a:p>
+              <a:r>
+                <a:rPr lang="en-US" dirty="0">
+                  <a:latin typeface="Arial Black" panose="020B0A04020102020204" pitchFamily="34" charset="0"/>
+                </a:rPr>
+                <a:t>54.00</a:t>
+              </a:r>
+            </a:p>
+          </p:txBody>
+        </p:sp>
+      </p:grpSp>
+      <p:grpSp>
+        <p:nvGrpSpPr>
+          <p:cNvPr id="197" name="Group 196">
+            <a:extLst>
+              <a:ext uri="{FF2B5EF4-FFF2-40B4-BE49-F238E27FC236}">
+                <a16:creationId xmlns:a16="http://schemas.microsoft.com/office/drawing/2014/main" id="{6AFB0B21-5522-4307-A4D1-148DB0064D01}"/>
+              </a:ext>
+            </a:extLst>
+          </p:cNvPr>
+          <p:cNvGrpSpPr/>
+          <p:nvPr/>
+        </p:nvGrpSpPr>
+        <p:grpSpPr>
+          <a:xfrm>
+            <a:off x="4173469" y="1084500"/>
+            <a:ext cx="3429415" cy="3802343"/>
+            <a:chOff x="186550" y="1077561"/>
+            <a:chExt cx="3429415" cy="3802343"/>
+          </a:xfrm>
+        </p:grpSpPr>
+        <p:sp>
+          <p:nvSpPr>
+            <p:cNvPr id="198" name="Rectangle: Rounded Corners 197">
+              <a:extLst>
+                <a:ext uri="{FF2B5EF4-FFF2-40B4-BE49-F238E27FC236}">
+                  <a16:creationId xmlns:a16="http://schemas.microsoft.com/office/drawing/2014/main" id="{6FFEAAB7-AECC-4913-A51D-4C3920A7D0E8}"/>
+                </a:ext>
+              </a:extLst>
+            </p:cNvPr>
+            <p:cNvSpPr/>
+            <p:nvPr/>
+          </p:nvSpPr>
+          <p:spPr>
+            <a:xfrm>
+              <a:off x="186550" y="1077561"/>
               <a:ext cx="3429415" cy="3802343"/>
             </a:xfrm>
             <a:prstGeom prst="roundRect">
@@ -4204,74 +5281,10 @@
         </p:sp>
         <p:sp>
           <p:nvSpPr>
-            <p:cNvPr id="142" name="Rectangle 141">
+            <p:cNvPr id="199" name="TextBox 198">
               <a:extLst>
                 <a:ext uri="{FF2B5EF4-FFF2-40B4-BE49-F238E27FC236}">
-                  <a16:creationId xmlns:a16="http://schemas.microsoft.com/office/drawing/2014/main" id="{D60D9F91-BC90-48FD-96A7-C4BD3C884B74}"/>
-                </a:ext>
-              </a:extLst>
-            </p:cNvPr>
-            <p:cNvSpPr/>
-            <p:nvPr/>
-          </p:nvSpPr>
-          <p:spPr>
-            <a:xfrm>
-              <a:off x="425513" y="1334278"/>
-              <a:ext cx="1701865" cy="1455575"/>
-            </a:xfrm>
-            <a:prstGeom prst="rect">
-              <a:avLst/>
-            </a:prstGeom>
-            <a:blipFill dpi="0" rotWithShape="1">
-              <a:blip r:embed="rId2">
-                <a:extLst>
-                  <a:ext uri="{28A0092B-C50C-407E-A947-70E740481C1C}">
-                    <a14:useLocalDpi xmlns:a14="http://schemas.microsoft.com/office/drawing/2010/main" val="0"/>
-                  </a:ext>
-                </a:extLst>
-              </a:blip>
-              <a:srcRect/>
-              <a:stretch>
-                <a:fillRect/>
-              </a:stretch>
-            </a:blipFill>
-            <a:ln w="25400">
-              <a:solidFill>
-                <a:srgbClr val="BFA458"/>
-              </a:solidFill>
-            </a:ln>
-          </p:spPr>
-          <p:style>
-            <a:lnRef idx="2">
-              <a:schemeClr val="accent1">
-                <a:shade val="50000"/>
-              </a:schemeClr>
-            </a:lnRef>
-            <a:fillRef idx="1">
-              <a:schemeClr val="accent1"/>
-            </a:fillRef>
-            <a:effectRef idx="0">
-              <a:schemeClr val="accent1"/>
-            </a:effectRef>
-            <a:fontRef idx="minor">
-              <a:schemeClr val="lt1"/>
-            </a:fontRef>
-          </p:style>
-          <p:txBody>
-            <a:bodyPr rtlCol="0" anchor="ctr"/>
-            <a:lstStyle/>
-            <a:p>
-              <a:pPr algn="ctr"/>
-              <a:endParaRPr lang="en-US"/>
-            </a:p>
-          </p:txBody>
-        </p:sp>
-        <p:sp>
-          <p:nvSpPr>
-            <p:cNvPr id="143" name="TextBox 142">
-              <a:extLst>
-                <a:ext uri="{FF2B5EF4-FFF2-40B4-BE49-F238E27FC236}">
-                  <a16:creationId xmlns:a16="http://schemas.microsoft.com/office/drawing/2014/main" id="{94D956F0-4542-4F7B-A0AD-51156238E468}"/>
+                  <a16:creationId xmlns:a16="http://schemas.microsoft.com/office/drawing/2014/main" id="{6073AAC4-B872-44D6-BB9C-C6671026C171}"/>
                 </a:ext>
               </a:extLst>
             </p:cNvPr>
@@ -4280,7 +5293,7 @@
           </p:nvSpPr>
           <p:spPr>
             <a:xfrm>
-              <a:off x="444176" y="2920355"/>
+              <a:off x="444176" y="2985672"/>
               <a:ext cx="2784216" cy="1384995"/>
             </a:xfrm>
             <a:prstGeom prst="rect">
@@ -4321,10 +5334,10 @@
         </p:sp>
         <p:sp>
           <p:nvSpPr>
-            <p:cNvPr id="144" name="Rectangle 143">
+            <p:cNvPr id="200" name="Rectangle 199">
               <a:extLst>
                 <a:ext uri="{FF2B5EF4-FFF2-40B4-BE49-F238E27FC236}">
-                  <a16:creationId xmlns:a16="http://schemas.microsoft.com/office/drawing/2014/main" id="{16C8CE0E-83E5-4767-9E1F-758204B9FFD6}"/>
+                  <a16:creationId xmlns:a16="http://schemas.microsoft.com/office/drawing/2014/main" id="{BE4662CA-A070-4324-968C-DEE3C6D2A1EE}"/>
                 </a:ext>
               </a:extLst>
             </p:cNvPr>
@@ -4333,8 +5346,8 @@
           </p:nvSpPr>
           <p:spPr>
             <a:xfrm>
-              <a:off x="2202026" y="1334278"/>
-              <a:ext cx="1138333" cy="1455575"/>
+              <a:off x="505537" y="1475358"/>
+              <a:ext cx="2784216" cy="1279091"/>
             </a:xfrm>
             <a:prstGeom prst="rect">
               <a:avLst/>
@@ -4373,65 +5386,12 @@
             </a:p>
           </p:txBody>
         </p:sp>
-        <p:sp>
-          <p:nvSpPr>
-            <p:cNvPr id="145" name="TextBox 144">
+        <p:grpSp>
+          <p:nvGrpSpPr>
+            <p:cNvPr id="201" name="Group 200">
               <a:extLst>
                 <a:ext uri="{FF2B5EF4-FFF2-40B4-BE49-F238E27FC236}">
-                  <a16:creationId xmlns:a16="http://schemas.microsoft.com/office/drawing/2014/main" id="{5615FD65-095D-4E53-9B4F-4942F4881A8D}"/>
-                </a:ext>
-              </a:extLst>
-            </p:cNvPr>
-            <p:cNvSpPr txBox="1"/>
-            <p:nvPr/>
-          </p:nvSpPr>
-          <p:spPr>
-            <a:xfrm>
-              <a:off x="2220689" y="1365318"/>
-              <a:ext cx="1222308" cy="582019"/>
-            </a:xfrm>
-            <a:prstGeom prst="rect">
-              <a:avLst/>
-            </a:prstGeom>
-            <a:noFill/>
-          </p:spPr>
-          <p:txBody>
-            <a:bodyPr wrap="square" rtlCol="0">
-              <a:spAutoFit/>
-            </a:bodyPr>
-            <a:lstStyle/>
-            <a:p>
-              <a:pPr>
-                <a:lnSpc>
-                  <a:spcPts val="2000"/>
-                </a:lnSpc>
-                <a:spcAft>
-                  <a:spcPts val="600"/>
-                </a:spcAft>
-              </a:pPr>
-              <a:r>
-                <a:rPr lang="en-US" sz="1200" dirty="0">
-                  <a:latin typeface="Arial" panose="020B0604020202020204" pitchFamily="34" charset="0"/>
-                  <a:cs typeface="Arial" panose="020B0604020202020204" pitchFamily="34" charset="0"/>
-                </a:rPr>
-                <a:t>Posted by: </a:t>
-              </a:r>
-              <a:r>
-                <a:rPr lang="en-US" sz="1400" i="1" dirty="0">
-                  <a:latin typeface="Arial" panose="020B0604020202020204" pitchFamily="34" charset="0"/>
-                  <a:cs typeface="Arial" panose="020B0604020202020204" pitchFamily="34" charset="0"/>
-                </a:rPr>
-                <a:t>Sellar1</a:t>
-              </a:r>
-            </a:p>
-          </p:txBody>
-        </p:sp>
-        <p:grpSp>
-          <p:nvGrpSpPr>
-            <p:cNvPr id="146" name="Group 145">
-              <a:extLst>
-                <a:ext uri="{FF2B5EF4-FFF2-40B4-BE49-F238E27FC236}">
-                  <a16:creationId xmlns:a16="http://schemas.microsoft.com/office/drawing/2014/main" id="{32A5D46E-EC38-48D0-93C4-14D0587642B9}"/>
+                  <a16:creationId xmlns:a16="http://schemas.microsoft.com/office/drawing/2014/main" id="{3890BA05-7681-462D-9763-D6265EEF58C9}"/>
                 </a:ext>
               </a:extLst>
             </p:cNvPr>
@@ -4440,18 +5400,18 @@
           </p:nvGrpSpPr>
           <p:grpSpPr>
             <a:xfrm>
-              <a:off x="2295331" y="2015415"/>
-              <a:ext cx="897449" cy="168750"/>
+              <a:off x="635619" y="2246346"/>
+              <a:ext cx="1201538" cy="250049"/>
               <a:chOff x="444175" y="5196931"/>
               <a:chExt cx="759191" cy="123535"/>
             </a:xfrm>
           </p:grpSpPr>
           <p:sp>
             <p:nvSpPr>
-              <p:cNvPr id="150" name="Star: 5 Points 149">
+              <p:cNvPr id="208" name="Star: 5 Points 207">
                 <a:extLst>
                   <a:ext uri="{FF2B5EF4-FFF2-40B4-BE49-F238E27FC236}">
-                    <a16:creationId xmlns:a16="http://schemas.microsoft.com/office/drawing/2014/main" id="{BDB9CC06-55E4-42A4-956F-BDB0DCAF7289}"/>
+                    <a16:creationId xmlns:a16="http://schemas.microsoft.com/office/drawing/2014/main" id="{5193CAA8-6124-49F4-8F01-82BBC5E6507A}"/>
                   </a:ext>
                 </a:extLst>
               </p:cNvPr>
@@ -4502,10 +5462,10 @@
           </p:sp>
           <p:sp>
             <p:nvSpPr>
-              <p:cNvPr id="151" name="Star: 5 Points 150">
+              <p:cNvPr id="209" name="Star: 5 Points 208">
                 <a:extLst>
                   <a:ext uri="{FF2B5EF4-FFF2-40B4-BE49-F238E27FC236}">
-                    <a16:creationId xmlns:a16="http://schemas.microsoft.com/office/drawing/2014/main" id="{515D455B-0745-463E-A820-32532AC045BA}"/>
+                    <a16:creationId xmlns:a16="http://schemas.microsoft.com/office/drawing/2014/main" id="{52163C65-55DB-4ECA-A182-D69620F3432E}"/>
                   </a:ext>
                 </a:extLst>
               </p:cNvPr>
@@ -4556,10 +5516,10 @@
           </p:sp>
           <p:sp>
             <p:nvSpPr>
-              <p:cNvPr id="152" name="Star: 5 Points 151">
+              <p:cNvPr id="210" name="Star: 5 Points 209">
                 <a:extLst>
                   <a:ext uri="{FF2B5EF4-FFF2-40B4-BE49-F238E27FC236}">
-                    <a16:creationId xmlns:a16="http://schemas.microsoft.com/office/drawing/2014/main" id="{6CF6CA22-EF46-4CA4-B909-A7CEA415EFED}"/>
+                    <a16:creationId xmlns:a16="http://schemas.microsoft.com/office/drawing/2014/main" id="{58D0E319-256D-4F2E-B168-17BC8DF88A8F}"/>
                   </a:ext>
                 </a:extLst>
               </p:cNvPr>
@@ -4610,10 +5570,10 @@
           </p:sp>
           <p:sp>
             <p:nvSpPr>
-              <p:cNvPr id="153" name="Star: 5 Points 152">
+              <p:cNvPr id="211" name="Star: 5 Points 210">
                 <a:extLst>
                   <a:ext uri="{FF2B5EF4-FFF2-40B4-BE49-F238E27FC236}">
-                    <a16:creationId xmlns:a16="http://schemas.microsoft.com/office/drawing/2014/main" id="{9DF02058-852C-4949-B5EA-2F9EDACB6E2C}"/>
+                    <a16:creationId xmlns:a16="http://schemas.microsoft.com/office/drawing/2014/main" id="{B44706B5-97CA-4AA9-9EBE-FFF37E2753B8}"/>
                   </a:ext>
                 </a:extLst>
               </p:cNvPr>
@@ -4664,10 +5624,10 @@
           </p:sp>
           <p:sp>
             <p:nvSpPr>
-              <p:cNvPr id="154" name="Star: 5 Points 153">
+              <p:cNvPr id="212" name="Star: 5 Points 211">
                 <a:extLst>
                   <a:ext uri="{FF2B5EF4-FFF2-40B4-BE49-F238E27FC236}">
-                    <a16:creationId xmlns:a16="http://schemas.microsoft.com/office/drawing/2014/main" id="{3AF7EE88-7A9C-4AD2-812E-F5527E1E8668}"/>
+                    <a16:creationId xmlns:a16="http://schemas.microsoft.com/office/drawing/2014/main" id="{48245972-1A6A-4BCD-8F7B-B203526DC75B}"/>
                   </a:ext>
                 </a:extLst>
               </p:cNvPr>
@@ -4719,10 +5679,10 @@
         </p:grpSp>
         <p:sp>
           <p:nvSpPr>
-            <p:cNvPr id="147" name="Rectangle: Rounded Corners 146">
+            <p:cNvPr id="202" name="Rectangle: Rounded Corners 201">
               <a:extLst>
                 <a:ext uri="{FF2B5EF4-FFF2-40B4-BE49-F238E27FC236}">
-                  <a16:creationId xmlns:a16="http://schemas.microsoft.com/office/drawing/2014/main" id="{1561FDEC-4BBF-4A42-A712-C21ECD1C3139}"/>
+                  <a16:creationId xmlns:a16="http://schemas.microsoft.com/office/drawing/2014/main" id="{2D879196-95D4-4760-8BFE-FDE7944A546A}"/>
                 </a:ext>
               </a:extLst>
             </p:cNvPr>
@@ -4731,8 +5691,8 @@
           </p:nvSpPr>
           <p:spPr>
             <a:xfrm>
-              <a:off x="2341986" y="2255126"/>
-              <a:ext cx="832132" cy="506613"/>
+              <a:off x="576421" y="1547109"/>
+              <a:ext cx="2651971" cy="506613"/>
             </a:xfrm>
             <a:prstGeom prst="roundRect">
               <a:avLst/>
@@ -4763,24 +5723,24 @@
             <a:p>
               <a:pPr algn="ctr"/>
               <a:r>
-                <a:rPr lang="en-US" sz="1200" u="sng" dirty="0">
+                <a:rPr lang="en-US" u="sng" dirty="0">
                   <a:solidFill>
                     <a:srgbClr val="BFA458"/>
                   </a:solidFill>
                   <a:latin typeface="Arial Black" panose="020B0A04020102020204" pitchFamily="34" charset="0"/>
                   <a:cs typeface="Arial" panose="020B0604020202020204" pitchFamily="34" charset="0"/>
                 </a:rPr>
-                <a:t>View Profile</a:t>
+                <a:t>SELLER123</a:t>
               </a:r>
             </a:p>
           </p:txBody>
         </p:sp>
         <p:sp>
           <p:nvSpPr>
-            <p:cNvPr id="148" name="Arrow: Chevron 147">
+            <p:cNvPr id="203" name="Arrow: Chevron 202">
               <a:extLst>
                 <a:ext uri="{FF2B5EF4-FFF2-40B4-BE49-F238E27FC236}">
-                  <a16:creationId xmlns:a16="http://schemas.microsoft.com/office/drawing/2014/main" id="{155DF568-DB99-425D-840B-F7A45B12295F}"/>
+                  <a16:creationId xmlns:a16="http://schemas.microsoft.com/office/drawing/2014/main" id="{631FA326-5B41-4663-84CA-1504363A4EA4}"/>
                 </a:ext>
               </a:extLst>
             </p:cNvPr>
@@ -4789,7 +5749,7 @@
           </p:nvSpPr>
           <p:spPr>
             <a:xfrm rot="5400000">
-              <a:off x="2594487" y="4405268"/>
+              <a:off x="2594487" y="4470585"/>
               <a:ext cx="158608" cy="363078"/>
             </a:xfrm>
             <a:prstGeom prst="chevron">
@@ -4835,10 +5795,10 @@
         </p:sp>
         <p:sp>
           <p:nvSpPr>
-            <p:cNvPr id="149" name="TextBox 148">
+            <p:cNvPr id="204" name="TextBox 203">
               <a:extLst>
                 <a:ext uri="{FF2B5EF4-FFF2-40B4-BE49-F238E27FC236}">
-                  <a16:creationId xmlns:a16="http://schemas.microsoft.com/office/drawing/2014/main" id="{1F5F580A-624C-493D-B1B2-FF23F31D85DC}"/>
+                  <a16:creationId xmlns:a16="http://schemas.microsoft.com/office/drawing/2014/main" id="{1F116EDB-C128-4795-A26E-4DCF9D28C082}"/>
                 </a:ext>
               </a:extLst>
             </p:cNvPr>
@@ -4847,7 +5807,7 @@
           </p:nvSpPr>
           <p:spPr>
             <a:xfrm>
-              <a:off x="980637" y="4428986"/>
+              <a:off x="980637" y="4494303"/>
               <a:ext cx="1643056" cy="307777"/>
             </a:xfrm>
             <a:prstGeom prst="rect">
@@ -4874,33 +5834,12 @@
             </a:p>
           </p:txBody>
         </p:sp>
-      </p:grpSp>
-      <p:grpSp>
-        <p:nvGrpSpPr>
-          <p:cNvPr id="155" name="Group 154">
-            <a:extLst>
-              <a:ext uri="{FF2B5EF4-FFF2-40B4-BE49-F238E27FC236}">
-                <a16:creationId xmlns:a16="http://schemas.microsoft.com/office/drawing/2014/main" id="{6755BBB9-E76B-402D-949A-EBBE651CA407}"/>
-              </a:ext>
-            </a:extLst>
-          </p:cNvPr>
-          <p:cNvGrpSpPr/>
-          <p:nvPr/>
-        </p:nvGrpSpPr>
-        <p:grpSpPr>
-          <a:xfrm>
-            <a:off x="7941559" y="1077482"/>
-            <a:ext cx="3429415" cy="3802343"/>
-            <a:chOff x="186550" y="1012244"/>
-            <a:chExt cx="3429415" cy="3802343"/>
-          </a:xfrm>
-        </p:grpSpPr>
         <p:sp>
           <p:nvSpPr>
-            <p:cNvPr id="156" name="Rectangle: Rounded Corners 155">
+            <p:cNvPr id="205" name="Rectangle 204">
               <a:extLst>
                 <a:ext uri="{FF2B5EF4-FFF2-40B4-BE49-F238E27FC236}">
-                  <a16:creationId xmlns:a16="http://schemas.microsoft.com/office/drawing/2014/main" id="{19ACD38C-3D30-4464-AEBC-7D7FE29D798A}"/>
+                  <a16:creationId xmlns:a16="http://schemas.microsoft.com/office/drawing/2014/main" id="{C863B4CE-CCC5-4A4F-BB72-81AF9BE39E48}"/>
                 </a:ext>
               </a:extLst>
             </p:cNvPr>
@@ -4909,7 +5848,151 @@
           </p:nvSpPr>
           <p:spPr>
             <a:xfrm>
-              <a:off x="186550" y="1012244"/>
+              <a:off x="2004517" y="2194830"/>
+              <a:ext cx="1223875" cy="417292"/>
+            </a:xfrm>
+            <a:prstGeom prst="rect">
+              <a:avLst/>
+            </a:prstGeom>
+            <a:noFill/>
+          </p:spPr>
+          <p:style>
+            <a:lnRef idx="2">
+              <a:schemeClr val="accent1">
+                <a:shade val="50000"/>
+              </a:schemeClr>
+            </a:lnRef>
+            <a:fillRef idx="1">
+              <a:schemeClr val="accent1"/>
+            </a:fillRef>
+            <a:effectRef idx="0">
+              <a:schemeClr val="accent1"/>
+            </a:effectRef>
+            <a:fontRef idx="minor">
+              <a:schemeClr val="lt1"/>
+            </a:fontRef>
+          </p:style>
+          <p:txBody>
+            <a:bodyPr rtlCol="0" anchor="ctr"/>
+            <a:lstStyle/>
+            <a:p>
+              <a:pPr algn="ctr"/>
+              <a:endParaRPr lang="en-US"/>
+            </a:p>
+          </p:txBody>
+        </p:sp>
+        <p:pic>
+          <p:nvPicPr>
+            <p:cNvPr id="206" name="Graphic 205" descr="Dollar">
+              <a:extLst>
+                <a:ext uri="{FF2B5EF4-FFF2-40B4-BE49-F238E27FC236}">
+                  <a16:creationId xmlns:a16="http://schemas.microsoft.com/office/drawing/2014/main" id="{047781B0-161E-4D90-AB04-808607C789D7}"/>
+                </a:ext>
+              </a:extLst>
+            </p:cNvPr>
+            <p:cNvPicPr>
+              <a:picLocks noChangeAspect="1"/>
+            </p:cNvPicPr>
+            <p:nvPr/>
+          </p:nvPicPr>
+          <p:blipFill>
+            <a:blip r:embed="rId6">
+              <a:extLst>
+                <a:ext uri="{28A0092B-C50C-407E-A947-70E740481C1C}">
+                  <a14:useLocalDpi xmlns:a14="http://schemas.microsoft.com/office/drawing/2010/main" val="0"/>
+                </a:ext>
+                <a:ext uri="{96DAC541-7B7A-43D3-8B79-37D633B846F1}">
+                  <asvg:svgBlip xmlns:asvg="http://schemas.microsoft.com/office/drawing/2016/SVG/main" r:embed="rId7"/>
+                </a:ext>
+              </a:extLst>
+            </a:blip>
+            <a:stretch>
+              <a:fillRect/>
+            </a:stretch>
+          </p:blipFill>
+          <p:spPr>
+            <a:xfrm>
+              <a:off x="1967898" y="2228229"/>
+              <a:ext cx="406087" cy="345440"/>
+            </a:xfrm>
+            <a:prstGeom prst="rect">
+              <a:avLst/>
+            </a:prstGeom>
+          </p:spPr>
+        </p:pic>
+        <p:sp>
+          <p:nvSpPr>
+            <p:cNvPr id="207" name="TextBox 206">
+              <a:extLst>
+                <a:ext uri="{FF2B5EF4-FFF2-40B4-BE49-F238E27FC236}">
+                  <a16:creationId xmlns:a16="http://schemas.microsoft.com/office/drawing/2014/main" id="{CCC21A0B-A26E-4C6F-BEB8-7578DA68495A}"/>
+                </a:ext>
+              </a:extLst>
+            </p:cNvPr>
+            <p:cNvSpPr txBox="1"/>
+            <p:nvPr/>
+          </p:nvSpPr>
+          <p:spPr>
+            <a:xfrm>
+              <a:off x="2209042" y="2220588"/>
+              <a:ext cx="1039862" cy="369332"/>
+            </a:xfrm>
+            <a:prstGeom prst="rect">
+              <a:avLst/>
+            </a:prstGeom>
+            <a:noFill/>
+          </p:spPr>
+          <p:txBody>
+            <a:bodyPr wrap="square" rtlCol="0">
+              <a:spAutoFit/>
+            </a:bodyPr>
+            <a:lstStyle/>
+            <a:p>
+              <a:r>
+                <a:rPr lang="en-US" dirty="0">
+                  <a:latin typeface="Arial Black" panose="020B0A04020102020204" pitchFamily="34" charset="0"/>
+                </a:rPr>
+                <a:t>54.00</a:t>
+              </a:r>
+            </a:p>
+          </p:txBody>
+        </p:sp>
+      </p:grpSp>
+      <p:grpSp>
+        <p:nvGrpSpPr>
+          <p:cNvPr id="213" name="Group 212">
+            <a:extLst>
+              <a:ext uri="{FF2B5EF4-FFF2-40B4-BE49-F238E27FC236}">
+                <a16:creationId xmlns:a16="http://schemas.microsoft.com/office/drawing/2014/main" id="{9E209DE1-37F8-48E2-AC79-B82E3416B105}"/>
+              </a:ext>
+            </a:extLst>
+          </p:cNvPr>
+          <p:cNvGrpSpPr/>
+          <p:nvPr/>
+        </p:nvGrpSpPr>
+        <p:grpSpPr>
+          <a:xfrm>
+            <a:off x="8128890" y="1077560"/>
+            <a:ext cx="3429415" cy="3802343"/>
+            <a:chOff x="186550" y="1077561"/>
+            <a:chExt cx="3429415" cy="3802343"/>
+          </a:xfrm>
+        </p:grpSpPr>
+        <p:sp>
+          <p:nvSpPr>
+            <p:cNvPr id="214" name="Rectangle: Rounded Corners 213">
+              <a:extLst>
+                <a:ext uri="{FF2B5EF4-FFF2-40B4-BE49-F238E27FC236}">
+                  <a16:creationId xmlns:a16="http://schemas.microsoft.com/office/drawing/2014/main" id="{AEE9C1F6-873F-4D45-925F-5EC1B31D3477}"/>
+                </a:ext>
+              </a:extLst>
+            </p:cNvPr>
+            <p:cNvSpPr/>
+            <p:nvPr/>
+          </p:nvSpPr>
+          <p:spPr>
+            <a:xfrm>
+              <a:off x="186550" y="1077561"/>
               <a:ext cx="3429415" cy="3802343"/>
             </a:xfrm>
             <a:prstGeom prst="roundRect">
@@ -4968,74 +6051,10 @@
         </p:sp>
         <p:sp>
           <p:nvSpPr>
-            <p:cNvPr id="157" name="Rectangle 156">
+            <p:cNvPr id="215" name="TextBox 214">
               <a:extLst>
                 <a:ext uri="{FF2B5EF4-FFF2-40B4-BE49-F238E27FC236}">
-                  <a16:creationId xmlns:a16="http://schemas.microsoft.com/office/drawing/2014/main" id="{3743492A-3EA1-475F-BBB3-73FD5A13A910}"/>
-                </a:ext>
-              </a:extLst>
-            </p:cNvPr>
-            <p:cNvSpPr/>
-            <p:nvPr/>
-          </p:nvSpPr>
-          <p:spPr>
-            <a:xfrm>
-              <a:off x="425513" y="1334278"/>
-              <a:ext cx="1701865" cy="1455575"/>
-            </a:xfrm>
-            <a:prstGeom prst="rect">
-              <a:avLst/>
-            </a:prstGeom>
-            <a:blipFill dpi="0" rotWithShape="1">
-              <a:blip r:embed="rId2">
-                <a:extLst>
-                  <a:ext uri="{28A0092B-C50C-407E-A947-70E740481C1C}">
-                    <a14:useLocalDpi xmlns:a14="http://schemas.microsoft.com/office/drawing/2010/main" val="0"/>
-                  </a:ext>
-                </a:extLst>
-              </a:blip>
-              <a:srcRect/>
-              <a:stretch>
-                <a:fillRect/>
-              </a:stretch>
-            </a:blipFill>
-            <a:ln w="25400">
-              <a:solidFill>
-                <a:srgbClr val="BFA458"/>
-              </a:solidFill>
-            </a:ln>
-          </p:spPr>
-          <p:style>
-            <a:lnRef idx="2">
-              <a:schemeClr val="accent1">
-                <a:shade val="50000"/>
-              </a:schemeClr>
-            </a:lnRef>
-            <a:fillRef idx="1">
-              <a:schemeClr val="accent1"/>
-            </a:fillRef>
-            <a:effectRef idx="0">
-              <a:schemeClr val="accent1"/>
-            </a:effectRef>
-            <a:fontRef idx="minor">
-              <a:schemeClr val="lt1"/>
-            </a:fontRef>
-          </p:style>
-          <p:txBody>
-            <a:bodyPr rtlCol="0" anchor="ctr"/>
-            <a:lstStyle/>
-            <a:p>
-              <a:pPr algn="ctr"/>
-              <a:endParaRPr lang="en-US"/>
-            </a:p>
-          </p:txBody>
-        </p:sp>
-        <p:sp>
-          <p:nvSpPr>
-            <p:cNvPr id="158" name="TextBox 157">
-              <a:extLst>
-                <a:ext uri="{FF2B5EF4-FFF2-40B4-BE49-F238E27FC236}">
-                  <a16:creationId xmlns:a16="http://schemas.microsoft.com/office/drawing/2014/main" id="{D805D76E-CE1E-44FF-9EC0-6EB372E29403}"/>
+                  <a16:creationId xmlns:a16="http://schemas.microsoft.com/office/drawing/2014/main" id="{197327C3-C9CE-4B86-B8E6-56F5E3E9FA02}"/>
                 </a:ext>
               </a:extLst>
             </p:cNvPr>
@@ -5044,7 +6063,7 @@
           </p:nvSpPr>
           <p:spPr>
             <a:xfrm>
-              <a:off x="444176" y="2920355"/>
+              <a:off x="444176" y="2985672"/>
               <a:ext cx="2784216" cy="1384995"/>
             </a:xfrm>
             <a:prstGeom prst="rect">
@@ -5085,10 +6104,10 @@
         </p:sp>
         <p:sp>
           <p:nvSpPr>
-            <p:cNvPr id="159" name="Rectangle 158">
+            <p:cNvPr id="216" name="Rectangle 215">
               <a:extLst>
                 <a:ext uri="{FF2B5EF4-FFF2-40B4-BE49-F238E27FC236}">
-                  <a16:creationId xmlns:a16="http://schemas.microsoft.com/office/drawing/2014/main" id="{9A764538-91E1-4218-B49F-62DBB271927F}"/>
+                  <a16:creationId xmlns:a16="http://schemas.microsoft.com/office/drawing/2014/main" id="{5DC02306-288B-4B9E-9555-F6FF933E37A5}"/>
                 </a:ext>
               </a:extLst>
             </p:cNvPr>
@@ -5097,8 +6116,8 @@
           </p:nvSpPr>
           <p:spPr>
             <a:xfrm>
-              <a:off x="2202026" y="1334278"/>
-              <a:ext cx="1138333" cy="1455575"/>
+              <a:off x="505537" y="1475358"/>
+              <a:ext cx="2784216" cy="1279091"/>
             </a:xfrm>
             <a:prstGeom prst="rect">
               <a:avLst/>
@@ -5137,65 +6156,12 @@
             </a:p>
           </p:txBody>
         </p:sp>
-        <p:sp>
-          <p:nvSpPr>
-            <p:cNvPr id="160" name="TextBox 159">
+        <p:grpSp>
+          <p:nvGrpSpPr>
+            <p:cNvPr id="217" name="Group 216">
               <a:extLst>
                 <a:ext uri="{FF2B5EF4-FFF2-40B4-BE49-F238E27FC236}">
-                  <a16:creationId xmlns:a16="http://schemas.microsoft.com/office/drawing/2014/main" id="{B113B22A-A2C6-476F-9D2C-C6ACB82A02D8}"/>
-                </a:ext>
-              </a:extLst>
-            </p:cNvPr>
-            <p:cNvSpPr txBox="1"/>
-            <p:nvPr/>
-          </p:nvSpPr>
-          <p:spPr>
-            <a:xfrm>
-              <a:off x="2220689" y="1365318"/>
-              <a:ext cx="1222308" cy="582019"/>
-            </a:xfrm>
-            <a:prstGeom prst="rect">
-              <a:avLst/>
-            </a:prstGeom>
-            <a:noFill/>
-          </p:spPr>
-          <p:txBody>
-            <a:bodyPr wrap="square" rtlCol="0">
-              <a:spAutoFit/>
-            </a:bodyPr>
-            <a:lstStyle/>
-            <a:p>
-              <a:pPr>
-                <a:lnSpc>
-                  <a:spcPts val="2000"/>
-                </a:lnSpc>
-                <a:spcAft>
-                  <a:spcPts val="600"/>
-                </a:spcAft>
-              </a:pPr>
-              <a:r>
-                <a:rPr lang="en-US" sz="1200" dirty="0">
-                  <a:latin typeface="Arial" panose="020B0604020202020204" pitchFamily="34" charset="0"/>
-                  <a:cs typeface="Arial" panose="020B0604020202020204" pitchFamily="34" charset="0"/>
-                </a:rPr>
-                <a:t>Posted by: </a:t>
-              </a:r>
-              <a:r>
-                <a:rPr lang="en-US" sz="1400" i="1" dirty="0">
-                  <a:latin typeface="Arial" panose="020B0604020202020204" pitchFamily="34" charset="0"/>
-                  <a:cs typeface="Arial" panose="020B0604020202020204" pitchFamily="34" charset="0"/>
-                </a:rPr>
-                <a:t>Sellar1</a:t>
-              </a:r>
-            </a:p>
-          </p:txBody>
-        </p:sp>
-        <p:grpSp>
-          <p:nvGrpSpPr>
-            <p:cNvPr id="161" name="Group 160">
-              <a:extLst>
-                <a:ext uri="{FF2B5EF4-FFF2-40B4-BE49-F238E27FC236}">
-                  <a16:creationId xmlns:a16="http://schemas.microsoft.com/office/drawing/2014/main" id="{44F5D0C3-7B2B-4F32-BB22-649811979E30}"/>
+                  <a16:creationId xmlns:a16="http://schemas.microsoft.com/office/drawing/2014/main" id="{4393D99C-98AF-4D03-9834-FB73AC157104}"/>
                 </a:ext>
               </a:extLst>
             </p:cNvPr>
@@ -5204,18 +6170,18 @@
           </p:nvGrpSpPr>
           <p:grpSpPr>
             <a:xfrm>
-              <a:off x="2295331" y="2015415"/>
-              <a:ext cx="897449" cy="168750"/>
+              <a:off x="635619" y="2246346"/>
+              <a:ext cx="1201538" cy="250049"/>
               <a:chOff x="444175" y="5196931"/>
               <a:chExt cx="759191" cy="123535"/>
             </a:xfrm>
           </p:grpSpPr>
           <p:sp>
             <p:nvSpPr>
-              <p:cNvPr id="165" name="Star: 5 Points 164">
+              <p:cNvPr id="224" name="Star: 5 Points 223">
                 <a:extLst>
                   <a:ext uri="{FF2B5EF4-FFF2-40B4-BE49-F238E27FC236}">
-                    <a16:creationId xmlns:a16="http://schemas.microsoft.com/office/drawing/2014/main" id="{0FD2FF8B-5C70-458D-98E0-362AD03587EC}"/>
+                    <a16:creationId xmlns:a16="http://schemas.microsoft.com/office/drawing/2014/main" id="{3A8AA4C8-36E0-4DD4-B8DA-C27F51625F63}"/>
                   </a:ext>
                 </a:extLst>
               </p:cNvPr>
@@ -5266,10 +6232,10 @@
           </p:sp>
           <p:sp>
             <p:nvSpPr>
-              <p:cNvPr id="166" name="Star: 5 Points 165">
+              <p:cNvPr id="225" name="Star: 5 Points 224">
                 <a:extLst>
                   <a:ext uri="{FF2B5EF4-FFF2-40B4-BE49-F238E27FC236}">
-                    <a16:creationId xmlns:a16="http://schemas.microsoft.com/office/drawing/2014/main" id="{8FAAAD1D-F3C9-4380-8F16-F99EF14042F1}"/>
+                    <a16:creationId xmlns:a16="http://schemas.microsoft.com/office/drawing/2014/main" id="{16A7C480-36BD-4C1A-B7F0-701909FCA909}"/>
                   </a:ext>
                 </a:extLst>
               </p:cNvPr>
@@ -5320,10 +6286,10 @@
           </p:sp>
           <p:sp>
             <p:nvSpPr>
-              <p:cNvPr id="167" name="Star: 5 Points 166">
+              <p:cNvPr id="226" name="Star: 5 Points 225">
                 <a:extLst>
                   <a:ext uri="{FF2B5EF4-FFF2-40B4-BE49-F238E27FC236}">
-                    <a16:creationId xmlns:a16="http://schemas.microsoft.com/office/drawing/2014/main" id="{B4646CFD-D078-4495-A120-0BD123A41273}"/>
+                    <a16:creationId xmlns:a16="http://schemas.microsoft.com/office/drawing/2014/main" id="{CB088496-6588-4593-BFBF-A53211D6A8F9}"/>
                   </a:ext>
                 </a:extLst>
               </p:cNvPr>
@@ -5374,10 +6340,10 @@
           </p:sp>
           <p:sp>
             <p:nvSpPr>
-              <p:cNvPr id="168" name="Star: 5 Points 167">
+              <p:cNvPr id="227" name="Star: 5 Points 226">
                 <a:extLst>
                   <a:ext uri="{FF2B5EF4-FFF2-40B4-BE49-F238E27FC236}">
-                    <a16:creationId xmlns:a16="http://schemas.microsoft.com/office/drawing/2014/main" id="{722DC12C-162C-47A8-BA3E-41A9836FF077}"/>
+                    <a16:creationId xmlns:a16="http://schemas.microsoft.com/office/drawing/2014/main" id="{0FA28BC5-B131-4572-A851-15B2CBF9E9C6}"/>
                   </a:ext>
                 </a:extLst>
               </p:cNvPr>
@@ -5428,10 +6394,10 @@
           </p:sp>
           <p:sp>
             <p:nvSpPr>
-              <p:cNvPr id="169" name="Star: 5 Points 168">
+              <p:cNvPr id="228" name="Star: 5 Points 227">
                 <a:extLst>
                   <a:ext uri="{FF2B5EF4-FFF2-40B4-BE49-F238E27FC236}">
-                    <a16:creationId xmlns:a16="http://schemas.microsoft.com/office/drawing/2014/main" id="{6AC92275-F5CA-441D-8E65-9DB4E06DA3F1}"/>
+                    <a16:creationId xmlns:a16="http://schemas.microsoft.com/office/drawing/2014/main" id="{D4AC333C-5337-4DDD-BD3A-3FE7CF4A482F}"/>
                   </a:ext>
                 </a:extLst>
               </p:cNvPr>
@@ -5483,10 +6449,10 @@
         </p:grpSp>
         <p:sp>
           <p:nvSpPr>
-            <p:cNvPr id="162" name="Rectangle: Rounded Corners 161">
+            <p:cNvPr id="218" name="Rectangle: Rounded Corners 217">
               <a:extLst>
                 <a:ext uri="{FF2B5EF4-FFF2-40B4-BE49-F238E27FC236}">
-                  <a16:creationId xmlns:a16="http://schemas.microsoft.com/office/drawing/2014/main" id="{8747D5B7-E082-4FD2-9073-ACB97C242083}"/>
+                  <a16:creationId xmlns:a16="http://schemas.microsoft.com/office/drawing/2014/main" id="{959399D1-A437-4457-8E96-FF389CBA6548}"/>
                 </a:ext>
               </a:extLst>
             </p:cNvPr>
@@ -5495,8 +6461,8 @@
           </p:nvSpPr>
           <p:spPr>
             <a:xfrm>
-              <a:off x="2341986" y="2255126"/>
-              <a:ext cx="832132" cy="506613"/>
+              <a:off x="576421" y="1547109"/>
+              <a:ext cx="2651971" cy="506613"/>
             </a:xfrm>
             <a:prstGeom prst="roundRect">
               <a:avLst/>
@@ -5527,24 +6493,24 @@
             <a:p>
               <a:pPr algn="ctr"/>
               <a:r>
-                <a:rPr lang="en-US" sz="1200" u="sng" dirty="0">
+                <a:rPr lang="en-US" u="sng" dirty="0">
                   <a:solidFill>
                     <a:srgbClr val="BFA458"/>
                   </a:solidFill>
                   <a:latin typeface="Arial Black" panose="020B0A04020102020204" pitchFamily="34" charset="0"/>
                   <a:cs typeface="Arial" panose="020B0604020202020204" pitchFamily="34" charset="0"/>
                 </a:rPr>
-                <a:t>View Profile</a:t>
+                <a:t>SELLER123</a:t>
               </a:r>
             </a:p>
           </p:txBody>
         </p:sp>
         <p:sp>
           <p:nvSpPr>
-            <p:cNvPr id="163" name="Arrow: Chevron 162">
+            <p:cNvPr id="219" name="Arrow: Chevron 218">
               <a:extLst>
                 <a:ext uri="{FF2B5EF4-FFF2-40B4-BE49-F238E27FC236}">
-                  <a16:creationId xmlns:a16="http://schemas.microsoft.com/office/drawing/2014/main" id="{385922A7-EC56-406A-872B-3642A688F93B}"/>
+                  <a16:creationId xmlns:a16="http://schemas.microsoft.com/office/drawing/2014/main" id="{77727705-3239-4BFE-A38C-364F31E40AD1}"/>
                 </a:ext>
               </a:extLst>
             </p:cNvPr>
@@ -5553,7 +6519,7 @@
           </p:nvSpPr>
           <p:spPr>
             <a:xfrm rot="5400000">
-              <a:off x="2594487" y="4405268"/>
+              <a:off x="2594487" y="4470585"/>
               <a:ext cx="158608" cy="363078"/>
             </a:xfrm>
             <a:prstGeom prst="chevron">
@@ -5599,10 +6565,10 @@
         </p:sp>
         <p:sp>
           <p:nvSpPr>
-            <p:cNvPr id="164" name="TextBox 163">
+            <p:cNvPr id="220" name="TextBox 219">
               <a:extLst>
                 <a:ext uri="{FF2B5EF4-FFF2-40B4-BE49-F238E27FC236}">
-                  <a16:creationId xmlns:a16="http://schemas.microsoft.com/office/drawing/2014/main" id="{BD3FA4DE-8AA8-4A7C-90C8-71E23ECFC8DE}"/>
+                  <a16:creationId xmlns:a16="http://schemas.microsoft.com/office/drawing/2014/main" id="{9827250E-50FC-4BE5-821C-C67AB39539CB}"/>
                 </a:ext>
               </a:extLst>
             </p:cNvPr>
@@ -5611,7 +6577,7 @@
           </p:nvSpPr>
           <p:spPr>
             <a:xfrm>
-              <a:off x="980637" y="4428986"/>
+              <a:off x="980637" y="4494303"/>
               <a:ext cx="1643056" cy="307777"/>
             </a:xfrm>
             <a:prstGeom prst="rect">
@@ -5638,164 +6604,12 @@
             </a:p>
           </p:txBody>
         </p:sp>
-      </p:grpSp>
-      <p:pic>
-        <p:nvPicPr>
-          <p:cNvPr id="186" name="Picture 185">
-            <a:extLst>
-              <a:ext uri="{FF2B5EF4-FFF2-40B4-BE49-F238E27FC236}">
-                <a16:creationId xmlns:a16="http://schemas.microsoft.com/office/drawing/2014/main" id="{BC67470D-69A1-4F0D-88B8-A27D144C5A8F}"/>
-              </a:ext>
-            </a:extLst>
-          </p:cNvPr>
-          <p:cNvPicPr>
-            <a:picLocks noChangeAspect="1"/>
-          </p:cNvPicPr>
-          <p:nvPr/>
-        </p:nvPicPr>
-        <p:blipFill>
-          <a:blip r:embed="rId3"/>
-          <a:stretch>
-            <a:fillRect/>
-          </a:stretch>
-        </p:blipFill>
-        <p:spPr>
-          <a:xfrm>
-            <a:off x="186550" y="5201938"/>
-            <a:ext cx="3629025" cy="1666875"/>
-          </a:xfrm>
-          <a:prstGeom prst="rect">
-            <a:avLst/>
-          </a:prstGeom>
-        </p:spPr>
-      </p:pic>
-      <p:pic>
-        <p:nvPicPr>
-          <p:cNvPr id="187" name="Picture 186">
-            <a:extLst>
-              <a:ext uri="{FF2B5EF4-FFF2-40B4-BE49-F238E27FC236}">
-                <a16:creationId xmlns:a16="http://schemas.microsoft.com/office/drawing/2014/main" id="{14D0B482-6F08-479A-9B8E-774335A0D717}"/>
-              </a:ext>
-            </a:extLst>
-          </p:cNvPr>
-          <p:cNvPicPr>
-            <a:picLocks noChangeAspect="1"/>
-          </p:cNvPicPr>
-          <p:nvPr/>
-        </p:nvPicPr>
-        <p:blipFill>
-          <a:blip r:embed="rId3"/>
-          <a:stretch>
-            <a:fillRect/>
-          </a:stretch>
-        </p:blipFill>
-        <p:spPr>
-          <a:xfrm>
-            <a:off x="4101836" y="5201938"/>
-            <a:ext cx="3629025" cy="1666875"/>
-          </a:xfrm>
-          <a:prstGeom prst="rect">
-            <a:avLst/>
-          </a:prstGeom>
-        </p:spPr>
-      </p:pic>
-      <p:pic>
-        <p:nvPicPr>
-          <p:cNvPr id="188" name="Picture 187">
-            <a:extLst>
-              <a:ext uri="{FF2B5EF4-FFF2-40B4-BE49-F238E27FC236}">
-                <a16:creationId xmlns:a16="http://schemas.microsoft.com/office/drawing/2014/main" id="{0C6A5B95-1329-4DC0-9B38-165E99121A04}"/>
-              </a:ext>
-            </a:extLst>
-          </p:cNvPr>
-          <p:cNvPicPr>
-            <a:picLocks noChangeAspect="1"/>
-          </p:cNvPicPr>
-          <p:nvPr/>
-        </p:nvPicPr>
-        <p:blipFill>
-          <a:blip r:embed="rId3"/>
-          <a:stretch>
-            <a:fillRect/>
-          </a:stretch>
-        </p:blipFill>
-        <p:spPr>
-          <a:xfrm>
-            <a:off x="7929762" y="5201938"/>
-            <a:ext cx="3629025" cy="1666875"/>
-          </a:xfrm>
-          <a:prstGeom prst="rect">
-            <a:avLst/>
-          </a:prstGeom>
-        </p:spPr>
-      </p:pic>
-      <p:sp>
-        <p:nvSpPr>
-          <p:cNvPr id="2" name="TextBox 1">
-            <a:extLst>
-              <a:ext uri="{FF2B5EF4-FFF2-40B4-BE49-F238E27FC236}">
-                <a16:creationId xmlns:a16="http://schemas.microsoft.com/office/drawing/2014/main" id="{1291F3B4-3B52-4D14-B58E-E1A90E7F1BCF}"/>
-              </a:ext>
-            </a:extLst>
-          </p:cNvPr>
-          <p:cNvSpPr txBox="1"/>
-          <p:nvPr/>
-        </p:nvSpPr>
-        <p:spPr>
-          <a:xfrm>
-            <a:off x="8509545" y="5761628"/>
-            <a:ext cx="1081748" cy="954107"/>
-          </a:xfrm>
-          <a:prstGeom prst="rect">
-            <a:avLst/>
-          </a:prstGeom>
-          <a:solidFill>
-            <a:srgbClr val="FFFF00"/>
-          </a:solidFill>
-        </p:spPr>
-        <p:txBody>
-          <a:bodyPr wrap="square" rtlCol="0">
-            <a:spAutoFit/>
-          </a:bodyPr>
-          <a:lstStyle/>
-          <a:p>
-            <a:r>
-              <a:rPr lang="en-US" sz="2800" b="1" dirty="0">
-                <a:highlight>
-                  <a:srgbClr val="FFFF00"/>
-                </a:highlight>
-              </a:rPr>
-              <a:t>USER VIEW</a:t>
-            </a:r>
-          </a:p>
-        </p:txBody>
-      </p:sp>
-      <p:grpSp>
-        <p:nvGrpSpPr>
-          <p:cNvPr id="9" name="Group 8">
-            <a:extLst>
-              <a:ext uri="{FF2B5EF4-FFF2-40B4-BE49-F238E27FC236}">
-                <a16:creationId xmlns:a16="http://schemas.microsoft.com/office/drawing/2014/main" id="{FDFA6C1E-F0A8-42F9-B5A7-82C690899FFC}"/>
-              </a:ext>
-            </a:extLst>
-          </p:cNvPr>
-          <p:cNvGrpSpPr/>
-          <p:nvPr/>
-        </p:nvGrpSpPr>
-        <p:grpSpPr>
-          <a:xfrm>
-            <a:off x="0" y="-5519"/>
-            <a:ext cx="12192000" cy="640905"/>
-            <a:chOff x="0" y="-5519"/>
-            <a:chExt cx="12192000" cy="640905"/>
-          </a:xfrm>
-        </p:grpSpPr>
         <p:sp>
           <p:nvSpPr>
-            <p:cNvPr id="4" name="Rectangle 3">
+            <p:cNvPr id="221" name="Rectangle 220">
               <a:extLst>
                 <a:ext uri="{FF2B5EF4-FFF2-40B4-BE49-F238E27FC236}">
-                  <a16:creationId xmlns:a16="http://schemas.microsoft.com/office/drawing/2014/main" id="{BEB1926F-B812-4182-AC39-96C1A336EE5A}"/>
+                  <a16:creationId xmlns:a16="http://schemas.microsoft.com/office/drawing/2014/main" id="{3580E9B8-8B1A-4383-B560-82F180729D35}"/>
                 </a:ext>
               </a:extLst>
             </p:cNvPr>
@@ -5804,498 +6618,13 @@
           </p:nvSpPr>
           <p:spPr>
             <a:xfrm>
-              <a:off x="0" y="-5518"/>
-              <a:ext cx="12192000" cy="638665"/>
-            </a:xfrm>
-            <a:prstGeom prst="rect">
-              <a:avLst/>
-            </a:prstGeom>
-            <a:solidFill>
-              <a:srgbClr val="192857"/>
-            </a:solidFill>
-          </p:spPr>
-          <p:style>
-            <a:lnRef idx="2">
-              <a:schemeClr val="accent1">
-                <a:shade val="50000"/>
-              </a:schemeClr>
-            </a:lnRef>
-            <a:fillRef idx="1">
-              <a:schemeClr val="accent1"/>
-            </a:fillRef>
-            <a:effectRef idx="0">
-              <a:schemeClr val="accent1"/>
-            </a:effectRef>
-            <a:fontRef idx="minor">
-              <a:schemeClr val="lt1"/>
-            </a:fontRef>
-          </p:style>
-          <p:txBody>
-            <a:bodyPr rtlCol="0" anchor="ctr"/>
-            <a:lstStyle/>
-            <a:p>
-              <a:pPr algn="ctr"/>
-              <a:endParaRPr lang="en-US" dirty="0"/>
-            </a:p>
-          </p:txBody>
-        </p:sp>
-        <p:grpSp>
-          <p:nvGrpSpPr>
-            <p:cNvPr id="14" name="Group 13">
-              <a:extLst>
-                <a:ext uri="{FF2B5EF4-FFF2-40B4-BE49-F238E27FC236}">
-                  <a16:creationId xmlns:a16="http://schemas.microsoft.com/office/drawing/2014/main" id="{D3EFAE7F-8139-440D-A9CA-B37C6E346EE3}"/>
-                </a:ext>
-              </a:extLst>
-            </p:cNvPr>
-            <p:cNvGrpSpPr/>
-            <p:nvPr/>
-          </p:nvGrpSpPr>
-          <p:grpSpPr>
-            <a:xfrm>
-              <a:off x="2023927" y="97421"/>
-              <a:ext cx="3028757" cy="378073"/>
-              <a:chOff x="3427615" y="123834"/>
-              <a:chExt cx="2668385" cy="378073"/>
-            </a:xfrm>
-          </p:grpSpPr>
-          <p:sp>
-            <p:nvSpPr>
-              <p:cNvPr id="12" name="Rectangle: Rounded Corners 11">
-                <a:extLst>
-                  <a:ext uri="{FF2B5EF4-FFF2-40B4-BE49-F238E27FC236}">
-                    <a16:creationId xmlns:a16="http://schemas.microsoft.com/office/drawing/2014/main" id="{AF305521-C515-46EA-9D38-C183EF77F5AF}"/>
-                  </a:ext>
-                </a:extLst>
-              </p:cNvPr>
-              <p:cNvSpPr/>
-              <p:nvPr/>
-            </p:nvSpPr>
-            <p:spPr>
-              <a:xfrm>
-                <a:off x="3427615" y="132575"/>
-                <a:ext cx="2668385" cy="369332"/>
-              </a:xfrm>
-              <a:prstGeom prst="roundRect">
-                <a:avLst/>
-              </a:prstGeom>
-              <a:solidFill>
-                <a:srgbClr val="F2F2F2"/>
-              </a:solidFill>
-            </p:spPr>
-            <p:style>
-              <a:lnRef idx="2">
-                <a:schemeClr val="accent1">
-                  <a:shade val="50000"/>
-                </a:schemeClr>
-              </a:lnRef>
-              <a:fillRef idx="1">
-                <a:schemeClr val="accent1"/>
-              </a:fillRef>
-              <a:effectRef idx="0">
-                <a:schemeClr val="accent1"/>
-              </a:effectRef>
-              <a:fontRef idx="minor">
-                <a:schemeClr val="lt1"/>
-              </a:fontRef>
-            </p:style>
-            <p:txBody>
-              <a:bodyPr rtlCol="0" anchor="ctr"/>
-              <a:lstStyle/>
-              <a:p>
-                <a:pPr algn="ctr"/>
-                <a:endParaRPr lang="en-US"/>
-              </a:p>
-            </p:txBody>
-          </p:sp>
-          <p:sp>
-            <p:nvSpPr>
-              <p:cNvPr id="13" name="TextBox 12">
-                <a:extLst>
-                  <a:ext uri="{FF2B5EF4-FFF2-40B4-BE49-F238E27FC236}">
-                    <a16:creationId xmlns:a16="http://schemas.microsoft.com/office/drawing/2014/main" id="{B3E0795B-80DE-4C4D-B46F-C72B3A55C35E}"/>
-                  </a:ext>
-                </a:extLst>
-              </p:cNvPr>
-              <p:cNvSpPr txBox="1"/>
-              <p:nvPr/>
-            </p:nvSpPr>
-            <p:spPr>
-              <a:xfrm>
-                <a:off x="3427615" y="123834"/>
-                <a:ext cx="2402378" cy="369332"/>
-              </a:xfrm>
-              <a:prstGeom prst="rect">
-                <a:avLst/>
-              </a:prstGeom>
-              <a:noFill/>
-            </p:spPr>
-            <p:txBody>
-              <a:bodyPr wrap="square" rtlCol="0">
-                <a:spAutoFit/>
-              </a:bodyPr>
-              <a:lstStyle/>
-              <a:p>
-                <a:r>
-                  <a:rPr lang="en-US" dirty="0">
-                    <a:solidFill>
-                      <a:schemeClr val="bg2">
-                        <a:lumMod val="50000"/>
-                      </a:schemeClr>
-                    </a:solidFill>
-                  </a:rPr>
-                  <a:t>Quick Search…</a:t>
-                </a:r>
-              </a:p>
-            </p:txBody>
-          </p:sp>
-        </p:grpSp>
-        <p:grpSp>
-          <p:nvGrpSpPr>
-            <p:cNvPr id="24" name="Group 23">
-              <a:extLst>
-                <a:ext uri="{FF2B5EF4-FFF2-40B4-BE49-F238E27FC236}">
-                  <a16:creationId xmlns:a16="http://schemas.microsoft.com/office/drawing/2014/main" id="{A866E011-8CFD-4529-9067-9AE9A954C117}"/>
-                </a:ext>
-              </a:extLst>
-            </p:cNvPr>
-            <p:cNvGrpSpPr/>
-            <p:nvPr/>
-          </p:nvGrpSpPr>
-          <p:grpSpPr>
-            <a:xfrm>
-              <a:off x="5204451" y="125253"/>
-              <a:ext cx="365760" cy="299258"/>
-              <a:chOff x="623455" y="856211"/>
-              <a:chExt cx="498763" cy="415636"/>
-            </a:xfrm>
-          </p:grpSpPr>
-          <p:sp>
-            <p:nvSpPr>
-              <p:cNvPr id="15" name="Rectangle: Rounded Corners 14">
-                <a:extLst>
-                  <a:ext uri="{FF2B5EF4-FFF2-40B4-BE49-F238E27FC236}">
-                    <a16:creationId xmlns:a16="http://schemas.microsoft.com/office/drawing/2014/main" id="{E3CE49D6-69C2-415F-871F-03C79060A46C}"/>
-                  </a:ext>
-                </a:extLst>
-              </p:cNvPr>
-              <p:cNvSpPr/>
-              <p:nvPr/>
-            </p:nvSpPr>
-            <p:spPr>
-              <a:xfrm>
-                <a:off x="623455" y="856211"/>
-                <a:ext cx="498763" cy="415636"/>
-              </a:xfrm>
-              <a:prstGeom prst="roundRect">
-                <a:avLst/>
-              </a:prstGeom>
-              <a:solidFill>
-                <a:srgbClr val="BFA458"/>
-              </a:solidFill>
-            </p:spPr>
-            <p:style>
-              <a:lnRef idx="2">
-                <a:schemeClr val="accent1">
-                  <a:shade val="50000"/>
-                </a:schemeClr>
-              </a:lnRef>
-              <a:fillRef idx="1">
-                <a:schemeClr val="accent1"/>
-              </a:fillRef>
-              <a:effectRef idx="0">
-                <a:schemeClr val="accent1"/>
-              </a:effectRef>
-              <a:fontRef idx="minor">
-                <a:schemeClr val="lt1"/>
-              </a:fontRef>
-            </p:style>
-            <p:txBody>
-              <a:bodyPr rtlCol="0" anchor="ctr"/>
-              <a:lstStyle/>
-              <a:p>
-                <a:pPr algn="ctr"/>
-                <a:endParaRPr lang="en-US"/>
-              </a:p>
-            </p:txBody>
-          </p:sp>
-          <p:grpSp>
-            <p:nvGrpSpPr>
-              <p:cNvPr id="23" name="Group 22">
-                <a:extLst>
-                  <a:ext uri="{FF2B5EF4-FFF2-40B4-BE49-F238E27FC236}">
-                    <a16:creationId xmlns:a16="http://schemas.microsoft.com/office/drawing/2014/main" id="{D29B8480-3034-4BEC-BD52-2E8E428D7E2A}"/>
-                  </a:ext>
-                </a:extLst>
-              </p:cNvPr>
-              <p:cNvGrpSpPr/>
-              <p:nvPr/>
-            </p:nvGrpSpPr>
-            <p:grpSpPr>
-              <a:xfrm>
-                <a:off x="724038" y="950768"/>
-                <a:ext cx="297595" cy="226521"/>
-                <a:chOff x="999190" y="1753985"/>
-                <a:chExt cx="297595" cy="226521"/>
-              </a:xfrm>
-            </p:grpSpPr>
-            <p:sp>
-              <p:nvSpPr>
-                <p:cNvPr id="16" name="Oval 15">
-                  <a:extLst>
-                    <a:ext uri="{FF2B5EF4-FFF2-40B4-BE49-F238E27FC236}">
-                      <a16:creationId xmlns:a16="http://schemas.microsoft.com/office/drawing/2014/main" id="{26AA5EC4-DB01-411B-BEB0-7A1DC3DE4D52}"/>
-                    </a:ext>
-                  </a:extLst>
-                </p:cNvPr>
-                <p:cNvSpPr/>
-                <p:nvPr/>
-              </p:nvSpPr>
-              <p:spPr>
-                <a:xfrm>
-                  <a:off x="1122218" y="1753985"/>
-                  <a:ext cx="174567" cy="166255"/>
-                </a:xfrm>
-                <a:prstGeom prst="ellipse">
-                  <a:avLst/>
-                </a:prstGeom>
-                <a:solidFill>
-                  <a:schemeClr val="bg1"/>
-                </a:solidFill>
-                <a:ln>
-                  <a:solidFill>
-                    <a:srgbClr val="192857"/>
-                  </a:solidFill>
-                </a:ln>
-              </p:spPr>
-              <p:style>
-                <a:lnRef idx="2">
-                  <a:schemeClr val="accent1">
-                    <a:shade val="50000"/>
-                  </a:schemeClr>
-                </a:lnRef>
-                <a:fillRef idx="1">
-                  <a:schemeClr val="accent1"/>
-                </a:fillRef>
-                <a:effectRef idx="0">
-                  <a:schemeClr val="accent1"/>
-                </a:effectRef>
-                <a:fontRef idx="minor">
-                  <a:schemeClr val="lt1"/>
-                </a:fontRef>
-              </p:style>
-              <p:txBody>
-                <a:bodyPr rtlCol="0" anchor="ctr"/>
-                <a:lstStyle/>
-                <a:p>
-                  <a:pPr algn="ctr"/>
-                  <a:endParaRPr lang="en-US" dirty="0"/>
-                </a:p>
-              </p:txBody>
-            </p:sp>
-            <p:sp>
-              <p:nvSpPr>
-                <p:cNvPr id="22" name="Rectangle 21">
-                  <a:extLst>
-                    <a:ext uri="{FF2B5EF4-FFF2-40B4-BE49-F238E27FC236}">
-                      <a16:creationId xmlns:a16="http://schemas.microsoft.com/office/drawing/2014/main" id="{488E4FD0-E27B-4AC8-85D0-A56358F1DD34}"/>
-                    </a:ext>
-                  </a:extLst>
-                </p:cNvPr>
-                <p:cNvSpPr/>
-                <p:nvPr/>
-              </p:nvSpPr>
-              <p:spPr>
-                <a:xfrm rot="2802451">
-                  <a:off x="1063614" y="1870363"/>
-                  <a:ext cx="45719" cy="174567"/>
-                </a:xfrm>
-                <a:prstGeom prst="rect">
-                  <a:avLst/>
-                </a:prstGeom>
-                <a:solidFill>
-                  <a:srgbClr val="192857"/>
-                </a:solidFill>
-                <a:ln>
-                  <a:solidFill>
-                    <a:srgbClr val="192857"/>
-                  </a:solidFill>
-                </a:ln>
-              </p:spPr>
-              <p:style>
-                <a:lnRef idx="2">
-                  <a:schemeClr val="accent1">
-                    <a:shade val="50000"/>
-                  </a:schemeClr>
-                </a:lnRef>
-                <a:fillRef idx="1">
-                  <a:schemeClr val="accent1"/>
-                </a:fillRef>
-                <a:effectRef idx="0">
-                  <a:schemeClr val="accent1"/>
-                </a:effectRef>
-                <a:fontRef idx="minor">
-                  <a:schemeClr val="lt1"/>
-                </a:fontRef>
-              </p:style>
-              <p:txBody>
-                <a:bodyPr rtlCol="0" anchor="ctr"/>
-                <a:lstStyle/>
-                <a:p>
-                  <a:pPr algn="ctr"/>
-                  <a:endParaRPr lang="en-US"/>
-                </a:p>
-              </p:txBody>
-            </p:sp>
-          </p:grpSp>
-        </p:grpSp>
-        <p:sp>
-          <p:nvSpPr>
-            <p:cNvPr id="28" name="TextBox 27">
-              <a:extLst>
-                <a:ext uri="{FF2B5EF4-FFF2-40B4-BE49-F238E27FC236}">
-                  <a16:creationId xmlns:a16="http://schemas.microsoft.com/office/drawing/2014/main" id="{73C1C642-37DD-4A5A-AEE1-3BB8CDC3450F}"/>
-                </a:ext>
-              </a:extLst>
-            </p:cNvPr>
-            <p:cNvSpPr txBox="1"/>
-            <p:nvPr/>
-          </p:nvSpPr>
-          <p:spPr>
-            <a:xfrm>
-              <a:off x="9148276" y="138954"/>
-              <a:ext cx="1676367" cy="307777"/>
+              <a:off x="2004517" y="2194830"/>
+              <a:ext cx="1223875" cy="417292"/>
             </a:xfrm>
             <a:prstGeom prst="rect">
               <a:avLst/>
             </a:prstGeom>
             <a:noFill/>
-          </p:spPr>
-          <p:txBody>
-            <a:bodyPr wrap="square" rtlCol="0">
-              <a:spAutoFit/>
-            </a:bodyPr>
-            <a:lstStyle/>
-            <a:p>
-              <a:r>
-                <a:rPr lang="en-US" sz="1400" dirty="0">
-                  <a:solidFill>
-                    <a:srgbClr val="BFA458"/>
-                  </a:solidFill>
-                  <a:latin typeface="Arial Black" panose="020B0A04020102020204" pitchFamily="34" charset="0"/>
-                  <a:cs typeface="Aharoni" panose="02010803020104030203" pitchFamily="2" charset="-79"/>
-                </a:rPr>
-                <a:t>Username1234</a:t>
-              </a:r>
-            </a:p>
-          </p:txBody>
-        </p:sp>
-        <p:sp>
-          <p:nvSpPr>
-            <p:cNvPr id="6" name="TextBox 5">
-              <a:extLst>
-                <a:ext uri="{FF2B5EF4-FFF2-40B4-BE49-F238E27FC236}">
-                  <a16:creationId xmlns:a16="http://schemas.microsoft.com/office/drawing/2014/main" id="{4716D398-4BC0-4AE2-A35D-24E82EC1AA0F}"/>
-                </a:ext>
-              </a:extLst>
-            </p:cNvPr>
-            <p:cNvSpPr txBox="1"/>
-            <p:nvPr/>
-          </p:nvSpPr>
-          <p:spPr>
-            <a:xfrm>
-              <a:off x="832857" y="119877"/>
-              <a:ext cx="1004299" cy="369332"/>
-            </a:xfrm>
-            <a:prstGeom prst="rect">
-              <a:avLst/>
-            </a:prstGeom>
-            <a:noFill/>
-          </p:spPr>
-          <p:txBody>
-            <a:bodyPr wrap="square" rtlCol="0">
-              <a:spAutoFit/>
-            </a:bodyPr>
-            <a:lstStyle/>
-            <a:p>
-              <a:r>
-                <a:rPr lang="en-US" dirty="0">
-                  <a:solidFill>
-                    <a:srgbClr val="BFA458"/>
-                  </a:solidFill>
-                  <a:latin typeface="Arial Black" panose="020B0A04020102020204" pitchFamily="34" charset="0"/>
-                  <a:cs typeface="Aharoni" panose="02010803020104030203" pitchFamily="2" charset="-79"/>
-                </a:rPr>
-                <a:t>HOME</a:t>
-              </a:r>
-            </a:p>
-          </p:txBody>
-        </p:sp>
-        <p:pic>
-          <p:nvPicPr>
-            <p:cNvPr id="3" name="Graphic 2" descr="House">
-              <a:extLst>
-                <a:ext uri="{FF2B5EF4-FFF2-40B4-BE49-F238E27FC236}">
-                  <a16:creationId xmlns:a16="http://schemas.microsoft.com/office/drawing/2014/main" id="{8A23E44F-5801-4551-9A2B-8E132EFD93ED}"/>
-                </a:ext>
-              </a:extLst>
-            </p:cNvPr>
-            <p:cNvPicPr>
-              <a:picLocks noChangeAspect="1"/>
-            </p:cNvPicPr>
-            <p:nvPr/>
-          </p:nvPicPr>
-          <p:blipFill>
-            <a:blip r:embed="rId4">
-              <a:extLst>
-                <a:ext uri="{28A0092B-C50C-407E-A947-70E740481C1C}">
-                  <a14:useLocalDpi xmlns:a14="http://schemas.microsoft.com/office/drawing/2010/main" val="0"/>
-                </a:ext>
-                <a:ext uri="{96DAC541-7B7A-43D3-8B79-37D633B846F1}">
-                  <asvg:svgBlip xmlns:asvg="http://schemas.microsoft.com/office/drawing/2016/SVG/main" r:embed="rId5"/>
-                </a:ext>
-              </a:extLst>
-            </a:blip>
-            <a:stretch>
-              <a:fillRect/>
-            </a:stretch>
-          </p:blipFill>
-          <p:spPr>
-            <a:xfrm>
-              <a:off x="444176" y="92087"/>
-              <a:ext cx="369332" cy="369332"/>
-            </a:xfrm>
-            <a:prstGeom prst="rect">
-              <a:avLst/>
-            </a:prstGeom>
-          </p:spPr>
-        </p:pic>
-        <p:sp>
-          <p:nvSpPr>
-            <p:cNvPr id="7" name="Rectangle 6">
-              <a:extLst>
-                <a:ext uri="{FF2B5EF4-FFF2-40B4-BE49-F238E27FC236}">
-                  <a16:creationId xmlns:a16="http://schemas.microsoft.com/office/drawing/2014/main" id="{692D25E1-B712-43D9-ADFB-F3C45FE86BE7}"/>
-                </a:ext>
-              </a:extLst>
-            </p:cNvPr>
-            <p:cNvSpPr/>
-            <p:nvPr/>
-          </p:nvSpPr>
-          <p:spPr>
-            <a:xfrm>
-              <a:off x="340039" y="-5519"/>
-              <a:ext cx="1571179" cy="638665"/>
-            </a:xfrm>
-            <a:prstGeom prst="rect">
-              <a:avLst/>
-            </a:prstGeom>
-            <a:noFill/>
-            <a:ln w="3175">
-              <a:solidFill>
-                <a:srgbClr val="192857"/>
-              </a:solidFill>
-            </a:ln>
           </p:spPr>
           <p:style>
             <a:lnRef idx="2">
@@ -6322,224 +6651,51 @@
             </a:p>
           </p:txBody>
         </p:sp>
-        <p:sp>
-          <p:nvSpPr>
-            <p:cNvPr id="73" name="Rectangle 72">
+        <p:pic>
+          <p:nvPicPr>
+            <p:cNvPr id="222" name="Graphic 221" descr="Dollar">
               <a:extLst>
                 <a:ext uri="{FF2B5EF4-FFF2-40B4-BE49-F238E27FC236}">
-                  <a16:creationId xmlns:a16="http://schemas.microsoft.com/office/drawing/2014/main" id="{46D642D7-4CB3-428A-A377-A86816E60251}"/>
+                  <a16:creationId xmlns:a16="http://schemas.microsoft.com/office/drawing/2014/main" id="{ECA1C886-9BBA-444C-A3F6-05118F109C41}"/>
                 </a:ext>
               </a:extLst>
             </p:cNvPr>
-            <p:cNvSpPr/>
+            <p:cNvPicPr>
+              <a:picLocks noChangeAspect="1"/>
+            </p:cNvPicPr>
             <p:nvPr/>
-          </p:nvSpPr>
+          </p:nvPicPr>
+          <p:blipFill>
+            <a:blip r:embed="rId6">
+              <a:extLst>
+                <a:ext uri="{28A0092B-C50C-407E-A947-70E740481C1C}">
+                  <a14:useLocalDpi xmlns:a14="http://schemas.microsoft.com/office/drawing/2010/main" val="0"/>
+                </a:ext>
+                <a:ext uri="{96DAC541-7B7A-43D3-8B79-37D633B846F1}">
+                  <asvg:svgBlip xmlns:asvg="http://schemas.microsoft.com/office/drawing/2016/SVG/main" r:embed="rId7"/>
+                </a:ext>
+              </a:extLst>
+            </a:blip>
+            <a:stretch>
+              <a:fillRect/>
+            </a:stretch>
+          </p:blipFill>
           <p:spPr>
             <a:xfrm>
-              <a:off x="6006810" y="0"/>
-              <a:ext cx="1571179" cy="630936"/>
+              <a:off x="1967898" y="2228229"/>
+              <a:ext cx="406087" cy="345440"/>
             </a:xfrm>
             <a:prstGeom prst="rect">
               <a:avLst/>
             </a:prstGeom>
-            <a:solidFill>
-              <a:srgbClr val="BFA458"/>
-            </a:solidFill>
-            <a:ln w="25400">
-              <a:solidFill>
-                <a:srgbClr val="BFA458"/>
-              </a:solidFill>
-            </a:ln>
           </p:spPr>
-          <p:style>
-            <a:lnRef idx="2">
-              <a:schemeClr val="accent1">
-                <a:shade val="50000"/>
-              </a:schemeClr>
-            </a:lnRef>
-            <a:fillRef idx="1">
-              <a:schemeClr val="accent1"/>
-            </a:fillRef>
-            <a:effectRef idx="0">
-              <a:schemeClr val="accent1"/>
-            </a:effectRef>
-            <a:fontRef idx="minor">
-              <a:schemeClr val="lt1"/>
-            </a:fontRef>
-          </p:style>
-          <p:txBody>
-            <a:bodyPr rtlCol="0" anchor="ctr"/>
-            <a:lstStyle/>
-            <a:p>
-              <a:pPr algn="ctr"/>
-              <a:endParaRPr lang="en-US"/>
-            </a:p>
-          </p:txBody>
-        </p:sp>
+        </p:pic>
         <p:sp>
           <p:nvSpPr>
-            <p:cNvPr id="74" name="Rectangle 73">
+            <p:cNvPr id="223" name="TextBox 222">
               <a:extLst>
                 <a:ext uri="{FF2B5EF4-FFF2-40B4-BE49-F238E27FC236}">
-                  <a16:creationId xmlns:a16="http://schemas.microsoft.com/office/drawing/2014/main" id="{0F4EADE8-688B-4FC8-AC3D-5068DE527A89}"/>
-                </a:ext>
-              </a:extLst>
-            </p:cNvPr>
-            <p:cNvSpPr/>
-            <p:nvPr/>
-          </p:nvSpPr>
-          <p:spPr>
-            <a:xfrm>
-              <a:off x="7584945" y="-3621"/>
-              <a:ext cx="1571179" cy="638665"/>
-            </a:xfrm>
-            <a:prstGeom prst="rect">
-              <a:avLst/>
-            </a:prstGeom>
-            <a:noFill/>
-            <a:ln w="12700">
-              <a:solidFill>
-                <a:srgbClr val="192857"/>
-              </a:solidFill>
-            </a:ln>
-          </p:spPr>
-          <p:style>
-            <a:lnRef idx="2">
-              <a:schemeClr val="accent1">
-                <a:shade val="50000"/>
-              </a:schemeClr>
-            </a:lnRef>
-            <a:fillRef idx="1">
-              <a:schemeClr val="accent1"/>
-            </a:fillRef>
-            <a:effectRef idx="0">
-              <a:schemeClr val="accent1"/>
-            </a:effectRef>
-            <a:fontRef idx="minor">
-              <a:schemeClr val="lt1"/>
-            </a:fontRef>
-          </p:style>
-          <p:txBody>
-            <a:bodyPr rtlCol="0" anchor="ctr"/>
-            <a:lstStyle/>
-            <a:p>
-              <a:pPr algn="ctr"/>
-              <a:endParaRPr lang="en-US"/>
-            </a:p>
-          </p:txBody>
-        </p:sp>
-        <p:sp>
-          <p:nvSpPr>
-            <p:cNvPr id="75" name="Rectangle 74">
-              <a:extLst>
-                <a:ext uri="{FF2B5EF4-FFF2-40B4-BE49-F238E27FC236}">
-                  <a16:creationId xmlns:a16="http://schemas.microsoft.com/office/drawing/2014/main" id="{3F9D04D2-EE8B-4A0C-A3CB-BD8E0D32A66D}"/>
-                </a:ext>
-              </a:extLst>
-            </p:cNvPr>
-            <p:cNvSpPr/>
-            <p:nvPr/>
-          </p:nvSpPr>
-          <p:spPr>
-            <a:xfrm>
-              <a:off x="9163081" y="13594"/>
-              <a:ext cx="2155614" cy="621792"/>
-            </a:xfrm>
-            <a:prstGeom prst="rect">
-              <a:avLst/>
-            </a:prstGeom>
-            <a:noFill/>
-            <a:ln w="25400">
-              <a:solidFill>
-                <a:srgbClr val="192857"/>
-              </a:solidFill>
-            </a:ln>
-          </p:spPr>
-          <p:style>
-            <a:lnRef idx="2">
-              <a:schemeClr val="accent1">
-                <a:shade val="50000"/>
-              </a:schemeClr>
-            </a:lnRef>
-            <a:fillRef idx="1">
-              <a:schemeClr val="accent1"/>
-            </a:fillRef>
-            <a:effectRef idx="0">
-              <a:schemeClr val="accent1"/>
-            </a:effectRef>
-            <a:fontRef idx="minor">
-              <a:schemeClr val="lt1"/>
-            </a:fontRef>
-          </p:style>
-          <p:txBody>
-            <a:bodyPr rtlCol="0" anchor="ctr"/>
-            <a:lstStyle/>
-            <a:p>
-              <a:pPr algn="ctr"/>
-              <a:endParaRPr lang="en-US"/>
-            </a:p>
-          </p:txBody>
-        </p:sp>
-        <p:sp>
-          <p:nvSpPr>
-            <p:cNvPr id="8" name="Isosceles Triangle 7">
-              <a:extLst>
-                <a:ext uri="{FF2B5EF4-FFF2-40B4-BE49-F238E27FC236}">
-                  <a16:creationId xmlns:a16="http://schemas.microsoft.com/office/drawing/2014/main" id="{99C48DE2-64E8-41EB-B45D-3122F45AEC9E}"/>
-                </a:ext>
-              </a:extLst>
-            </p:cNvPr>
-            <p:cNvSpPr/>
-            <p:nvPr/>
-          </p:nvSpPr>
-          <p:spPr>
-            <a:xfrm rot="10800000">
-              <a:off x="10926506" y="201708"/>
-              <a:ext cx="261256" cy="211142"/>
-            </a:xfrm>
-            <a:prstGeom prst="triangle">
-              <a:avLst/>
-            </a:prstGeom>
-            <a:solidFill>
-              <a:srgbClr val="BFA458"/>
-            </a:solidFill>
-            <a:ln>
-              <a:solidFill>
-                <a:srgbClr val="192857"/>
-              </a:solidFill>
-            </a:ln>
-          </p:spPr>
-          <p:style>
-            <a:lnRef idx="2">
-              <a:schemeClr val="accent1">
-                <a:shade val="50000"/>
-              </a:schemeClr>
-            </a:lnRef>
-            <a:fillRef idx="1">
-              <a:schemeClr val="accent1"/>
-            </a:fillRef>
-            <a:effectRef idx="0">
-              <a:schemeClr val="accent1"/>
-            </a:effectRef>
-            <a:fontRef idx="minor">
-              <a:schemeClr val="lt1"/>
-            </a:fontRef>
-          </p:style>
-          <p:txBody>
-            <a:bodyPr rtlCol="0" anchor="ctr"/>
-            <a:lstStyle/>
-            <a:p>
-              <a:pPr algn="ctr"/>
-              <a:endParaRPr lang="en-US"/>
-            </a:p>
-          </p:txBody>
-        </p:sp>
-        <p:sp>
-          <p:nvSpPr>
-            <p:cNvPr id="76" name="TextBox 75">
-              <a:extLst>
-                <a:ext uri="{FF2B5EF4-FFF2-40B4-BE49-F238E27FC236}">
-                  <a16:creationId xmlns:a16="http://schemas.microsoft.com/office/drawing/2014/main" id="{AE94C231-C17E-4131-867E-9022F9EF938D}"/>
+                  <a16:creationId xmlns:a16="http://schemas.microsoft.com/office/drawing/2014/main" id="{250BFF0D-D72D-4E9A-AF61-3D3B5A4EA235}"/>
                 </a:ext>
               </a:extLst>
             </p:cNvPr>
@@ -6548,8 +6704,8 @@
           </p:nvSpPr>
           <p:spPr>
             <a:xfrm>
-              <a:off x="6107843" y="39139"/>
-              <a:ext cx="1298402" cy="584775"/>
+              <a:off x="2209042" y="2220588"/>
+              <a:ext cx="1039862" cy="369332"/>
             </a:xfrm>
             <a:prstGeom prst="rect">
               <a:avLst/>
@@ -6562,211 +6718,22 @@
             </a:bodyPr>
             <a:lstStyle/>
             <a:p>
-              <a:pPr algn="ctr"/>
               <a:r>
-                <a:rPr lang="en-US" sz="1600" u="sng" dirty="0">
-                  <a:solidFill>
-                    <a:srgbClr val="192857"/>
-                  </a:solidFill>
+                <a:rPr lang="en-US" dirty="0">
                   <a:latin typeface="Arial Black" panose="020B0A04020102020204" pitchFamily="34" charset="0"/>
-                  <a:cs typeface="Aharoni" panose="02010803020104030203" pitchFamily="2" charset="-79"/>
                 </a:rPr>
-                <a:t>Filter </a:t>
+                <a:t>54.00</a:t>
               </a:r>
-            </a:p>
-            <a:p>
-              <a:pPr algn="ctr"/>
-              <a:r>
-                <a:rPr lang="en-US" sz="1600" u="sng" dirty="0">
-                  <a:solidFill>
-                    <a:srgbClr val="192857"/>
-                  </a:solidFill>
-                  <a:latin typeface="Arial Black" panose="020B0A04020102020204" pitchFamily="34" charset="0"/>
-                  <a:cs typeface="Aharoni" panose="02010803020104030203" pitchFamily="2" charset="-79"/>
-                </a:rPr>
-                <a:t>Search</a:t>
-              </a:r>
-            </a:p>
-          </p:txBody>
-        </p:sp>
-        <p:sp>
-          <p:nvSpPr>
-            <p:cNvPr id="78" name="TextBox 77">
-              <a:extLst>
-                <a:ext uri="{FF2B5EF4-FFF2-40B4-BE49-F238E27FC236}">
-                  <a16:creationId xmlns:a16="http://schemas.microsoft.com/office/drawing/2014/main" id="{15B0FF04-2161-4A39-B564-86E3AF7EDD89}"/>
-                </a:ext>
-              </a:extLst>
-            </p:cNvPr>
-            <p:cNvSpPr txBox="1"/>
-            <p:nvPr/>
-          </p:nvSpPr>
-          <p:spPr>
-            <a:xfrm>
-              <a:off x="7620279" y="45024"/>
-              <a:ext cx="1434470" cy="584775"/>
-            </a:xfrm>
-            <a:prstGeom prst="rect">
-              <a:avLst/>
-            </a:prstGeom>
-            <a:noFill/>
-          </p:spPr>
-          <p:txBody>
-            <a:bodyPr wrap="square" rtlCol="0">
-              <a:spAutoFit/>
-            </a:bodyPr>
-            <a:lstStyle/>
-            <a:p>
-              <a:pPr algn="ctr"/>
-              <a:r>
-                <a:rPr lang="en-US" sz="1600" dirty="0">
-                  <a:solidFill>
-                    <a:srgbClr val="BFA458"/>
-                  </a:solidFill>
-                  <a:latin typeface="Arial Black" panose="020B0A04020102020204" pitchFamily="34" charset="0"/>
-                  <a:cs typeface="Aharoni" panose="02010803020104030203" pitchFamily="2" charset="-79"/>
-                </a:rPr>
-                <a:t>Create Posting</a:t>
-              </a:r>
-            </a:p>
-          </p:txBody>
-        </p:sp>
-      </p:grpSp>
-      <p:grpSp>
-        <p:nvGrpSpPr>
-          <p:cNvPr id="81" name="Group 80">
-            <a:extLst>
-              <a:ext uri="{FF2B5EF4-FFF2-40B4-BE49-F238E27FC236}">
-                <a16:creationId xmlns:a16="http://schemas.microsoft.com/office/drawing/2014/main" id="{9DE94436-9F3D-472C-9E7B-4FCF2512669E}"/>
-              </a:ext>
-            </a:extLst>
-          </p:cNvPr>
-          <p:cNvGrpSpPr/>
-          <p:nvPr/>
-        </p:nvGrpSpPr>
-        <p:grpSpPr>
-          <a:xfrm>
-            <a:off x="11986372" y="633146"/>
-            <a:ext cx="200961" cy="6217920"/>
-            <a:chOff x="11808505" y="886406"/>
-            <a:chExt cx="182879" cy="5943600"/>
-          </a:xfrm>
-        </p:grpSpPr>
-        <p:sp>
-          <p:nvSpPr>
-            <p:cNvPr id="82" name="Rectangle 81">
-              <a:extLst>
-                <a:ext uri="{FF2B5EF4-FFF2-40B4-BE49-F238E27FC236}">
-                  <a16:creationId xmlns:a16="http://schemas.microsoft.com/office/drawing/2014/main" id="{152844C7-0366-4004-B118-EC98E092660D}"/>
-                </a:ext>
-              </a:extLst>
-            </p:cNvPr>
-            <p:cNvSpPr/>
-            <p:nvPr/>
-          </p:nvSpPr>
-          <p:spPr>
-            <a:xfrm>
-              <a:off x="11808505" y="886406"/>
-              <a:ext cx="182879" cy="5943600"/>
-            </a:xfrm>
-            <a:prstGeom prst="rect">
-              <a:avLst/>
-            </a:prstGeom>
-            <a:solidFill>
-              <a:srgbClr val="E7E6E6"/>
-            </a:solidFill>
-            <a:ln w="25400">
-              <a:solidFill>
-                <a:srgbClr val="192857"/>
-              </a:solidFill>
-            </a:ln>
-          </p:spPr>
-          <p:style>
-            <a:lnRef idx="2">
-              <a:schemeClr val="accent1">
-                <a:shade val="50000"/>
-              </a:schemeClr>
-            </a:lnRef>
-            <a:fillRef idx="1">
-              <a:schemeClr val="accent1"/>
-            </a:fillRef>
-            <a:effectRef idx="0">
-              <a:schemeClr val="accent1"/>
-            </a:effectRef>
-            <a:fontRef idx="minor">
-              <a:schemeClr val="lt1"/>
-            </a:fontRef>
-          </p:style>
-          <p:txBody>
-            <a:bodyPr rtlCol="0" anchor="ctr"/>
-            <a:lstStyle/>
-            <a:p>
-              <a:pPr algn="ctr"/>
-              <a:endParaRPr lang="en-US"/>
-            </a:p>
-          </p:txBody>
-        </p:sp>
-        <p:sp>
-          <p:nvSpPr>
-            <p:cNvPr id="83" name="Rectangle 82">
-              <a:extLst>
-                <a:ext uri="{FF2B5EF4-FFF2-40B4-BE49-F238E27FC236}">
-                  <a16:creationId xmlns:a16="http://schemas.microsoft.com/office/drawing/2014/main" id="{C51AFCFC-9F90-43FF-9A1F-81442D69F588}"/>
-                </a:ext>
-              </a:extLst>
-            </p:cNvPr>
-            <p:cNvSpPr/>
-            <p:nvPr/>
-          </p:nvSpPr>
-          <p:spPr>
-            <a:xfrm>
-              <a:off x="11827171" y="891412"/>
-              <a:ext cx="146304" cy="3402727"/>
-            </a:xfrm>
-            <a:prstGeom prst="rect">
-              <a:avLst/>
-            </a:prstGeom>
-            <a:solidFill>
-              <a:srgbClr val="BFA458"/>
-            </a:solidFill>
-            <a:ln>
-              <a:solidFill>
-                <a:srgbClr val="BFA458"/>
-              </a:solidFill>
-            </a:ln>
-          </p:spPr>
-          <p:style>
-            <a:lnRef idx="2">
-              <a:schemeClr val="accent1">
-                <a:shade val="50000"/>
-              </a:schemeClr>
-            </a:lnRef>
-            <a:fillRef idx="1">
-              <a:schemeClr val="accent1"/>
-            </a:fillRef>
-            <a:effectRef idx="0">
-              <a:schemeClr val="accent1"/>
-            </a:effectRef>
-            <a:fontRef idx="minor">
-              <a:schemeClr val="lt1"/>
-            </a:fontRef>
-          </p:style>
-          <p:txBody>
-            <a:bodyPr rtlCol="0" anchor="ctr"/>
-            <a:lstStyle/>
-            <a:p>
-              <a:pPr algn="ctr"/>
-              <a:endParaRPr lang="en-US"/>
             </a:p>
           </p:txBody>
         </p:sp>
       </p:grpSp>
       <p:pic>
         <p:nvPicPr>
-          <p:cNvPr id="10" name="Graphic 9" descr="Cursor">
-            <a:extLst>
-              <a:ext uri="{FF2B5EF4-FFF2-40B4-BE49-F238E27FC236}">
-                <a16:creationId xmlns:a16="http://schemas.microsoft.com/office/drawing/2014/main" id="{BF9E896A-3BEE-4547-8DD4-2CF151209CF9}"/>
+          <p:cNvPr id="229" name="Picture 228">
+            <a:extLst>
+              <a:ext uri="{FF2B5EF4-FFF2-40B4-BE49-F238E27FC236}">
+                <a16:creationId xmlns:a16="http://schemas.microsoft.com/office/drawing/2014/main" id="{7D763971-55D0-4DFB-BE09-78DC2335DDC8}"/>
               </a:ext>
             </a:extLst>
           </p:cNvPr>
@@ -6776,24 +6743,75 @@
           <p:nvPr/>
         </p:nvPicPr>
         <p:blipFill>
-          <a:blip r:embed="rId6">
-            <a:extLst>
-              <a:ext uri="{28A0092B-C50C-407E-A947-70E740481C1C}">
-                <a14:useLocalDpi xmlns:a14="http://schemas.microsoft.com/office/drawing/2010/main" val="0"/>
-              </a:ext>
-              <a:ext uri="{96DAC541-7B7A-43D3-8B79-37D633B846F1}">
-                <asvg:svgBlip xmlns:asvg="http://schemas.microsoft.com/office/drawing/2016/SVG/main" r:embed="rId7"/>
-              </a:ext>
-            </a:extLst>
-          </a:blip>
+          <a:blip r:embed="rId8"/>
           <a:stretch>
             <a:fillRect/>
           </a:stretch>
         </p:blipFill>
         <p:spPr>
           <a:xfrm>
-            <a:off x="7209380" y="286849"/>
-            <a:ext cx="342583" cy="342583"/>
+            <a:off x="276339" y="5203241"/>
+            <a:ext cx="3486150" cy="1647825"/>
+          </a:xfrm>
+          <a:prstGeom prst="rect">
+            <a:avLst/>
+          </a:prstGeom>
+        </p:spPr>
+      </p:pic>
+      <p:pic>
+        <p:nvPicPr>
+          <p:cNvPr id="230" name="Picture 229">
+            <a:extLst>
+              <a:ext uri="{FF2B5EF4-FFF2-40B4-BE49-F238E27FC236}">
+                <a16:creationId xmlns:a16="http://schemas.microsoft.com/office/drawing/2014/main" id="{A3D62B03-689B-43E6-8727-0C6E348A1186}"/>
+              </a:ext>
+            </a:extLst>
+          </p:cNvPr>
+          <p:cNvPicPr>
+            <a:picLocks noChangeAspect="1"/>
+          </p:cNvPicPr>
+          <p:nvPr/>
+        </p:nvPicPr>
+        <p:blipFill>
+          <a:blip r:embed="rId8"/>
+          <a:stretch>
+            <a:fillRect/>
+          </a:stretch>
+        </p:blipFill>
+        <p:spPr>
+          <a:xfrm>
+            <a:off x="4173469" y="5210175"/>
+            <a:ext cx="3486150" cy="1647825"/>
+          </a:xfrm>
+          <a:prstGeom prst="rect">
+            <a:avLst/>
+          </a:prstGeom>
+        </p:spPr>
+      </p:pic>
+      <p:pic>
+        <p:nvPicPr>
+          <p:cNvPr id="231" name="Picture 230">
+            <a:extLst>
+              <a:ext uri="{FF2B5EF4-FFF2-40B4-BE49-F238E27FC236}">
+                <a16:creationId xmlns:a16="http://schemas.microsoft.com/office/drawing/2014/main" id="{EE2CBDBD-D884-49FD-9315-A210B1C74931}"/>
+              </a:ext>
+            </a:extLst>
+          </p:cNvPr>
+          <p:cNvPicPr>
+            <a:picLocks noChangeAspect="1"/>
+          </p:cNvPicPr>
+          <p:nvPr/>
+        </p:nvPicPr>
+        <p:blipFill>
+          <a:blip r:embed="rId8"/>
+          <a:stretch>
+            <a:fillRect/>
+          </a:stretch>
+        </p:blipFill>
+        <p:spPr>
+          <a:xfrm>
+            <a:off x="8094417" y="5197237"/>
+            <a:ext cx="3486150" cy="1647825"/>
           </a:xfrm>
           <a:prstGeom prst="rect">
             <a:avLst/>
@@ -6867,7 +6885,7 @@
             </a:solidFill>
             <a:extLst>
               <a:ext uri="{C807C97D-BFC1-408E-A445-0C87EB9F89A2}">
-                <ask:lineSketchStyleProps xmlns="" xmlns:ask="http://schemas.microsoft.com/office/drawing/2018/sketchyshapes" sd="1219033472">
+                <ask:lineSketchStyleProps xmlns:ask="http://schemas.microsoft.com/office/drawing/2018/sketchyshapes" xmlns="" sd="1219033472">
                   <a:custGeom>
                     <a:avLst/>
                     <a:gdLst>
